--- a/Presentations/CECAdvisoryBoardDemo.pptx
+++ b/Presentations/CECAdvisoryBoardDemo.pptx
@@ -1,19 +1,19 @@
 
 <file path=ppt/presentation.xml><?xml version="1.0" encoding="utf-8"?>
-<p:presentation xmlns:a="http://schemas.openxmlformats.org/drawingml/2006/main" xmlns:r="http://schemas.openxmlformats.org/officeDocument/2006/relationships" xmlns:p="http://schemas.openxmlformats.org/presentationml/2006/main" strictFirstAndLastChars="0" saveSubsetFonts="1" autoCompressPictures="0">
+<p:presentation xmlns:a="http://schemas.openxmlformats.org/drawingml/2006/main" xmlns:r="http://schemas.openxmlformats.org/officeDocument/2006/relationships" xmlns:mc="http://schemas.openxmlformats.org/markup-compatibility/2006" xmlns:mv="urn:schemas-microsoft-com:mac:vml" xmlns:p="http://schemas.openxmlformats.org/presentationml/2006/main" xmlns:c="http://schemas.openxmlformats.org/drawingml/2006/chart" xmlns:dgm="http://schemas.openxmlformats.org/drawingml/2006/diagram" xmlns:o="urn:schemas-microsoft-com:office:office" xmlns:v="urn:schemas-microsoft-com:vml" xmlns:pvml="urn:schemas-microsoft-com:office:powerpoint" xmlns:com="http://schemas.openxmlformats.org/drawingml/2006/compatibility" xmlns:p14="http://schemas.microsoft.com/office/powerpoint/2010/main" xmlns:p15="http://schemas.microsoft.com/office/powerpoint/2012/main" autoCompressPictures="0" strictFirstAndLastChars="0" saveSubsetFonts="1">
   <p:sldMasterIdLst>
-    <p:sldMasterId id="2147483657" r:id="rId1"/>
+    <p:sldMasterId id="2147483657" r:id="rId5"/>
   </p:sldMasterIdLst>
   <p:notesMasterIdLst>
-    <p:notesMasterId r:id="rId3"/>
+    <p:notesMasterId r:id="rId6"/>
   </p:notesMasterIdLst>
   <p:sldIdLst>
-    <p:sldId id="256" r:id="rId2"/>
+    <p:sldId id="256" r:id="rId7"/>
   </p:sldIdLst>
-  <p:sldSz cx="43891200" cy="32918400"/>
+  <p:sldSz cy="32918400" cx="43891200"/>
   <p:notesSz cx="6858000" cy="9144000"/>
   <p:defaultTextStyle>
-    <a:defPPr marR="0" lvl="0" algn="l" rtl="0">
+    <a:defPPr lvl="0" marR="0" rtl="0" algn="l">
       <a:lnSpc>
         <a:spcPct val="100000"/>
       </a:lnSpc>
@@ -24,7 +24,7 @@
         <a:spcPts val="0"/>
       </a:spcAft>
     </a:defPPr>
-    <a:lvl1pPr marR="0" lvl="0" algn="l" rtl="0">
+    <a:lvl1pPr lvl="0" marR="0" rtl="0" algn="l">
       <a:lnSpc>
         <a:spcPct val="100000"/>
       </a:lnSpc>
@@ -38,7 +38,7 @@
         <a:srgbClr val="000000"/>
       </a:buClr>
       <a:buFont typeface="Arial"/>
-      <a:defRPr sz="1400" b="0" i="0" u="none" strike="noStrike" cap="none">
+      <a:defRPr b="0" i="0" sz="1400" u="none" cap="none" strike="noStrike">
         <a:solidFill>
           <a:srgbClr val="000000"/>
         </a:solidFill>
@@ -48,7 +48,7 @@
         <a:sym typeface="Arial"/>
       </a:defRPr>
     </a:lvl1pPr>
-    <a:lvl2pPr marR="0" lvl="1" algn="l" rtl="0">
+    <a:lvl2pPr lvl="1" marR="0" rtl="0" algn="l">
       <a:lnSpc>
         <a:spcPct val="100000"/>
       </a:lnSpc>
@@ -62,7 +62,7 @@
         <a:srgbClr val="000000"/>
       </a:buClr>
       <a:buFont typeface="Arial"/>
-      <a:defRPr sz="1400" b="0" i="0" u="none" strike="noStrike" cap="none">
+      <a:defRPr b="0" i="0" sz="1400" u="none" cap="none" strike="noStrike">
         <a:solidFill>
           <a:srgbClr val="000000"/>
         </a:solidFill>
@@ -72,7 +72,7 @@
         <a:sym typeface="Arial"/>
       </a:defRPr>
     </a:lvl2pPr>
-    <a:lvl3pPr marR="0" lvl="2" algn="l" rtl="0">
+    <a:lvl3pPr lvl="2" marR="0" rtl="0" algn="l">
       <a:lnSpc>
         <a:spcPct val="100000"/>
       </a:lnSpc>
@@ -86,7 +86,7 @@
         <a:srgbClr val="000000"/>
       </a:buClr>
       <a:buFont typeface="Arial"/>
-      <a:defRPr sz="1400" b="0" i="0" u="none" strike="noStrike" cap="none">
+      <a:defRPr b="0" i="0" sz="1400" u="none" cap="none" strike="noStrike">
         <a:solidFill>
           <a:srgbClr val="000000"/>
         </a:solidFill>
@@ -96,7 +96,7 @@
         <a:sym typeface="Arial"/>
       </a:defRPr>
     </a:lvl3pPr>
-    <a:lvl4pPr marR="0" lvl="3" algn="l" rtl="0">
+    <a:lvl4pPr lvl="3" marR="0" rtl="0" algn="l">
       <a:lnSpc>
         <a:spcPct val="100000"/>
       </a:lnSpc>
@@ -110,7 +110,7 @@
         <a:srgbClr val="000000"/>
       </a:buClr>
       <a:buFont typeface="Arial"/>
-      <a:defRPr sz="1400" b="0" i="0" u="none" strike="noStrike" cap="none">
+      <a:defRPr b="0" i="0" sz="1400" u="none" cap="none" strike="noStrike">
         <a:solidFill>
           <a:srgbClr val="000000"/>
         </a:solidFill>
@@ -120,7 +120,7 @@
         <a:sym typeface="Arial"/>
       </a:defRPr>
     </a:lvl4pPr>
-    <a:lvl5pPr marR="0" lvl="4" algn="l" rtl="0">
+    <a:lvl5pPr lvl="4" marR="0" rtl="0" algn="l">
       <a:lnSpc>
         <a:spcPct val="100000"/>
       </a:lnSpc>
@@ -134,7 +134,7 @@
         <a:srgbClr val="000000"/>
       </a:buClr>
       <a:buFont typeface="Arial"/>
-      <a:defRPr sz="1400" b="0" i="0" u="none" strike="noStrike" cap="none">
+      <a:defRPr b="0" i="0" sz="1400" u="none" cap="none" strike="noStrike">
         <a:solidFill>
           <a:srgbClr val="000000"/>
         </a:solidFill>
@@ -144,7 +144,7 @@
         <a:sym typeface="Arial"/>
       </a:defRPr>
     </a:lvl5pPr>
-    <a:lvl6pPr marR="0" lvl="5" algn="l" rtl="0">
+    <a:lvl6pPr lvl="5" marR="0" rtl="0" algn="l">
       <a:lnSpc>
         <a:spcPct val="100000"/>
       </a:lnSpc>
@@ -158,7 +158,7 @@
         <a:srgbClr val="000000"/>
       </a:buClr>
       <a:buFont typeface="Arial"/>
-      <a:defRPr sz="1400" b="0" i="0" u="none" strike="noStrike" cap="none">
+      <a:defRPr b="0" i="0" sz="1400" u="none" cap="none" strike="noStrike">
         <a:solidFill>
           <a:srgbClr val="000000"/>
         </a:solidFill>
@@ -168,7 +168,7 @@
         <a:sym typeface="Arial"/>
       </a:defRPr>
     </a:lvl6pPr>
-    <a:lvl7pPr marR="0" lvl="6" algn="l" rtl="0">
+    <a:lvl7pPr lvl="6" marR="0" rtl="0" algn="l">
       <a:lnSpc>
         <a:spcPct val="100000"/>
       </a:lnSpc>
@@ -182,7 +182,7 @@
         <a:srgbClr val="000000"/>
       </a:buClr>
       <a:buFont typeface="Arial"/>
-      <a:defRPr sz="1400" b="0" i="0" u="none" strike="noStrike" cap="none">
+      <a:defRPr b="0" i="0" sz="1400" u="none" cap="none" strike="noStrike">
         <a:solidFill>
           <a:srgbClr val="000000"/>
         </a:solidFill>
@@ -192,7 +192,7 @@
         <a:sym typeface="Arial"/>
       </a:defRPr>
     </a:lvl7pPr>
-    <a:lvl8pPr marR="0" lvl="7" algn="l" rtl="0">
+    <a:lvl8pPr lvl="7" marR="0" rtl="0" algn="l">
       <a:lnSpc>
         <a:spcPct val="100000"/>
       </a:lnSpc>
@@ -206,7 +206,7 @@
         <a:srgbClr val="000000"/>
       </a:buClr>
       <a:buFont typeface="Arial"/>
-      <a:defRPr sz="1400" b="0" i="0" u="none" strike="noStrike" cap="none">
+      <a:defRPr b="0" i="0" sz="1400" u="none" cap="none" strike="noStrike">
         <a:solidFill>
           <a:srgbClr val="000000"/>
         </a:solidFill>
@@ -216,7 +216,7 @@
         <a:sym typeface="Arial"/>
       </a:defRPr>
     </a:lvl8pPr>
-    <a:lvl9pPr marR="0" lvl="8" algn="l" rtl="0">
+    <a:lvl9pPr lvl="8" marR="0" rtl="0" algn="l">
       <a:lnSpc>
         <a:spcPct val="100000"/>
       </a:lnSpc>
@@ -230,7 +230,7 @@
         <a:srgbClr val="000000"/>
       </a:buClr>
       <a:buFont typeface="Arial"/>
-      <a:defRPr sz="1400" b="0" i="0" u="none" strike="noStrike" cap="none">
+      <a:defRPr b="0" i="0" sz="1400" u="none" cap="none" strike="noStrike">
         <a:solidFill>
           <a:srgbClr val="000000"/>
         </a:solidFill>
@@ -243,7 +243,7 @@
   </p:defaultTextStyle>
   <p:extLst>
     <p:ext uri="{EFAFB233-063F-42B5-8137-9DF3F51BA10A}">
-      <p15:sldGuideLst xmlns:p15="http://schemas.microsoft.com/office/powerpoint/2012/main">
+      <p15:sldGuideLst>
         <p15:guide id="1" orient="horz" pos="10368">
           <p15:clr>
             <a:srgbClr val="A4A3A4"/>
@@ -260,20 +260,34 @@
 </p:presentation>
 </file>
 
+<file path=ppt/commentAuthors.xml><?xml version="1.0" encoding="utf-8"?>
+<p:cmAuthorLst xmlns:a="http://schemas.openxmlformats.org/drawingml/2006/main" xmlns:r="http://schemas.openxmlformats.org/officeDocument/2006/relationships" xmlns:mc="http://schemas.openxmlformats.org/markup-compatibility/2006" xmlns:mv="urn:schemas-microsoft-com:mac:vml" xmlns:p="http://schemas.openxmlformats.org/presentationml/2006/main" xmlns:c="http://schemas.openxmlformats.org/drawingml/2006/chart" xmlns:dgm="http://schemas.openxmlformats.org/drawingml/2006/diagram" xmlns:o="urn:schemas-microsoft-com:office:office" xmlns:v="urn:schemas-microsoft-com:vml" xmlns:pvml="urn:schemas-microsoft-com:office:powerpoint" xmlns:com="http://schemas.openxmlformats.org/drawingml/2006/compatibility" xmlns:p14="http://schemas.microsoft.com/office/powerpoint/2010/main" xmlns:p15="http://schemas.microsoft.com/office/powerpoint/2012/main">
+  <p:cmAuthor clrIdx="0" id="0" initials="" lastIdx="1" name="Chris Bowling"/>
+</p:cmAuthorLst>
+</file>
+
+<file path=ppt/comments/comment1.xml><?xml version="1.0" encoding="utf-8"?>
+<p:cmLst xmlns:a="http://schemas.openxmlformats.org/drawingml/2006/main" xmlns:r="http://schemas.openxmlformats.org/officeDocument/2006/relationships" xmlns:mc="http://schemas.openxmlformats.org/markup-compatibility/2006" xmlns:mv="urn:schemas-microsoft-com:mac:vml" xmlns:p="http://schemas.openxmlformats.org/presentationml/2006/main" xmlns:c="http://schemas.openxmlformats.org/drawingml/2006/chart" xmlns:dgm="http://schemas.openxmlformats.org/drawingml/2006/diagram" xmlns:o="urn:schemas-microsoft-com:office:office" xmlns:v="urn:schemas-microsoft-com:vml" xmlns:pvml="urn:schemas-microsoft-com:office:powerpoint" xmlns:com="http://schemas.openxmlformats.org/drawingml/2006/compatibility" xmlns:p14="http://schemas.microsoft.com/office/powerpoint/2010/main" xmlns:p15="http://schemas.microsoft.com/office/powerpoint/2012/main">
+  <p:cm authorId="0" idx="1" dt="2018-04-30T15:50:57.285">
+    <p:pos x="6000" y="0"/>
+    <p:text>Throw one under future goals and take some out of methodology if we can</p:text>
+  </p:cm>
+</p:cmLst>
+</file>
+
 <file path=ppt/notesMasters/notesMaster1.xml><?xml version="1.0" encoding="utf-8"?>
-<p:notesMaster xmlns:a="http://schemas.openxmlformats.org/drawingml/2006/main" xmlns:r="http://schemas.openxmlformats.org/officeDocument/2006/relationships" xmlns:p="http://schemas.openxmlformats.org/presentationml/2006/main">
+<p:notesMaster xmlns:a="http://schemas.openxmlformats.org/drawingml/2006/main" xmlns:r="http://schemas.openxmlformats.org/officeDocument/2006/relationships" xmlns:mc="http://schemas.openxmlformats.org/markup-compatibility/2006" xmlns:mv="urn:schemas-microsoft-com:mac:vml" xmlns:p="http://schemas.openxmlformats.org/presentationml/2006/main" xmlns:c="http://schemas.openxmlformats.org/drawingml/2006/chart" xmlns:dgm="http://schemas.openxmlformats.org/drawingml/2006/diagram" xmlns:o="urn:schemas-microsoft-com:office:office" xmlns:v="urn:schemas-microsoft-com:vml" xmlns:pvml="urn:schemas-microsoft-com:office:powerpoint" xmlns:com="http://schemas.openxmlformats.org/drawingml/2006/compatibility" xmlns:p14="http://schemas.microsoft.com/office/powerpoint/2010/main" xmlns:p15="http://schemas.microsoft.com/office/powerpoint/2012/main">
   <p:cSld>
     <p:bg>
       <p:bgPr>
         <a:solidFill>
           <a:schemeClr val="lt1"/>
         </a:solidFill>
-        <a:effectLst/>
       </p:bgPr>
     </p:bg>
     <p:spTree>
       <p:nvGrpSpPr>
-        <p:cNvPr id="1" name="Shape 2"/>
+        <p:cNvPr id="2" name="Shape 2"/>
         <p:cNvGrpSpPr/>
         <p:nvPr/>
       </p:nvGrpSpPr>
@@ -288,11 +302,9 @@
       <p:sp>
         <p:nvSpPr>
           <p:cNvPr id="3" name="Shape 3"/>
-          <p:cNvSpPr txBox="1">
-            <a:spLocks noGrp="1"/>
-          </p:cNvSpPr>
+          <p:cNvSpPr txBox="1"/>
           <p:nvPr>
-            <p:ph type="hdr" idx="2"/>
+            <p:ph idx="2" type="hdr"/>
           </p:nvPr>
         </p:nvSpPr>
         <p:spPr>
@@ -309,18 +321,25 @@
           </a:ln>
         </p:spPr>
         <p:txBody>
-          <a:bodyPr spcFirstLastPara="1" wrap="square" lIns="91425" tIns="91425" rIns="91425" bIns="91425" anchor="t" anchorCtr="0"/>
+          <a:bodyPr anchorCtr="0" anchor="t" bIns="91425" lIns="91425" spcFirstLastPara="1" rIns="91425" wrap="square" tIns="91425"/>
           <a:lstStyle>
-            <a:lvl1pPr marR="0" lvl="0" algn="l" rtl="0">
-              <a:spcBef>
-                <a:spcPts val="0"/>
-              </a:spcBef>
-              <a:spcAft>
-                <a:spcPts val="0"/>
-              </a:spcAft>
+            <a:lvl1pPr lvl="0" marR="0" rtl="0" algn="l">
+              <a:lnSpc>
+                <a:spcPct val="100000"/>
+              </a:lnSpc>
+              <a:spcBef>
+                <a:spcPts val="0"/>
+              </a:spcBef>
+              <a:spcAft>
+                <a:spcPts val="0"/>
+              </a:spcAft>
+              <a:buClr>
+                <a:srgbClr val="000000"/>
+              </a:buClr>
               <a:buSzPts val="1400"/>
-              <a:buNone/>
-              <a:defRPr sz="1200" b="0" i="0" u="none" strike="noStrike" cap="none">
+              <a:buFont typeface="Arial"/>
+              <a:buNone/>
+              <a:defRPr b="0" i="0" sz="1200" u="none" cap="none" strike="noStrike">
                 <a:solidFill>
                   <a:schemeClr val="dk1"/>
                 </a:solidFill>
@@ -330,16 +349,23 @@
                 <a:sym typeface="Calibri"/>
               </a:defRPr>
             </a:lvl1pPr>
-            <a:lvl2pPr marR="0" lvl="1" algn="l" rtl="0">
-              <a:spcBef>
-                <a:spcPts val="0"/>
-              </a:spcBef>
-              <a:spcAft>
-                <a:spcPts val="0"/>
-              </a:spcAft>
+            <a:lvl2pPr lvl="1" marR="0" rtl="0" algn="l">
+              <a:lnSpc>
+                <a:spcPct val="100000"/>
+              </a:lnSpc>
+              <a:spcBef>
+                <a:spcPts val="0"/>
+              </a:spcBef>
+              <a:spcAft>
+                <a:spcPts val="0"/>
+              </a:spcAft>
+              <a:buClr>
+                <a:srgbClr val="000000"/>
+              </a:buClr>
               <a:buSzPts val="1400"/>
-              <a:buNone/>
-              <a:defRPr sz="8640" b="0" i="0" u="none" strike="noStrike" cap="none">
+              <a:buFont typeface="Arial"/>
+              <a:buNone/>
+              <a:defRPr b="0" i="0" sz="8640" u="none" cap="none" strike="noStrike">
                 <a:solidFill>
                   <a:schemeClr val="dk1"/>
                 </a:solidFill>
@@ -349,16 +375,23 @@
                 <a:sym typeface="Calibri"/>
               </a:defRPr>
             </a:lvl2pPr>
-            <a:lvl3pPr marR="0" lvl="2" algn="l" rtl="0">
-              <a:spcBef>
-                <a:spcPts val="0"/>
-              </a:spcBef>
-              <a:spcAft>
-                <a:spcPts val="0"/>
-              </a:spcAft>
+            <a:lvl3pPr lvl="2" marR="0" rtl="0" algn="l">
+              <a:lnSpc>
+                <a:spcPct val="100000"/>
+              </a:lnSpc>
+              <a:spcBef>
+                <a:spcPts val="0"/>
+              </a:spcBef>
+              <a:spcAft>
+                <a:spcPts val="0"/>
+              </a:spcAft>
+              <a:buClr>
+                <a:srgbClr val="000000"/>
+              </a:buClr>
               <a:buSzPts val="1400"/>
-              <a:buNone/>
-              <a:defRPr sz="8640" b="0" i="0" u="none" strike="noStrike" cap="none">
+              <a:buFont typeface="Arial"/>
+              <a:buNone/>
+              <a:defRPr b="0" i="0" sz="8640" u="none" cap="none" strike="noStrike">
                 <a:solidFill>
                   <a:schemeClr val="dk1"/>
                 </a:solidFill>
@@ -368,16 +401,23 @@
                 <a:sym typeface="Calibri"/>
               </a:defRPr>
             </a:lvl3pPr>
-            <a:lvl4pPr marR="0" lvl="3" algn="l" rtl="0">
-              <a:spcBef>
-                <a:spcPts val="0"/>
-              </a:spcBef>
-              <a:spcAft>
-                <a:spcPts val="0"/>
-              </a:spcAft>
+            <a:lvl4pPr lvl="3" marR="0" rtl="0" algn="l">
+              <a:lnSpc>
+                <a:spcPct val="100000"/>
+              </a:lnSpc>
+              <a:spcBef>
+                <a:spcPts val="0"/>
+              </a:spcBef>
+              <a:spcAft>
+                <a:spcPts val="0"/>
+              </a:spcAft>
+              <a:buClr>
+                <a:srgbClr val="000000"/>
+              </a:buClr>
               <a:buSzPts val="1400"/>
-              <a:buNone/>
-              <a:defRPr sz="8640" b="0" i="0" u="none" strike="noStrike" cap="none">
+              <a:buFont typeface="Arial"/>
+              <a:buNone/>
+              <a:defRPr b="0" i="0" sz="8640" u="none" cap="none" strike="noStrike">
                 <a:solidFill>
                   <a:schemeClr val="dk1"/>
                 </a:solidFill>
@@ -387,16 +427,23 @@
                 <a:sym typeface="Calibri"/>
               </a:defRPr>
             </a:lvl4pPr>
-            <a:lvl5pPr marR="0" lvl="4" algn="l" rtl="0">
-              <a:spcBef>
-                <a:spcPts val="0"/>
-              </a:spcBef>
-              <a:spcAft>
-                <a:spcPts val="0"/>
-              </a:spcAft>
+            <a:lvl5pPr lvl="4" marR="0" rtl="0" algn="l">
+              <a:lnSpc>
+                <a:spcPct val="100000"/>
+              </a:lnSpc>
+              <a:spcBef>
+                <a:spcPts val="0"/>
+              </a:spcBef>
+              <a:spcAft>
+                <a:spcPts val="0"/>
+              </a:spcAft>
+              <a:buClr>
+                <a:srgbClr val="000000"/>
+              </a:buClr>
               <a:buSzPts val="1400"/>
-              <a:buNone/>
-              <a:defRPr sz="8640" b="0" i="0" u="none" strike="noStrike" cap="none">
+              <a:buFont typeface="Arial"/>
+              <a:buNone/>
+              <a:defRPr b="0" i="0" sz="8640" u="none" cap="none" strike="noStrike">
                 <a:solidFill>
                   <a:schemeClr val="dk1"/>
                 </a:solidFill>
@@ -406,16 +453,23 @@
                 <a:sym typeface="Calibri"/>
               </a:defRPr>
             </a:lvl5pPr>
-            <a:lvl6pPr marR="0" lvl="5" algn="l" rtl="0">
-              <a:spcBef>
-                <a:spcPts val="0"/>
-              </a:spcBef>
-              <a:spcAft>
-                <a:spcPts val="0"/>
-              </a:spcAft>
+            <a:lvl6pPr lvl="5" marR="0" rtl="0" algn="l">
+              <a:lnSpc>
+                <a:spcPct val="100000"/>
+              </a:lnSpc>
+              <a:spcBef>
+                <a:spcPts val="0"/>
+              </a:spcBef>
+              <a:spcAft>
+                <a:spcPts val="0"/>
+              </a:spcAft>
+              <a:buClr>
+                <a:srgbClr val="000000"/>
+              </a:buClr>
               <a:buSzPts val="1400"/>
-              <a:buNone/>
-              <a:defRPr sz="8640" b="0" i="0" u="none" strike="noStrike" cap="none">
+              <a:buFont typeface="Arial"/>
+              <a:buNone/>
+              <a:defRPr b="0" i="0" sz="8640" u="none" cap="none" strike="noStrike">
                 <a:solidFill>
                   <a:schemeClr val="dk1"/>
                 </a:solidFill>
@@ -425,16 +479,23 @@
                 <a:sym typeface="Calibri"/>
               </a:defRPr>
             </a:lvl6pPr>
-            <a:lvl7pPr marR="0" lvl="6" algn="l" rtl="0">
-              <a:spcBef>
-                <a:spcPts val="0"/>
-              </a:spcBef>
-              <a:spcAft>
-                <a:spcPts val="0"/>
-              </a:spcAft>
+            <a:lvl7pPr lvl="6" marR="0" rtl="0" algn="l">
+              <a:lnSpc>
+                <a:spcPct val="100000"/>
+              </a:lnSpc>
+              <a:spcBef>
+                <a:spcPts val="0"/>
+              </a:spcBef>
+              <a:spcAft>
+                <a:spcPts val="0"/>
+              </a:spcAft>
+              <a:buClr>
+                <a:srgbClr val="000000"/>
+              </a:buClr>
               <a:buSzPts val="1400"/>
-              <a:buNone/>
-              <a:defRPr sz="8640" b="0" i="0" u="none" strike="noStrike" cap="none">
+              <a:buFont typeface="Arial"/>
+              <a:buNone/>
+              <a:defRPr b="0" i="0" sz="8640" u="none" cap="none" strike="noStrike">
                 <a:solidFill>
                   <a:schemeClr val="dk1"/>
                 </a:solidFill>
@@ -444,16 +505,23 @@
                 <a:sym typeface="Calibri"/>
               </a:defRPr>
             </a:lvl7pPr>
-            <a:lvl8pPr marR="0" lvl="7" algn="l" rtl="0">
-              <a:spcBef>
-                <a:spcPts val="0"/>
-              </a:spcBef>
-              <a:spcAft>
-                <a:spcPts val="0"/>
-              </a:spcAft>
+            <a:lvl8pPr lvl="7" marR="0" rtl="0" algn="l">
+              <a:lnSpc>
+                <a:spcPct val="100000"/>
+              </a:lnSpc>
+              <a:spcBef>
+                <a:spcPts val="0"/>
+              </a:spcBef>
+              <a:spcAft>
+                <a:spcPts val="0"/>
+              </a:spcAft>
+              <a:buClr>
+                <a:srgbClr val="000000"/>
+              </a:buClr>
               <a:buSzPts val="1400"/>
-              <a:buNone/>
-              <a:defRPr sz="8640" b="0" i="0" u="none" strike="noStrike" cap="none">
+              <a:buFont typeface="Arial"/>
+              <a:buNone/>
+              <a:defRPr b="0" i="0" sz="8640" u="none" cap="none" strike="noStrike">
                 <a:solidFill>
                   <a:schemeClr val="dk1"/>
                 </a:solidFill>
@@ -463,16 +531,23 @@
                 <a:sym typeface="Calibri"/>
               </a:defRPr>
             </a:lvl8pPr>
-            <a:lvl9pPr marR="0" lvl="8" algn="l" rtl="0">
-              <a:spcBef>
-                <a:spcPts val="0"/>
-              </a:spcBef>
-              <a:spcAft>
-                <a:spcPts val="0"/>
-              </a:spcAft>
+            <a:lvl9pPr lvl="8" marR="0" rtl="0" algn="l">
+              <a:lnSpc>
+                <a:spcPct val="100000"/>
+              </a:lnSpc>
+              <a:spcBef>
+                <a:spcPts val="0"/>
+              </a:spcBef>
+              <a:spcAft>
+                <a:spcPts val="0"/>
+              </a:spcAft>
+              <a:buClr>
+                <a:srgbClr val="000000"/>
+              </a:buClr>
               <a:buSzPts val="1400"/>
-              <a:buNone/>
-              <a:defRPr sz="8640" b="0" i="0" u="none" strike="noStrike" cap="none">
+              <a:buFont typeface="Arial"/>
+              <a:buNone/>
+              <a:defRPr b="0" i="0" sz="8640" u="none" cap="none" strike="noStrike">
                 <a:solidFill>
                   <a:schemeClr val="dk1"/>
                 </a:solidFill>
@@ -483,19 +558,15 @@
               </a:defRPr>
             </a:lvl9pPr>
           </a:lstStyle>
-          <a:p>
-            <a:endParaRPr/>
-          </a:p>
+          <a:p/>
         </p:txBody>
       </p:sp>
       <p:sp>
         <p:nvSpPr>
           <p:cNvPr id="4" name="Shape 4"/>
-          <p:cNvSpPr txBox="1">
-            <a:spLocks noGrp="1"/>
-          </p:cNvSpPr>
+          <p:cNvSpPr txBox="1"/>
           <p:nvPr>
-            <p:ph type="dt" idx="10"/>
+            <p:ph idx="10" type="dt"/>
           </p:nvPr>
         </p:nvSpPr>
         <p:spPr>
@@ -512,18 +583,25 @@
           </a:ln>
         </p:spPr>
         <p:txBody>
-          <a:bodyPr spcFirstLastPara="1" wrap="square" lIns="91425" tIns="91425" rIns="91425" bIns="91425" anchor="t" anchorCtr="0"/>
+          <a:bodyPr anchorCtr="0" anchor="t" bIns="91425" lIns="91425" spcFirstLastPara="1" rIns="91425" wrap="square" tIns="91425"/>
           <a:lstStyle>
-            <a:lvl1pPr marR="0" lvl="0" algn="r" rtl="0">
-              <a:spcBef>
-                <a:spcPts val="0"/>
-              </a:spcBef>
-              <a:spcAft>
-                <a:spcPts val="0"/>
-              </a:spcAft>
+            <a:lvl1pPr lvl="0" marR="0" rtl="0" algn="r">
+              <a:lnSpc>
+                <a:spcPct val="100000"/>
+              </a:lnSpc>
+              <a:spcBef>
+                <a:spcPts val="0"/>
+              </a:spcBef>
+              <a:spcAft>
+                <a:spcPts val="0"/>
+              </a:spcAft>
+              <a:buClr>
+                <a:srgbClr val="000000"/>
+              </a:buClr>
               <a:buSzPts val="1400"/>
-              <a:buNone/>
-              <a:defRPr sz="1200" b="0" i="0" u="none" strike="noStrike" cap="none">
+              <a:buFont typeface="Arial"/>
+              <a:buNone/>
+              <a:defRPr b="0" i="0" sz="1200" u="none" cap="none" strike="noStrike">
                 <a:solidFill>
                   <a:schemeClr val="dk1"/>
                 </a:solidFill>
@@ -533,16 +611,23 @@
                 <a:sym typeface="Calibri"/>
               </a:defRPr>
             </a:lvl1pPr>
-            <a:lvl2pPr marR="0" lvl="1" algn="l" rtl="0">
-              <a:spcBef>
-                <a:spcPts val="0"/>
-              </a:spcBef>
-              <a:spcAft>
-                <a:spcPts val="0"/>
-              </a:spcAft>
+            <a:lvl2pPr lvl="1" marR="0" rtl="0" algn="l">
+              <a:lnSpc>
+                <a:spcPct val="100000"/>
+              </a:lnSpc>
+              <a:spcBef>
+                <a:spcPts val="0"/>
+              </a:spcBef>
+              <a:spcAft>
+                <a:spcPts val="0"/>
+              </a:spcAft>
+              <a:buClr>
+                <a:srgbClr val="000000"/>
+              </a:buClr>
               <a:buSzPts val="1400"/>
-              <a:buNone/>
-              <a:defRPr sz="8640" b="0" i="0" u="none" strike="noStrike" cap="none">
+              <a:buFont typeface="Arial"/>
+              <a:buNone/>
+              <a:defRPr b="0" i="0" sz="8640" u="none" cap="none" strike="noStrike">
                 <a:solidFill>
                   <a:schemeClr val="dk1"/>
                 </a:solidFill>
@@ -552,16 +637,23 @@
                 <a:sym typeface="Calibri"/>
               </a:defRPr>
             </a:lvl2pPr>
-            <a:lvl3pPr marR="0" lvl="2" algn="l" rtl="0">
-              <a:spcBef>
-                <a:spcPts val="0"/>
-              </a:spcBef>
-              <a:spcAft>
-                <a:spcPts val="0"/>
-              </a:spcAft>
+            <a:lvl3pPr lvl="2" marR="0" rtl="0" algn="l">
+              <a:lnSpc>
+                <a:spcPct val="100000"/>
+              </a:lnSpc>
+              <a:spcBef>
+                <a:spcPts val="0"/>
+              </a:spcBef>
+              <a:spcAft>
+                <a:spcPts val="0"/>
+              </a:spcAft>
+              <a:buClr>
+                <a:srgbClr val="000000"/>
+              </a:buClr>
               <a:buSzPts val="1400"/>
-              <a:buNone/>
-              <a:defRPr sz="8640" b="0" i="0" u="none" strike="noStrike" cap="none">
+              <a:buFont typeface="Arial"/>
+              <a:buNone/>
+              <a:defRPr b="0" i="0" sz="8640" u="none" cap="none" strike="noStrike">
                 <a:solidFill>
                   <a:schemeClr val="dk1"/>
                 </a:solidFill>
@@ -571,16 +663,23 @@
                 <a:sym typeface="Calibri"/>
               </a:defRPr>
             </a:lvl3pPr>
-            <a:lvl4pPr marR="0" lvl="3" algn="l" rtl="0">
-              <a:spcBef>
-                <a:spcPts val="0"/>
-              </a:spcBef>
-              <a:spcAft>
-                <a:spcPts val="0"/>
-              </a:spcAft>
+            <a:lvl4pPr lvl="3" marR="0" rtl="0" algn="l">
+              <a:lnSpc>
+                <a:spcPct val="100000"/>
+              </a:lnSpc>
+              <a:spcBef>
+                <a:spcPts val="0"/>
+              </a:spcBef>
+              <a:spcAft>
+                <a:spcPts val="0"/>
+              </a:spcAft>
+              <a:buClr>
+                <a:srgbClr val="000000"/>
+              </a:buClr>
               <a:buSzPts val="1400"/>
-              <a:buNone/>
-              <a:defRPr sz="8640" b="0" i="0" u="none" strike="noStrike" cap="none">
+              <a:buFont typeface="Arial"/>
+              <a:buNone/>
+              <a:defRPr b="0" i="0" sz="8640" u="none" cap="none" strike="noStrike">
                 <a:solidFill>
                   <a:schemeClr val="dk1"/>
                 </a:solidFill>
@@ -590,16 +689,23 @@
                 <a:sym typeface="Calibri"/>
               </a:defRPr>
             </a:lvl4pPr>
-            <a:lvl5pPr marR="0" lvl="4" algn="l" rtl="0">
-              <a:spcBef>
-                <a:spcPts val="0"/>
-              </a:spcBef>
-              <a:spcAft>
-                <a:spcPts val="0"/>
-              </a:spcAft>
+            <a:lvl5pPr lvl="4" marR="0" rtl="0" algn="l">
+              <a:lnSpc>
+                <a:spcPct val="100000"/>
+              </a:lnSpc>
+              <a:spcBef>
+                <a:spcPts val="0"/>
+              </a:spcBef>
+              <a:spcAft>
+                <a:spcPts val="0"/>
+              </a:spcAft>
+              <a:buClr>
+                <a:srgbClr val="000000"/>
+              </a:buClr>
               <a:buSzPts val="1400"/>
-              <a:buNone/>
-              <a:defRPr sz="8640" b="0" i="0" u="none" strike="noStrike" cap="none">
+              <a:buFont typeface="Arial"/>
+              <a:buNone/>
+              <a:defRPr b="0" i="0" sz="8640" u="none" cap="none" strike="noStrike">
                 <a:solidFill>
                   <a:schemeClr val="dk1"/>
                 </a:solidFill>
@@ -609,16 +715,23 @@
                 <a:sym typeface="Calibri"/>
               </a:defRPr>
             </a:lvl5pPr>
-            <a:lvl6pPr marR="0" lvl="5" algn="l" rtl="0">
-              <a:spcBef>
-                <a:spcPts val="0"/>
-              </a:spcBef>
-              <a:spcAft>
-                <a:spcPts val="0"/>
-              </a:spcAft>
+            <a:lvl6pPr lvl="5" marR="0" rtl="0" algn="l">
+              <a:lnSpc>
+                <a:spcPct val="100000"/>
+              </a:lnSpc>
+              <a:spcBef>
+                <a:spcPts val="0"/>
+              </a:spcBef>
+              <a:spcAft>
+                <a:spcPts val="0"/>
+              </a:spcAft>
+              <a:buClr>
+                <a:srgbClr val="000000"/>
+              </a:buClr>
               <a:buSzPts val="1400"/>
-              <a:buNone/>
-              <a:defRPr sz="8640" b="0" i="0" u="none" strike="noStrike" cap="none">
+              <a:buFont typeface="Arial"/>
+              <a:buNone/>
+              <a:defRPr b="0" i="0" sz="8640" u="none" cap="none" strike="noStrike">
                 <a:solidFill>
                   <a:schemeClr val="dk1"/>
                 </a:solidFill>
@@ -628,16 +741,23 @@
                 <a:sym typeface="Calibri"/>
               </a:defRPr>
             </a:lvl6pPr>
-            <a:lvl7pPr marR="0" lvl="6" algn="l" rtl="0">
-              <a:spcBef>
-                <a:spcPts val="0"/>
-              </a:spcBef>
-              <a:spcAft>
-                <a:spcPts val="0"/>
-              </a:spcAft>
+            <a:lvl7pPr lvl="6" marR="0" rtl="0" algn="l">
+              <a:lnSpc>
+                <a:spcPct val="100000"/>
+              </a:lnSpc>
+              <a:spcBef>
+                <a:spcPts val="0"/>
+              </a:spcBef>
+              <a:spcAft>
+                <a:spcPts val="0"/>
+              </a:spcAft>
+              <a:buClr>
+                <a:srgbClr val="000000"/>
+              </a:buClr>
               <a:buSzPts val="1400"/>
-              <a:buNone/>
-              <a:defRPr sz="8640" b="0" i="0" u="none" strike="noStrike" cap="none">
+              <a:buFont typeface="Arial"/>
+              <a:buNone/>
+              <a:defRPr b="0" i="0" sz="8640" u="none" cap="none" strike="noStrike">
                 <a:solidFill>
                   <a:schemeClr val="dk1"/>
                 </a:solidFill>
@@ -647,16 +767,23 @@
                 <a:sym typeface="Calibri"/>
               </a:defRPr>
             </a:lvl7pPr>
-            <a:lvl8pPr marR="0" lvl="7" algn="l" rtl="0">
-              <a:spcBef>
-                <a:spcPts val="0"/>
-              </a:spcBef>
-              <a:spcAft>
-                <a:spcPts val="0"/>
-              </a:spcAft>
+            <a:lvl8pPr lvl="7" marR="0" rtl="0" algn="l">
+              <a:lnSpc>
+                <a:spcPct val="100000"/>
+              </a:lnSpc>
+              <a:spcBef>
+                <a:spcPts val="0"/>
+              </a:spcBef>
+              <a:spcAft>
+                <a:spcPts val="0"/>
+              </a:spcAft>
+              <a:buClr>
+                <a:srgbClr val="000000"/>
+              </a:buClr>
               <a:buSzPts val="1400"/>
-              <a:buNone/>
-              <a:defRPr sz="8640" b="0" i="0" u="none" strike="noStrike" cap="none">
+              <a:buFont typeface="Arial"/>
+              <a:buNone/>
+              <a:defRPr b="0" i="0" sz="8640" u="none" cap="none" strike="noStrike">
                 <a:solidFill>
                   <a:schemeClr val="dk1"/>
                 </a:solidFill>
@@ -666,16 +793,23 @@
                 <a:sym typeface="Calibri"/>
               </a:defRPr>
             </a:lvl8pPr>
-            <a:lvl9pPr marR="0" lvl="8" algn="l" rtl="0">
-              <a:spcBef>
-                <a:spcPts val="0"/>
-              </a:spcBef>
-              <a:spcAft>
-                <a:spcPts val="0"/>
-              </a:spcAft>
+            <a:lvl9pPr lvl="8" marR="0" rtl="0" algn="l">
+              <a:lnSpc>
+                <a:spcPct val="100000"/>
+              </a:lnSpc>
+              <a:spcBef>
+                <a:spcPts val="0"/>
+              </a:spcBef>
+              <a:spcAft>
+                <a:spcPts val="0"/>
+              </a:spcAft>
+              <a:buClr>
+                <a:srgbClr val="000000"/>
+              </a:buClr>
               <a:buSzPts val="1400"/>
-              <a:buNone/>
-              <a:defRPr sz="8640" b="0" i="0" u="none" strike="noStrike" cap="none">
+              <a:buFont typeface="Arial"/>
+              <a:buNone/>
+              <a:defRPr b="0" i="0" sz="8640" u="none" cap="none" strike="noStrike">
                 <a:solidFill>
                   <a:schemeClr val="dk1"/>
                 </a:solidFill>
@@ -686,19 +820,15 @@
               </a:defRPr>
             </a:lvl9pPr>
           </a:lstStyle>
-          <a:p>
-            <a:endParaRPr/>
-          </a:p>
+          <a:p/>
         </p:txBody>
       </p:sp>
       <p:sp>
         <p:nvSpPr>
           <p:cNvPr id="5" name="Shape 5"/>
-          <p:cNvSpPr>
-            <a:spLocks noGrp="1" noRot="1" noChangeAspect="1"/>
-          </p:cNvSpPr>
+          <p:cNvSpPr/>
           <p:nvPr>
-            <p:ph type="sldImg" idx="3"/>
+            <p:ph idx="3" type="sldImg"/>
           </p:nvPr>
         </p:nvSpPr>
         <p:spPr>
@@ -707,13 +837,8 @@
             <a:ext cx="4572000" cy="3429000"/>
           </a:xfrm>
           <a:custGeom>
-            <a:avLst/>
-            <a:gdLst/>
-            <a:ahLst/>
-            <a:cxnLst/>
-            <a:rect l="0" t="0" r="0" b="0"/>
             <a:pathLst>
-              <a:path w="120000" h="120000" extrusionOk="0">
+              <a:path extrusionOk="0" h="120000" w="120000">
                 <a:moveTo>
                   <a:pt x="0" y="0"/>
                 </a:moveTo>
@@ -731,25 +856,23 @@
             </a:pathLst>
           </a:custGeom>
           <a:noFill/>
-          <a:ln w="12700" cap="flat" cmpd="sng">
+          <a:ln cap="flat" cmpd="sng" w="12700">
             <a:solidFill>
               <a:srgbClr val="000000"/>
             </a:solidFill>
             <a:prstDash val="solid"/>
             <a:round/>
-            <a:headEnd type="none" w="sm" len="sm"/>
-            <a:tailEnd type="none" w="sm" len="sm"/>
+            <a:headEnd len="sm" w="sm" type="none"/>
+            <a:tailEnd len="sm" w="sm" type="none"/>
           </a:ln>
         </p:spPr>
       </p:sp>
       <p:sp>
         <p:nvSpPr>
           <p:cNvPr id="6" name="Shape 6"/>
-          <p:cNvSpPr txBox="1">
-            <a:spLocks noGrp="1"/>
-          </p:cNvSpPr>
+          <p:cNvSpPr txBox="1"/>
           <p:nvPr>
-            <p:ph type="body" idx="1"/>
+            <p:ph idx="1" type="body"/>
           </p:nvPr>
         </p:nvSpPr>
         <p:spPr>
@@ -766,18 +889,25 @@
           </a:ln>
         </p:spPr>
         <p:txBody>
-          <a:bodyPr spcFirstLastPara="1" wrap="square" lIns="91425" tIns="91425" rIns="91425" bIns="91425" anchor="t" anchorCtr="0"/>
+          <a:bodyPr anchorCtr="0" anchor="t" bIns="91425" lIns="91425" spcFirstLastPara="1" rIns="91425" wrap="square" tIns="91425"/>
           <a:lstStyle>
-            <a:lvl1pPr marL="457200" marR="0" lvl="0" indent="-228600" algn="l" rtl="0">
-              <a:spcBef>
-                <a:spcPts val="0"/>
-              </a:spcBef>
-              <a:spcAft>
-                <a:spcPts val="0"/>
-              </a:spcAft>
+            <a:lvl1pPr indent="-228600" lvl="0" marL="457200" marR="0" rtl="0" algn="l">
+              <a:lnSpc>
+                <a:spcPct val="100000"/>
+              </a:lnSpc>
+              <a:spcBef>
+                <a:spcPts val="0"/>
+              </a:spcBef>
+              <a:spcAft>
+                <a:spcPts val="0"/>
+              </a:spcAft>
+              <a:buClr>
+                <a:srgbClr val="000000"/>
+              </a:buClr>
               <a:buSzPts val="1400"/>
-              <a:buNone/>
-              <a:defRPr sz="1200" b="0" i="0" u="none" strike="noStrike" cap="none">
+              <a:buFont typeface="Arial"/>
+              <a:buNone/>
+              <a:defRPr b="0" i="0" sz="1200" u="none" cap="none" strike="noStrike">
                 <a:solidFill>
                   <a:schemeClr val="dk1"/>
                 </a:solidFill>
@@ -787,16 +917,23 @@
                 <a:sym typeface="Calibri"/>
               </a:defRPr>
             </a:lvl1pPr>
-            <a:lvl2pPr marL="914400" marR="0" lvl="1" indent="-228600" algn="l" rtl="0">
-              <a:spcBef>
-                <a:spcPts val="0"/>
-              </a:spcBef>
-              <a:spcAft>
-                <a:spcPts val="0"/>
-              </a:spcAft>
+            <a:lvl2pPr indent="-228600" lvl="1" marL="914400" marR="0" rtl="0" algn="l">
+              <a:lnSpc>
+                <a:spcPct val="100000"/>
+              </a:lnSpc>
+              <a:spcBef>
+                <a:spcPts val="0"/>
+              </a:spcBef>
+              <a:spcAft>
+                <a:spcPts val="0"/>
+              </a:spcAft>
+              <a:buClr>
+                <a:srgbClr val="000000"/>
+              </a:buClr>
               <a:buSzPts val="1400"/>
-              <a:buNone/>
-              <a:defRPr sz="1200" b="0" i="0" u="none" strike="noStrike" cap="none">
+              <a:buFont typeface="Arial"/>
+              <a:buNone/>
+              <a:defRPr b="0" i="0" sz="1200" u="none" cap="none" strike="noStrike">
                 <a:solidFill>
                   <a:schemeClr val="dk1"/>
                 </a:solidFill>
@@ -806,16 +943,23 @@
                 <a:sym typeface="Calibri"/>
               </a:defRPr>
             </a:lvl2pPr>
-            <a:lvl3pPr marL="1371600" marR="0" lvl="2" indent="-228600" algn="l" rtl="0">
-              <a:spcBef>
-                <a:spcPts val="0"/>
-              </a:spcBef>
-              <a:spcAft>
-                <a:spcPts val="0"/>
-              </a:spcAft>
+            <a:lvl3pPr indent="-228600" lvl="2" marL="1371600" marR="0" rtl="0" algn="l">
+              <a:lnSpc>
+                <a:spcPct val="100000"/>
+              </a:lnSpc>
+              <a:spcBef>
+                <a:spcPts val="0"/>
+              </a:spcBef>
+              <a:spcAft>
+                <a:spcPts val="0"/>
+              </a:spcAft>
+              <a:buClr>
+                <a:srgbClr val="000000"/>
+              </a:buClr>
               <a:buSzPts val="1400"/>
-              <a:buNone/>
-              <a:defRPr sz="1200" b="0" i="0" u="none" strike="noStrike" cap="none">
+              <a:buFont typeface="Arial"/>
+              <a:buNone/>
+              <a:defRPr b="0" i="0" sz="1200" u="none" cap="none" strike="noStrike">
                 <a:solidFill>
                   <a:schemeClr val="dk1"/>
                 </a:solidFill>
@@ -825,16 +969,23 @@
                 <a:sym typeface="Calibri"/>
               </a:defRPr>
             </a:lvl3pPr>
-            <a:lvl4pPr marL="1828800" marR="0" lvl="3" indent="-228600" algn="l" rtl="0">
-              <a:spcBef>
-                <a:spcPts val="0"/>
-              </a:spcBef>
-              <a:spcAft>
-                <a:spcPts val="0"/>
-              </a:spcAft>
+            <a:lvl4pPr indent="-228600" lvl="3" marL="1828800" marR="0" rtl="0" algn="l">
+              <a:lnSpc>
+                <a:spcPct val="100000"/>
+              </a:lnSpc>
+              <a:spcBef>
+                <a:spcPts val="0"/>
+              </a:spcBef>
+              <a:spcAft>
+                <a:spcPts val="0"/>
+              </a:spcAft>
+              <a:buClr>
+                <a:srgbClr val="000000"/>
+              </a:buClr>
               <a:buSzPts val="1400"/>
-              <a:buNone/>
-              <a:defRPr sz="1200" b="0" i="0" u="none" strike="noStrike" cap="none">
+              <a:buFont typeface="Arial"/>
+              <a:buNone/>
+              <a:defRPr b="0" i="0" sz="1200" u="none" cap="none" strike="noStrike">
                 <a:solidFill>
                   <a:schemeClr val="dk1"/>
                 </a:solidFill>
@@ -844,16 +995,23 @@
                 <a:sym typeface="Calibri"/>
               </a:defRPr>
             </a:lvl4pPr>
-            <a:lvl5pPr marL="2286000" marR="0" lvl="4" indent="-228600" algn="l" rtl="0">
-              <a:spcBef>
-                <a:spcPts val="0"/>
-              </a:spcBef>
-              <a:spcAft>
-                <a:spcPts val="0"/>
-              </a:spcAft>
+            <a:lvl5pPr indent="-228600" lvl="4" marL="2286000" marR="0" rtl="0" algn="l">
+              <a:lnSpc>
+                <a:spcPct val="100000"/>
+              </a:lnSpc>
+              <a:spcBef>
+                <a:spcPts val="0"/>
+              </a:spcBef>
+              <a:spcAft>
+                <a:spcPts val="0"/>
+              </a:spcAft>
+              <a:buClr>
+                <a:srgbClr val="000000"/>
+              </a:buClr>
               <a:buSzPts val="1400"/>
-              <a:buNone/>
-              <a:defRPr sz="1200" b="0" i="0" u="none" strike="noStrike" cap="none">
+              <a:buFont typeface="Arial"/>
+              <a:buNone/>
+              <a:defRPr b="0" i="0" sz="1200" u="none" cap="none" strike="noStrike">
                 <a:solidFill>
                   <a:schemeClr val="dk1"/>
                 </a:solidFill>
@@ -863,16 +1021,23 @@
                 <a:sym typeface="Calibri"/>
               </a:defRPr>
             </a:lvl5pPr>
-            <a:lvl6pPr marL="2743200" marR="0" lvl="5" indent="-228600" algn="l" rtl="0">
-              <a:spcBef>
-                <a:spcPts val="0"/>
-              </a:spcBef>
-              <a:spcAft>
-                <a:spcPts val="0"/>
-              </a:spcAft>
+            <a:lvl6pPr indent="-228600" lvl="5" marL="2743200" marR="0" rtl="0" algn="l">
+              <a:lnSpc>
+                <a:spcPct val="100000"/>
+              </a:lnSpc>
+              <a:spcBef>
+                <a:spcPts val="0"/>
+              </a:spcBef>
+              <a:spcAft>
+                <a:spcPts val="0"/>
+              </a:spcAft>
+              <a:buClr>
+                <a:srgbClr val="000000"/>
+              </a:buClr>
               <a:buSzPts val="1400"/>
-              <a:buNone/>
-              <a:defRPr sz="1200" b="0" i="0" u="none" strike="noStrike" cap="none">
+              <a:buFont typeface="Arial"/>
+              <a:buNone/>
+              <a:defRPr b="0" i="0" sz="1200" u="none" cap="none" strike="noStrike">
                 <a:solidFill>
                   <a:schemeClr val="dk1"/>
                 </a:solidFill>
@@ -882,16 +1047,23 @@
                 <a:sym typeface="Calibri"/>
               </a:defRPr>
             </a:lvl6pPr>
-            <a:lvl7pPr marL="3200400" marR="0" lvl="6" indent="-228600" algn="l" rtl="0">
-              <a:spcBef>
-                <a:spcPts val="0"/>
-              </a:spcBef>
-              <a:spcAft>
-                <a:spcPts val="0"/>
-              </a:spcAft>
+            <a:lvl7pPr indent="-228600" lvl="6" marL="3200400" marR="0" rtl="0" algn="l">
+              <a:lnSpc>
+                <a:spcPct val="100000"/>
+              </a:lnSpc>
+              <a:spcBef>
+                <a:spcPts val="0"/>
+              </a:spcBef>
+              <a:spcAft>
+                <a:spcPts val="0"/>
+              </a:spcAft>
+              <a:buClr>
+                <a:srgbClr val="000000"/>
+              </a:buClr>
               <a:buSzPts val="1400"/>
-              <a:buNone/>
-              <a:defRPr sz="1200" b="0" i="0" u="none" strike="noStrike" cap="none">
+              <a:buFont typeface="Arial"/>
+              <a:buNone/>
+              <a:defRPr b="0" i="0" sz="1200" u="none" cap="none" strike="noStrike">
                 <a:solidFill>
                   <a:schemeClr val="dk1"/>
                 </a:solidFill>
@@ -901,16 +1073,23 @@
                 <a:sym typeface="Calibri"/>
               </a:defRPr>
             </a:lvl7pPr>
-            <a:lvl8pPr marL="3657600" marR="0" lvl="7" indent="-228600" algn="l" rtl="0">
-              <a:spcBef>
-                <a:spcPts val="0"/>
-              </a:spcBef>
-              <a:spcAft>
-                <a:spcPts val="0"/>
-              </a:spcAft>
+            <a:lvl8pPr indent="-228600" lvl="7" marL="3657600" marR="0" rtl="0" algn="l">
+              <a:lnSpc>
+                <a:spcPct val="100000"/>
+              </a:lnSpc>
+              <a:spcBef>
+                <a:spcPts val="0"/>
+              </a:spcBef>
+              <a:spcAft>
+                <a:spcPts val="0"/>
+              </a:spcAft>
+              <a:buClr>
+                <a:srgbClr val="000000"/>
+              </a:buClr>
               <a:buSzPts val="1400"/>
-              <a:buNone/>
-              <a:defRPr sz="1200" b="0" i="0" u="none" strike="noStrike" cap="none">
+              <a:buFont typeface="Arial"/>
+              <a:buNone/>
+              <a:defRPr b="0" i="0" sz="1200" u="none" cap="none" strike="noStrike">
                 <a:solidFill>
                   <a:schemeClr val="dk1"/>
                 </a:solidFill>
@@ -920,16 +1099,23 @@
                 <a:sym typeface="Calibri"/>
               </a:defRPr>
             </a:lvl8pPr>
-            <a:lvl9pPr marL="4114800" marR="0" lvl="8" indent="-228600" algn="l" rtl="0">
-              <a:spcBef>
-                <a:spcPts val="0"/>
-              </a:spcBef>
-              <a:spcAft>
-                <a:spcPts val="0"/>
-              </a:spcAft>
+            <a:lvl9pPr indent="-228600" lvl="8" marL="4114800" marR="0" rtl="0" algn="l">
+              <a:lnSpc>
+                <a:spcPct val="100000"/>
+              </a:lnSpc>
+              <a:spcBef>
+                <a:spcPts val="0"/>
+              </a:spcBef>
+              <a:spcAft>
+                <a:spcPts val="0"/>
+              </a:spcAft>
+              <a:buClr>
+                <a:srgbClr val="000000"/>
+              </a:buClr>
               <a:buSzPts val="1400"/>
-              <a:buNone/>
-              <a:defRPr sz="1200" b="0" i="0" u="none" strike="noStrike" cap="none">
+              <a:buFont typeface="Arial"/>
+              <a:buNone/>
+              <a:defRPr b="0" i="0" sz="1200" u="none" cap="none" strike="noStrike">
                 <a:solidFill>
                   <a:schemeClr val="dk1"/>
                 </a:solidFill>
@@ -940,19 +1126,15 @@
               </a:defRPr>
             </a:lvl9pPr>
           </a:lstStyle>
-          <a:p>
-            <a:endParaRPr/>
-          </a:p>
+          <a:p/>
         </p:txBody>
       </p:sp>
       <p:sp>
         <p:nvSpPr>
           <p:cNvPr id="7" name="Shape 7"/>
-          <p:cNvSpPr txBox="1">
-            <a:spLocks noGrp="1"/>
-          </p:cNvSpPr>
+          <p:cNvSpPr txBox="1"/>
           <p:nvPr>
-            <p:ph type="ftr" idx="11"/>
+            <p:ph idx="11" type="ftr"/>
           </p:nvPr>
         </p:nvSpPr>
         <p:spPr>
@@ -969,18 +1151,25 @@
           </a:ln>
         </p:spPr>
         <p:txBody>
-          <a:bodyPr spcFirstLastPara="1" wrap="square" lIns="91425" tIns="91425" rIns="91425" bIns="91425" anchor="b" anchorCtr="0"/>
+          <a:bodyPr anchorCtr="0" anchor="b" bIns="91425" lIns="91425" spcFirstLastPara="1" rIns="91425" wrap="square" tIns="91425"/>
           <a:lstStyle>
-            <a:lvl1pPr marR="0" lvl="0" algn="l" rtl="0">
-              <a:spcBef>
-                <a:spcPts val="0"/>
-              </a:spcBef>
-              <a:spcAft>
-                <a:spcPts val="0"/>
-              </a:spcAft>
+            <a:lvl1pPr lvl="0" marR="0" rtl="0" algn="l">
+              <a:lnSpc>
+                <a:spcPct val="100000"/>
+              </a:lnSpc>
+              <a:spcBef>
+                <a:spcPts val="0"/>
+              </a:spcBef>
+              <a:spcAft>
+                <a:spcPts val="0"/>
+              </a:spcAft>
+              <a:buClr>
+                <a:srgbClr val="000000"/>
+              </a:buClr>
               <a:buSzPts val="1400"/>
-              <a:buNone/>
-              <a:defRPr sz="1200" b="0" i="0" u="none" strike="noStrike" cap="none">
+              <a:buFont typeface="Arial"/>
+              <a:buNone/>
+              <a:defRPr b="0" i="0" sz="1200" u="none" cap="none" strike="noStrike">
                 <a:solidFill>
                   <a:schemeClr val="dk1"/>
                 </a:solidFill>
@@ -990,16 +1179,23 @@
                 <a:sym typeface="Calibri"/>
               </a:defRPr>
             </a:lvl1pPr>
-            <a:lvl2pPr marR="0" lvl="1" algn="l" rtl="0">
-              <a:spcBef>
-                <a:spcPts val="0"/>
-              </a:spcBef>
-              <a:spcAft>
-                <a:spcPts val="0"/>
-              </a:spcAft>
+            <a:lvl2pPr lvl="1" marR="0" rtl="0" algn="l">
+              <a:lnSpc>
+                <a:spcPct val="100000"/>
+              </a:lnSpc>
+              <a:spcBef>
+                <a:spcPts val="0"/>
+              </a:spcBef>
+              <a:spcAft>
+                <a:spcPts val="0"/>
+              </a:spcAft>
+              <a:buClr>
+                <a:srgbClr val="000000"/>
+              </a:buClr>
               <a:buSzPts val="1400"/>
-              <a:buNone/>
-              <a:defRPr sz="8640" b="0" i="0" u="none" strike="noStrike" cap="none">
+              <a:buFont typeface="Arial"/>
+              <a:buNone/>
+              <a:defRPr b="0" i="0" sz="8640" u="none" cap="none" strike="noStrike">
                 <a:solidFill>
                   <a:schemeClr val="dk1"/>
                 </a:solidFill>
@@ -1009,16 +1205,23 @@
                 <a:sym typeface="Calibri"/>
               </a:defRPr>
             </a:lvl2pPr>
-            <a:lvl3pPr marR="0" lvl="2" algn="l" rtl="0">
-              <a:spcBef>
-                <a:spcPts val="0"/>
-              </a:spcBef>
-              <a:spcAft>
-                <a:spcPts val="0"/>
-              </a:spcAft>
+            <a:lvl3pPr lvl="2" marR="0" rtl="0" algn="l">
+              <a:lnSpc>
+                <a:spcPct val="100000"/>
+              </a:lnSpc>
+              <a:spcBef>
+                <a:spcPts val="0"/>
+              </a:spcBef>
+              <a:spcAft>
+                <a:spcPts val="0"/>
+              </a:spcAft>
+              <a:buClr>
+                <a:srgbClr val="000000"/>
+              </a:buClr>
               <a:buSzPts val="1400"/>
-              <a:buNone/>
-              <a:defRPr sz="8640" b="0" i="0" u="none" strike="noStrike" cap="none">
+              <a:buFont typeface="Arial"/>
+              <a:buNone/>
+              <a:defRPr b="0" i="0" sz="8640" u="none" cap="none" strike="noStrike">
                 <a:solidFill>
                   <a:schemeClr val="dk1"/>
                 </a:solidFill>
@@ -1028,16 +1231,23 @@
                 <a:sym typeface="Calibri"/>
               </a:defRPr>
             </a:lvl3pPr>
-            <a:lvl4pPr marR="0" lvl="3" algn="l" rtl="0">
-              <a:spcBef>
-                <a:spcPts val="0"/>
-              </a:spcBef>
-              <a:spcAft>
-                <a:spcPts val="0"/>
-              </a:spcAft>
+            <a:lvl4pPr lvl="3" marR="0" rtl="0" algn="l">
+              <a:lnSpc>
+                <a:spcPct val="100000"/>
+              </a:lnSpc>
+              <a:spcBef>
+                <a:spcPts val="0"/>
+              </a:spcBef>
+              <a:spcAft>
+                <a:spcPts val="0"/>
+              </a:spcAft>
+              <a:buClr>
+                <a:srgbClr val="000000"/>
+              </a:buClr>
               <a:buSzPts val="1400"/>
-              <a:buNone/>
-              <a:defRPr sz="8640" b="0" i="0" u="none" strike="noStrike" cap="none">
+              <a:buFont typeface="Arial"/>
+              <a:buNone/>
+              <a:defRPr b="0" i="0" sz="8640" u="none" cap="none" strike="noStrike">
                 <a:solidFill>
                   <a:schemeClr val="dk1"/>
                 </a:solidFill>
@@ -1047,16 +1257,23 @@
                 <a:sym typeface="Calibri"/>
               </a:defRPr>
             </a:lvl4pPr>
-            <a:lvl5pPr marR="0" lvl="4" algn="l" rtl="0">
-              <a:spcBef>
-                <a:spcPts val="0"/>
-              </a:spcBef>
-              <a:spcAft>
-                <a:spcPts val="0"/>
-              </a:spcAft>
+            <a:lvl5pPr lvl="4" marR="0" rtl="0" algn="l">
+              <a:lnSpc>
+                <a:spcPct val="100000"/>
+              </a:lnSpc>
+              <a:spcBef>
+                <a:spcPts val="0"/>
+              </a:spcBef>
+              <a:spcAft>
+                <a:spcPts val="0"/>
+              </a:spcAft>
+              <a:buClr>
+                <a:srgbClr val="000000"/>
+              </a:buClr>
               <a:buSzPts val="1400"/>
-              <a:buNone/>
-              <a:defRPr sz="8640" b="0" i="0" u="none" strike="noStrike" cap="none">
+              <a:buFont typeface="Arial"/>
+              <a:buNone/>
+              <a:defRPr b="0" i="0" sz="8640" u="none" cap="none" strike="noStrike">
                 <a:solidFill>
                   <a:schemeClr val="dk1"/>
                 </a:solidFill>
@@ -1066,16 +1283,23 @@
                 <a:sym typeface="Calibri"/>
               </a:defRPr>
             </a:lvl5pPr>
-            <a:lvl6pPr marR="0" lvl="5" algn="l" rtl="0">
-              <a:spcBef>
-                <a:spcPts val="0"/>
-              </a:spcBef>
-              <a:spcAft>
-                <a:spcPts val="0"/>
-              </a:spcAft>
+            <a:lvl6pPr lvl="5" marR="0" rtl="0" algn="l">
+              <a:lnSpc>
+                <a:spcPct val="100000"/>
+              </a:lnSpc>
+              <a:spcBef>
+                <a:spcPts val="0"/>
+              </a:spcBef>
+              <a:spcAft>
+                <a:spcPts val="0"/>
+              </a:spcAft>
+              <a:buClr>
+                <a:srgbClr val="000000"/>
+              </a:buClr>
               <a:buSzPts val="1400"/>
-              <a:buNone/>
-              <a:defRPr sz="8640" b="0" i="0" u="none" strike="noStrike" cap="none">
+              <a:buFont typeface="Arial"/>
+              <a:buNone/>
+              <a:defRPr b="0" i="0" sz="8640" u="none" cap="none" strike="noStrike">
                 <a:solidFill>
                   <a:schemeClr val="dk1"/>
                 </a:solidFill>
@@ -1085,16 +1309,23 @@
                 <a:sym typeface="Calibri"/>
               </a:defRPr>
             </a:lvl6pPr>
-            <a:lvl7pPr marR="0" lvl="6" algn="l" rtl="0">
-              <a:spcBef>
-                <a:spcPts val="0"/>
-              </a:spcBef>
-              <a:spcAft>
-                <a:spcPts val="0"/>
-              </a:spcAft>
+            <a:lvl7pPr lvl="6" marR="0" rtl="0" algn="l">
+              <a:lnSpc>
+                <a:spcPct val="100000"/>
+              </a:lnSpc>
+              <a:spcBef>
+                <a:spcPts val="0"/>
+              </a:spcBef>
+              <a:spcAft>
+                <a:spcPts val="0"/>
+              </a:spcAft>
+              <a:buClr>
+                <a:srgbClr val="000000"/>
+              </a:buClr>
               <a:buSzPts val="1400"/>
-              <a:buNone/>
-              <a:defRPr sz="8640" b="0" i="0" u="none" strike="noStrike" cap="none">
+              <a:buFont typeface="Arial"/>
+              <a:buNone/>
+              <a:defRPr b="0" i="0" sz="8640" u="none" cap="none" strike="noStrike">
                 <a:solidFill>
                   <a:schemeClr val="dk1"/>
                 </a:solidFill>
@@ -1104,16 +1335,23 @@
                 <a:sym typeface="Calibri"/>
               </a:defRPr>
             </a:lvl7pPr>
-            <a:lvl8pPr marR="0" lvl="7" algn="l" rtl="0">
-              <a:spcBef>
-                <a:spcPts val="0"/>
-              </a:spcBef>
-              <a:spcAft>
-                <a:spcPts val="0"/>
-              </a:spcAft>
+            <a:lvl8pPr lvl="7" marR="0" rtl="0" algn="l">
+              <a:lnSpc>
+                <a:spcPct val="100000"/>
+              </a:lnSpc>
+              <a:spcBef>
+                <a:spcPts val="0"/>
+              </a:spcBef>
+              <a:spcAft>
+                <a:spcPts val="0"/>
+              </a:spcAft>
+              <a:buClr>
+                <a:srgbClr val="000000"/>
+              </a:buClr>
               <a:buSzPts val="1400"/>
-              <a:buNone/>
-              <a:defRPr sz="8640" b="0" i="0" u="none" strike="noStrike" cap="none">
+              <a:buFont typeface="Arial"/>
+              <a:buNone/>
+              <a:defRPr b="0" i="0" sz="8640" u="none" cap="none" strike="noStrike">
                 <a:solidFill>
                   <a:schemeClr val="dk1"/>
                 </a:solidFill>
@@ -1123,16 +1361,23 @@
                 <a:sym typeface="Calibri"/>
               </a:defRPr>
             </a:lvl8pPr>
-            <a:lvl9pPr marR="0" lvl="8" algn="l" rtl="0">
-              <a:spcBef>
-                <a:spcPts val="0"/>
-              </a:spcBef>
-              <a:spcAft>
-                <a:spcPts val="0"/>
-              </a:spcAft>
+            <a:lvl9pPr lvl="8" marR="0" rtl="0" algn="l">
+              <a:lnSpc>
+                <a:spcPct val="100000"/>
+              </a:lnSpc>
+              <a:spcBef>
+                <a:spcPts val="0"/>
+              </a:spcBef>
+              <a:spcAft>
+                <a:spcPts val="0"/>
+              </a:spcAft>
+              <a:buClr>
+                <a:srgbClr val="000000"/>
+              </a:buClr>
               <a:buSzPts val="1400"/>
-              <a:buNone/>
-              <a:defRPr sz="8640" b="0" i="0" u="none" strike="noStrike" cap="none">
+              <a:buFont typeface="Arial"/>
+              <a:buNone/>
+              <a:defRPr b="0" i="0" sz="8640" u="none" cap="none" strike="noStrike">
                 <a:solidFill>
                   <a:schemeClr val="dk1"/>
                 </a:solidFill>
@@ -1143,19 +1388,15 @@
               </a:defRPr>
             </a:lvl9pPr>
           </a:lstStyle>
-          <a:p>
-            <a:endParaRPr/>
-          </a:p>
+          <a:p/>
         </p:txBody>
       </p:sp>
       <p:sp>
         <p:nvSpPr>
           <p:cNvPr id="8" name="Shape 8"/>
-          <p:cNvSpPr txBox="1">
-            <a:spLocks noGrp="1"/>
-          </p:cNvSpPr>
+          <p:cNvSpPr txBox="1"/>
           <p:nvPr>
-            <p:ph type="sldNum" idx="12"/>
+            <p:ph idx="12" type="sldNum"/>
           </p:nvPr>
         </p:nvSpPr>
         <p:spPr>
@@ -1172,22 +1413,30 @@
           </a:ln>
         </p:spPr>
         <p:txBody>
-          <a:bodyPr spcFirstLastPara="1" wrap="square" lIns="91425" tIns="45700" rIns="91425" bIns="45700" anchor="b" anchorCtr="0">
+          <a:bodyPr anchorCtr="0" anchor="b" bIns="45700" lIns="91425" spcFirstLastPara="1" rIns="91425" wrap="square" tIns="45700">
             <a:noAutofit/>
           </a:bodyPr>
           <a:lstStyle/>
           <a:p>
-            <a:pPr marL="0" marR="0" lvl="0" indent="0" algn="r" rtl="0">
-              <a:spcBef>
-                <a:spcPts val="0"/>
-              </a:spcBef>
-              <a:spcAft>
-                <a:spcPts val="0"/>
-              </a:spcAft>
+            <a:pPr indent="0" lvl="0" marL="0" marR="0" rtl="0" algn="r">
+              <a:lnSpc>
+                <a:spcPct val="100000"/>
+              </a:lnSpc>
+              <a:spcBef>
+                <a:spcPts val="0"/>
+              </a:spcBef>
+              <a:spcAft>
+                <a:spcPts val="0"/>
+              </a:spcAft>
+              <a:buClr>
+                <a:srgbClr val="000000"/>
+              </a:buClr>
+              <a:buSzPts val="1200"/>
+              <a:buFont typeface="Arial"/>
               <a:buNone/>
             </a:pPr>
             <a:fld id="{00000000-1234-1234-1234-123412341234}" type="slidenum">
-              <a:rPr lang="en-US" sz="1200" b="0" i="0" u="none" strike="noStrike" cap="none">
+              <a:rPr b="0" i="0" lang="en-US" sz="1200" u="none" cap="none" strike="noStrike">
                 <a:solidFill>
                   <a:schemeClr val="dk1"/>
                 </a:solidFill>
@@ -1198,7 +1447,7 @@
               </a:rPr>
               <a:t>‹#›</a:t>
             </a:fld>
-            <a:endParaRPr sz="1200" b="0" i="0" u="none" strike="noStrike" cap="none">
+            <a:endParaRPr b="0" i="0" sz="1200" u="none" cap="none" strike="noStrike">
               <a:solidFill>
                 <a:schemeClr val="dk1"/>
               </a:solidFill>
@@ -1212,9 +1461,9 @@
       </p:sp>
     </p:spTree>
   </p:cSld>
-  <p:clrMap bg1="lt1" tx1="dk1" bg2="dk2" tx2="lt2" accent1="accent1" accent2="accent2" accent3="accent3" accent4="accent4" accent5="accent5" accent6="accent6" hlink="hlink" folHlink="folHlink"/>
+  <p:clrMap accent1="accent1" accent2="accent2" accent3="accent3" accent4="accent4" accent5="accent5" accent6="accent6" bg1="lt1" bg2="dk2" tx1="dk1" tx2="lt2" folHlink="folHlink" hlink="hlink"/>
   <p:notesStyle>
-    <a:defPPr marR="0" lvl="0" algn="l" rtl="0">
+    <a:defPPr lvl="0" marR="0" rtl="0" algn="l">
       <a:lnSpc>
         <a:spcPct val="100000"/>
       </a:lnSpc>
@@ -1225,7 +1474,7 @@
         <a:spcPts val="0"/>
       </a:spcAft>
     </a:defPPr>
-    <a:lvl1pPr marR="0" lvl="0" algn="l" rtl="0">
+    <a:lvl1pPr lvl="0" marR="0" rtl="0" algn="l">
       <a:lnSpc>
         <a:spcPct val="100000"/>
       </a:lnSpc>
@@ -1239,7 +1488,7 @@
         <a:srgbClr val="000000"/>
       </a:buClr>
       <a:buFont typeface="Arial"/>
-      <a:defRPr sz="1400" b="0" i="0" u="none" strike="noStrike" cap="none">
+      <a:defRPr b="0" i="0" sz="1400" u="none" cap="none" strike="noStrike">
         <a:solidFill>
           <a:srgbClr val="000000"/>
         </a:solidFill>
@@ -1249,7 +1498,7 @@
         <a:sym typeface="Arial"/>
       </a:defRPr>
     </a:lvl1pPr>
-    <a:lvl2pPr marR="0" lvl="1" algn="l" rtl="0">
+    <a:lvl2pPr lvl="1" marR="0" rtl="0" algn="l">
       <a:lnSpc>
         <a:spcPct val="100000"/>
       </a:lnSpc>
@@ -1263,7 +1512,7 @@
         <a:srgbClr val="000000"/>
       </a:buClr>
       <a:buFont typeface="Arial"/>
-      <a:defRPr sz="1400" b="0" i="0" u="none" strike="noStrike" cap="none">
+      <a:defRPr b="0" i="0" sz="1400" u="none" cap="none" strike="noStrike">
         <a:solidFill>
           <a:srgbClr val="000000"/>
         </a:solidFill>
@@ -1273,7 +1522,7 @@
         <a:sym typeface="Arial"/>
       </a:defRPr>
     </a:lvl2pPr>
-    <a:lvl3pPr marR="0" lvl="2" algn="l" rtl="0">
+    <a:lvl3pPr lvl="2" marR="0" rtl="0" algn="l">
       <a:lnSpc>
         <a:spcPct val="100000"/>
       </a:lnSpc>
@@ -1287,7 +1536,7 @@
         <a:srgbClr val="000000"/>
       </a:buClr>
       <a:buFont typeface="Arial"/>
-      <a:defRPr sz="1400" b="0" i="0" u="none" strike="noStrike" cap="none">
+      <a:defRPr b="0" i="0" sz="1400" u="none" cap="none" strike="noStrike">
         <a:solidFill>
           <a:srgbClr val="000000"/>
         </a:solidFill>
@@ -1297,7 +1546,7 @@
         <a:sym typeface="Arial"/>
       </a:defRPr>
     </a:lvl3pPr>
-    <a:lvl4pPr marR="0" lvl="3" algn="l" rtl="0">
+    <a:lvl4pPr lvl="3" marR="0" rtl="0" algn="l">
       <a:lnSpc>
         <a:spcPct val="100000"/>
       </a:lnSpc>
@@ -1311,7 +1560,7 @@
         <a:srgbClr val="000000"/>
       </a:buClr>
       <a:buFont typeface="Arial"/>
-      <a:defRPr sz="1400" b="0" i="0" u="none" strike="noStrike" cap="none">
+      <a:defRPr b="0" i="0" sz="1400" u="none" cap="none" strike="noStrike">
         <a:solidFill>
           <a:srgbClr val="000000"/>
         </a:solidFill>
@@ -1321,7 +1570,7 @@
         <a:sym typeface="Arial"/>
       </a:defRPr>
     </a:lvl4pPr>
-    <a:lvl5pPr marR="0" lvl="4" algn="l" rtl="0">
+    <a:lvl5pPr lvl="4" marR="0" rtl="0" algn="l">
       <a:lnSpc>
         <a:spcPct val="100000"/>
       </a:lnSpc>
@@ -1335,7 +1584,7 @@
         <a:srgbClr val="000000"/>
       </a:buClr>
       <a:buFont typeface="Arial"/>
-      <a:defRPr sz="1400" b="0" i="0" u="none" strike="noStrike" cap="none">
+      <a:defRPr b="0" i="0" sz="1400" u="none" cap="none" strike="noStrike">
         <a:solidFill>
           <a:srgbClr val="000000"/>
         </a:solidFill>
@@ -1345,7 +1594,7 @@
         <a:sym typeface="Arial"/>
       </a:defRPr>
     </a:lvl5pPr>
-    <a:lvl6pPr marR="0" lvl="5" algn="l" rtl="0">
+    <a:lvl6pPr lvl="5" marR="0" rtl="0" algn="l">
       <a:lnSpc>
         <a:spcPct val="100000"/>
       </a:lnSpc>
@@ -1359,7 +1608,7 @@
         <a:srgbClr val="000000"/>
       </a:buClr>
       <a:buFont typeface="Arial"/>
-      <a:defRPr sz="1400" b="0" i="0" u="none" strike="noStrike" cap="none">
+      <a:defRPr b="0" i="0" sz="1400" u="none" cap="none" strike="noStrike">
         <a:solidFill>
           <a:srgbClr val="000000"/>
         </a:solidFill>
@@ -1369,7 +1618,7 @@
         <a:sym typeface="Arial"/>
       </a:defRPr>
     </a:lvl6pPr>
-    <a:lvl7pPr marR="0" lvl="6" algn="l" rtl="0">
+    <a:lvl7pPr lvl="6" marR="0" rtl="0" algn="l">
       <a:lnSpc>
         <a:spcPct val="100000"/>
       </a:lnSpc>
@@ -1383,7 +1632,7 @@
         <a:srgbClr val="000000"/>
       </a:buClr>
       <a:buFont typeface="Arial"/>
-      <a:defRPr sz="1400" b="0" i="0" u="none" strike="noStrike" cap="none">
+      <a:defRPr b="0" i="0" sz="1400" u="none" cap="none" strike="noStrike">
         <a:solidFill>
           <a:srgbClr val="000000"/>
         </a:solidFill>
@@ -1393,7 +1642,7 @@
         <a:sym typeface="Arial"/>
       </a:defRPr>
     </a:lvl7pPr>
-    <a:lvl8pPr marR="0" lvl="7" algn="l" rtl="0">
+    <a:lvl8pPr lvl="7" marR="0" rtl="0" algn="l">
       <a:lnSpc>
         <a:spcPct val="100000"/>
       </a:lnSpc>
@@ -1407,7 +1656,7 @@
         <a:srgbClr val="000000"/>
       </a:buClr>
       <a:buFont typeface="Arial"/>
-      <a:defRPr sz="1400" b="0" i="0" u="none" strike="noStrike" cap="none">
+      <a:defRPr b="0" i="0" sz="1400" u="none" cap="none" strike="noStrike">
         <a:solidFill>
           <a:srgbClr val="000000"/>
         </a:solidFill>
@@ -1417,7 +1666,7 @@
         <a:sym typeface="Arial"/>
       </a:defRPr>
     </a:lvl8pPr>
-    <a:lvl9pPr marR="0" lvl="8" algn="l" rtl="0">
+    <a:lvl9pPr lvl="8" marR="0" rtl="0" algn="l">
       <a:lnSpc>
         <a:spcPct val="100000"/>
       </a:lnSpc>
@@ -1431,7 +1680,7 @@
         <a:srgbClr val="000000"/>
       </a:buClr>
       <a:buFont typeface="Arial"/>
-      <a:defRPr sz="1400" b="0" i="0" u="none" strike="noStrike" cap="none">
+      <a:defRPr b="0" i="0" sz="1400" u="none" cap="none" strike="noStrike">
         <a:solidFill>
           <a:srgbClr val="000000"/>
         </a:solidFill>
@@ -1446,11 +1695,11 @@
 </file>
 
 <file path=ppt/notesSlides/notesSlide1.xml><?xml version="1.0" encoding="utf-8"?>
-<p:notes xmlns:a="http://schemas.openxmlformats.org/drawingml/2006/main" xmlns:r="http://schemas.openxmlformats.org/officeDocument/2006/relationships" xmlns:p="http://schemas.openxmlformats.org/presentationml/2006/main" showMasterSp="0" showMasterPhAnim="0">
+<p:notes xmlns:a="http://schemas.openxmlformats.org/drawingml/2006/main" xmlns:r="http://schemas.openxmlformats.org/officeDocument/2006/relationships" xmlns:mc="http://schemas.openxmlformats.org/markup-compatibility/2006" xmlns:mv="urn:schemas-microsoft-com:mac:vml" xmlns:p="http://schemas.openxmlformats.org/presentationml/2006/main" xmlns:c="http://schemas.openxmlformats.org/drawingml/2006/chart" xmlns:dgm="http://schemas.openxmlformats.org/drawingml/2006/diagram" xmlns:o="urn:schemas-microsoft-com:office:office" xmlns:v="urn:schemas-microsoft-com:vml" xmlns:pvml="urn:schemas-microsoft-com:office:powerpoint" xmlns:com="http://schemas.openxmlformats.org/drawingml/2006/compatibility" xmlns:p14="http://schemas.microsoft.com/office/powerpoint/2010/main" xmlns:p15="http://schemas.microsoft.com/office/powerpoint/2012/main" showMasterPhAnim="0" showMasterSp="0">
   <p:cSld>
     <p:spTree>
       <p:nvGrpSpPr>
-        <p:cNvPr id="1" name="Shape 41"/>
+        <p:cNvPr id="41" name="Shape 41"/>
         <p:cNvGrpSpPr/>
         <p:nvPr/>
       </p:nvGrpSpPr>
@@ -1465,11 +1714,9 @@
       <p:sp>
         <p:nvSpPr>
           <p:cNvPr id="42" name="Shape 42"/>
-          <p:cNvSpPr>
-            <a:spLocks noGrp="1" noRot="1" noChangeAspect="1"/>
-          </p:cNvSpPr>
+          <p:cNvSpPr/>
           <p:nvPr>
-            <p:ph type="sldImg" idx="2"/>
+            <p:ph idx="2" type="sldImg"/>
           </p:nvPr>
         </p:nvSpPr>
         <p:spPr>
@@ -1478,13 +1725,8 @@
             <a:ext cx="4572000" cy="3429000"/>
           </a:xfrm>
           <a:custGeom>
-            <a:avLst/>
-            <a:gdLst/>
-            <a:ahLst/>
-            <a:cxnLst/>
-            <a:rect l="0" t="0" r="0" b="0"/>
             <a:pathLst>
-              <a:path w="120000" h="120000" extrusionOk="0">
+              <a:path extrusionOk="0" h="120000" w="120000">
                 <a:moveTo>
                   <a:pt x="0" y="0"/>
                 </a:moveTo>
@@ -1502,25 +1744,23 @@
             </a:pathLst>
           </a:custGeom>
           <a:noFill/>
-          <a:ln w="12700" cap="flat" cmpd="sng">
+          <a:ln cap="flat" cmpd="sng" w="12700">
             <a:solidFill>
               <a:srgbClr val="000000"/>
             </a:solidFill>
             <a:prstDash val="solid"/>
             <a:round/>
-            <a:headEnd type="none" w="sm" len="sm"/>
-            <a:tailEnd type="none" w="sm" len="sm"/>
+            <a:headEnd len="sm" w="sm" type="none"/>
+            <a:tailEnd len="sm" w="sm" type="none"/>
           </a:ln>
         </p:spPr>
       </p:sp>
       <p:sp>
         <p:nvSpPr>
           <p:cNvPr id="43" name="Shape 43"/>
-          <p:cNvSpPr txBox="1">
-            <a:spLocks noGrp="1"/>
-          </p:cNvSpPr>
+          <p:cNvSpPr txBox="1"/>
           <p:nvPr>
-            <p:ph type="body" idx="1"/>
+            <p:ph idx="1" type="body"/>
           </p:nvPr>
         </p:nvSpPr>
         <p:spPr>
@@ -1537,21 +1777,32 @@
           </a:ln>
         </p:spPr>
         <p:txBody>
-          <a:bodyPr spcFirstLastPara="1" wrap="square" lIns="91425" tIns="45700" rIns="91425" bIns="45700" anchor="t" anchorCtr="0">
+          <a:bodyPr anchorCtr="0" anchor="t" bIns="45700" lIns="91425" spcFirstLastPara="1" rIns="91425" wrap="square" tIns="45700">
             <a:noAutofit/>
           </a:bodyPr>
           <a:lstStyle/>
           <a:p>
-            <a:pPr marL="0" marR="0" lvl="0" indent="0" algn="l" rtl="0">
-              <a:spcBef>
-                <a:spcPts val="0"/>
-              </a:spcBef>
-              <a:spcAft>
-                <a:spcPts val="0"/>
-              </a:spcAft>
+            <a:pPr indent="0" lvl="0" marL="0" marR="0" rtl="0" algn="l">
+              <a:lnSpc>
+                <a:spcPct val="100000"/>
+              </a:lnSpc>
+              <a:spcBef>
+                <a:spcPts val="0"/>
+              </a:spcBef>
+              <a:spcAft>
+                <a:spcPts val="0"/>
+              </a:spcAft>
+              <a:buClr>
+                <a:srgbClr val="000000"/>
+              </a:buClr>
+              <a:buSzPts val="1400"/>
+              <a:buFont typeface="Arial"/>
               <a:buNone/>
             </a:pPr>
-            <a:endParaRPr sz="1200" b="0" i="0" u="none" strike="noStrike" cap="none" dirty="0">
+            <a:r>
+              <a:t/>
+            </a:r>
+            <a:endParaRPr b="0" i="0" sz="1200" u="none" cap="none" strike="noStrike">
               <a:solidFill>
                 <a:schemeClr val="dk1"/>
               </a:solidFill>
@@ -1566,11 +1817,9 @@
       <p:sp>
         <p:nvSpPr>
           <p:cNvPr id="44" name="Shape 44"/>
-          <p:cNvSpPr txBox="1">
-            <a:spLocks noGrp="1"/>
-          </p:cNvSpPr>
+          <p:cNvSpPr txBox="1"/>
           <p:nvPr>
-            <p:ph type="sldNum" idx="12"/>
+            <p:ph idx="12" type="sldNum"/>
           </p:nvPr>
         </p:nvSpPr>
         <p:spPr>
@@ -1587,22 +1836,30 @@
           </a:ln>
         </p:spPr>
         <p:txBody>
-          <a:bodyPr spcFirstLastPara="1" wrap="square" lIns="91425" tIns="45700" rIns="91425" bIns="45700" anchor="b" anchorCtr="0">
+          <a:bodyPr anchorCtr="0" anchor="b" bIns="45700" lIns="91425" spcFirstLastPara="1" rIns="91425" wrap="square" tIns="45700">
             <a:noAutofit/>
           </a:bodyPr>
           <a:lstStyle/>
           <a:p>
-            <a:pPr marL="0" marR="0" lvl="0" indent="0" algn="r" rtl="0">
-              <a:spcBef>
-                <a:spcPts val="0"/>
-              </a:spcBef>
-              <a:spcAft>
-                <a:spcPts val="0"/>
-              </a:spcAft>
+            <a:pPr indent="0" lvl="0" marL="0" marR="0" rtl="0" algn="r">
+              <a:lnSpc>
+                <a:spcPct val="100000"/>
+              </a:lnSpc>
+              <a:spcBef>
+                <a:spcPts val="0"/>
+              </a:spcBef>
+              <a:spcAft>
+                <a:spcPts val="0"/>
+              </a:spcAft>
+              <a:buClr>
+                <a:srgbClr val="000000"/>
+              </a:buClr>
+              <a:buSzPts val="1200"/>
+              <a:buFont typeface="Arial"/>
               <a:buNone/>
             </a:pPr>
             <a:fld id="{00000000-1234-1234-1234-123412341234}" type="slidenum">
-              <a:rPr lang="en-US" sz="1200">
+              <a:rPr b="0" i="0" lang="en-US" sz="1200" u="none" cap="none" strike="noStrike">
                 <a:solidFill>
                   <a:schemeClr val="dk1"/>
                 </a:solidFill>
@@ -1611,9 +1868,9 @@
                 <a:cs typeface="Calibri"/>
                 <a:sym typeface="Calibri"/>
               </a:rPr>
-              <a:t>1</a:t>
+              <a:t>‹#›</a:t>
             </a:fld>
-            <a:endParaRPr sz="1200">
+            <a:endParaRPr b="0" i="0" sz="1200" u="none" cap="none" strike="noStrike">
               <a:solidFill>
                 <a:schemeClr val="dk1"/>
               </a:solidFill>
@@ -1634,11 +1891,11 @@
 </file>
 
 <file path=ppt/slideLayouts/slideLayout1.xml><?xml version="1.0" encoding="utf-8"?>
-<p:sldLayout xmlns:a="http://schemas.openxmlformats.org/drawingml/2006/main" xmlns:r="http://schemas.openxmlformats.org/officeDocument/2006/relationships" xmlns:p="http://schemas.openxmlformats.org/presentationml/2006/main" matchingName="1_Title Slide">
+<p:sldLayout xmlns:a="http://schemas.openxmlformats.org/drawingml/2006/main" xmlns:r="http://schemas.openxmlformats.org/officeDocument/2006/relationships" xmlns:mc="http://schemas.openxmlformats.org/markup-compatibility/2006" xmlns:mv="urn:schemas-microsoft-com:mac:vml" xmlns:p="http://schemas.openxmlformats.org/presentationml/2006/main" xmlns:c="http://schemas.openxmlformats.org/drawingml/2006/chart" xmlns:dgm="http://schemas.openxmlformats.org/drawingml/2006/diagram" xmlns:o="urn:schemas-microsoft-com:office:office" xmlns:v="urn:schemas-microsoft-com:vml" xmlns:pvml="urn:schemas-microsoft-com:office:powerpoint" xmlns:com="http://schemas.openxmlformats.org/drawingml/2006/compatibility" xmlns:p14="http://schemas.microsoft.com/office/powerpoint/2010/main" xmlns:p15="http://schemas.microsoft.com/office/powerpoint/2012/main" matchingName="1_Title Slide">
   <p:cSld name="1_Title Slide">
     <p:spTree>
       <p:nvGrpSpPr>
-        <p:cNvPr id="1" name="Shape 11"/>
+        <p:cNvPr id="11" name="Shape 11"/>
         <p:cNvGrpSpPr/>
         <p:nvPr/>
       </p:nvGrpSpPr>
@@ -1659,11 +1916,11 @@
 </file>
 
 <file path=ppt/slideLayouts/slideLayout2.xml><?xml version="1.0" encoding="utf-8"?>
-<p:sldLayout xmlns:a="http://schemas.openxmlformats.org/drawingml/2006/main" xmlns:r="http://schemas.openxmlformats.org/officeDocument/2006/relationships" xmlns:p="http://schemas.openxmlformats.org/presentationml/2006/main" matchingName="Title Slide" type="title">
+<p:sldLayout xmlns:a="http://schemas.openxmlformats.org/drawingml/2006/main" xmlns:r="http://schemas.openxmlformats.org/officeDocument/2006/relationships" xmlns:mc="http://schemas.openxmlformats.org/markup-compatibility/2006" xmlns:mv="urn:schemas-microsoft-com:mac:vml" xmlns:p="http://schemas.openxmlformats.org/presentationml/2006/main" xmlns:c="http://schemas.openxmlformats.org/drawingml/2006/chart" xmlns:dgm="http://schemas.openxmlformats.org/drawingml/2006/diagram" xmlns:o="urn:schemas-microsoft-com:office:office" xmlns:v="urn:schemas-microsoft-com:vml" xmlns:pvml="urn:schemas-microsoft-com:office:powerpoint" xmlns:com="http://schemas.openxmlformats.org/drawingml/2006/compatibility" xmlns:p14="http://schemas.microsoft.com/office/powerpoint/2010/main" xmlns:p15="http://schemas.microsoft.com/office/powerpoint/2012/main" matchingName="Title Slide" type="title">
   <p:cSld name="TITLE">
     <p:spTree>
       <p:nvGrpSpPr>
-        <p:cNvPr id="1" name="Shape 12"/>
+        <p:cNvPr id="12" name="Shape 12"/>
         <p:cNvGrpSpPr/>
         <p:nvPr/>
       </p:nvGrpSpPr>
@@ -1678,9 +1935,7 @@
       <p:sp>
         <p:nvSpPr>
           <p:cNvPr id="13" name="Shape 13"/>
-          <p:cNvSpPr txBox="1">
-            <a:spLocks noGrp="1"/>
-          </p:cNvSpPr>
+          <p:cNvSpPr txBox="1"/>
           <p:nvPr>
             <p:ph type="ctrTitle"/>
           </p:nvPr>
@@ -1699,9 +1954,12 @@
           </a:ln>
         </p:spPr>
         <p:txBody>
-          <a:bodyPr spcFirstLastPara="1" wrap="square" lIns="91425" tIns="91425" rIns="91425" bIns="91425" anchor="t" anchorCtr="0"/>
+          <a:bodyPr anchorCtr="0" anchor="t" bIns="91425" lIns="91425" spcFirstLastPara="1" rIns="91425" wrap="square" tIns="91425"/>
           <a:lstStyle>
-            <a:lvl1pPr marR="0" lvl="0" algn="ctr" rtl="0">
+            <a:lvl1pPr lvl="0" marR="0" rtl="0" algn="ctr">
+              <a:lnSpc>
+                <a:spcPct val="100000"/>
+              </a:lnSpc>
               <a:spcBef>
                 <a:spcPts val="0"/>
               </a:spcBef>
@@ -1714,7 +1972,7 @@
               <a:buSzPts val="21120"/>
               <a:buFont typeface="Calibri"/>
               <a:buNone/>
-              <a:defRPr sz="21120" b="0" i="0" u="none" strike="noStrike" cap="none">
+              <a:defRPr b="0" i="0" sz="21120" u="none" cap="none" strike="noStrike">
                 <a:solidFill>
                   <a:schemeClr val="dk1"/>
                 </a:solidFill>
@@ -1724,108 +1982,224 @@
                 <a:sym typeface="Calibri"/>
               </a:defRPr>
             </a:lvl1pPr>
-            <a:lvl2pPr lvl="1">
-              <a:spcBef>
-                <a:spcPts val="0"/>
-              </a:spcBef>
-              <a:spcAft>
-                <a:spcPts val="0"/>
-              </a:spcAft>
+            <a:lvl2pPr lvl="1" marR="0" rtl="0" algn="l">
+              <a:lnSpc>
+                <a:spcPct val="100000"/>
+              </a:lnSpc>
+              <a:spcBef>
+                <a:spcPts val="0"/>
+              </a:spcBef>
+              <a:spcAft>
+                <a:spcPts val="0"/>
+              </a:spcAft>
+              <a:buClr>
+                <a:srgbClr val="000000"/>
+              </a:buClr>
               <a:buSzPts val="1400"/>
-              <a:buNone/>
-              <a:defRPr sz="1800"/>
+              <a:buFont typeface="Arial"/>
+              <a:buNone/>
+              <a:defRPr b="0" i="0" sz="1800" u="none" cap="none" strike="noStrike">
+                <a:solidFill>
+                  <a:srgbClr val="000000"/>
+                </a:solidFill>
+                <a:latin typeface="Arial"/>
+                <a:ea typeface="Arial"/>
+                <a:cs typeface="Arial"/>
+                <a:sym typeface="Arial"/>
+              </a:defRPr>
             </a:lvl2pPr>
-            <a:lvl3pPr lvl="2">
-              <a:spcBef>
-                <a:spcPts val="0"/>
-              </a:spcBef>
-              <a:spcAft>
-                <a:spcPts val="0"/>
-              </a:spcAft>
+            <a:lvl3pPr lvl="2" marR="0" rtl="0" algn="l">
+              <a:lnSpc>
+                <a:spcPct val="100000"/>
+              </a:lnSpc>
+              <a:spcBef>
+                <a:spcPts val="0"/>
+              </a:spcBef>
+              <a:spcAft>
+                <a:spcPts val="0"/>
+              </a:spcAft>
+              <a:buClr>
+                <a:srgbClr val="000000"/>
+              </a:buClr>
               <a:buSzPts val="1400"/>
-              <a:buNone/>
-              <a:defRPr sz="1800"/>
+              <a:buFont typeface="Arial"/>
+              <a:buNone/>
+              <a:defRPr b="0" i="0" sz="1800" u="none" cap="none" strike="noStrike">
+                <a:solidFill>
+                  <a:srgbClr val="000000"/>
+                </a:solidFill>
+                <a:latin typeface="Arial"/>
+                <a:ea typeface="Arial"/>
+                <a:cs typeface="Arial"/>
+                <a:sym typeface="Arial"/>
+              </a:defRPr>
             </a:lvl3pPr>
-            <a:lvl4pPr lvl="3">
-              <a:spcBef>
-                <a:spcPts val="0"/>
-              </a:spcBef>
-              <a:spcAft>
-                <a:spcPts val="0"/>
-              </a:spcAft>
+            <a:lvl4pPr lvl="3" marR="0" rtl="0" algn="l">
+              <a:lnSpc>
+                <a:spcPct val="100000"/>
+              </a:lnSpc>
+              <a:spcBef>
+                <a:spcPts val="0"/>
+              </a:spcBef>
+              <a:spcAft>
+                <a:spcPts val="0"/>
+              </a:spcAft>
+              <a:buClr>
+                <a:srgbClr val="000000"/>
+              </a:buClr>
               <a:buSzPts val="1400"/>
-              <a:buNone/>
-              <a:defRPr sz="1800"/>
+              <a:buFont typeface="Arial"/>
+              <a:buNone/>
+              <a:defRPr b="0" i="0" sz="1800" u="none" cap="none" strike="noStrike">
+                <a:solidFill>
+                  <a:srgbClr val="000000"/>
+                </a:solidFill>
+                <a:latin typeface="Arial"/>
+                <a:ea typeface="Arial"/>
+                <a:cs typeface="Arial"/>
+                <a:sym typeface="Arial"/>
+              </a:defRPr>
             </a:lvl4pPr>
-            <a:lvl5pPr lvl="4">
-              <a:spcBef>
-                <a:spcPts val="0"/>
-              </a:spcBef>
-              <a:spcAft>
-                <a:spcPts val="0"/>
-              </a:spcAft>
+            <a:lvl5pPr lvl="4" marR="0" rtl="0" algn="l">
+              <a:lnSpc>
+                <a:spcPct val="100000"/>
+              </a:lnSpc>
+              <a:spcBef>
+                <a:spcPts val="0"/>
+              </a:spcBef>
+              <a:spcAft>
+                <a:spcPts val="0"/>
+              </a:spcAft>
+              <a:buClr>
+                <a:srgbClr val="000000"/>
+              </a:buClr>
               <a:buSzPts val="1400"/>
-              <a:buNone/>
-              <a:defRPr sz="1800"/>
+              <a:buFont typeface="Arial"/>
+              <a:buNone/>
+              <a:defRPr b="0" i="0" sz="1800" u="none" cap="none" strike="noStrike">
+                <a:solidFill>
+                  <a:srgbClr val="000000"/>
+                </a:solidFill>
+                <a:latin typeface="Arial"/>
+                <a:ea typeface="Arial"/>
+                <a:cs typeface="Arial"/>
+                <a:sym typeface="Arial"/>
+              </a:defRPr>
             </a:lvl5pPr>
-            <a:lvl6pPr lvl="5">
-              <a:spcBef>
-                <a:spcPts val="0"/>
-              </a:spcBef>
-              <a:spcAft>
-                <a:spcPts val="0"/>
-              </a:spcAft>
+            <a:lvl6pPr lvl="5" marR="0" rtl="0" algn="l">
+              <a:lnSpc>
+                <a:spcPct val="100000"/>
+              </a:lnSpc>
+              <a:spcBef>
+                <a:spcPts val="0"/>
+              </a:spcBef>
+              <a:spcAft>
+                <a:spcPts val="0"/>
+              </a:spcAft>
+              <a:buClr>
+                <a:srgbClr val="000000"/>
+              </a:buClr>
               <a:buSzPts val="1400"/>
-              <a:buNone/>
-              <a:defRPr sz="1800"/>
+              <a:buFont typeface="Arial"/>
+              <a:buNone/>
+              <a:defRPr b="0" i="0" sz="1800" u="none" cap="none" strike="noStrike">
+                <a:solidFill>
+                  <a:srgbClr val="000000"/>
+                </a:solidFill>
+                <a:latin typeface="Arial"/>
+                <a:ea typeface="Arial"/>
+                <a:cs typeface="Arial"/>
+                <a:sym typeface="Arial"/>
+              </a:defRPr>
             </a:lvl6pPr>
-            <a:lvl7pPr lvl="6">
-              <a:spcBef>
-                <a:spcPts val="0"/>
-              </a:spcBef>
-              <a:spcAft>
-                <a:spcPts val="0"/>
-              </a:spcAft>
+            <a:lvl7pPr lvl="6" marR="0" rtl="0" algn="l">
+              <a:lnSpc>
+                <a:spcPct val="100000"/>
+              </a:lnSpc>
+              <a:spcBef>
+                <a:spcPts val="0"/>
+              </a:spcBef>
+              <a:spcAft>
+                <a:spcPts val="0"/>
+              </a:spcAft>
+              <a:buClr>
+                <a:srgbClr val="000000"/>
+              </a:buClr>
               <a:buSzPts val="1400"/>
-              <a:buNone/>
-              <a:defRPr sz="1800"/>
+              <a:buFont typeface="Arial"/>
+              <a:buNone/>
+              <a:defRPr b="0" i="0" sz="1800" u="none" cap="none" strike="noStrike">
+                <a:solidFill>
+                  <a:srgbClr val="000000"/>
+                </a:solidFill>
+                <a:latin typeface="Arial"/>
+                <a:ea typeface="Arial"/>
+                <a:cs typeface="Arial"/>
+                <a:sym typeface="Arial"/>
+              </a:defRPr>
             </a:lvl7pPr>
-            <a:lvl8pPr lvl="7">
-              <a:spcBef>
-                <a:spcPts val="0"/>
-              </a:spcBef>
-              <a:spcAft>
-                <a:spcPts val="0"/>
-              </a:spcAft>
+            <a:lvl8pPr lvl="7" marR="0" rtl="0" algn="l">
+              <a:lnSpc>
+                <a:spcPct val="100000"/>
+              </a:lnSpc>
+              <a:spcBef>
+                <a:spcPts val="0"/>
+              </a:spcBef>
+              <a:spcAft>
+                <a:spcPts val="0"/>
+              </a:spcAft>
+              <a:buClr>
+                <a:srgbClr val="000000"/>
+              </a:buClr>
               <a:buSzPts val="1400"/>
-              <a:buNone/>
-              <a:defRPr sz="1800"/>
+              <a:buFont typeface="Arial"/>
+              <a:buNone/>
+              <a:defRPr b="0" i="0" sz="1800" u="none" cap="none" strike="noStrike">
+                <a:solidFill>
+                  <a:srgbClr val="000000"/>
+                </a:solidFill>
+                <a:latin typeface="Arial"/>
+                <a:ea typeface="Arial"/>
+                <a:cs typeface="Arial"/>
+                <a:sym typeface="Arial"/>
+              </a:defRPr>
             </a:lvl8pPr>
-            <a:lvl9pPr lvl="8">
-              <a:spcBef>
-                <a:spcPts val="0"/>
-              </a:spcBef>
-              <a:spcAft>
-                <a:spcPts val="0"/>
-              </a:spcAft>
+            <a:lvl9pPr lvl="8" marR="0" rtl="0" algn="l">
+              <a:lnSpc>
+                <a:spcPct val="100000"/>
+              </a:lnSpc>
+              <a:spcBef>
+                <a:spcPts val="0"/>
+              </a:spcBef>
+              <a:spcAft>
+                <a:spcPts val="0"/>
+              </a:spcAft>
+              <a:buClr>
+                <a:srgbClr val="000000"/>
+              </a:buClr>
               <a:buSzPts val="1400"/>
-              <a:buNone/>
-              <a:defRPr sz="1800"/>
+              <a:buFont typeface="Arial"/>
+              <a:buNone/>
+              <a:defRPr b="0" i="0" sz="1800" u="none" cap="none" strike="noStrike">
+                <a:solidFill>
+                  <a:srgbClr val="000000"/>
+                </a:solidFill>
+                <a:latin typeface="Arial"/>
+                <a:ea typeface="Arial"/>
+                <a:cs typeface="Arial"/>
+                <a:sym typeface="Arial"/>
+              </a:defRPr>
             </a:lvl9pPr>
           </a:lstStyle>
-          <a:p>
-            <a:endParaRPr/>
-          </a:p>
+          <a:p/>
         </p:txBody>
       </p:sp>
       <p:sp>
         <p:nvSpPr>
           <p:cNvPr id="14" name="Shape 14"/>
-          <p:cNvSpPr txBox="1">
-            <a:spLocks noGrp="1"/>
-          </p:cNvSpPr>
+          <p:cNvSpPr txBox="1"/>
           <p:nvPr>
-            <p:ph type="subTitle" idx="1"/>
+            <p:ph idx="1" type="subTitle"/>
           </p:nvPr>
         </p:nvSpPr>
         <p:spPr>
@@ -1842,9 +2216,12 @@
           </a:ln>
         </p:spPr>
         <p:txBody>
-          <a:bodyPr spcFirstLastPara="1" wrap="square" lIns="91425" tIns="91425" rIns="91425" bIns="91425" anchor="t" anchorCtr="0"/>
+          <a:bodyPr anchorCtr="0" anchor="t" bIns="91425" lIns="91425" spcFirstLastPara="1" rIns="91425" wrap="square" tIns="91425"/>
           <a:lstStyle>
-            <a:lvl1pPr marR="0" lvl="0" algn="ctr" rtl="0">
+            <a:lvl1pPr lvl="0" marR="0" rtl="0" algn="ctr">
+              <a:lnSpc>
+                <a:spcPct val="100000"/>
+              </a:lnSpc>
               <a:spcBef>
                 <a:spcPts val="3072"/>
               </a:spcBef>
@@ -1857,7 +2234,7 @@
               <a:buSzPts val="15360"/>
               <a:buFont typeface="Arial"/>
               <a:buNone/>
-              <a:defRPr sz="15360" b="0" i="0" u="none" strike="noStrike" cap="none">
+              <a:defRPr b="0" i="0" sz="15360" u="none" cap="none" strike="noStrike">
                 <a:solidFill>
                   <a:srgbClr val="888888"/>
                 </a:solidFill>
@@ -1867,7 +2244,10 @@
                 <a:sym typeface="Calibri"/>
               </a:defRPr>
             </a:lvl1pPr>
-            <a:lvl2pPr marR="0" lvl="1" algn="ctr" rtl="0">
+            <a:lvl2pPr lvl="1" marR="0" rtl="0" algn="ctr">
+              <a:lnSpc>
+                <a:spcPct val="100000"/>
+              </a:lnSpc>
               <a:spcBef>
                 <a:spcPts val="2688"/>
               </a:spcBef>
@@ -1880,7 +2260,7 @@
               <a:buSzPts val="13440"/>
               <a:buFont typeface="Arial"/>
               <a:buNone/>
-              <a:defRPr sz="13439" b="0" i="0" u="none" strike="noStrike" cap="none">
+              <a:defRPr b="0" i="0" sz="13439" u="none" cap="none" strike="noStrike">
                 <a:solidFill>
                   <a:srgbClr val="888888"/>
                 </a:solidFill>
@@ -1890,7 +2270,10 @@
                 <a:sym typeface="Calibri"/>
               </a:defRPr>
             </a:lvl2pPr>
-            <a:lvl3pPr marR="0" lvl="2" algn="ctr" rtl="0">
+            <a:lvl3pPr lvl="2" marR="0" rtl="0" algn="ctr">
+              <a:lnSpc>
+                <a:spcPct val="100000"/>
+              </a:lnSpc>
               <a:spcBef>
                 <a:spcPts val="2304"/>
               </a:spcBef>
@@ -1903,7 +2286,7 @@
               <a:buSzPts val="11520"/>
               <a:buFont typeface="Arial"/>
               <a:buNone/>
-              <a:defRPr sz="11520" b="0" i="0" u="none" strike="noStrike" cap="none">
+              <a:defRPr b="0" i="0" sz="11520" u="none" cap="none" strike="noStrike">
                 <a:solidFill>
                   <a:srgbClr val="888888"/>
                 </a:solidFill>
@@ -1913,7 +2296,10 @@
                 <a:sym typeface="Calibri"/>
               </a:defRPr>
             </a:lvl3pPr>
-            <a:lvl4pPr marR="0" lvl="3" algn="ctr" rtl="0">
+            <a:lvl4pPr lvl="3" marR="0" rtl="0" algn="ctr">
+              <a:lnSpc>
+                <a:spcPct val="100000"/>
+              </a:lnSpc>
               <a:spcBef>
                 <a:spcPts val="1920"/>
               </a:spcBef>
@@ -1926,7 +2312,7 @@
               <a:buSzPts val="9600"/>
               <a:buFont typeface="Arial"/>
               <a:buNone/>
-              <a:defRPr sz="9600" b="0" i="0" u="none" strike="noStrike" cap="none">
+              <a:defRPr b="0" i="0" sz="9600" u="none" cap="none" strike="noStrike">
                 <a:solidFill>
                   <a:srgbClr val="888888"/>
                 </a:solidFill>
@@ -1936,7 +2322,10 @@
                 <a:sym typeface="Calibri"/>
               </a:defRPr>
             </a:lvl4pPr>
-            <a:lvl5pPr marR="0" lvl="4" algn="ctr" rtl="0">
+            <a:lvl5pPr lvl="4" marR="0" rtl="0" algn="ctr">
+              <a:lnSpc>
+                <a:spcPct val="100000"/>
+              </a:lnSpc>
               <a:spcBef>
                 <a:spcPts val="1920"/>
               </a:spcBef>
@@ -1949,7 +2338,7 @@
               <a:buSzPts val="9600"/>
               <a:buFont typeface="Arial"/>
               <a:buNone/>
-              <a:defRPr sz="9600" b="0" i="0" u="none" strike="noStrike" cap="none">
+              <a:defRPr b="0" i="0" sz="9600" u="none" cap="none" strike="noStrike">
                 <a:solidFill>
                   <a:srgbClr val="888888"/>
                 </a:solidFill>
@@ -1959,7 +2348,10 @@
                 <a:sym typeface="Calibri"/>
               </a:defRPr>
             </a:lvl5pPr>
-            <a:lvl6pPr marR="0" lvl="5" algn="ctr" rtl="0">
+            <a:lvl6pPr lvl="5" marR="0" rtl="0" algn="ctr">
+              <a:lnSpc>
+                <a:spcPct val="100000"/>
+              </a:lnSpc>
               <a:spcBef>
                 <a:spcPts val="1920"/>
               </a:spcBef>
@@ -1972,7 +2364,7 @@
               <a:buSzPts val="9600"/>
               <a:buFont typeface="Arial"/>
               <a:buNone/>
-              <a:defRPr sz="9600" b="0" i="0" u="none" strike="noStrike" cap="none">
+              <a:defRPr b="0" i="0" sz="9600" u="none" cap="none" strike="noStrike">
                 <a:solidFill>
                   <a:srgbClr val="888888"/>
                 </a:solidFill>
@@ -1982,7 +2374,10 @@
                 <a:sym typeface="Calibri"/>
               </a:defRPr>
             </a:lvl6pPr>
-            <a:lvl7pPr marR="0" lvl="6" algn="ctr" rtl="0">
+            <a:lvl7pPr lvl="6" marR="0" rtl="0" algn="ctr">
+              <a:lnSpc>
+                <a:spcPct val="100000"/>
+              </a:lnSpc>
               <a:spcBef>
                 <a:spcPts val="1920"/>
               </a:spcBef>
@@ -1995,7 +2390,7 @@
               <a:buSzPts val="9600"/>
               <a:buFont typeface="Arial"/>
               <a:buNone/>
-              <a:defRPr sz="9600" b="0" i="0" u="none" strike="noStrike" cap="none">
+              <a:defRPr b="0" i="0" sz="9600" u="none" cap="none" strike="noStrike">
                 <a:solidFill>
                   <a:srgbClr val="888888"/>
                 </a:solidFill>
@@ -2005,7 +2400,10 @@
                 <a:sym typeface="Calibri"/>
               </a:defRPr>
             </a:lvl7pPr>
-            <a:lvl8pPr marR="0" lvl="7" algn="ctr" rtl="0">
+            <a:lvl8pPr lvl="7" marR="0" rtl="0" algn="ctr">
+              <a:lnSpc>
+                <a:spcPct val="100000"/>
+              </a:lnSpc>
               <a:spcBef>
                 <a:spcPts val="1920"/>
               </a:spcBef>
@@ -2018,7 +2416,7 @@
               <a:buSzPts val="9600"/>
               <a:buFont typeface="Arial"/>
               <a:buNone/>
-              <a:defRPr sz="9600" b="0" i="0" u="none" strike="noStrike" cap="none">
+              <a:defRPr b="0" i="0" sz="9600" u="none" cap="none" strike="noStrike">
                 <a:solidFill>
                   <a:srgbClr val="888888"/>
                 </a:solidFill>
@@ -2028,7 +2426,10 @@
                 <a:sym typeface="Calibri"/>
               </a:defRPr>
             </a:lvl8pPr>
-            <a:lvl9pPr marR="0" lvl="8" algn="ctr" rtl="0">
+            <a:lvl9pPr lvl="8" marR="0" rtl="0" algn="ctr">
+              <a:lnSpc>
+                <a:spcPct val="100000"/>
+              </a:lnSpc>
               <a:spcBef>
                 <a:spcPts val="1920"/>
               </a:spcBef>
@@ -2041,7 +2442,7 @@
               <a:buSzPts val="9600"/>
               <a:buFont typeface="Arial"/>
               <a:buNone/>
-              <a:defRPr sz="9600" b="0" i="0" u="none" strike="noStrike" cap="none">
+              <a:defRPr b="0" i="0" sz="9600" u="none" cap="none" strike="noStrike">
                 <a:solidFill>
                   <a:srgbClr val="888888"/>
                 </a:solidFill>
@@ -2052,9 +2453,7 @@
               </a:defRPr>
             </a:lvl9pPr>
           </a:lstStyle>
-          <a:p>
-            <a:endParaRPr/>
-          </a:p>
+          <a:p/>
         </p:txBody>
       </p:sp>
     </p:spTree>
@@ -2066,11 +2465,11 @@
 </file>
 
 <file path=ppt/slideLayouts/slideLayout3.xml><?xml version="1.0" encoding="utf-8"?>
-<p:sldLayout xmlns:a="http://schemas.openxmlformats.org/drawingml/2006/main" xmlns:r="http://schemas.openxmlformats.org/officeDocument/2006/relationships" xmlns:p="http://schemas.openxmlformats.org/presentationml/2006/main" matchingName="Title and Content" type="obj">
+<p:sldLayout xmlns:a="http://schemas.openxmlformats.org/drawingml/2006/main" xmlns:r="http://schemas.openxmlformats.org/officeDocument/2006/relationships" xmlns:mc="http://schemas.openxmlformats.org/markup-compatibility/2006" xmlns:mv="urn:schemas-microsoft-com:mac:vml" xmlns:p="http://schemas.openxmlformats.org/presentationml/2006/main" xmlns:c="http://schemas.openxmlformats.org/drawingml/2006/chart" xmlns:dgm="http://schemas.openxmlformats.org/drawingml/2006/diagram" xmlns:o="urn:schemas-microsoft-com:office:office" xmlns:v="urn:schemas-microsoft-com:vml" xmlns:pvml="urn:schemas-microsoft-com:office:powerpoint" xmlns:com="http://schemas.openxmlformats.org/drawingml/2006/compatibility" xmlns:p14="http://schemas.microsoft.com/office/powerpoint/2010/main" xmlns:p15="http://schemas.microsoft.com/office/powerpoint/2012/main" matchingName="Title and Content" type="obj">
   <p:cSld name="OBJECT">
     <p:spTree>
       <p:nvGrpSpPr>
-        <p:cNvPr id="1" name="Shape 15"/>
+        <p:cNvPr id="15" name="Shape 15"/>
         <p:cNvGrpSpPr/>
         <p:nvPr/>
       </p:nvGrpSpPr>
@@ -2085,9 +2484,7 @@
       <p:sp>
         <p:nvSpPr>
           <p:cNvPr id="16" name="Shape 16"/>
-          <p:cNvSpPr txBox="1">
-            <a:spLocks noGrp="1"/>
-          </p:cNvSpPr>
+          <p:cNvSpPr txBox="1"/>
           <p:nvPr>
             <p:ph type="title"/>
           </p:nvPr>
@@ -2106,9 +2503,12 @@
           </a:ln>
         </p:spPr>
         <p:txBody>
-          <a:bodyPr spcFirstLastPara="1" wrap="square" lIns="91425" tIns="91425" rIns="91425" bIns="91425" anchor="t" anchorCtr="0"/>
+          <a:bodyPr anchorCtr="0" anchor="t" bIns="91425" lIns="91425" spcFirstLastPara="1" rIns="91425" wrap="square" tIns="91425"/>
           <a:lstStyle>
-            <a:lvl1pPr marR="0" lvl="0" algn="ctr" rtl="0">
+            <a:lvl1pPr lvl="0" marR="0" rtl="0" algn="ctr">
+              <a:lnSpc>
+                <a:spcPct val="100000"/>
+              </a:lnSpc>
               <a:spcBef>
                 <a:spcPts val="0"/>
               </a:spcBef>
@@ -2121,7 +2521,7 @@
               <a:buSzPts val="21120"/>
               <a:buFont typeface="Calibri"/>
               <a:buNone/>
-              <a:defRPr sz="21120" b="0" i="0" u="none" strike="noStrike" cap="none">
+              <a:defRPr b="0" i="0" sz="21120" u="none" cap="none" strike="noStrike">
                 <a:solidFill>
                   <a:schemeClr val="dk1"/>
                 </a:solidFill>
@@ -2131,108 +2531,224 @@
                 <a:sym typeface="Calibri"/>
               </a:defRPr>
             </a:lvl1pPr>
-            <a:lvl2pPr lvl="1">
-              <a:spcBef>
-                <a:spcPts val="0"/>
-              </a:spcBef>
-              <a:spcAft>
-                <a:spcPts val="0"/>
-              </a:spcAft>
+            <a:lvl2pPr lvl="1" marR="0" rtl="0" algn="l">
+              <a:lnSpc>
+                <a:spcPct val="100000"/>
+              </a:lnSpc>
+              <a:spcBef>
+                <a:spcPts val="0"/>
+              </a:spcBef>
+              <a:spcAft>
+                <a:spcPts val="0"/>
+              </a:spcAft>
+              <a:buClr>
+                <a:srgbClr val="000000"/>
+              </a:buClr>
               <a:buSzPts val="1400"/>
-              <a:buNone/>
-              <a:defRPr sz="1800"/>
+              <a:buFont typeface="Arial"/>
+              <a:buNone/>
+              <a:defRPr b="0" i="0" sz="1800" u="none" cap="none" strike="noStrike">
+                <a:solidFill>
+                  <a:srgbClr val="000000"/>
+                </a:solidFill>
+                <a:latin typeface="Arial"/>
+                <a:ea typeface="Arial"/>
+                <a:cs typeface="Arial"/>
+                <a:sym typeface="Arial"/>
+              </a:defRPr>
             </a:lvl2pPr>
-            <a:lvl3pPr lvl="2">
-              <a:spcBef>
-                <a:spcPts val="0"/>
-              </a:spcBef>
-              <a:spcAft>
-                <a:spcPts val="0"/>
-              </a:spcAft>
+            <a:lvl3pPr lvl="2" marR="0" rtl="0" algn="l">
+              <a:lnSpc>
+                <a:spcPct val="100000"/>
+              </a:lnSpc>
+              <a:spcBef>
+                <a:spcPts val="0"/>
+              </a:spcBef>
+              <a:spcAft>
+                <a:spcPts val="0"/>
+              </a:spcAft>
+              <a:buClr>
+                <a:srgbClr val="000000"/>
+              </a:buClr>
               <a:buSzPts val="1400"/>
-              <a:buNone/>
-              <a:defRPr sz="1800"/>
+              <a:buFont typeface="Arial"/>
+              <a:buNone/>
+              <a:defRPr b="0" i="0" sz="1800" u="none" cap="none" strike="noStrike">
+                <a:solidFill>
+                  <a:srgbClr val="000000"/>
+                </a:solidFill>
+                <a:latin typeface="Arial"/>
+                <a:ea typeface="Arial"/>
+                <a:cs typeface="Arial"/>
+                <a:sym typeface="Arial"/>
+              </a:defRPr>
             </a:lvl3pPr>
-            <a:lvl4pPr lvl="3">
-              <a:spcBef>
-                <a:spcPts val="0"/>
-              </a:spcBef>
-              <a:spcAft>
-                <a:spcPts val="0"/>
-              </a:spcAft>
+            <a:lvl4pPr lvl="3" marR="0" rtl="0" algn="l">
+              <a:lnSpc>
+                <a:spcPct val="100000"/>
+              </a:lnSpc>
+              <a:spcBef>
+                <a:spcPts val="0"/>
+              </a:spcBef>
+              <a:spcAft>
+                <a:spcPts val="0"/>
+              </a:spcAft>
+              <a:buClr>
+                <a:srgbClr val="000000"/>
+              </a:buClr>
               <a:buSzPts val="1400"/>
-              <a:buNone/>
-              <a:defRPr sz="1800"/>
+              <a:buFont typeface="Arial"/>
+              <a:buNone/>
+              <a:defRPr b="0" i="0" sz="1800" u="none" cap="none" strike="noStrike">
+                <a:solidFill>
+                  <a:srgbClr val="000000"/>
+                </a:solidFill>
+                <a:latin typeface="Arial"/>
+                <a:ea typeface="Arial"/>
+                <a:cs typeface="Arial"/>
+                <a:sym typeface="Arial"/>
+              </a:defRPr>
             </a:lvl4pPr>
-            <a:lvl5pPr lvl="4">
-              <a:spcBef>
-                <a:spcPts val="0"/>
-              </a:spcBef>
-              <a:spcAft>
-                <a:spcPts val="0"/>
-              </a:spcAft>
+            <a:lvl5pPr lvl="4" marR="0" rtl="0" algn="l">
+              <a:lnSpc>
+                <a:spcPct val="100000"/>
+              </a:lnSpc>
+              <a:spcBef>
+                <a:spcPts val="0"/>
+              </a:spcBef>
+              <a:spcAft>
+                <a:spcPts val="0"/>
+              </a:spcAft>
+              <a:buClr>
+                <a:srgbClr val="000000"/>
+              </a:buClr>
               <a:buSzPts val="1400"/>
-              <a:buNone/>
-              <a:defRPr sz="1800"/>
+              <a:buFont typeface="Arial"/>
+              <a:buNone/>
+              <a:defRPr b="0" i="0" sz="1800" u="none" cap="none" strike="noStrike">
+                <a:solidFill>
+                  <a:srgbClr val="000000"/>
+                </a:solidFill>
+                <a:latin typeface="Arial"/>
+                <a:ea typeface="Arial"/>
+                <a:cs typeface="Arial"/>
+                <a:sym typeface="Arial"/>
+              </a:defRPr>
             </a:lvl5pPr>
-            <a:lvl6pPr lvl="5">
-              <a:spcBef>
-                <a:spcPts val="0"/>
-              </a:spcBef>
-              <a:spcAft>
-                <a:spcPts val="0"/>
-              </a:spcAft>
+            <a:lvl6pPr lvl="5" marR="0" rtl="0" algn="l">
+              <a:lnSpc>
+                <a:spcPct val="100000"/>
+              </a:lnSpc>
+              <a:spcBef>
+                <a:spcPts val="0"/>
+              </a:spcBef>
+              <a:spcAft>
+                <a:spcPts val="0"/>
+              </a:spcAft>
+              <a:buClr>
+                <a:srgbClr val="000000"/>
+              </a:buClr>
               <a:buSzPts val="1400"/>
-              <a:buNone/>
-              <a:defRPr sz="1800"/>
+              <a:buFont typeface="Arial"/>
+              <a:buNone/>
+              <a:defRPr b="0" i="0" sz="1800" u="none" cap="none" strike="noStrike">
+                <a:solidFill>
+                  <a:srgbClr val="000000"/>
+                </a:solidFill>
+                <a:latin typeface="Arial"/>
+                <a:ea typeface="Arial"/>
+                <a:cs typeface="Arial"/>
+                <a:sym typeface="Arial"/>
+              </a:defRPr>
             </a:lvl6pPr>
-            <a:lvl7pPr lvl="6">
-              <a:spcBef>
-                <a:spcPts val="0"/>
-              </a:spcBef>
-              <a:spcAft>
-                <a:spcPts val="0"/>
-              </a:spcAft>
+            <a:lvl7pPr lvl="6" marR="0" rtl="0" algn="l">
+              <a:lnSpc>
+                <a:spcPct val="100000"/>
+              </a:lnSpc>
+              <a:spcBef>
+                <a:spcPts val="0"/>
+              </a:spcBef>
+              <a:spcAft>
+                <a:spcPts val="0"/>
+              </a:spcAft>
+              <a:buClr>
+                <a:srgbClr val="000000"/>
+              </a:buClr>
               <a:buSzPts val="1400"/>
-              <a:buNone/>
-              <a:defRPr sz="1800"/>
+              <a:buFont typeface="Arial"/>
+              <a:buNone/>
+              <a:defRPr b="0" i="0" sz="1800" u="none" cap="none" strike="noStrike">
+                <a:solidFill>
+                  <a:srgbClr val="000000"/>
+                </a:solidFill>
+                <a:latin typeface="Arial"/>
+                <a:ea typeface="Arial"/>
+                <a:cs typeface="Arial"/>
+                <a:sym typeface="Arial"/>
+              </a:defRPr>
             </a:lvl7pPr>
-            <a:lvl8pPr lvl="7">
-              <a:spcBef>
-                <a:spcPts val="0"/>
-              </a:spcBef>
-              <a:spcAft>
-                <a:spcPts val="0"/>
-              </a:spcAft>
+            <a:lvl8pPr lvl="7" marR="0" rtl="0" algn="l">
+              <a:lnSpc>
+                <a:spcPct val="100000"/>
+              </a:lnSpc>
+              <a:spcBef>
+                <a:spcPts val="0"/>
+              </a:spcBef>
+              <a:spcAft>
+                <a:spcPts val="0"/>
+              </a:spcAft>
+              <a:buClr>
+                <a:srgbClr val="000000"/>
+              </a:buClr>
               <a:buSzPts val="1400"/>
-              <a:buNone/>
-              <a:defRPr sz="1800"/>
+              <a:buFont typeface="Arial"/>
+              <a:buNone/>
+              <a:defRPr b="0" i="0" sz="1800" u="none" cap="none" strike="noStrike">
+                <a:solidFill>
+                  <a:srgbClr val="000000"/>
+                </a:solidFill>
+                <a:latin typeface="Arial"/>
+                <a:ea typeface="Arial"/>
+                <a:cs typeface="Arial"/>
+                <a:sym typeface="Arial"/>
+              </a:defRPr>
             </a:lvl8pPr>
-            <a:lvl9pPr lvl="8">
-              <a:spcBef>
-                <a:spcPts val="0"/>
-              </a:spcBef>
-              <a:spcAft>
-                <a:spcPts val="0"/>
-              </a:spcAft>
+            <a:lvl9pPr lvl="8" marR="0" rtl="0" algn="l">
+              <a:lnSpc>
+                <a:spcPct val="100000"/>
+              </a:lnSpc>
+              <a:spcBef>
+                <a:spcPts val="0"/>
+              </a:spcBef>
+              <a:spcAft>
+                <a:spcPts val="0"/>
+              </a:spcAft>
+              <a:buClr>
+                <a:srgbClr val="000000"/>
+              </a:buClr>
               <a:buSzPts val="1400"/>
-              <a:buNone/>
-              <a:defRPr sz="1800"/>
+              <a:buFont typeface="Arial"/>
+              <a:buNone/>
+              <a:defRPr b="0" i="0" sz="1800" u="none" cap="none" strike="noStrike">
+                <a:solidFill>
+                  <a:srgbClr val="000000"/>
+                </a:solidFill>
+                <a:latin typeface="Arial"/>
+                <a:ea typeface="Arial"/>
+                <a:cs typeface="Arial"/>
+                <a:sym typeface="Arial"/>
+              </a:defRPr>
             </a:lvl9pPr>
           </a:lstStyle>
-          <a:p>
-            <a:endParaRPr/>
-          </a:p>
+          <a:p/>
         </p:txBody>
       </p:sp>
       <p:sp>
         <p:nvSpPr>
           <p:cNvPr id="17" name="Shape 17"/>
-          <p:cNvSpPr txBox="1">
-            <a:spLocks noGrp="1"/>
-          </p:cNvSpPr>
+          <p:cNvSpPr txBox="1"/>
           <p:nvPr>
-            <p:ph type="body" idx="1"/>
+            <p:ph idx="1" type="body"/>
           </p:nvPr>
         </p:nvSpPr>
         <p:spPr>
@@ -2249,9 +2765,12 @@
           </a:ln>
         </p:spPr>
         <p:txBody>
-          <a:bodyPr spcFirstLastPara="1" wrap="square" lIns="91425" tIns="91425" rIns="91425" bIns="91425" anchor="t" anchorCtr="0"/>
+          <a:bodyPr anchorCtr="0" anchor="t" bIns="91425" lIns="91425" spcFirstLastPara="1" rIns="91425" wrap="square" tIns="91425"/>
           <a:lstStyle>
-            <a:lvl1pPr marL="457200" marR="0" lvl="0" indent="-1203960" algn="l" rtl="0">
+            <a:lvl1pPr indent="-1203960" lvl="0" marL="457200" marR="0" rtl="0" algn="l">
+              <a:lnSpc>
+                <a:spcPct val="100000"/>
+              </a:lnSpc>
               <a:spcBef>
                 <a:spcPts val="3072"/>
               </a:spcBef>
@@ -2264,7 +2783,7 @@
               <a:buSzPts val="15360"/>
               <a:buFont typeface="Arial"/>
               <a:buChar char="•"/>
-              <a:defRPr sz="15360" b="0" i="0" u="none" strike="noStrike" cap="none">
+              <a:defRPr b="0" i="0" sz="15360" u="none" cap="none" strike="noStrike">
                 <a:solidFill>
                   <a:schemeClr val="dk1"/>
                 </a:solidFill>
@@ -2274,7 +2793,10 @@
                 <a:sym typeface="Calibri"/>
               </a:defRPr>
             </a:lvl1pPr>
-            <a:lvl2pPr marL="914400" marR="0" lvl="1" indent="-1082040" algn="l" rtl="0">
+            <a:lvl2pPr indent="-1082040" lvl="1" marL="914400" marR="0" rtl="0" algn="l">
+              <a:lnSpc>
+                <a:spcPct val="100000"/>
+              </a:lnSpc>
               <a:spcBef>
                 <a:spcPts val="2688"/>
               </a:spcBef>
@@ -2287,7 +2809,7 @@
               <a:buSzPts val="13440"/>
               <a:buFont typeface="Arial"/>
               <a:buChar char="–"/>
-              <a:defRPr sz="13439" b="0" i="0" u="none" strike="noStrike" cap="none">
+              <a:defRPr b="0" i="0" sz="13439" u="none" cap="none" strike="noStrike">
                 <a:solidFill>
                   <a:schemeClr val="dk1"/>
                 </a:solidFill>
@@ -2297,7 +2819,10 @@
                 <a:sym typeface="Calibri"/>
               </a:defRPr>
             </a:lvl2pPr>
-            <a:lvl3pPr marL="1371600" marR="0" lvl="2" indent="-960120" algn="l" rtl="0">
+            <a:lvl3pPr indent="-960120" lvl="2" marL="1371600" marR="0" rtl="0" algn="l">
+              <a:lnSpc>
+                <a:spcPct val="100000"/>
+              </a:lnSpc>
               <a:spcBef>
                 <a:spcPts val="2304"/>
               </a:spcBef>
@@ -2310,7 +2835,7 @@
               <a:buSzPts val="11520"/>
               <a:buFont typeface="Arial"/>
               <a:buChar char="•"/>
-              <a:defRPr sz="11520" b="0" i="0" u="none" strike="noStrike" cap="none">
+              <a:defRPr b="0" i="0" sz="11520" u="none" cap="none" strike="noStrike">
                 <a:solidFill>
                   <a:schemeClr val="dk1"/>
                 </a:solidFill>
@@ -2320,7 +2845,10 @@
                 <a:sym typeface="Calibri"/>
               </a:defRPr>
             </a:lvl3pPr>
-            <a:lvl4pPr marL="1828800" marR="0" lvl="3" indent="-838200" algn="l" rtl="0">
+            <a:lvl4pPr indent="-838200" lvl="3" marL="1828800" marR="0" rtl="0" algn="l">
+              <a:lnSpc>
+                <a:spcPct val="100000"/>
+              </a:lnSpc>
               <a:spcBef>
                 <a:spcPts val="1920"/>
               </a:spcBef>
@@ -2333,7 +2861,7 @@
               <a:buSzPts val="9600"/>
               <a:buFont typeface="Arial"/>
               <a:buChar char="–"/>
-              <a:defRPr sz="9600" b="0" i="0" u="none" strike="noStrike" cap="none">
+              <a:defRPr b="0" i="0" sz="9600" u="none" cap="none" strike="noStrike">
                 <a:solidFill>
                   <a:schemeClr val="dk1"/>
                 </a:solidFill>
@@ -2343,7 +2871,10 @@
                 <a:sym typeface="Calibri"/>
               </a:defRPr>
             </a:lvl4pPr>
-            <a:lvl5pPr marL="2286000" marR="0" lvl="4" indent="-838200" algn="l" rtl="0">
+            <a:lvl5pPr indent="-838200" lvl="4" marL="2286000" marR="0" rtl="0" algn="l">
+              <a:lnSpc>
+                <a:spcPct val="100000"/>
+              </a:lnSpc>
               <a:spcBef>
                 <a:spcPts val="1920"/>
               </a:spcBef>
@@ -2356,7 +2887,7 @@
               <a:buSzPts val="9600"/>
               <a:buFont typeface="Arial"/>
               <a:buChar char="»"/>
-              <a:defRPr sz="9600" b="0" i="0" u="none" strike="noStrike" cap="none">
+              <a:defRPr b="0" i="0" sz="9600" u="none" cap="none" strike="noStrike">
                 <a:solidFill>
                   <a:schemeClr val="dk1"/>
                 </a:solidFill>
@@ -2366,7 +2897,10 @@
                 <a:sym typeface="Calibri"/>
               </a:defRPr>
             </a:lvl5pPr>
-            <a:lvl6pPr marL="2743200" marR="0" lvl="5" indent="-838200" algn="l" rtl="0">
+            <a:lvl6pPr indent="-838200" lvl="5" marL="2743200" marR="0" rtl="0" algn="l">
+              <a:lnSpc>
+                <a:spcPct val="100000"/>
+              </a:lnSpc>
               <a:spcBef>
                 <a:spcPts val="1920"/>
               </a:spcBef>
@@ -2379,7 +2913,7 @@
               <a:buSzPts val="9600"/>
               <a:buFont typeface="Arial"/>
               <a:buChar char="•"/>
-              <a:defRPr sz="9600" b="0" i="0" u="none" strike="noStrike" cap="none">
+              <a:defRPr b="0" i="0" sz="9600" u="none" cap="none" strike="noStrike">
                 <a:solidFill>
                   <a:schemeClr val="dk1"/>
                 </a:solidFill>
@@ -2389,7 +2923,10 @@
                 <a:sym typeface="Calibri"/>
               </a:defRPr>
             </a:lvl6pPr>
-            <a:lvl7pPr marL="3200400" marR="0" lvl="6" indent="-838200" algn="l" rtl="0">
+            <a:lvl7pPr indent="-838200" lvl="6" marL="3200400" marR="0" rtl="0" algn="l">
+              <a:lnSpc>
+                <a:spcPct val="100000"/>
+              </a:lnSpc>
               <a:spcBef>
                 <a:spcPts val="1920"/>
               </a:spcBef>
@@ -2402,7 +2939,7 @@
               <a:buSzPts val="9600"/>
               <a:buFont typeface="Arial"/>
               <a:buChar char="•"/>
-              <a:defRPr sz="9600" b="0" i="0" u="none" strike="noStrike" cap="none">
+              <a:defRPr b="0" i="0" sz="9600" u="none" cap="none" strike="noStrike">
                 <a:solidFill>
                   <a:schemeClr val="dk1"/>
                 </a:solidFill>
@@ -2412,7 +2949,10 @@
                 <a:sym typeface="Calibri"/>
               </a:defRPr>
             </a:lvl7pPr>
-            <a:lvl8pPr marL="3657600" marR="0" lvl="7" indent="-838200" algn="l" rtl="0">
+            <a:lvl8pPr indent="-838200" lvl="7" marL="3657600" marR="0" rtl="0" algn="l">
+              <a:lnSpc>
+                <a:spcPct val="100000"/>
+              </a:lnSpc>
               <a:spcBef>
                 <a:spcPts val="1920"/>
               </a:spcBef>
@@ -2425,7 +2965,7 @@
               <a:buSzPts val="9600"/>
               <a:buFont typeface="Arial"/>
               <a:buChar char="•"/>
-              <a:defRPr sz="9600" b="0" i="0" u="none" strike="noStrike" cap="none">
+              <a:defRPr b="0" i="0" sz="9600" u="none" cap="none" strike="noStrike">
                 <a:solidFill>
                   <a:schemeClr val="dk1"/>
                 </a:solidFill>
@@ -2435,7 +2975,10 @@
                 <a:sym typeface="Calibri"/>
               </a:defRPr>
             </a:lvl8pPr>
-            <a:lvl9pPr marL="4114800" marR="0" lvl="8" indent="-838200" algn="l" rtl="0">
+            <a:lvl9pPr indent="-838200" lvl="8" marL="4114800" marR="0" rtl="0" algn="l">
+              <a:lnSpc>
+                <a:spcPct val="100000"/>
+              </a:lnSpc>
               <a:spcBef>
                 <a:spcPts val="1920"/>
               </a:spcBef>
@@ -2448,7 +2991,7 @@
               <a:buSzPts val="9600"/>
               <a:buFont typeface="Arial"/>
               <a:buChar char="•"/>
-              <a:defRPr sz="9600" b="0" i="0" u="none" strike="noStrike" cap="none">
+              <a:defRPr b="0" i="0" sz="9600" u="none" cap="none" strike="noStrike">
                 <a:solidFill>
                   <a:schemeClr val="dk1"/>
                 </a:solidFill>
@@ -2459,9 +3002,7 @@
               </a:defRPr>
             </a:lvl9pPr>
           </a:lstStyle>
-          <a:p>
-            <a:endParaRPr/>
-          </a:p>
+          <a:p/>
         </p:txBody>
       </p:sp>
     </p:spTree>
@@ -2473,11 +3014,11 @@
 </file>
 
 <file path=ppt/slideLayouts/slideLayout4.xml><?xml version="1.0" encoding="utf-8"?>
-<p:sldLayout xmlns:a="http://schemas.openxmlformats.org/drawingml/2006/main" xmlns:r="http://schemas.openxmlformats.org/officeDocument/2006/relationships" xmlns:p="http://schemas.openxmlformats.org/presentationml/2006/main" matchingName="Section Header" type="secHead">
+<p:sldLayout xmlns:a="http://schemas.openxmlformats.org/drawingml/2006/main" xmlns:r="http://schemas.openxmlformats.org/officeDocument/2006/relationships" xmlns:mc="http://schemas.openxmlformats.org/markup-compatibility/2006" xmlns:mv="urn:schemas-microsoft-com:mac:vml" xmlns:p="http://schemas.openxmlformats.org/presentationml/2006/main" xmlns:c="http://schemas.openxmlformats.org/drawingml/2006/chart" xmlns:dgm="http://schemas.openxmlformats.org/drawingml/2006/diagram" xmlns:o="urn:schemas-microsoft-com:office:office" xmlns:v="urn:schemas-microsoft-com:vml" xmlns:pvml="urn:schemas-microsoft-com:office:powerpoint" xmlns:com="http://schemas.openxmlformats.org/drawingml/2006/compatibility" xmlns:p14="http://schemas.microsoft.com/office/powerpoint/2010/main" xmlns:p15="http://schemas.microsoft.com/office/powerpoint/2012/main" matchingName="Section Header" type="secHead">
   <p:cSld name="SECTION_HEADER">
     <p:spTree>
       <p:nvGrpSpPr>
-        <p:cNvPr id="1" name="Shape 18"/>
+        <p:cNvPr id="18" name="Shape 18"/>
         <p:cNvGrpSpPr/>
         <p:nvPr/>
       </p:nvGrpSpPr>
@@ -2492,9 +3033,7 @@
       <p:sp>
         <p:nvSpPr>
           <p:cNvPr id="19" name="Shape 19"/>
-          <p:cNvSpPr txBox="1">
-            <a:spLocks noGrp="1"/>
-          </p:cNvSpPr>
+          <p:cNvSpPr txBox="1"/>
           <p:nvPr>
             <p:ph type="title"/>
           </p:nvPr>
@@ -2513,9 +3052,12 @@
           </a:ln>
         </p:spPr>
         <p:txBody>
-          <a:bodyPr spcFirstLastPara="1" wrap="square" lIns="91425" tIns="91425" rIns="91425" bIns="91425" anchor="t" anchorCtr="0"/>
+          <a:bodyPr anchorCtr="0" anchor="t" bIns="91425" lIns="91425" spcFirstLastPara="1" rIns="91425" wrap="square" tIns="91425"/>
           <a:lstStyle>
-            <a:lvl1pPr marR="0" lvl="0" algn="l" rtl="0">
+            <a:lvl1pPr lvl="0" marR="0" rtl="0" algn="l">
+              <a:lnSpc>
+                <a:spcPct val="100000"/>
+              </a:lnSpc>
               <a:spcBef>
                 <a:spcPts val="0"/>
               </a:spcBef>
@@ -2528,7 +3070,7 @@
               <a:buSzPts val="19200"/>
               <a:buFont typeface="Calibri"/>
               <a:buNone/>
-              <a:defRPr sz="19200" b="1" i="0" u="none" strike="noStrike" cap="none">
+              <a:defRPr b="1" i="0" sz="19200" u="none" cap="none" strike="noStrike">
                 <a:solidFill>
                   <a:schemeClr val="dk1"/>
                 </a:solidFill>
@@ -2538,108 +3080,224 @@
                 <a:sym typeface="Calibri"/>
               </a:defRPr>
             </a:lvl1pPr>
-            <a:lvl2pPr lvl="1">
-              <a:spcBef>
-                <a:spcPts val="0"/>
-              </a:spcBef>
-              <a:spcAft>
-                <a:spcPts val="0"/>
-              </a:spcAft>
+            <a:lvl2pPr lvl="1" marR="0" rtl="0" algn="l">
+              <a:lnSpc>
+                <a:spcPct val="100000"/>
+              </a:lnSpc>
+              <a:spcBef>
+                <a:spcPts val="0"/>
+              </a:spcBef>
+              <a:spcAft>
+                <a:spcPts val="0"/>
+              </a:spcAft>
+              <a:buClr>
+                <a:srgbClr val="000000"/>
+              </a:buClr>
               <a:buSzPts val="1400"/>
-              <a:buNone/>
-              <a:defRPr sz="1800"/>
+              <a:buFont typeface="Arial"/>
+              <a:buNone/>
+              <a:defRPr b="0" i="0" sz="1800" u="none" cap="none" strike="noStrike">
+                <a:solidFill>
+                  <a:srgbClr val="000000"/>
+                </a:solidFill>
+                <a:latin typeface="Arial"/>
+                <a:ea typeface="Arial"/>
+                <a:cs typeface="Arial"/>
+                <a:sym typeface="Arial"/>
+              </a:defRPr>
             </a:lvl2pPr>
-            <a:lvl3pPr lvl="2">
-              <a:spcBef>
-                <a:spcPts val="0"/>
-              </a:spcBef>
-              <a:spcAft>
-                <a:spcPts val="0"/>
-              </a:spcAft>
+            <a:lvl3pPr lvl="2" marR="0" rtl="0" algn="l">
+              <a:lnSpc>
+                <a:spcPct val="100000"/>
+              </a:lnSpc>
+              <a:spcBef>
+                <a:spcPts val="0"/>
+              </a:spcBef>
+              <a:spcAft>
+                <a:spcPts val="0"/>
+              </a:spcAft>
+              <a:buClr>
+                <a:srgbClr val="000000"/>
+              </a:buClr>
               <a:buSzPts val="1400"/>
-              <a:buNone/>
-              <a:defRPr sz="1800"/>
+              <a:buFont typeface="Arial"/>
+              <a:buNone/>
+              <a:defRPr b="0" i="0" sz="1800" u="none" cap="none" strike="noStrike">
+                <a:solidFill>
+                  <a:srgbClr val="000000"/>
+                </a:solidFill>
+                <a:latin typeface="Arial"/>
+                <a:ea typeface="Arial"/>
+                <a:cs typeface="Arial"/>
+                <a:sym typeface="Arial"/>
+              </a:defRPr>
             </a:lvl3pPr>
-            <a:lvl4pPr lvl="3">
-              <a:spcBef>
-                <a:spcPts val="0"/>
-              </a:spcBef>
-              <a:spcAft>
-                <a:spcPts val="0"/>
-              </a:spcAft>
+            <a:lvl4pPr lvl="3" marR="0" rtl="0" algn="l">
+              <a:lnSpc>
+                <a:spcPct val="100000"/>
+              </a:lnSpc>
+              <a:spcBef>
+                <a:spcPts val="0"/>
+              </a:spcBef>
+              <a:spcAft>
+                <a:spcPts val="0"/>
+              </a:spcAft>
+              <a:buClr>
+                <a:srgbClr val="000000"/>
+              </a:buClr>
               <a:buSzPts val="1400"/>
-              <a:buNone/>
-              <a:defRPr sz="1800"/>
+              <a:buFont typeface="Arial"/>
+              <a:buNone/>
+              <a:defRPr b="0" i="0" sz="1800" u="none" cap="none" strike="noStrike">
+                <a:solidFill>
+                  <a:srgbClr val="000000"/>
+                </a:solidFill>
+                <a:latin typeface="Arial"/>
+                <a:ea typeface="Arial"/>
+                <a:cs typeface="Arial"/>
+                <a:sym typeface="Arial"/>
+              </a:defRPr>
             </a:lvl4pPr>
-            <a:lvl5pPr lvl="4">
-              <a:spcBef>
-                <a:spcPts val="0"/>
-              </a:spcBef>
-              <a:spcAft>
-                <a:spcPts val="0"/>
-              </a:spcAft>
+            <a:lvl5pPr lvl="4" marR="0" rtl="0" algn="l">
+              <a:lnSpc>
+                <a:spcPct val="100000"/>
+              </a:lnSpc>
+              <a:spcBef>
+                <a:spcPts val="0"/>
+              </a:spcBef>
+              <a:spcAft>
+                <a:spcPts val="0"/>
+              </a:spcAft>
+              <a:buClr>
+                <a:srgbClr val="000000"/>
+              </a:buClr>
               <a:buSzPts val="1400"/>
-              <a:buNone/>
-              <a:defRPr sz="1800"/>
+              <a:buFont typeface="Arial"/>
+              <a:buNone/>
+              <a:defRPr b="0" i="0" sz="1800" u="none" cap="none" strike="noStrike">
+                <a:solidFill>
+                  <a:srgbClr val="000000"/>
+                </a:solidFill>
+                <a:latin typeface="Arial"/>
+                <a:ea typeface="Arial"/>
+                <a:cs typeface="Arial"/>
+                <a:sym typeface="Arial"/>
+              </a:defRPr>
             </a:lvl5pPr>
-            <a:lvl6pPr lvl="5">
-              <a:spcBef>
-                <a:spcPts val="0"/>
-              </a:spcBef>
-              <a:spcAft>
-                <a:spcPts val="0"/>
-              </a:spcAft>
+            <a:lvl6pPr lvl="5" marR="0" rtl="0" algn="l">
+              <a:lnSpc>
+                <a:spcPct val="100000"/>
+              </a:lnSpc>
+              <a:spcBef>
+                <a:spcPts val="0"/>
+              </a:spcBef>
+              <a:spcAft>
+                <a:spcPts val="0"/>
+              </a:spcAft>
+              <a:buClr>
+                <a:srgbClr val="000000"/>
+              </a:buClr>
               <a:buSzPts val="1400"/>
-              <a:buNone/>
-              <a:defRPr sz="1800"/>
+              <a:buFont typeface="Arial"/>
+              <a:buNone/>
+              <a:defRPr b="0" i="0" sz="1800" u="none" cap="none" strike="noStrike">
+                <a:solidFill>
+                  <a:srgbClr val="000000"/>
+                </a:solidFill>
+                <a:latin typeface="Arial"/>
+                <a:ea typeface="Arial"/>
+                <a:cs typeface="Arial"/>
+                <a:sym typeface="Arial"/>
+              </a:defRPr>
             </a:lvl6pPr>
-            <a:lvl7pPr lvl="6">
-              <a:spcBef>
-                <a:spcPts val="0"/>
-              </a:spcBef>
-              <a:spcAft>
-                <a:spcPts val="0"/>
-              </a:spcAft>
+            <a:lvl7pPr lvl="6" marR="0" rtl="0" algn="l">
+              <a:lnSpc>
+                <a:spcPct val="100000"/>
+              </a:lnSpc>
+              <a:spcBef>
+                <a:spcPts val="0"/>
+              </a:spcBef>
+              <a:spcAft>
+                <a:spcPts val="0"/>
+              </a:spcAft>
+              <a:buClr>
+                <a:srgbClr val="000000"/>
+              </a:buClr>
               <a:buSzPts val="1400"/>
-              <a:buNone/>
-              <a:defRPr sz="1800"/>
+              <a:buFont typeface="Arial"/>
+              <a:buNone/>
+              <a:defRPr b="0" i="0" sz="1800" u="none" cap="none" strike="noStrike">
+                <a:solidFill>
+                  <a:srgbClr val="000000"/>
+                </a:solidFill>
+                <a:latin typeface="Arial"/>
+                <a:ea typeface="Arial"/>
+                <a:cs typeface="Arial"/>
+                <a:sym typeface="Arial"/>
+              </a:defRPr>
             </a:lvl7pPr>
-            <a:lvl8pPr lvl="7">
-              <a:spcBef>
-                <a:spcPts val="0"/>
-              </a:spcBef>
-              <a:spcAft>
-                <a:spcPts val="0"/>
-              </a:spcAft>
+            <a:lvl8pPr lvl="7" marR="0" rtl="0" algn="l">
+              <a:lnSpc>
+                <a:spcPct val="100000"/>
+              </a:lnSpc>
+              <a:spcBef>
+                <a:spcPts val="0"/>
+              </a:spcBef>
+              <a:spcAft>
+                <a:spcPts val="0"/>
+              </a:spcAft>
+              <a:buClr>
+                <a:srgbClr val="000000"/>
+              </a:buClr>
               <a:buSzPts val="1400"/>
-              <a:buNone/>
-              <a:defRPr sz="1800"/>
+              <a:buFont typeface="Arial"/>
+              <a:buNone/>
+              <a:defRPr b="0" i="0" sz="1800" u="none" cap="none" strike="noStrike">
+                <a:solidFill>
+                  <a:srgbClr val="000000"/>
+                </a:solidFill>
+                <a:latin typeface="Arial"/>
+                <a:ea typeface="Arial"/>
+                <a:cs typeface="Arial"/>
+                <a:sym typeface="Arial"/>
+              </a:defRPr>
             </a:lvl8pPr>
-            <a:lvl9pPr lvl="8">
-              <a:spcBef>
-                <a:spcPts val="0"/>
-              </a:spcBef>
-              <a:spcAft>
-                <a:spcPts val="0"/>
-              </a:spcAft>
+            <a:lvl9pPr lvl="8" marR="0" rtl="0" algn="l">
+              <a:lnSpc>
+                <a:spcPct val="100000"/>
+              </a:lnSpc>
+              <a:spcBef>
+                <a:spcPts val="0"/>
+              </a:spcBef>
+              <a:spcAft>
+                <a:spcPts val="0"/>
+              </a:spcAft>
+              <a:buClr>
+                <a:srgbClr val="000000"/>
+              </a:buClr>
               <a:buSzPts val="1400"/>
-              <a:buNone/>
-              <a:defRPr sz="1800"/>
+              <a:buFont typeface="Arial"/>
+              <a:buNone/>
+              <a:defRPr b="0" i="0" sz="1800" u="none" cap="none" strike="noStrike">
+                <a:solidFill>
+                  <a:srgbClr val="000000"/>
+                </a:solidFill>
+                <a:latin typeface="Arial"/>
+                <a:ea typeface="Arial"/>
+                <a:cs typeface="Arial"/>
+                <a:sym typeface="Arial"/>
+              </a:defRPr>
             </a:lvl9pPr>
           </a:lstStyle>
-          <a:p>
-            <a:endParaRPr/>
-          </a:p>
+          <a:p/>
         </p:txBody>
       </p:sp>
       <p:sp>
         <p:nvSpPr>
           <p:cNvPr id="20" name="Shape 20"/>
-          <p:cNvSpPr txBox="1">
-            <a:spLocks noGrp="1"/>
-          </p:cNvSpPr>
+          <p:cNvSpPr txBox="1"/>
           <p:nvPr>
-            <p:ph type="body" idx="1"/>
+            <p:ph idx="1" type="body"/>
           </p:nvPr>
         </p:nvSpPr>
         <p:spPr>
@@ -2656,9 +3314,12 @@
           </a:ln>
         </p:spPr>
         <p:txBody>
-          <a:bodyPr spcFirstLastPara="1" wrap="square" lIns="91425" tIns="91425" rIns="91425" bIns="91425" anchor="b" anchorCtr="0"/>
+          <a:bodyPr anchorCtr="0" anchor="b" bIns="91425" lIns="91425" spcFirstLastPara="1" rIns="91425" wrap="square" tIns="91425"/>
           <a:lstStyle>
-            <a:lvl1pPr marL="457200" marR="0" lvl="0" indent="-228600" algn="l" rtl="0">
+            <a:lvl1pPr indent="-228600" lvl="0" marL="457200" marR="0" rtl="0" algn="l">
+              <a:lnSpc>
+                <a:spcPct val="100000"/>
+              </a:lnSpc>
               <a:spcBef>
                 <a:spcPts val="1920"/>
               </a:spcBef>
@@ -2671,7 +3332,7 @@
               <a:buSzPts val="9600"/>
               <a:buFont typeface="Arial"/>
               <a:buNone/>
-              <a:defRPr sz="9600" b="0" i="0" u="none" strike="noStrike" cap="none">
+              <a:defRPr b="0" i="0" sz="9600" u="none" cap="none" strike="noStrike">
                 <a:solidFill>
                   <a:srgbClr val="888888"/>
                 </a:solidFill>
@@ -2681,7 +3342,10 @@
                 <a:sym typeface="Calibri"/>
               </a:defRPr>
             </a:lvl1pPr>
-            <a:lvl2pPr marL="914400" marR="0" lvl="1" indent="-228600" algn="l" rtl="0">
+            <a:lvl2pPr indent="-228600" lvl="1" marL="914400" marR="0" rtl="0" algn="l">
+              <a:lnSpc>
+                <a:spcPct val="100000"/>
+              </a:lnSpc>
               <a:spcBef>
                 <a:spcPts val="1728"/>
               </a:spcBef>
@@ -2694,7 +3358,7 @@
               <a:buSzPts val="8640"/>
               <a:buFont typeface="Arial"/>
               <a:buNone/>
-              <a:defRPr sz="8640" b="0" i="0" u="none" strike="noStrike" cap="none">
+              <a:defRPr b="0" i="0" sz="8640" u="none" cap="none" strike="noStrike">
                 <a:solidFill>
                   <a:srgbClr val="888888"/>
                 </a:solidFill>
@@ -2704,7 +3368,10 @@
                 <a:sym typeface="Calibri"/>
               </a:defRPr>
             </a:lvl2pPr>
-            <a:lvl3pPr marL="1371600" marR="0" lvl="2" indent="-228600" algn="l" rtl="0">
+            <a:lvl3pPr indent="-228600" lvl="2" marL="1371600" marR="0" rtl="0" algn="l">
+              <a:lnSpc>
+                <a:spcPct val="100000"/>
+              </a:lnSpc>
               <a:spcBef>
                 <a:spcPts val="1536"/>
               </a:spcBef>
@@ -2717,7 +3384,7 @@
               <a:buSzPts val="7680"/>
               <a:buFont typeface="Arial"/>
               <a:buNone/>
-              <a:defRPr sz="7680" b="0" i="0" u="none" strike="noStrike" cap="none">
+              <a:defRPr b="0" i="0" sz="7680" u="none" cap="none" strike="noStrike">
                 <a:solidFill>
                   <a:srgbClr val="888888"/>
                 </a:solidFill>
@@ -2727,7 +3394,10 @@
                 <a:sym typeface="Calibri"/>
               </a:defRPr>
             </a:lvl3pPr>
-            <a:lvl4pPr marL="1828800" marR="0" lvl="3" indent="-228600" algn="l" rtl="0">
+            <a:lvl4pPr indent="-228600" lvl="3" marL="1828800" marR="0" rtl="0" algn="l">
+              <a:lnSpc>
+                <a:spcPct val="100000"/>
+              </a:lnSpc>
               <a:spcBef>
                 <a:spcPts val="1344"/>
               </a:spcBef>
@@ -2740,7 +3410,7 @@
               <a:buSzPts val="6720"/>
               <a:buFont typeface="Arial"/>
               <a:buNone/>
-              <a:defRPr sz="6719" b="0" i="0" u="none" strike="noStrike" cap="none">
+              <a:defRPr b="0" i="0" sz="6719" u="none" cap="none" strike="noStrike">
                 <a:solidFill>
                   <a:srgbClr val="888888"/>
                 </a:solidFill>
@@ -2750,7 +3420,10 @@
                 <a:sym typeface="Calibri"/>
               </a:defRPr>
             </a:lvl4pPr>
-            <a:lvl5pPr marL="2286000" marR="0" lvl="4" indent="-228600" algn="l" rtl="0">
+            <a:lvl5pPr indent="-228600" lvl="4" marL="2286000" marR="0" rtl="0" algn="l">
+              <a:lnSpc>
+                <a:spcPct val="100000"/>
+              </a:lnSpc>
               <a:spcBef>
                 <a:spcPts val="1344"/>
               </a:spcBef>
@@ -2763,7 +3436,7 @@
               <a:buSzPts val="6720"/>
               <a:buFont typeface="Arial"/>
               <a:buNone/>
-              <a:defRPr sz="6719" b="0" i="0" u="none" strike="noStrike" cap="none">
+              <a:defRPr b="0" i="0" sz="6719" u="none" cap="none" strike="noStrike">
                 <a:solidFill>
                   <a:srgbClr val="888888"/>
                 </a:solidFill>
@@ -2773,7 +3446,10 @@
                 <a:sym typeface="Calibri"/>
               </a:defRPr>
             </a:lvl5pPr>
-            <a:lvl6pPr marL="2743200" marR="0" lvl="5" indent="-228600" algn="l" rtl="0">
+            <a:lvl6pPr indent="-228600" lvl="5" marL="2743200" marR="0" rtl="0" algn="l">
+              <a:lnSpc>
+                <a:spcPct val="100000"/>
+              </a:lnSpc>
               <a:spcBef>
                 <a:spcPts val="1344"/>
               </a:spcBef>
@@ -2786,7 +3462,7 @@
               <a:buSzPts val="6720"/>
               <a:buFont typeface="Arial"/>
               <a:buNone/>
-              <a:defRPr sz="6719" b="0" i="0" u="none" strike="noStrike" cap="none">
+              <a:defRPr b="0" i="0" sz="6719" u="none" cap="none" strike="noStrike">
                 <a:solidFill>
                   <a:srgbClr val="888888"/>
                 </a:solidFill>
@@ -2796,7 +3472,10 @@
                 <a:sym typeface="Calibri"/>
               </a:defRPr>
             </a:lvl6pPr>
-            <a:lvl7pPr marL="3200400" marR="0" lvl="6" indent="-228600" algn="l" rtl="0">
+            <a:lvl7pPr indent="-228600" lvl="6" marL="3200400" marR="0" rtl="0" algn="l">
+              <a:lnSpc>
+                <a:spcPct val="100000"/>
+              </a:lnSpc>
               <a:spcBef>
                 <a:spcPts val="1344"/>
               </a:spcBef>
@@ -2809,7 +3488,7 @@
               <a:buSzPts val="6720"/>
               <a:buFont typeface="Arial"/>
               <a:buNone/>
-              <a:defRPr sz="6719" b="0" i="0" u="none" strike="noStrike" cap="none">
+              <a:defRPr b="0" i="0" sz="6719" u="none" cap="none" strike="noStrike">
                 <a:solidFill>
                   <a:srgbClr val="888888"/>
                 </a:solidFill>
@@ -2819,7 +3498,10 @@
                 <a:sym typeface="Calibri"/>
               </a:defRPr>
             </a:lvl7pPr>
-            <a:lvl8pPr marL="3657600" marR="0" lvl="7" indent="-228600" algn="l" rtl="0">
+            <a:lvl8pPr indent="-228600" lvl="7" marL="3657600" marR="0" rtl="0" algn="l">
+              <a:lnSpc>
+                <a:spcPct val="100000"/>
+              </a:lnSpc>
               <a:spcBef>
                 <a:spcPts val="1344"/>
               </a:spcBef>
@@ -2832,7 +3514,7 @@
               <a:buSzPts val="6720"/>
               <a:buFont typeface="Arial"/>
               <a:buNone/>
-              <a:defRPr sz="6719" b="0" i="0" u="none" strike="noStrike" cap="none">
+              <a:defRPr b="0" i="0" sz="6719" u="none" cap="none" strike="noStrike">
                 <a:solidFill>
                   <a:srgbClr val="888888"/>
                 </a:solidFill>
@@ -2842,7 +3524,10 @@
                 <a:sym typeface="Calibri"/>
               </a:defRPr>
             </a:lvl8pPr>
-            <a:lvl9pPr marL="4114800" marR="0" lvl="8" indent="-228600" algn="l" rtl="0">
+            <a:lvl9pPr indent="-228600" lvl="8" marL="4114800" marR="0" rtl="0" algn="l">
+              <a:lnSpc>
+                <a:spcPct val="100000"/>
+              </a:lnSpc>
               <a:spcBef>
                 <a:spcPts val="1344"/>
               </a:spcBef>
@@ -2855,7 +3540,7 @@
               <a:buSzPts val="6720"/>
               <a:buFont typeface="Arial"/>
               <a:buNone/>
-              <a:defRPr sz="6719" b="0" i="0" u="none" strike="noStrike" cap="none">
+              <a:defRPr b="0" i="0" sz="6719" u="none" cap="none" strike="noStrike">
                 <a:solidFill>
                   <a:srgbClr val="888888"/>
                 </a:solidFill>
@@ -2866,9 +3551,7 @@
               </a:defRPr>
             </a:lvl9pPr>
           </a:lstStyle>
-          <a:p>
-            <a:endParaRPr/>
-          </a:p>
+          <a:p/>
         </p:txBody>
       </p:sp>
     </p:spTree>
@@ -2880,11 +3563,11 @@
 </file>
 
 <file path=ppt/slideLayouts/slideLayout5.xml><?xml version="1.0" encoding="utf-8"?>
-<p:sldLayout xmlns:a="http://schemas.openxmlformats.org/drawingml/2006/main" xmlns:r="http://schemas.openxmlformats.org/officeDocument/2006/relationships" xmlns:p="http://schemas.openxmlformats.org/presentationml/2006/main" matchingName="Two Content" type="twoObj">
+<p:sldLayout xmlns:a="http://schemas.openxmlformats.org/drawingml/2006/main" xmlns:r="http://schemas.openxmlformats.org/officeDocument/2006/relationships" xmlns:mc="http://schemas.openxmlformats.org/markup-compatibility/2006" xmlns:mv="urn:schemas-microsoft-com:mac:vml" xmlns:p="http://schemas.openxmlformats.org/presentationml/2006/main" xmlns:c="http://schemas.openxmlformats.org/drawingml/2006/chart" xmlns:dgm="http://schemas.openxmlformats.org/drawingml/2006/diagram" xmlns:o="urn:schemas-microsoft-com:office:office" xmlns:v="urn:schemas-microsoft-com:vml" xmlns:pvml="urn:schemas-microsoft-com:office:powerpoint" xmlns:com="http://schemas.openxmlformats.org/drawingml/2006/compatibility" xmlns:p14="http://schemas.microsoft.com/office/powerpoint/2010/main" xmlns:p15="http://schemas.microsoft.com/office/powerpoint/2012/main" matchingName="Two Content" type="twoObj">
   <p:cSld name="TWO_OBJECTS">
     <p:spTree>
       <p:nvGrpSpPr>
-        <p:cNvPr id="1" name="Shape 21"/>
+        <p:cNvPr id="21" name="Shape 21"/>
         <p:cNvGrpSpPr/>
         <p:nvPr/>
       </p:nvGrpSpPr>
@@ -2899,9 +3582,7 @@
       <p:sp>
         <p:nvSpPr>
           <p:cNvPr id="22" name="Shape 22"/>
-          <p:cNvSpPr txBox="1">
-            <a:spLocks noGrp="1"/>
-          </p:cNvSpPr>
+          <p:cNvSpPr txBox="1"/>
           <p:nvPr>
             <p:ph type="title"/>
           </p:nvPr>
@@ -2920,9 +3601,12 @@
           </a:ln>
         </p:spPr>
         <p:txBody>
-          <a:bodyPr spcFirstLastPara="1" wrap="square" lIns="91425" tIns="91425" rIns="91425" bIns="91425" anchor="t" anchorCtr="0"/>
+          <a:bodyPr anchorCtr="0" anchor="t" bIns="91425" lIns="91425" spcFirstLastPara="1" rIns="91425" wrap="square" tIns="91425"/>
           <a:lstStyle>
-            <a:lvl1pPr marR="0" lvl="0" algn="ctr" rtl="0">
+            <a:lvl1pPr lvl="0" marR="0" rtl="0" algn="ctr">
+              <a:lnSpc>
+                <a:spcPct val="100000"/>
+              </a:lnSpc>
               <a:spcBef>
                 <a:spcPts val="0"/>
               </a:spcBef>
@@ -2935,7 +3619,7 @@
               <a:buSzPts val="21120"/>
               <a:buFont typeface="Calibri"/>
               <a:buNone/>
-              <a:defRPr sz="21120" b="0" i="0" u="none" strike="noStrike" cap="none">
+              <a:defRPr b="0" i="0" sz="21120" u="none" cap="none" strike="noStrike">
                 <a:solidFill>
                   <a:schemeClr val="dk1"/>
                 </a:solidFill>
@@ -2945,108 +3629,224 @@
                 <a:sym typeface="Calibri"/>
               </a:defRPr>
             </a:lvl1pPr>
-            <a:lvl2pPr lvl="1">
-              <a:spcBef>
-                <a:spcPts val="0"/>
-              </a:spcBef>
-              <a:spcAft>
-                <a:spcPts val="0"/>
-              </a:spcAft>
+            <a:lvl2pPr lvl="1" marR="0" rtl="0" algn="l">
+              <a:lnSpc>
+                <a:spcPct val="100000"/>
+              </a:lnSpc>
+              <a:spcBef>
+                <a:spcPts val="0"/>
+              </a:spcBef>
+              <a:spcAft>
+                <a:spcPts val="0"/>
+              </a:spcAft>
+              <a:buClr>
+                <a:srgbClr val="000000"/>
+              </a:buClr>
               <a:buSzPts val="1400"/>
-              <a:buNone/>
-              <a:defRPr sz="1800"/>
+              <a:buFont typeface="Arial"/>
+              <a:buNone/>
+              <a:defRPr b="0" i="0" sz="1800" u="none" cap="none" strike="noStrike">
+                <a:solidFill>
+                  <a:srgbClr val="000000"/>
+                </a:solidFill>
+                <a:latin typeface="Arial"/>
+                <a:ea typeface="Arial"/>
+                <a:cs typeface="Arial"/>
+                <a:sym typeface="Arial"/>
+              </a:defRPr>
             </a:lvl2pPr>
-            <a:lvl3pPr lvl="2">
-              <a:spcBef>
-                <a:spcPts val="0"/>
-              </a:spcBef>
-              <a:spcAft>
-                <a:spcPts val="0"/>
-              </a:spcAft>
+            <a:lvl3pPr lvl="2" marR="0" rtl="0" algn="l">
+              <a:lnSpc>
+                <a:spcPct val="100000"/>
+              </a:lnSpc>
+              <a:spcBef>
+                <a:spcPts val="0"/>
+              </a:spcBef>
+              <a:spcAft>
+                <a:spcPts val="0"/>
+              </a:spcAft>
+              <a:buClr>
+                <a:srgbClr val="000000"/>
+              </a:buClr>
               <a:buSzPts val="1400"/>
-              <a:buNone/>
-              <a:defRPr sz="1800"/>
+              <a:buFont typeface="Arial"/>
+              <a:buNone/>
+              <a:defRPr b="0" i="0" sz="1800" u="none" cap="none" strike="noStrike">
+                <a:solidFill>
+                  <a:srgbClr val="000000"/>
+                </a:solidFill>
+                <a:latin typeface="Arial"/>
+                <a:ea typeface="Arial"/>
+                <a:cs typeface="Arial"/>
+                <a:sym typeface="Arial"/>
+              </a:defRPr>
             </a:lvl3pPr>
-            <a:lvl4pPr lvl="3">
-              <a:spcBef>
-                <a:spcPts val="0"/>
-              </a:spcBef>
-              <a:spcAft>
-                <a:spcPts val="0"/>
-              </a:spcAft>
+            <a:lvl4pPr lvl="3" marR="0" rtl="0" algn="l">
+              <a:lnSpc>
+                <a:spcPct val="100000"/>
+              </a:lnSpc>
+              <a:spcBef>
+                <a:spcPts val="0"/>
+              </a:spcBef>
+              <a:spcAft>
+                <a:spcPts val="0"/>
+              </a:spcAft>
+              <a:buClr>
+                <a:srgbClr val="000000"/>
+              </a:buClr>
               <a:buSzPts val="1400"/>
-              <a:buNone/>
-              <a:defRPr sz="1800"/>
+              <a:buFont typeface="Arial"/>
+              <a:buNone/>
+              <a:defRPr b="0" i="0" sz="1800" u="none" cap="none" strike="noStrike">
+                <a:solidFill>
+                  <a:srgbClr val="000000"/>
+                </a:solidFill>
+                <a:latin typeface="Arial"/>
+                <a:ea typeface="Arial"/>
+                <a:cs typeface="Arial"/>
+                <a:sym typeface="Arial"/>
+              </a:defRPr>
             </a:lvl4pPr>
-            <a:lvl5pPr lvl="4">
-              <a:spcBef>
-                <a:spcPts val="0"/>
-              </a:spcBef>
-              <a:spcAft>
-                <a:spcPts val="0"/>
-              </a:spcAft>
+            <a:lvl5pPr lvl="4" marR="0" rtl="0" algn="l">
+              <a:lnSpc>
+                <a:spcPct val="100000"/>
+              </a:lnSpc>
+              <a:spcBef>
+                <a:spcPts val="0"/>
+              </a:spcBef>
+              <a:spcAft>
+                <a:spcPts val="0"/>
+              </a:spcAft>
+              <a:buClr>
+                <a:srgbClr val="000000"/>
+              </a:buClr>
               <a:buSzPts val="1400"/>
-              <a:buNone/>
-              <a:defRPr sz="1800"/>
+              <a:buFont typeface="Arial"/>
+              <a:buNone/>
+              <a:defRPr b="0" i="0" sz="1800" u="none" cap="none" strike="noStrike">
+                <a:solidFill>
+                  <a:srgbClr val="000000"/>
+                </a:solidFill>
+                <a:latin typeface="Arial"/>
+                <a:ea typeface="Arial"/>
+                <a:cs typeface="Arial"/>
+                <a:sym typeface="Arial"/>
+              </a:defRPr>
             </a:lvl5pPr>
-            <a:lvl6pPr lvl="5">
-              <a:spcBef>
-                <a:spcPts val="0"/>
-              </a:spcBef>
-              <a:spcAft>
-                <a:spcPts val="0"/>
-              </a:spcAft>
+            <a:lvl6pPr lvl="5" marR="0" rtl="0" algn="l">
+              <a:lnSpc>
+                <a:spcPct val="100000"/>
+              </a:lnSpc>
+              <a:spcBef>
+                <a:spcPts val="0"/>
+              </a:spcBef>
+              <a:spcAft>
+                <a:spcPts val="0"/>
+              </a:spcAft>
+              <a:buClr>
+                <a:srgbClr val="000000"/>
+              </a:buClr>
               <a:buSzPts val="1400"/>
-              <a:buNone/>
-              <a:defRPr sz="1800"/>
+              <a:buFont typeface="Arial"/>
+              <a:buNone/>
+              <a:defRPr b="0" i="0" sz="1800" u="none" cap="none" strike="noStrike">
+                <a:solidFill>
+                  <a:srgbClr val="000000"/>
+                </a:solidFill>
+                <a:latin typeface="Arial"/>
+                <a:ea typeface="Arial"/>
+                <a:cs typeface="Arial"/>
+                <a:sym typeface="Arial"/>
+              </a:defRPr>
             </a:lvl6pPr>
-            <a:lvl7pPr lvl="6">
-              <a:spcBef>
-                <a:spcPts val="0"/>
-              </a:spcBef>
-              <a:spcAft>
-                <a:spcPts val="0"/>
-              </a:spcAft>
+            <a:lvl7pPr lvl="6" marR="0" rtl="0" algn="l">
+              <a:lnSpc>
+                <a:spcPct val="100000"/>
+              </a:lnSpc>
+              <a:spcBef>
+                <a:spcPts val="0"/>
+              </a:spcBef>
+              <a:spcAft>
+                <a:spcPts val="0"/>
+              </a:spcAft>
+              <a:buClr>
+                <a:srgbClr val="000000"/>
+              </a:buClr>
               <a:buSzPts val="1400"/>
-              <a:buNone/>
-              <a:defRPr sz="1800"/>
+              <a:buFont typeface="Arial"/>
+              <a:buNone/>
+              <a:defRPr b="0" i="0" sz="1800" u="none" cap="none" strike="noStrike">
+                <a:solidFill>
+                  <a:srgbClr val="000000"/>
+                </a:solidFill>
+                <a:latin typeface="Arial"/>
+                <a:ea typeface="Arial"/>
+                <a:cs typeface="Arial"/>
+                <a:sym typeface="Arial"/>
+              </a:defRPr>
             </a:lvl7pPr>
-            <a:lvl8pPr lvl="7">
-              <a:spcBef>
-                <a:spcPts val="0"/>
-              </a:spcBef>
-              <a:spcAft>
-                <a:spcPts val="0"/>
-              </a:spcAft>
+            <a:lvl8pPr lvl="7" marR="0" rtl="0" algn="l">
+              <a:lnSpc>
+                <a:spcPct val="100000"/>
+              </a:lnSpc>
+              <a:spcBef>
+                <a:spcPts val="0"/>
+              </a:spcBef>
+              <a:spcAft>
+                <a:spcPts val="0"/>
+              </a:spcAft>
+              <a:buClr>
+                <a:srgbClr val="000000"/>
+              </a:buClr>
               <a:buSzPts val="1400"/>
-              <a:buNone/>
-              <a:defRPr sz="1800"/>
+              <a:buFont typeface="Arial"/>
+              <a:buNone/>
+              <a:defRPr b="0" i="0" sz="1800" u="none" cap="none" strike="noStrike">
+                <a:solidFill>
+                  <a:srgbClr val="000000"/>
+                </a:solidFill>
+                <a:latin typeface="Arial"/>
+                <a:ea typeface="Arial"/>
+                <a:cs typeface="Arial"/>
+                <a:sym typeface="Arial"/>
+              </a:defRPr>
             </a:lvl8pPr>
-            <a:lvl9pPr lvl="8">
-              <a:spcBef>
-                <a:spcPts val="0"/>
-              </a:spcBef>
-              <a:spcAft>
-                <a:spcPts val="0"/>
-              </a:spcAft>
+            <a:lvl9pPr lvl="8" marR="0" rtl="0" algn="l">
+              <a:lnSpc>
+                <a:spcPct val="100000"/>
+              </a:lnSpc>
+              <a:spcBef>
+                <a:spcPts val="0"/>
+              </a:spcBef>
+              <a:spcAft>
+                <a:spcPts val="0"/>
+              </a:spcAft>
+              <a:buClr>
+                <a:srgbClr val="000000"/>
+              </a:buClr>
               <a:buSzPts val="1400"/>
-              <a:buNone/>
-              <a:defRPr sz="1800"/>
+              <a:buFont typeface="Arial"/>
+              <a:buNone/>
+              <a:defRPr b="0" i="0" sz="1800" u="none" cap="none" strike="noStrike">
+                <a:solidFill>
+                  <a:srgbClr val="000000"/>
+                </a:solidFill>
+                <a:latin typeface="Arial"/>
+                <a:ea typeface="Arial"/>
+                <a:cs typeface="Arial"/>
+                <a:sym typeface="Arial"/>
+              </a:defRPr>
             </a:lvl9pPr>
           </a:lstStyle>
-          <a:p>
-            <a:endParaRPr/>
-          </a:p>
+          <a:p/>
         </p:txBody>
       </p:sp>
       <p:sp>
         <p:nvSpPr>
           <p:cNvPr id="23" name="Shape 23"/>
-          <p:cNvSpPr txBox="1">
-            <a:spLocks noGrp="1"/>
-          </p:cNvSpPr>
+          <p:cNvSpPr txBox="1"/>
           <p:nvPr>
-            <p:ph type="body" idx="1"/>
+            <p:ph idx="1" type="body"/>
           </p:nvPr>
         </p:nvSpPr>
         <p:spPr>
@@ -3063,9 +3863,12 @@
           </a:ln>
         </p:spPr>
         <p:txBody>
-          <a:bodyPr spcFirstLastPara="1" wrap="square" lIns="91425" tIns="91425" rIns="91425" bIns="91425" anchor="t" anchorCtr="0"/>
+          <a:bodyPr anchorCtr="0" anchor="t" bIns="91425" lIns="91425" spcFirstLastPara="1" rIns="91425" wrap="square" tIns="91425"/>
           <a:lstStyle>
-            <a:lvl1pPr marL="457200" marR="0" lvl="0" indent="-1082040" algn="l" rtl="0">
+            <a:lvl1pPr indent="-1082040" lvl="0" marL="457200" marR="0" rtl="0" algn="l">
+              <a:lnSpc>
+                <a:spcPct val="100000"/>
+              </a:lnSpc>
               <a:spcBef>
                 <a:spcPts val="2688"/>
               </a:spcBef>
@@ -3078,7 +3881,7 @@
               <a:buSzPts val="13440"/>
               <a:buFont typeface="Arial"/>
               <a:buChar char="•"/>
-              <a:defRPr sz="13439" b="0" i="0" u="none" strike="noStrike" cap="none">
+              <a:defRPr b="0" i="0" sz="13439" u="none" cap="none" strike="noStrike">
                 <a:solidFill>
                   <a:schemeClr val="dk1"/>
                 </a:solidFill>
@@ -3088,7 +3891,10 @@
                 <a:sym typeface="Calibri"/>
               </a:defRPr>
             </a:lvl1pPr>
-            <a:lvl2pPr marL="914400" marR="0" lvl="1" indent="-960120" algn="l" rtl="0">
+            <a:lvl2pPr indent="-960120" lvl="1" marL="914400" marR="0" rtl="0" algn="l">
+              <a:lnSpc>
+                <a:spcPct val="100000"/>
+              </a:lnSpc>
               <a:spcBef>
                 <a:spcPts val="2304"/>
               </a:spcBef>
@@ -3101,7 +3907,7 @@
               <a:buSzPts val="11520"/>
               <a:buFont typeface="Arial"/>
               <a:buChar char="–"/>
-              <a:defRPr sz="11520" b="0" i="0" u="none" strike="noStrike" cap="none">
+              <a:defRPr b="0" i="0" sz="11520" u="none" cap="none" strike="noStrike">
                 <a:solidFill>
                   <a:schemeClr val="dk1"/>
                 </a:solidFill>
@@ -3111,7 +3917,10 @@
                 <a:sym typeface="Calibri"/>
               </a:defRPr>
             </a:lvl2pPr>
-            <a:lvl3pPr marL="1371600" marR="0" lvl="2" indent="-838200" algn="l" rtl="0">
+            <a:lvl3pPr indent="-838200" lvl="2" marL="1371600" marR="0" rtl="0" algn="l">
+              <a:lnSpc>
+                <a:spcPct val="100000"/>
+              </a:lnSpc>
               <a:spcBef>
                 <a:spcPts val="1920"/>
               </a:spcBef>
@@ -3124,7 +3933,7 @@
               <a:buSzPts val="9600"/>
               <a:buFont typeface="Arial"/>
               <a:buChar char="•"/>
-              <a:defRPr sz="9600" b="0" i="0" u="none" strike="noStrike" cap="none">
+              <a:defRPr b="0" i="0" sz="9600" u="none" cap="none" strike="noStrike">
                 <a:solidFill>
                   <a:schemeClr val="dk1"/>
                 </a:solidFill>
@@ -3134,7 +3943,10 @@
                 <a:sym typeface="Calibri"/>
               </a:defRPr>
             </a:lvl3pPr>
-            <a:lvl4pPr marL="1828800" marR="0" lvl="3" indent="-777239" algn="l" rtl="0">
+            <a:lvl4pPr indent="-777239" lvl="3" marL="1828800" marR="0" rtl="0" algn="l">
+              <a:lnSpc>
+                <a:spcPct val="100000"/>
+              </a:lnSpc>
               <a:spcBef>
                 <a:spcPts val="1728"/>
               </a:spcBef>
@@ -3147,7 +3959,7 @@
               <a:buSzPts val="8640"/>
               <a:buFont typeface="Arial"/>
               <a:buChar char="–"/>
-              <a:defRPr sz="8640" b="0" i="0" u="none" strike="noStrike" cap="none">
+              <a:defRPr b="0" i="0" sz="8640" u="none" cap="none" strike="noStrike">
                 <a:solidFill>
                   <a:schemeClr val="dk1"/>
                 </a:solidFill>
@@ -3157,7 +3969,10 @@
                 <a:sym typeface="Calibri"/>
               </a:defRPr>
             </a:lvl4pPr>
-            <a:lvl5pPr marL="2286000" marR="0" lvl="4" indent="-777239" algn="l" rtl="0">
+            <a:lvl5pPr indent="-777239" lvl="4" marL="2286000" marR="0" rtl="0" algn="l">
+              <a:lnSpc>
+                <a:spcPct val="100000"/>
+              </a:lnSpc>
               <a:spcBef>
                 <a:spcPts val="1728"/>
               </a:spcBef>
@@ -3170,7 +3985,7 @@
               <a:buSzPts val="8640"/>
               <a:buFont typeface="Arial"/>
               <a:buChar char="»"/>
-              <a:defRPr sz="8640" b="0" i="0" u="none" strike="noStrike" cap="none">
+              <a:defRPr b="0" i="0" sz="8640" u="none" cap="none" strike="noStrike">
                 <a:solidFill>
                   <a:schemeClr val="dk1"/>
                 </a:solidFill>
@@ -3180,7 +3995,10 @@
                 <a:sym typeface="Calibri"/>
               </a:defRPr>
             </a:lvl5pPr>
-            <a:lvl6pPr marL="2743200" marR="0" lvl="5" indent="-777239" algn="l" rtl="0">
+            <a:lvl6pPr indent="-777239" lvl="5" marL="2743200" marR="0" rtl="0" algn="l">
+              <a:lnSpc>
+                <a:spcPct val="100000"/>
+              </a:lnSpc>
               <a:spcBef>
                 <a:spcPts val="1728"/>
               </a:spcBef>
@@ -3193,7 +4011,7 @@
               <a:buSzPts val="8640"/>
               <a:buFont typeface="Arial"/>
               <a:buChar char="•"/>
-              <a:defRPr sz="8640" b="0" i="0" u="none" strike="noStrike" cap="none">
+              <a:defRPr b="0" i="0" sz="8640" u="none" cap="none" strike="noStrike">
                 <a:solidFill>
                   <a:schemeClr val="dk1"/>
                 </a:solidFill>
@@ -3203,7 +4021,10 @@
                 <a:sym typeface="Calibri"/>
               </a:defRPr>
             </a:lvl6pPr>
-            <a:lvl7pPr marL="3200400" marR="0" lvl="6" indent="-777239" algn="l" rtl="0">
+            <a:lvl7pPr indent="-777239" lvl="6" marL="3200400" marR="0" rtl="0" algn="l">
+              <a:lnSpc>
+                <a:spcPct val="100000"/>
+              </a:lnSpc>
               <a:spcBef>
                 <a:spcPts val="1728"/>
               </a:spcBef>
@@ -3216,7 +4037,7 @@
               <a:buSzPts val="8640"/>
               <a:buFont typeface="Arial"/>
               <a:buChar char="•"/>
-              <a:defRPr sz="8640" b="0" i="0" u="none" strike="noStrike" cap="none">
+              <a:defRPr b="0" i="0" sz="8640" u="none" cap="none" strike="noStrike">
                 <a:solidFill>
                   <a:schemeClr val="dk1"/>
                 </a:solidFill>
@@ -3226,7 +4047,10 @@
                 <a:sym typeface="Calibri"/>
               </a:defRPr>
             </a:lvl7pPr>
-            <a:lvl8pPr marL="3657600" marR="0" lvl="7" indent="-777239" algn="l" rtl="0">
+            <a:lvl8pPr indent="-777239" lvl="7" marL="3657600" marR="0" rtl="0" algn="l">
+              <a:lnSpc>
+                <a:spcPct val="100000"/>
+              </a:lnSpc>
               <a:spcBef>
                 <a:spcPts val="1728"/>
               </a:spcBef>
@@ -3239,7 +4063,7 @@
               <a:buSzPts val="8640"/>
               <a:buFont typeface="Arial"/>
               <a:buChar char="•"/>
-              <a:defRPr sz="8640" b="0" i="0" u="none" strike="noStrike" cap="none">
+              <a:defRPr b="0" i="0" sz="8640" u="none" cap="none" strike="noStrike">
                 <a:solidFill>
                   <a:schemeClr val="dk1"/>
                 </a:solidFill>
@@ -3249,7 +4073,10 @@
                 <a:sym typeface="Calibri"/>
               </a:defRPr>
             </a:lvl8pPr>
-            <a:lvl9pPr marL="4114800" marR="0" lvl="8" indent="-777240" algn="l" rtl="0">
+            <a:lvl9pPr indent="-777240" lvl="8" marL="4114800" marR="0" rtl="0" algn="l">
+              <a:lnSpc>
+                <a:spcPct val="100000"/>
+              </a:lnSpc>
               <a:spcBef>
                 <a:spcPts val="1728"/>
               </a:spcBef>
@@ -3262,7 +4089,7 @@
               <a:buSzPts val="8640"/>
               <a:buFont typeface="Arial"/>
               <a:buChar char="•"/>
-              <a:defRPr sz="8640" b="0" i="0" u="none" strike="noStrike" cap="none">
+              <a:defRPr b="0" i="0" sz="8640" u="none" cap="none" strike="noStrike">
                 <a:solidFill>
                   <a:schemeClr val="dk1"/>
                 </a:solidFill>
@@ -3273,19 +4100,15 @@
               </a:defRPr>
             </a:lvl9pPr>
           </a:lstStyle>
-          <a:p>
-            <a:endParaRPr/>
-          </a:p>
+          <a:p/>
         </p:txBody>
       </p:sp>
       <p:sp>
         <p:nvSpPr>
           <p:cNvPr id="24" name="Shape 24"/>
-          <p:cNvSpPr txBox="1">
-            <a:spLocks noGrp="1"/>
-          </p:cNvSpPr>
+          <p:cNvSpPr txBox="1"/>
           <p:nvPr>
-            <p:ph type="body" idx="2"/>
+            <p:ph idx="2" type="body"/>
           </p:nvPr>
         </p:nvSpPr>
         <p:spPr>
@@ -3302,9 +4125,12 @@
           </a:ln>
         </p:spPr>
         <p:txBody>
-          <a:bodyPr spcFirstLastPara="1" wrap="square" lIns="91425" tIns="91425" rIns="91425" bIns="91425" anchor="t" anchorCtr="0"/>
+          <a:bodyPr anchorCtr="0" anchor="t" bIns="91425" lIns="91425" spcFirstLastPara="1" rIns="91425" wrap="square" tIns="91425"/>
           <a:lstStyle>
-            <a:lvl1pPr marL="457200" marR="0" lvl="0" indent="-1082040" algn="l" rtl="0">
+            <a:lvl1pPr indent="-1082040" lvl="0" marL="457200" marR="0" rtl="0" algn="l">
+              <a:lnSpc>
+                <a:spcPct val="100000"/>
+              </a:lnSpc>
               <a:spcBef>
                 <a:spcPts val="2688"/>
               </a:spcBef>
@@ -3317,7 +4143,7 @@
               <a:buSzPts val="13440"/>
               <a:buFont typeface="Arial"/>
               <a:buChar char="•"/>
-              <a:defRPr sz="13439" b="0" i="0" u="none" strike="noStrike" cap="none">
+              <a:defRPr b="0" i="0" sz="13439" u="none" cap="none" strike="noStrike">
                 <a:solidFill>
                   <a:schemeClr val="dk1"/>
                 </a:solidFill>
@@ -3327,7 +4153,10 @@
                 <a:sym typeface="Calibri"/>
               </a:defRPr>
             </a:lvl1pPr>
-            <a:lvl2pPr marL="914400" marR="0" lvl="1" indent="-960120" algn="l" rtl="0">
+            <a:lvl2pPr indent="-960120" lvl="1" marL="914400" marR="0" rtl="0" algn="l">
+              <a:lnSpc>
+                <a:spcPct val="100000"/>
+              </a:lnSpc>
               <a:spcBef>
                 <a:spcPts val="2304"/>
               </a:spcBef>
@@ -3340,7 +4169,7 @@
               <a:buSzPts val="11520"/>
               <a:buFont typeface="Arial"/>
               <a:buChar char="–"/>
-              <a:defRPr sz="11520" b="0" i="0" u="none" strike="noStrike" cap="none">
+              <a:defRPr b="0" i="0" sz="11520" u="none" cap="none" strike="noStrike">
                 <a:solidFill>
                   <a:schemeClr val="dk1"/>
                 </a:solidFill>
@@ -3350,7 +4179,10 @@
                 <a:sym typeface="Calibri"/>
               </a:defRPr>
             </a:lvl2pPr>
-            <a:lvl3pPr marL="1371600" marR="0" lvl="2" indent="-838200" algn="l" rtl="0">
+            <a:lvl3pPr indent="-838200" lvl="2" marL="1371600" marR="0" rtl="0" algn="l">
+              <a:lnSpc>
+                <a:spcPct val="100000"/>
+              </a:lnSpc>
               <a:spcBef>
                 <a:spcPts val="1920"/>
               </a:spcBef>
@@ -3363,7 +4195,7 @@
               <a:buSzPts val="9600"/>
               <a:buFont typeface="Arial"/>
               <a:buChar char="•"/>
-              <a:defRPr sz="9600" b="0" i="0" u="none" strike="noStrike" cap="none">
+              <a:defRPr b="0" i="0" sz="9600" u="none" cap="none" strike="noStrike">
                 <a:solidFill>
                   <a:schemeClr val="dk1"/>
                 </a:solidFill>
@@ -3373,7 +4205,10 @@
                 <a:sym typeface="Calibri"/>
               </a:defRPr>
             </a:lvl3pPr>
-            <a:lvl4pPr marL="1828800" marR="0" lvl="3" indent="-777239" algn="l" rtl="0">
+            <a:lvl4pPr indent="-777239" lvl="3" marL="1828800" marR="0" rtl="0" algn="l">
+              <a:lnSpc>
+                <a:spcPct val="100000"/>
+              </a:lnSpc>
               <a:spcBef>
                 <a:spcPts val="1728"/>
               </a:spcBef>
@@ -3386,7 +4221,7 @@
               <a:buSzPts val="8640"/>
               <a:buFont typeface="Arial"/>
               <a:buChar char="–"/>
-              <a:defRPr sz="8640" b="0" i="0" u="none" strike="noStrike" cap="none">
+              <a:defRPr b="0" i="0" sz="8640" u="none" cap="none" strike="noStrike">
                 <a:solidFill>
                   <a:schemeClr val="dk1"/>
                 </a:solidFill>
@@ -3396,7 +4231,10 @@
                 <a:sym typeface="Calibri"/>
               </a:defRPr>
             </a:lvl4pPr>
-            <a:lvl5pPr marL="2286000" marR="0" lvl="4" indent="-777239" algn="l" rtl="0">
+            <a:lvl5pPr indent="-777239" lvl="4" marL="2286000" marR="0" rtl="0" algn="l">
+              <a:lnSpc>
+                <a:spcPct val="100000"/>
+              </a:lnSpc>
               <a:spcBef>
                 <a:spcPts val="1728"/>
               </a:spcBef>
@@ -3409,7 +4247,7 @@
               <a:buSzPts val="8640"/>
               <a:buFont typeface="Arial"/>
               <a:buChar char="»"/>
-              <a:defRPr sz="8640" b="0" i="0" u="none" strike="noStrike" cap="none">
+              <a:defRPr b="0" i="0" sz="8640" u="none" cap="none" strike="noStrike">
                 <a:solidFill>
                   <a:schemeClr val="dk1"/>
                 </a:solidFill>
@@ -3419,7 +4257,10 @@
                 <a:sym typeface="Calibri"/>
               </a:defRPr>
             </a:lvl5pPr>
-            <a:lvl6pPr marL="2743200" marR="0" lvl="5" indent="-777239" algn="l" rtl="0">
+            <a:lvl6pPr indent="-777239" lvl="5" marL="2743200" marR="0" rtl="0" algn="l">
+              <a:lnSpc>
+                <a:spcPct val="100000"/>
+              </a:lnSpc>
               <a:spcBef>
                 <a:spcPts val="1728"/>
               </a:spcBef>
@@ -3432,7 +4273,7 @@
               <a:buSzPts val="8640"/>
               <a:buFont typeface="Arial"/>
               <a:buChar char="•"/>
-              <a:defRPr sz="8640" b="0" i="0" u="none" strike="noStrike" cap="none">
+              <a:defRPr b="0" i="0" sz="8640" u="none" cap="none" strike="noStrike">
                 <a:solidFill>
                   <a:schemeClr val="dk1"/>
                 </a:solidFill>
@@ -3442,7 +4283,10 @@
                 <a:sym typeface="Calibri"/>
               </a:defRPr>
             </a:lvl6pPr>
-            <a:lvl7pPr marL="3200400" marR="0" lvl="6" indent="-777239" algn="l" rtl="0">
+            <a:lvl7pPr indent="-777239" lvl="6" marL="3200400" marR="0" rtl="0" algn="l">
+              <a:lnSpc>
+                <a:spcPct val="100000"/>
+              </a:lnSpc>
               <a:spcBef>
                 <a:spcPts val="1728"/>
               </a:spcBef>
@@ -3455,7 +4299,7 @@
               <a:buSzPts val="8640"/>
               <a:buFont typeface="Arial"/>
               <a:buChar char="•"/>
-              <a:defRPr sz="8640" b="0" i="0" u="none" strike="noStrike" cap="none">
+              <a:defRPr b="0" i="0" sz="8640" u="none" cap="none" strike="noStrike">
                 <a:solidFill>
                   <a:schemeClr val="dk1"/>
                 </a:solidFill>
@@ -3465,7 +4309,10 @@
                 <a:sym typeface="Calibri"/>
               </a:defRPr>
             </a:lvl7pPr>
-            <a:lvl8pPr marL="3657600" marR="0" lvl="7" indent="-777239" algn="l" rtl="0">
+            <a:lvl8pPr indent="-777239" lvl="7" marL="3657600" marR="0" rtl="0" algn="l">
+              <a:lnSpc>
+                <a:spcPct val="100000"/>
+              </a:lnSpc>
               <a:spcBef>
                 <a:spcPts val="1728"/>
               </a:spcBef>
@@ -3478,7 +4325,7 @@
               <a:buSzPts val="8640"/>
               <a:buFont typeface="Arial"/>
               <a:buChar char="•"/>
-              <a:defRPr sz="8640" b="0" i="0" u="none" strike="noStrike" cap="none">
+              <a:defRPr b="0" i="0" sz="8640" u="none" cap="none" strike="noStrike">
                 <a:solidFill>
                   <a:schemeClr val="dk1"/>
                 </a:solidFill>
@@ -3488,7 +4335,10 @@
                 <a:sym typeface="Calibri"/>
               </a:defRPr>
             </a:lvl8pPr>
-            <a:lvl9pPr marL="4114800" marR="0" lvl="8" indent="-777240" algn="l" rtl="0">
+            <a:lvl9pPr indent="-777240" lvl="8" marL="4114800" marR="0" rtl="0" algn="l">
+              <a:lnSpc>
+                <a:spcPct val="100000"/>
+              </a:lnSpc>
               <a:spcBef>
                 <a:spcPts val="1728"/>
               </a:spcBef>
@@ -3501,7 +4351,7 @@
               <a:buSzPts val="8640"/>
               <a:buFont typeface="Arial"/>
               <a:buChar char="•"/>
-              <a:defRPr sz="8640" b="0" i="0" u="none" strike="noStrike" cap="none">
+              <a:defRPr b="0" i="0" sz="8640" u="none" cap="none" strike="noStrike">
                 <a:solidFill>
                   <a:schemeClr val="dk1"/>
                 </a:solidFill>
@@ -3512,9 +4362,7 @@
               </a:defRPr>
             </a:lvl9pPr>
           </a:lstStyle>
-          <a:p>
-            <a:endParaRPr/>
-          </a:p>
+          <a:p/>
         </p:txBody>
       </p:sp>
     </p:spTree>
@@ -3526,11 +4374,11 @@
 </file>
 
 <file path=ppt/slideLayouts/slideLayout6.xml><?xml version="1.0" encoding="utf-8"?>
-<p:sldLayout xmlns:a="http://schemas.openxmlformats.org/drawingml/2006/main" xmlns:r="http://schemas.openxmlformats.org/officeDocument/2006/relationships" xmlns:p="http://schemas.openxmlformats.org/presentationml/2006/main" matchingName="Comparison" type="twoTxTwoObj">
+<p:sldLayout xmlns:a="http://schemas.openxmlformats.org/drawingml/2006/main" xmlns:r="http://schemas.openxmlformats.org/officeDocument/2006/relationships" xmlns:mc="http://schemas.openxmlformats.org/markup-compatibility/2006" xmlns:mv="urn:schemas-microsoft-com:mac:vml" xmlns:p="http://schemas.openxmlformats.org/presentationml/2006/main" xmlns:c="http://schemas.openxmlformats.org/drawingml/2006/chart" xmlns:dgm="http://schemas.openxmlformats.org/drawingml/2006/diagram" xmlns:o="urn:schemas-microsoft-com:office:office" xmlns:v="urn:schemas-microsoft-com:vml" xmlns:pvml="urn:schemas-microsoft-com:office:powerpoint" xmlns:com="http://schemas.openxmlformats.org/drawingml/2006/compatibility" xmlns:p14="http://schemas.microsoft.com/office/powerpoint/2010/main" xmlns:p15="http://schemas.microsoft.com/office/powerpoint/2012/main" matchingName="Comparison" type="twoTxTwoObj">
   <p:cSld name="TWO_OBJECTS_WITH_TEXT">
     <p:spTree>
       <p:nvGrpSpPr>
-        <p:cNvPr id="1" name="Shape 25"/>
+        <p:cNvPr id="25" name="Shape 25"/>
         <p:cNvGrpSpPr/>
         <p:nvPr/>
       </p:nvGrpSpPr>
@@ -3545,9 +4393,7 @@
       <p:sp>
         <p:nvSpPr>
           <p:cNvPr id="26" name="Shape 26"/>
-          <p:cNvSpPr txBox="1">
-            <a:spLocks noGrp="1"/>
-          </p:cNvSpPr>
+          <p:cNvSpPr txBox="1"/>
           <p:nvPr>
             <p:ph type="title"/>
           </p:nvPr>
@@ -3566,9 +4412,12 @@
           </a:ln>
         </p:spPr>
         <p:txBody>
-          <a:bodyPr spcFirstLastPara="1" wrap="square" lIns="91425" tIns="91425" rIns="91425" bIns="91425" anchor="t" anchorCtr="0"/>
+          <a:bodyPr anchorCtr="0" anchor="t" bIns="91425" lIns="91425" spcFirstLastPara="1" rIns="91425" wrap="square" tIns="91425"/>
           <a:lstStyle>
-            <a:lvl1pPr marR="0" lvl="0" algn="ctr" rtl="0">
+            <a:lvl1pPr lvl="0" marR="0" rtl="0" algn="ctr">
+              <a:lnSpc>
+                <a:spcPct val="100000"/>
+              </a:lnSpc>
               <a:spcBef>
                 <a:spcPts val="0"/>
               </a:spcBef>
@@ -3581,7 +4430,7 @@
               <a:buSzPts val="21120"/>
               <a:buFont typeface="Calibri"/>
               <a:buNone/>
-              <a:defRPr sz="21120" b="0" i="0" u="none" strike="noStrike" cap="none">
+              <a:defRPr b="0" i="0" sz="21120" u="none" cap="none" strike="noStrike">
                 <a:solidFill>
                   <a:schemeClr val="dk1"/>
                 </a:solidFill>
@@ -3591,108 +4440,224 @@
                 <a:sym typeface="Calibri"/>
               </a:defRPr>
             </a:lvl1pPr>
-            <a:lvl2pPr lvl="1">
-              <a:spcBef>
-                <a:spcPts val="0"/>
-              </a:spcBef>
-              <a:spcAft>
-                <a:spcPts val="0"/>
-              </a:spcAft>
+            <a:lvl2pPr lvl="1" marR="0" rtl="0" algn="l">
+              <a:lnSpc>
+                <a:spcPct val="100000"/>
+              </a:lnSpc>
+              <a:spcBef>
+                <a:spcPts val="0"/>
+              </a:spcBef>
+              <a:spcAft>
+                <a:spcPts val="0"/>
+              </a:spcAft>
+              <a:buClr>
+                <a:srgbClr val="000000"/>
+              </a:buClr>
               <a:buSzPts val="1400"/>
-              <a:buNone/>
-              <a:defRPr sz="1800"/>
+              <a:buFont typeface="Arial"/>
+              <a:buNone/>
+              <a:defRPr b="0" i="0" sz="1800" u="none" cap="none" strike="noStrike">
+                <a:solidFill>
+                  <a:srgbClr val="000000"/>
+                </a:solidFill>
+                <a:latin typeface="Arial"/>
+                <a:ea typeface="Arial"/>
+                <a:cs typeface="Arial"/>
+                <a:sym typeface="Arial"/>
+              </a:defRPr>
             </a:lvl2pPr>
-            <a:lvl3pPr lvl="2">
-              <a:spcBef>
-                <a:spcPts val="0"/>
-              </a:spcBef>
-              <a:spcAft>
-                <a:spcPts val="0"/>
-              </a:spcAft>
+            <a:lvl3pPr lvl="2" marR="0" rtl="0" algn="l">
+              <a:lnSpc>
+                <a:spcPct val="100000"/>
+              </a:lnSpc>
+              <a:spcBef>
+                <a:spcPts val="0"/>
+              </a:spcBef>
+              <a:spcAft>
+                <a:spcPts val="0"/>
+              </a:spcAft>
+              <a:buClr>
+                <a:srgbClr val="000000"/>
+              </a:buClr>
               <a:buSzPts val="1400"/>
-              <a:buNone/>
-              <a:defRPr sz="1800"/>
+              <a:buFont typeface="Arial"/>
+              <a:buNone/>
+              <a:defRPr b="0" i="0" sz="1800" u="none" cap="none" strike="noStrike">
+                <a:solidFill>
+                  <a:srgbClr val="000000"/>
+                </a:solidFill>
+                <a:latin typeface="Arial"/>
+                <a:ea typeface="Arial"/>
+                <a:cs typeface="Arial"/>
+                <a:sym typeface="Arial"/>
+              </a:defRPr>
             </a:lvl3pPr>
-            <a:lvl4pPr lvl="3">
-              <a:spcBef>
-                <a:spcPts val="0"/>
-              </a:spcBef>
-              <a:spcAft>
-                <a:spcPts val="0"/>
-              </a:spcAft>
+            <a:lvl4pPr lvl="3" marR="0" rtl="0" algn="l">
+              <a:lnSpc>
+                <a:spcPct val="100000"/>
+              </a:lnSpc>
+              <a:spcBef>
+                <a:spcPts val="0"/>
+              </a:spcBef>
+              <a:spcAft>
+                <a:spcPts val="0"/>
+              </a:spcAft>
+              <a:buClr>
+                <a:srgbClr val="000000"/>
+              </a:buClr>
               <a:buSzPts val="1400"/>
-              <a:buNone/>
-              <a:defRPr sz="1800"/>
+              <a:buFont typeface="Arial"/>
+              <a:buNone/>
+              <a:defRPr b="0" i="0" sz="1800" u="none" cap="none" strike="noStrike">
+                <a:solidFill>
+                  <a:srgbClr val="000000"/>
+                </a:solidFill>
+                <a:latin typeface="Arial"/>
+                <a:ea typeface="Arial"/>
+                <a:cs typeface="Arial"/>
+                <a:sym typeface="Arial"/>
+              </a:defRPr>
             </a:lvl4pPr>
-            <a:lvl5pPr lvl="4">
-              <a:spcBef>
-                <a:spcPts val="0"/>
-              </a:spcBef>
-              <a:spcAft>
-                <a:spcPts val="0"/>
-              </a:spcAft>
+            <a:lvl5pPr lvl="4" marR="0" rtl="0" algn="l">
+              <a:lnSpc>
+                <a:spcPct val="100000"/>
+              </a:lnSpc>
+              <a:spcBef>
+                <a:spcPts val="0"/>
+              </a:spcBef>
+              <a:spcAft>
+                <a:spcPts val="0"/>
+              </a:spcAft>
+              <a:buClr>
+                <a:srgbClr val="000000"/>
+              </a:buClr>
               <a:buSzPts val="1400"/>
-              <a:buNone/>
-              <a:defRPr sz="1800"/>
+              <a:buFont typeface="Arial"/>
+              <a:buNone/>
+              <a:defRPr b="0" i="0" sz="1800" u="none" cap="none" strike="noStrike">
+                <a:solidFill>
+                  <a:srgbClr val="000000"/>
+                </a:solidFill>
+                <a:latin typeface="Arial"/>
+                <a:ea typeface="Arial"/>
+                <a:cs typeface="Arial"/>
+                <a:sym typeface="Arial"/>
+              </a:defRPr>
             </a:lvl5pPr>
-            <a:lvl6pPr lvl="5">
-              <a:spcBef>
-                <a:spcPts val="0"/>
-              </a:spcBef>
-              <a:spcAft>
-                <a:spcPts val="0"/>
-              </a:spcAft>
+            <a:lvl6pPr lvl="5" marR="0" rtl="0" algn="l">
+              <a:lnSpc>
+                <a:spcPct val="100000"/>
+              </a:lnSpc>
+              <a:spcBef>
+                <a:spcPts val="0"/>
+              </a:spcBef>
+              <a:spcAft>
+                <a:spcPts val="0"/>
+              </a:spcAft>
+              <a:buClr>
+                <a:srgbClr val="000000"/>
+              </a:buClr>
               <a:buSzPts val="1400"/>
-              <a:buNone/>
-              <a:defRPr sz="1800"/>
+              <a:buFont typeface="Arial"/>
+              <a:buNone/>
+              <a:defRPr b="0" i="0" sz="1800" u="none" cap="none" strike="noStrike">
+                <a:solidFill>
+                  <a:srgbClr val="000000"/>
+                </a:solidFill>
+                <a:latin typeface="Arial"/>
+                <a:ea typeface="Arial"/>
+                <a:cs typeface="Arial"/>
+                <a:sym typeface="Arial"/>
+              </a:defRPr>
             </a:lvl6pPr>
-            <a:lvl7pPr lvl="6">
-              <a:spcBef>
-                <a:spcPts val="0"/>
-              </a:spcBef>
-              <a:spcAft>
-                <a:spcPts val="0"/>
-              </a:spcAft>
+            <a:lvl7pPr lvl="6" marR="0" rtl="0" algn="l">
+              <a:lnSpc>
+                <a:spcPct val="100000"/>
+              </a:lnSpc>
+              <a:spcBef>
+                <a:spcPts val="0"/>
+              </a:spcBef>
+              <a:spcAft>
+                <a:spcPts val="0"/>
+              </a:spcAft>
+              <a:buClr>
+                <a:srgbClr val="000000"/>
+              </a:buClr>
               <a:buSzPts val="1400"/>
-              <a:buNone/>
-              <a:defRPr sz="1800"/>
+              <a:buFont typeface="Arial"/>
+              <a:buNone/>
+              <a:defRPr b="0" i="0" sz="1800" u="none" cap="none" strike="noStrike">
+                <a:solidFill>
+                  <a:srgbClr val="000000"/>
+                </a:solidFill>
+                <a:latin typeface="Arial"/>
+                <a:ea typeface="Arial"/>
+                <a:cs typeface="Arial"/>
+                <a:sym typeface="Arial"/>
+              </a:defRPr>
             </a:lvl7pPr>
-            <a:lvl8pPr lvl="7">
-              <a:spcBef>
-                <a:spcPts val="0"/>
-              </a:spcBef>
-              <a:spcAft>
-                <a:spcPts val="0"/>
-              </a:spcAft>
+            <a:lvl8pPr lvl="7" marR="0" rtl="0" algn="l">
+              <a:lnSpc>
+                <a:spcPct val="100000"/>
+              </a:lnSpc>
+              <a:spcBef>
+                <a:spcPts val="0"/>
+              </a:spcBef>
+              <a:spcAft>
+                <a:spcPts val="0"/>
+              </a:spcAft>
+              <a:buClr>
+                <a:srgbClr val="000000"/>
+              </a:buClr>
               <a:buSzPts val="1400"/>
-              <a:buNone/>
-              <a:defRPr sz="1800"/>
+              <a:buFont typeface="Arial"/>
+              <a:buNone/>
+              <a:defRPr b="0" i="0" sz="1800" u="none" cap="none" strike="noStrike">
+                <a:solidFill>
+                  <a:srgbClr val="000000"/>
+                </a:solidFill>
+                <a:latin typeface="Arial"/>
+                <a:ea typeface="Arial"/>
+                <a:cs typeface="Arial"/>
+                <a:sym typeface="Arial"/>
+              </a:defRPr>
             </a:lvl8pPr>
-            <a:lvl9pPr lvl="8">
-              <a:spcBef>
-                <a:spcPts val="0"/>
-              </a:spcBef>
-              <a:spcAft>
-                <a:spcPts val="0"/>
-              </a:spcAft>
+            <a:lvl9pPr lvl="8" marR="0" rtl="0" algn="l">
+              <a:lnSpc>
+                <a:spcPct val="100000"/>
+              </a:lnSpc>
+              <a:spcBef>
+                <a:spcPts val="0"/>
+              </a:spcBef>
+              <a:spcAft>
+                <a:spcPts val="0"/>
+              </a:spcAft>
+              <a:buClr>
+                <a:srgbClr val="000000"/>
+              </a:buClr>
               <a:buSzPts val="1400"/>
-              <a:buNone/>
-              <a:defRPr sz="1800"/>
+              <a:buFont typeface="Arial"/>
+              <a:buNone/>
+              <a:defRPr b="0" i="0" sz="1800" u="none" cap="none" strike="noStrike">
+                <a:solidFill>
+                  <a:srgbClr val="000000"/>
+                </a:solidFill>
+                <a:latin typeface="Arial"/>
+                <a:ea typeface="Arial"/>
+                <a:cs typeface="Arial"/>
+                <a:sym typeface="Arial"/>
+              </a:defRPr>
             </a:lvl9pPr>
           </a:lstStyle>
-          <a:p>
-            <a:endParaRPr/>
-          </a:p>
+          <a:p/>
         </p:txBody>
       </p:sp>
       <p:sp>
         <p:nvSpPr>
           <p:cNvPr id="27" name="Shape 27"/>
-          <p:cNvSpPr txBox="1">
-            <a:spLocks noGrp="1"/>
-          </p:cNvSpPr>
+          <p:cNvSpPr txBox="1"/>
           <p:nvPr>
-            <p:ph type="body" idx="1"/>
+            <p:ph idx="1" type="body"/>
           </p:nvPr>
         </p:nvSpPr>
         <p:spPr>
@@ -3709,9 +4674,12 @@
           </a:ln>
         </p:spPr>
         <p:txBody>
-          <a:bodyPr spcFirstLastPara="1" wrap="square" lIns="91425" tIns="91425" rIns="91425" bIns="91425" anchor="b" anchorCtr="0"/>
+          <a:bodyPr anchorCtr="0" anchor="b" bIns="91425" lIns="91425" spcFirstLastPara="1" rIns="91425" wrap="square" tIns="91425"/>
           <a:lstStyle>
-            <a:lvl1pPr marL="457200" marR="0" lvl="0" indent="-228600" algn="l" rtl="0">
+            <a:lvl1pPr indent="-228600" lvl="0" marL="457200" marR="0" rtl="0" algn="l">
+              <a:lnSpc>
+                <a:spcPct val="100000"/>
+              </a:lnSpc>
               <a:spcBef>
                 <a:spcPts val="2304"/>
               </a:spcBef>
@@ -3724,7 +4692,7 @@
               <a:buSzPts val="11520"/>
               <a:buFont typeface="Arial"/>
               <a:buNone/>
-              <a:defRPr sz="11520" b="1" i="0" u="none" strike="noStrike" cap="none">
+              <a:defRPr b="1" i="0" sz="11520" u="none" cap="none" strike="noStrike">
                 <a:solidFill>
                   <a:schemeClr val="dk1"/>
                 </a:solidFill>
@@ -3734,7 +4702,10 @@
                 <a:sym typeface="Calibri"/>
               </a:defRPr>
             </a:lvl1pPr>
-            <a:lvl2pPr marL="914400" marR="0" lvl="1" indent="-228600" algn="l" rtl="0">
+            <a:lvl2pPr indent="-228600" lvl="1" marL="914400" marR="0" rtl="0" algn="l">
+              <a:lnSpc>
+                <a:spcPct val="100000"/>
+              </a:lnSpc>
               <a:spcBef>
                 <a:spcPts val="1920"/>
               </a:spcBef>
@@ -3747,7 +4718,7 @@
               <a:buSzPts val="9600"/>
               <a:buFont typeface="Arial"/>
               <a:buNone/>
-              <a:defRPr sz="9600" b="1" i="0" u="none" strike="noStrike" cap="none">
+              <a:defRPr b="1" i="0" sz="9600" u="none" cap="none" strike="noStrike">
                 <a:solidFill>
                   <a:schemeClr val="dk1"/>
                 </a:solidFill>
@@ -3757,7 +4728,10 @@
                 <a:sym typeface="Calibri"/>
               </a:defRPr>
             </a:lvl2pPr>
-            <a:lvl3pPr marL="1371600" marR="0" lvl="2" indent="-228600" algn="l" rtl="0">
+            <a:lvl3pPr indent="-228600" lvl="2" marL="1371600" marR="0" rtl="0" algn="l">
+              <a:lnSpc>
+                <a:spcPct val="100000"/>
+              </a:lnSpc>
               <a:spcBef>
                 <a:spcPts val="1728"/>
               </a:spcBef>
@@ -3770,7 +4744,7 @@
               <a:buSzPts val="8640"/>
               <a:buFont typeface="Arial"/>
               <a:buNone/>
-              <a:defRPr sz="8640" b="1" i="0" u="none" strike="noStrike" cap="none">
+              <a:defRPr b="1" i="0" sz="8640" u="none" cap="none" strike="noStrike">
                 <a:solidFill>
                   <a:schemeClr val="dk1"/>
                 </a:solidFill>
@@ -3780,7 +4754,10 @@
                 <a:sym typeface="Calibri"/>
               </a:defRPr>
             </a:lvl3pPr>
-            <a:lvl4pPr marL="1828800" marR="0" lvl="3" indent="-228600" algn="l" rtl="0">
+            <a:lvl4pPr indent="-228600" lvl="3" marL="1828800" marR="0" rtl="0" algn="l">
+              <a:lnSpc>
+                <a:spcPct val="100000"/>
+              </a:lnSpc>
               <a:spcBef>
                 <a:spcPts val="1536"/>
               </a:spcBef>
@@ -3793,7 +4770,7 @@
               <a:buSzPts val="7680"/>
               <a:buFont typeface="Arial"/>
               <a:buNone/>
-              <a:defRPr sz="7680" b="1" i="0" u="none" strike="noStrike" cap="none">
+              <a:defRPr b="1" i="0" sz="7680" u="none" cap="none" strike="noStrike">
                 <a:solidFill>
                   <a:schemeClr val="dk1"/>
                 </a:solidFill>
@@ -3803,7 +4780,10 @@
                 <a:sym typeface="Calibri"/>
               </a:defRPr>
             </a:lvl4pPr>
-            <a:lvl5pPr marL="2286000" marR="0" lvl="4" indent="-228600" algn="l" rtl="0">
+            <a:lvl5pPr indent="-228600" lvl="4" marL="2286000" marR="0" rtl="0" algn="l">
+              <a:lnSpc>
+                <a:spcPct val="100000"/>
+              </a:lnSpc>
               <a:spcBef>
                 <a:spcPts val="1536"/>
               </a:spcBef>
@@ -3816,7 +4796,7 @@
               <a:buSzPts val="7680"/>
               <a:buFont typeface="Arial"/>
               <a:buNone/>
-              <a:defRPr sz="7680" b="1" i="0" u="none" strike="noStrike" cap="none">
+              <a:defRPr b="1" i="0" sz="7680" u="none" cap="none" strike="noStrike">
                 <a:solidFill>
                   <a:schemeClr val="dk1"/>
                 </a:solidFill>
@@ -3826,7 +4806,10 @@
                 <a:sym typeface="Calibri"/>
               </a:defRPr>
             </a:lvl5pPr>
-            <a:lvl6pPr marL="2743200" marR="0" lvl="5" indent="-228600" algn="l" rtl="0">
+            <a:lvl6pPr indent="-228600" lvl="5" marL="2743200" marR="0" rtl="0" algn="l">
+              <a:lnSpc>
+                <a:spcPct val="100000"/>
+              </a:lnSpc>
               <a:spcBef>
                 <a:spcPts val="1536"/>
               </a:spcBef>
@@ -3839,7 +4822,7 @@
               <a:buSzPts val="7680"/>
               <a:buFont typeface="Arial"/>
               <a:buNone/>
-              <a:defRPr sz="7680" b="1" i="0" u="none" strike="noStrike" cap="none">
+              <a:defRPr b="1" i="0" sz="7680" u="none" cap="none" strike="noStrike">
                 <a:solidFill>
                   <a:schemeClr val="dk1"/>
                 </a:solidFill>
@@ -3849,7 +4832,10 @@
                 <a:sym typeface="Calibri"/>
               </a:defRPr>
             </a:lvl6pPr>
-            <a:lvl7pPr marL="3200400" marR="0" lvl="6" indent="-228600" algn="l" rtl="0">
+            <a:lvl7pPr indent="-228600" lvl="6" marL="3200400" marR="0" rtl="0" algn="l">
+              <a:lnSpc>
+                <a:spcPct val="100000"/>
+              </a:lnSpc>
               <a:spcBef>
                 <a:spcPts val="1536"/>
               </a:spcBef>
@@ -3862,7 +4848,7 @@
               <a:buSzPts val="7680"/>
               <a:buFont typeface="Arial"/>
               <a:buNone/>
-              <a:defRPr sz="7680" b="1" i="0" u="none" strike="noStrike" cap="none">
+              <a:defRPr b="1" i="0" sz="7680" u="none" cap="none" strike="noStrike">
                 <a:solidFill>
                   <a:schemeClr val="dk1"/>
                 </a:solidFill>
@@ -3872,7 +4858,10 @@
                 <a:sym typeface="Calibri"/>
               </a:defRPr>
             </a:lvl7pPr>
-            <a:lvl8pPr marL="3657600" marR="0" lvl="7" indent="-228600" algn="l" rtl="0">
+            <a:lvl8pPr indent="-228600" lvl="7" marL="3657600" marR="0" rtl="0" algn="l">
+              <a:lnSpc>
+                <a:spcPct val="100000"/>
+              </a:lnSpc>
               <a:spcBef>
                 <a:spcPts val="1536"/>
               </a:spcBef>
@@ -3885,7 +4874,7 @@
               <a:buSzPts val="7680"/>
               <a:buFont typeface="Arial"/>
               <a:buNone/>
-              <a:defRPr sz="7680" b="1" i="0" u="none" strike="noStrike" cap="none">
+              <a:defRPr b="1" i="0" sz="7680" u="none" cap="none" strike="noStrike">
                 <a:solidFill>
                   <a:schemeClr val="dk1"/>
                 </a:solidFill>
@@ -3895,7 +4884,10 @@
                 <a:sym typeface="Calibri"/>
               </a:defRPr>
             </a:lvl8pPr>
-            <a:lvl9pPr marL="4114800" marR="0" lvl="8" indent="-228600" algn="l" rtl="0">
+            <a:lvl9pPr indent="-228600" lvl="8" marL="4114800" marR="0" rtl="0" algn="l">
+              <a:lnSpc>
+                <a:spcPct val="100000"/>
+              </a:lnSpc>
               <a:spcBef>
                 <a:spcPts val="1536"/>
               </a:spcBef>
@@ -3908,7 +4900,7 @@
               <a:buSzPts val="7680"/>
               <a:buFont typeface="Arial"/>
               <a:buNone/>
-              <a:defRPr sz="7680" b="1" i="0" u="none" strike="noStrike" cap="none">
+              <a:defRPr b="1" i="0" sz="7680" u="none" cap="none" strike="noStrike">
                 <a:solidFill>
                   <a:schemeClr val="dk1"/>
                 </a:solidFill>
@@ -3919,19 +4911,15 @@
               </a:defRPr>
             </a:lvl9pPr>
           </a:lstStyle>
-          <a:p>
-            <a:endParaRPr/>
-          </a:p>
+          <a:p/>
         </p:txBody>
       </p:sp>
       <p:sp>
         <p:nvSpPr>
           <p:cNvPr id="28" name="Shape 28"/>
-          <p:cNvSpPr txBox="1">
-            <a:spLocks noGrp="1"/>
-          </p:cNvSpPr>
+          <p:cNvSpPr txBox="1"/>
           <p:nvPr>
-            <p:ph type="body" idx="2"/>
+            <p:ph idx="2" type="body"/>
           </p:nvPr>
         </p:nvSpPr>
         <p:spPr>
@@ -3948,9 +4936,12 @@
           </a:ln>
         </p:spPr>
         <p:txBody>
-          <a:bodyPr spcFirstLastPara="1" wrap="square" lIns="91425" tIns="91425" rIns="91425" bIns="91425" anchor="t" anchorCtr="0"/>
+          <a:bodyPr anchorCtr="0" anchor="t" bIns="91425" lIns="91425" spcFirstLastPara="1" rIns="91425" wrap="square" tIns="91425"/>
           <a:lstStyle>
-            <a:lvl1pPr marL="457200" marR="0" lvl="0" indent="-960120" algn="l" rtl="0">
+            <a:lvl1pPr indent="-960120" lvl="0" marL="457200" marR="0" rtl="0" algn="l">
+              <a:lnSpc>
+                <a:spcPct val="100000"/>
+              </a:lnSpc>
               <a:spcBef>
                 <a:spcPts val="2304"/>
               </a:spcBef>
@@ -3963,7 +4954,7 @@
               <a:buSzPts val="11520"/>
               <a:buFont typeface="Arial"/>
               <a:buChar char="•"/>
-              <a:defRPr sz="11520" b="0" i="0" u="none" strike="noStrike" cap="none">
+              <a:defRPr b="0" i="0" sz="11520" u="none" cap="none" strike="noStrike">
                 <a:solidFill>
                   <a:schemeClr val="dk1"/>
                 </a:solidFill>
@@ -3973,7 +4964,10 @@
                 <a:sym typeface="Calibri"/>
               </a:defRPr>
             </a:lvl1pPr>
-            <a:lvl2pPr marL="914400" marR="0" lvl="1" indent="-838200" algn="l" rtl="0">
+            <a:lvl2pPr indent="-838200" lvl="1" marL="914400" marR="0" rtl="0" algn="l">
+              <a:lnSpc>
+                <a:spcPct val="100000"/>
+              </a:lnSpc>
               <a:spcBef>
                 <a:spcPts val="1920"/>
               </a:spcBef>
@@ -3986,7 +4980,7 @@
               <a:buSzPts val="9600"/>
               <a:buFont typeface="Arial"/>
               <a:buChar char="–"/>
-              <a:defRPr sz="9600" b="0" i="0" u="none" strike="noStrike" cap="none">
+              <a:defRPr b="0" i="0" sz="9600" u="none" cap="none" strike="noStrike">
                 <a:solidFill>
                   <a:schemeClr val="dk1"/>
                 </a:solidFill>
@@ -3996,7 +4990,10 @@
                 <a:sym typeface="Calibri"/>
               </a:defRPr>
             </a:lvl2pPr>
-            <a:lvl3pPr marL="1371600" marR="0" lvl="2" indent="-777240" algn="l" rtl="0">
+            <a:lvl3pPr indent="-777240" lvl="2" marL="1371600" marR="0" rtl="0" algn="l">
+              <a:lnSpc>
+                <a:spcPct val="100000"/>
+              </a:lnSpc>
               <a:spcBef>
                 <a:spcPts val="1728"/>
               </a:spcBef>
@@ -4009,7 +5006,7 @@
               <a:buSzPts val="8640"/>
               <a:buFont typeface="Arial"/>
               <a:buChar char="•"/>
-              <a:defRPr sz="8640" b="0" i="0" u="none" strike="noStrike" cap="none">
+              <a:defRPr b="0" i="0" sz="8640" u="none" cap="none" strike="noStrike">
                 <a:solidFill>
                   <a:schemeClr val="dk1"/>
                 </a:solidFill>
@@ -4019,7 +5016,10 @@
                 <a:sym typeface="Calibri"/>
               </a:defRPr>
             </a:lvl3pPr>
-            <a:lvl4pPr marL="1828800" marR="0" lvl="3" indent="-716280" algn="l" rtl="0">
+            <a:lvl4pPr indent="-716280" lvl="3" marL="1828800" marR="0" rtl="0" algn="l">
+              <a:lnSpc>
+                <a:spcPct val="100000"/>
+              </a:lnSpc>
               <a:spcBef>
                 <a:spcPts val="1536"/>
               </a:spcBef>
@@ -4032,7 +5032,7 @@
               <a:buSzPts val="7680"/>
               <a:buFont typeface="Arial"/>
               <a:buChar char="–"/>
-              <a:defRPr sz="7680" b="0" i="0" u="none" strike="noStrike" cap="none">
+              <a:defRPr b="0" i="0" sz="7680" u="none" cap="none" strike="noStrike">
                 <a:solidFill>
                   <a:schemeClr val="dk1"/>
                 </a:solidFill>
@@ -4042,7 +5042,10 @@
                 <a:sym typeface="Calibri"/>
               </a:defRPr>
             </a:lvl4pPr>
-            <a:lvl5pPr marL="2286000" marR="0" lvl="4" indent="-716280" algn="l" rtl="0">
+            <a:lvl5pPr indent="-716280" lvl="4" marL="2286000" marR="0" rtl="0" algn="l">
+              <a:lnSpc>
+                <a:spcPct val="100000"/>
+              </a:lnSpc>
               <a:spcBef>
                 <a:spcPts val="1536"/>
               </a:spcBef>
@@ -4055,7 +5058,7 @@
               <a:buSzPts val="7680"/>
               <a:buFont typeface="Arial"/>
               <a:buChar char="»"/>
-              <a:defRPr sz="7680" b="0" i="0" u="none" strike="noStrike" cap="none">
+              <a:defRPr b="0" i="0" sz="7680" u="none" cap="none" strike="noStrike">
                 <a:solidFill>
                   <a:schemeClr val="dk1"/>
                 </a:solidFill>
@@ -4065,7 +5068,10 @@
                 <a:sym typeface="Calibri"/>
               </a:defRPr>
             </a:lvl5pPr>
-            <a:lvl6pPr marL="2743200" marR="0" lvl="5" indent="-716279" algn="l" rtl="0">
+            <a:lvl6pPr indent="-716279" lvl="5" marL="2743200" marR="0" rtl="0" algn="l">
+              <a:lnSpc>
+                <a:spcPct val="100000"/>
+              </a:lnSpc>
               <a:spcBef>
                 <a:spcPts val="1536"/>
               </a:spcBef>
@@ -4078,7 +5084,7 @@
               <a:buSzPts val="7680"/>
               <a:buFont typeface="Arial"/>
               <a:buChar char="•"/>
-              <a:defRPr sz="7680" b="0" i="0" u="none" strike="noStrike" cap="none">
+              <a:defRPr b="0" i="0" sz="7680" u="none" cap="none" strike="noStrike">
                 <a:solidFill>
                   <a:schemeClr val="dk1"/>
                 </a:solidFill>
@@ -4088,7 +5094,10 @@
                 <a:sym typeface="Calibri"/>
               </a:defRPr>
             </a:lvl6pPr>
-            <a:lvl7pPr marL="3200400" marR="0" lvl="6" indent="-716279" algn="l" rtl="0">
+            <a:lvl7pPr indent="-716279" lvl="6" marL="3200400" marR="0" rtl="0" algn="l">
+              <a:lnSpc>
+                <a:spcPct val="100000"/>
+              </a:lnSpc>
               <a:spcBef>
                 <a:spcPts val="1536"/>
               </a:spcBef>
@@ -4101,7 +5110,7 @@
               <a:buSzPts val="7680"/>
               <a:buFont typeface="Arial"/>
               <a:buChar char="•"/>
-              <a:defRPr sz="7680" b="0" i="0" u="none" strike="noStrike" cap="none">
+              <a:defRPr b="0" i="0" sz="7680" u="none" cap="none" strike="noStrike">
                 <a:solidFill>
                   <a:schemeClr val="dk1"/>
                 </a:solidFill>
@@ -4111,7 +5120,10 @@
                 <a:sym typeface="Calibri"/>
               </a:defRPr>
             </a:lvl7pPr>
-            <a:lvl8pPr marL="3657600" marR="0" lvl="7" indent="-716279" algn="l" rtl="0">
+            <a:lvl8pPr indent="-716279" lvl="7" marL="3657600" marR="0" rtl="0" algn="l">
+              <a:lnSpc>
+                <a:spcPct val="100000"/>
+              </a:lnSpc>
               <a:spcBef>
                 <a:spcPts val="1536"/>
               </a:spcBef>
@@ -4124,7 +5136,7 @@
               <a:buSzPts val="7680"/>
               <a:buFont typeface="Arial"/>
               <a:buChar char="•"/>
-              <a:defRPr sz="7680" b="0" i="0" u="none" strike="noStrike" cap="none">
+              <a:defRPr b="0" i="0" sz="7680" u="none" cap="none" strike="noStrike">
                 <a:solidFill>
                   <a:schemeClr val="dk1"/>
                 </a:solidFill>
@@ -4134,7 +5146,10 @@
                 <a:sym typeface="Calibri"/>
               </a:defRPr>
             </a:lvl8pPr>
-            <a:lvl9pPr marL="4114800" marR="0" lvl="8" indent="-716279" algn="l" rtl="0">
+            <a:lvl9pPr indent="-716279" lvl="8" marL="4114800" marR="0" rtl="0" algn="l">
+              <a:lnSpc>
+                <a:spcPct val="100000"/>
+              </a:lnSpc>
               <a:spcBef>
                 <a:spcPts val="1536"/>
               </a:spcBef>
@@ -4147,7 +5162,7 @@
               <a:buSzPts val="7680"/>
               <a:buFont typeface="Arial"/>
               <a:buChar char="•"/>
-              <a:defRPr sz="7680" b="0" i="0" u="none" strike="noStrike" cap="none">
+              <a:defRPr b="0" i="0" sz="7680" u="none" cap="none" strike="noStrike">
                 <a:solidFill>
                   <a:schemeClr val="dk1"/>
                 </a:solidFill>
@@ -4158,19 +5173,15 @@
               </a:defRPr>
             </a:lvl9pPr>
           </a:lstStyle>
-          <a:p>
-            <a:endParaRPr/>
-          </a:p>
+          <a:p/>
         </p:txBody>
       </p:sp>
       <p:sp>
         <p:nvSpPr>
           <p:cNvPr id="29" name="Shape 29"/>
-          <p:cNvSpPr txBox="1">
-            <a:spLocks noGrp="1"/>
-          </p:cNvSpPr>
+          <p:cNvSpPr txBox="1"/>
           <p:nvPr>
-            <p:ph type="body" idx="3"/>
+            <p:ph idx="3" type="body"/>
           </p:nvPr>
         </p:nvSpPr>
         <p:spPr>
@@ -4187,9 +5198,12 @@
           </a:ln>
         </p:spPr>
         <p:txBody>
-          <a:bodyPr spcFirstLastPara="1" wrap="square" lIns="91425" tIns="91425" rIns="91425" bIns="91425" anchor="b" anchorCtr="0"/>
+          <a:bodyPr anchorCtr="0" anchor="b" bIns="91425" lIns="91425" spcFirstLastPara="1" rIns="91425" wrap="square" tIns="91425"/>
           <a:lstStyle>
-            <a:lvl1pPr marL="457200" marR="0" lvl="0" indent="-228600" algn="l" rtl="0">
+            <a:lvl1pPr indent="-228600" lvl="0" marL="457200" marR="0" rtl="0" algn="l">
+              <a:lnSpc>
+                <a:spcPct val="100000"/>
+              </a:lnSpc>
               <a:spcBef>
                 <a:spcPts val="2304"/>
               </a:spcBef>
@@ -4202,7 +5216,7 @@
               <a:buSzPts val="11520"/>
               <a:buFont typeface="Arial"/>
               <a:buNone/>
-              <a:defRPr sz="11520" b="1" i="0" u="none" strike="noStrike" cap="none">
+              <a:defRPr b="1" i="0" sz="11520" u="none" cap="none" strike="noStrike">
                 <a:solidFill>
                   <a:schemeClr val="dk1"/>
                 </a:solidFill>
@@ -4212,7 +5226,10 @@
                 <a:sym typeface="Calibri"/>
               </a:defRPr>
             </a:lvl1pPr>
-            <a:lvl2pPr marL="914400" marR="0" lvl="1" indent="-228600" algn="l" rtl="0">
+            <a:lvl2pPr indent="-228600" lvl="1" marL="914400" marR="0" rtl="0" algn="l">
+              <a:lnSpc>
+                <a:spcPct val="100000"/>
+              </a:lnSpc>
               <a:spcBef>
                 <a:spcPts val="1920"/>
               </a:spcBef>
@@ -4225,7 +5242,7 @@
               <a:buSzPts val="9600"/>
               <a:buFont typeface="Arial"/>
               <a:buNone/>
-              <a:defRPr sz="9600" b="1" i="0" u="none" strike="noStrike" cap="none">
+              <a:defRPr b="1" i="0" sz="9600" u="none" cap="none" strike="noStrike">
                 <a:solidFill>
                   <a:schemeClr val="dk1"/>
                 </a:solidFill>
@@ -4235,7 +5252,10 @@
                 <a:sym typeface="Calibri"/>
               </a:defRPr>
             </a:lvl2pPr>
-            <a:lvl3pPr marL="1371600" marR="0" lvl="2" indent="-228600" algn="l" rtl="0">
+            <a:lvl3pPr indent="-228600" lvl="2" marL="1371600" marR="0" rtl="0" algn="l">
+              <a:lnSpc>
+                <a:spcPct val="100000"/>
+              </a:lnSpc>
               <a:spcBef>
                 <a:spcPts val="1728"/>
               </a:spcBef>
@@ -4248,7 +5268,7 @@
               <a:buSzPts val="8640"/>
               <a:buFont typeface="Arial"/>
               <a:buNone/>
-              <a:defRPr sz="8640" b="1" i="0" u="none" strike="noStrike" cap="none">
+              <a:defRPr b="1" i="0" sz="8640" u="none" cap="none" strike="noStrike">
                 <a:solidFill>
                   <a:schemeClr val="dk1"/>
                 </a:solidFill>
@@ -4258,7 +5278,10 @@
                 <a:sym typeface="Calibri"/>
               </a:defRPr>
             </a:lvl3pPr>
-            <a:lvl4pPr marL="1828800" marR="0" lvl="3" indent="-228600" algn="l" rtl="0">
+            <a:lvl4pPr indent="-228600" lvl="3" marL="1828800" marR="0" rtl="0" algn="l">
+              <a:lnSpc>
+                <a:spcPct val="100000"/>
+              </a:lnSpc>
               <a:spcBef>
                 <a:spcPts val="1536"/>
               </a:spcBef>
@@ -4271,7 +5294,7 @@
               <a:buSzPts val="7680"/>
               <a:buFont typeface="Arial"/>
               <a:buNone/>
-              <a:defRPr sz="7680" b="1" i="0" u="none" strike="noStrike" cap="none">
+              <a:defRPr b="1" i="0" sz="7680" u="none" cap="none" strike="noStrike">
                 <a:solidFill>
                   <a:schemeClr val="dk1"/>
                 </a:solidFill>
@@ -4281,7 +5304,10 @@
                 <a:sym typeface="Calibri"/>
               </a:defRPr>
             </a:lvl4pPr>
-            <a:lvl5pPr marL="2286000" marR="0" lvl="4" indent="-228600" algn="l" rtl="0">
+            <a:lvl5pPr indent="-228600" lvl="4" marL="2286000" marR="0" rtl="0" algn="l">
+              <a:lnSpc>
+                <a:spcPct val="100000"/>
+              </a:lnSpc>
               <a:spcBef>
                 <a:spcPts val="1536"/>
               </a:spcBef>
@@ -4294,7 +5320,7 @@
               <a:buSzPts val="7680"/>
               <a:buFont typeface="Arial"/>
               <a:buNone/>
-              <a:defRPr sz="7680" b="1" i="0" u="none" strike="noStrike" cap="none">
+              <a:defRPr b="1" i="0" sz="7680" u="none" cap="none" strike="noStrike">
                 <a:solidFill>
                   <a:schemeClr val="dk1"/>
                 </a:solidFill>
@@ -4304,7 +5330,10 @@
                 <a:sym typeface="Calibri"/>
               </a:defRPr>
             </a:lvl5pPr>
-            <a:lvl6pPr marL="2743200" marR="0" lvl="5" indent="-228600" algn="l" rtl="0">
+            <a:lvl6pPr indent="-228600" lvl="5" marL="2743200" marR="0" rtl="0" algn="l">
+              <a:lnSpc>
+                <a:spcPct val="100000"/>
+              </a:lnSpc>
               <a:spcBef>
                 <a:spcPts val="1536"/>
               </a:spcBef>
@@ -4317,7 +5346,7 @@
               <a:buSzPts val="7680"/>
               <a:buFont typeface="Arial"/>
               <a:buNone/>
-              <a:defRPr sz="7680" b="1" i="0" u="none" strike="noStrike" cap="none">
+              <a:defRPr b="1" i="0" sz="7680" u="none" cap="none" strike="noStrike">
                 <a:solidFill>
                   <a:schemeClr val="dk1"/>
                 </a:solidFill>
@@ -4327,7 +5356,10 @@
                 <a:sym typeface="Calibri"/>
               </a:defRPr>
             </a:lvl6pPr>
-            <a:lvl7pPr marL="3200400" marR="0" lvl="6" indent="-228600" algn="l" rtl="0">
+            <a:lvl7pPr indent="-228600" lvl="6" marL="3200400" marR="0" rtl="0" algn="l">
+              <a:lnSpc>
+                <a:spcPct val="100000"/>
+              </a:lnSpc>
               <a:spcBef>
                 <a:spcPts val="1536"/>
               </a:spcBef>
@@ -4340,7 +5372,7 @@
               <a:buSzPts val="7680"/>
               <a:buFont typeface="Arial"/>
               <a:buNone/>
-              <a:defRPr sz="7680" b="1" i="0" u="none" strike="noStrike" cap="none">
+              <a:defRPr b="1" i="0" sz="7680" u="none" cap="none" strike="noStrike">
                 <a:solidFill>
                   <a:schemeClr val="dk1"/>
                 </a:solidFill>
@@ -4350,7 +5382,10 @@
                 <a:sym typeface="Calibri"/>
               </a:defRPr>
             </a:lvl7pPr>
-            <a:lvl8pPr marL="3657600" marR="0" lvl="7" indent="-228600" algn="l" rtl="0">
+            <a:lvl8pPr indent="-228600" lvl="7" marL="3657600" marR="0" rtl="0" algn="l">
+              <a:lnSpc>
+                <a:spcPct val="100000"/>
+              </a:lnSpc>
               <a:spcBef>
                 <a:spcPts val="1536"/>
               </a:spcBef>
@@ -4363,7 +5398,7 @@
               <a:buSzPts val="7680"/>
               <a:buFont typeface="Arial"/>
               <a:buNone/>
-              <a:defRPr sz="7680" b="1" i="0" u="none" strike="noStrike" cap="none">
+              <a:defRPr b="1" i="0" sz="7680" u="none" cap="none" strike="noStrike">
                 <a:solidFill>
                   <a:schemeClr val="dk1"/>
                 </a:solidFill>
@@ -4373,7 +5408,10 @@
                 <a:sym typeface="Calibri"/>
               </a:defRPr>
             </a:lvl8pPr>
-            <a:lvl9pPr marL="4114800" marR="0" lvl="8" indent="-228600" algn="l" rtl="0">
+            <a:lvl9pPr indent="-228600" lvl="8" marL="4114800" marR="0" rtl="0" algn="l">
+              <a:lnSpc>
+                <a:spcPct val="100000"/>
+              </a:lnSpc>
               <a:spcBef>
                 <a:spcPts val="1536"/>
               </a:spcBef>
@@ -4386,7 +5424,7 @@
               <a:buSzPts val="7680"/>
               <a:buFont typeface="Arial"/>
               <a:buNone/>
-              <a:defRPr sz="7680" b="1" i="0" u="none" strike="noStrike" cap="none">
+              <a:defRPr b="1" i="0" sz="7680" u="none" cap="none" strike="noStrike">
                 <a:solidFill>
                   <a:schemeClr val="dk1"/>
                 </a:solidFill>
@@ -4397,19 +5435,15 @@
               </a:defRPr>
             </a:lvl9pPr>
           </a:lstStyle>
-          <a:p>
-            <a:endParaRPr/>
-          </a:p>
+          <a:p/>
         </p:txBody>
       </p:sp>
       <p:sp>
         <p:nvSpPr>
           <p:cNvPr id="30" name="Shape 30"/>
-          <p:cNvSpPr txBox="1">
-            <a:spLocks noGrp="1"/>
-          </p:cNvSpPr>
+          <p:cNvSpPr txBox="1"/>
           <p:nvPr>
-            <p:ph type="body" idx="4"/>
+            <p:ph idx="4" type="body"/>
           </p:nvPr>
         </p:nvSpPr>
         <p:spPr>
@@ -4426,9 +5460,12 @@
           </a:ln>
         </p:spPr>
         <p:txBody>
-          <a:bodyPr spcFirstLastPara="1" wrap="square" lIns="91425" tIns="91425" rIns="91425" bIns="91425" anchor="t" anchorCtr="0"/>
+          <a:bodyPr anchorCtr="0" anchor="t" bIns="91425" lIns="91425" spcFirstLastPara="1" rIns="91425" wrap="square" tIns="91425"/>
           <a:lstStyle>
-            <a:lvl1pPr marL="457200" marR="0" lvl="0" indent="-960120" algn="l" rtl="0">
+            <a:lvl1pPr indent="-960120" lvl="0" marL="457200" marR="0" rtl="0" algn="l">
+              <a:lnSpc>
+                <a:spcPct val="100000"/>
+              </a:lnSpc>
               <a:spcBef>
                 <a:spcPts val="2304"/>
               </a:spcBef>
@@ -4441,7 +5478,7 @@
               <a:buSzPts val="11520"/>
               <a:buFont typeface="Arial"/>
               <a:buChar char="•"/>
-              <a:defRPr sz="11520" b="0" i="0" u="none" strike="noStrike" cap="none">
+              <a:defRPr b="0" i="0" sz="11520" u="none" cap="none" strike="noStrike">
                 <a:solidFill>
                   <a:schemeClr val="dk1"/>
                 </a:solidFill>
@@ -4451,7 +5488,10 @@
                 <a:sym typeface="Calibri"/>
               </a:defRPr>
             </a:lvl1pPr>
-            <a:lvl2pPr marL="914400" marR="0" lvl="1" indent="-838200" algn="l" rtl="0">
+            <a:lvl2pPr indent="-838200" lvl="1" marL="914400" marR="0" rtl="0" algn="l">
+              <a:lnSpc>
+                <a:spcPct val="100000"/>
+              </a:lnSpc>
               <a:spcBef>
                 <a:spcPts val="1920"/>
               </a:spcBef>
@@ -4464,7 +5504,7 @@
               <a:buSzPts val="9600"/>
               <a:buFont typeface="Arial"/>
               <a:buChar char="–"/>
-              <a:defRPr sz="9600" b="0" i="0" u="none" strike="noStrike" cap="none">
+              <a:defRPr b="0" i="0" sz="9600" u="none" cap="none" strike="noStrike">
                 <a:solidFill>
                   <a:schemeClr val="dk1"/>
                 </a:solidFill>
@@ -4474,7 +5514,10 @@
                 <a:sym typeface="Calibri"/>
               </a:defRPr>
             </a:lvl2pPr>
-            <a:lvl3pPr marL="1371600" marR="0" lvl="2" indent="-777240" algn="l" rtl="0">
+            <a:lvl3pPr indent="-777240" lvl="2" marL="1371600" marR="0" rtl="0" algn="l">
+              <a:lnSpc>
+                <a:spcPct val="100000"/>
+              </a:lnSpc>
               <a:spcBef>
                 <a:spcPts val="1728"/>
               </a:spcBef>
@@ -4487,7 +5530,7 @@
               <a:buSzPts val="8640"/>
               <a:buFont typeface="Arial"/>
               <a:buChar char="•"/>
-              <a:defRPr sz="8640" b="0" i="0" u="none" strike="noStrike" cap="none">
+              <a:defRPr b="0" i="0" sz="8640" u="none" cap="none" strike="noStrike">
                 <a:solidFill>
                   <a:schemeClr val="dk1"/>
                 </a:solidFill>
@@ -4497,7 +5540,10 @@
                 <a:sym typeface="Calibri"/>
               </a:defRPr>
             </a:lvl3pPr>
-            <a:lvl4pPr marL="1828800" marR="0" lvl="3" indent="-716280" algn="l" rtl="0">
+            <a:lvl4pPr indent="-716280" lvl="3" marL="1828800" marR="0" rtl="0" algn="l">
+              <a:lnSpc>
+                <a:spcPct val="100000"/>
+              </a:lnSpc>
               <a:spcBef>
                 <a:spcPts val="1536"/>
               </a:spcBef>
@@ -4510,7 +5556,7 @@
               <a:buSzPts val="7680"/>
               <a:buFont typeface="Arial"/>
               <a:buChar char="–"/>
-              <a:defRPr sz="7680" b="0" i="0" u="none" strike="noStrike" cap="none">
+              <a:defRPr b="0" i="0" sz="7680" u="none" cap="none" strike="noStrike">
                 <a:solidFill>
                   <a:schemeClr val="dk1"/>
                 </a:solidFill>
@@ -4520,7 +5566,10 @@
                 <a:sym typeface="Calibri"/>
               </a:defRPr>
             </a:lvl4pPr>
-            <a:lvl5pPr marL="2286000" marR="0" lvl="4" indent="-716280" algn="l" rtl="0">
+            <a:lvl5pPr indent="-716280" lvl="4" marL="2286000" marR="0" rtl="0" algn="l">
+              <a:lnSpc>
+                <a:spcPct val="100000"/>
+              </a:lnSpc>
               <a:spcBef>
                 <a:spcPts val="1536"/>
               </a:spcBef>
@@ -4533,7 +5582,7 @@
               <a:buSzPts val="7680"/>
               <a:buFont typeface="Arial"/>
               <a:buChar char="»"/>
-              <a:defRPr sz="7680" b="0" i="0" u="none" strike="noStrike" cap="none">
+              <a:defRPr b="0" i="0" sz="7680" u="none" cap="none" strike="noStrike">
                 <a:solidFill>
                   <a:schemeClr val="dk1"/>
                 </a:solidFill>
@@ -4543,7 +5592,10 @@
                 <a:sym typeface="Calibri"/>
               </a:defRPr>
             </a:lvl5pPr>
-            <a:lvl6pPr marL="2743200" marR="0" lvl="5" indent="-716279" algn="l" rtl="0">
+            <a:lvl6pPr indent="-716279" lvl="5" marL="2743200" marR="0" rtl="0" algn="l">
+              <a:lnSpc>
+                <a:spcPct val="100000"/>
+              </a:lnSpc>
               <a:spcBef>
                 <a:spcPts val="1536"/>
               </a:spcBef>
@@ -4556,7 +5608,7 @@
               <a:buSzPts val="7680"/>
               <a:buFont typeface="Arial"/>
               <a:buChar char="•"/>
-              <a:defRPr sz="7680" b="0" i="0" u="none" strike="noStrike" cap="none">
+              <a:defRPr b="0" i="0" sz="7680" u="none" cap="none" strike="noStrike">
                 <a:solidFill>
                   <a:schemeClr val="dk1"/>
                 </a:solidFill>
@@ -4566,7 +5618,10 @@
                 <a:sym typeface="Calibri"/>
               </a:defRPr>
             </a:lvl6pPr>
-            <a:lvl7pPr marL="3200400" marR="0" lvl="6" indent="-716279" algn="l" rtl="0">
+            <a:lvl7pPr indent="-716279" lvl="6" marL="3200400" marR="0" rtl="0" algn="l">
+              <a:lnSpc>
+                <a:spcPct val="100000"/>
+              </a:lnSpc>
               <a:spcBef>
                 <a:spcPts val="1536"/>
               </a:spcBef>
@@ -4579,7 +5634,7 @@
               <a:buSzPts val="7680"/>
               <a:buFont typeface="Arial"/>
               <a:buChar char="•"/>
-              <a:defRPr sz="7680" b="0" i="0" u="none" strike="noStrike" cap="none">
+              <a:defRPr b="0" i="0" sz="7680" u="none" cap="none" strike="noStrike">
                 <a:solidFill>
                   <a:schemeClr val="dk1"/>
                 </a:solidFill>
@@ -4589,7 +5644,10 @@
                 <a:sym typeface="Calibri"/>
               </a:defRPr>
             </a:lvl7pPr>
-            <a:lvl8pPr marL="3657600" marR="0" lvl="7" indent="-716279" algn="l" rtl="0">
+            <a:lvl8pPr indent="-716279" lvl="7" marL="3657600" marR="0" rtl="0" algn="l">
+              <a:lnSpc>
+                <a:spcPct val="100000"/>
+              </a:lnSpc>
               <a:spcBef>
                 <a:spcPts val="1536"/>
               </a:spcBef>
@@ -4602,7 +5660,7 @@
               <a:buSzPts val="7680"/>
               <a:buFont typeface="Arial"/>
               <a:buChar char="•"/>
-              <a:defRPr sz="7680" b="0" i="0" u="none" strike="noStrike" cap="none">
+              <a:defRPr b="0" i="0" sz="7680" u="none" cap="none" strike="noStrike">
                 <a:solidFill>
                   <a:schemeClr val="dk1"/>
                 </a:solidFill>
@@ -4612,7 +5670,10 @@
                 <a:sym typeface="Calibri"/>
               </a:defRPr>
             </a:lvl8pPr>
-            <a:lvl9pPr marL="4114800" marR="0" lvl="8" indent="-716279" algn="l" rtl="0">
+            <a:lvl9pPr indent="-716279" lvl="8" marL="4114800" marR="0" rtl="0" algn="l">
+              <a:lnSpc>
+                <a:spcPct val="100000"/>
+              </a:lnSpc>
               <a:spcBef>
                 <a:spcPts val="1536"/>
               </a:spcBef>
@@ -4625,7 +5686,7 @@
               <a:buSzPts val="7680"/>
               <a:buFont typeface="Arial"/>
               <a:buChar char="•"/>
-              <a:defRPr sz="7680" b="0" i="0" u="none" strike="noStrike" cap="none">
+              <a:defRPr b="0" i="0" sz="7680" u="none" cap="none" strike="noStrike">
                 <a:solidFill>
                   <a:schemeClr val="dk1"/>
                 </a:solidFill>
@@ -4636,9 +5697,7 @@
               </a:defRPr>
             </a:lvl9pPr>
           </a:lstStyle>
-          <a:p>
-            <a:endParaRPr/>
-          </a:p>
+          <a:p/>
         </p:txBody>
       </p:sp>
     </p:spTree>
@@ -4650,11 +5709,11 @@
 </file>
 
 <file path=ppt/slideLayouts/slideLayout7.xml><?xml version="1.0" encoding="utf-8"?>
-<p:sldLayout xmlns:a="http://schemas.openxmlformats.org/drawingml/2006/main" xmlns:r="http://schemas.openxmlformats.org/officeDocument/2006/relationships" xmlns:p="http://schemas.openxmlformats.org/presentationml/2006/main" matchingName="Title Only" type="titleOnly">
+<p:sldLayout xmlns:a="http://schemas.openxmlformats.org/drawingml/2006/main" xmlns:r="http://schemas.openxmlformats.org/officeDocument/2006/relationships" xmlns:mc="http://schemas.openxmlformats.org/markup-compatibility/2006" xmlns:mv="urn:schemas-microsoft-com:mac:vml" xmlns:p="http://schemas.openxmlformats.org/presentationml/2006/main" xmlns:c="http://schemas.openxmlformats.org/drawingml/2006/chart" xmlns:dgm="http://schemas.openxmlformats.org/drawingml/2006/diagram" xmlns:o="urn:schemas-microsoft-com:office:office" xmlns:v="urn:schemas-microsoft-com:vml" xmlns:pvml="urn:schemas-microsoft-com:office:powerpoint" xmlns:com="http://schemas.openxmlformats.org/drawingml/2006/compatibility" xmlns:p14="http://schemas.microsoft.com/office/powerpoint/2010/main" xmlns:p15="http://schemas.microsoft.com/office/powerpoint/2012/main" matchingName="Title Only" type="titleOnly">
   <p:cSld name="TITLE_ONLY">
     <p:spTree>
       <p:nvGrpSpPr>
-        <p:cNvPr id="1" name="Shape 31"/>
+        <p:cNvPr id="31" name="Shape 31"/>
         <p:cNvGrpSpPr/>
         <p:nvPr/>
       </p:nvGrpSpPr>
@@ -4669,9 +5728,7 @@
       <p:sp>
         <p:nvSpPr>
           <p:cNvPr id="32" name="Shape 32"/>
-          <p:cNvSpPr txBox="1">
-            <a:spLocks noGrp="1"/>
-          </p:cNvSpPr>
+          <p:cNvSpPr txBox="1"/>
           <p:nvPr>
             <p:ph type="title"/>
           </p:nvPr>
@@ -4690,9 +5747,12 @@
           </a:ln>
         </p:spPr>
         <p:txBody>
-          <a:bodyPr spcFirstLastPara="1" wrap="square" lIns="91425" tIns="91425" rIns="91425" bIns="91425" anchor="t" anchorCtr="0"/>
+          <a:bodyPr anchorCtr="0" anchor="t" bIns="91425" lIns="91425" spcFirstLastPara="1" rIns="91425" wrap="square" tIns="91425"/>
           <a:lstStyle>
-            <a:lvl1pPr marR="0" lvl="0" algn="ctr" rtl="0">
+            <a:lvl1pPr lvl="0" marR="0" rtl="0" algn="ctr">
+              <a:lnSpc>
+                <a:spcPct val="100000"/>
+              </a:lnSpc>
               <a:spcBef>
                 <a:spcPts val="0"/>
               </a:spcBef>
@@ -4705,7 +5765,7 @@
               <a:buSzPts val="21120"/>
               <a:buFont typeface="Calibri"/>
               <a:buNone/>
-              <a:defRPr sz="21120" b="0" i="0" u="none" strike="noStrike" cap="none">
+              <a:defRPr b="0" i="0" sz="21120" u="none" cap="none" strike="noStrike">
                 <a:solidFill>
                   <a:schemeClr val="dk1"/>
                 </a:solidFill>
@@ -4715,98 +5775,216 @@
                 <a:sym typeface="Calibri"/>
               </a:defRPr>
             </a:lvl1pPr>
-            <a:lvl2pPr lvl="1">
-              <a:spcBef>
-                <a:spcPts val="0"/>
-              </a:spcBef>
-              <a:spcAft>
-                <a:spcPts val="0"/>
-              </a:spcAft>
+            <a:lvl2pPr lvl="1" marR="0" rtl="0" algn="l">
+              <a:lnSpc>
+                <a:spcPct val="100000"/>
+              </a:lnSpc>
+              <a:spcBef>
+                <a:spcPts val="0"/>
+              </a:spcBef>
+              <a:spcAft>
+                <a:spcPts val="0"/>
+              </a:spcAft>
+              <a:buClr>
+                <a:srgbClr val="000000"/>
+              </a:buClr>
               <a:buSzPts val="1400"/>
-              <a:buNone/>
-              <a:defRPr sz="1800"/>
+              <a:buFont typeface="Arial"/>
+              <a:buNone/>
+              <a:defRPr b="0" i="0" sz="1800" u="none" cap="none" strike="noStrike">
+                <a:solidFill>
+                  <a:srgbClr val="000000"/>
+                </a:solidFill>
+                <a:latin typeface="Arial"/>
+                <a:ea typeface="Arial"/>
+                <a:cs typeface="Arial"/>
+                <a:sym typeface="Arial"/>
+              </a:defRPr>
             </a:lvl2pPr>
-            <a:lvl3pPr lvl="2">
-              <a:spcBef>
-                <a:spcPts val="0"/>
-              </a:spcBef>
-              <a:spcAft>
-                <a:spcPts val="0"/>
-              </a:spcAft>
+            <a:lvl3pPr lvl="2" marR="0" rtl="0" algn="l">
+              <a:lnSpc>
+                <a:spcPct val="100000"/>
+              </a:lnSpc>
+              <a:spcBef>
+                <a:spcPts val="0"/>
+              </a:spcBef>
+              <a:spcAft>
+                <a:spcPts val="0"/>
+              </a:spcAft>
+              <a:buClr>
+                <a:srgbClr val="000000"/>
+              </a:buClr>
               <a:buSzPts val="1400"/>
-              <a:buNone/>
-              <a:defRPr sz="1800"/>
+              <a:buFont typeface="Arial"/>
+              <a:buNone/>
+              <a:defRPr b="0" i="0" sz="1800" u="none" cap="none" strike="noStrike">
+                <a:solidFill>
+                  <a:srgbClr val="000000"/>
+                </a:solidFill>
+                <a:latin typeface="Arial"/>
+                <a:ea typeface="Arial"/>
+                <a:cs typeface="Arial"/>
+                <a:sym typeface="Arial"/>
+              </a:defRPr>
             </a:lvl3pPr>
-            <a:lvl4pPr lvl="3">
-              <a:spcBef>
-                <a:spcPts val="0"/>
-              </a:spcBef>
-              <a:spcAft>
-                <a:spcPts val="0"/>
-              </a:spcAft>
+            <a:lvl4pPr lvl="3" marR="0" rtl="0" algn="l">
+              <a:lnSpc>
+                <a:spcPct val="100000"/>
+              </a:lnSpc>
+              <a:spcBef>
+                <a:spcPts val="0"/>
+              </a:spcBef>
+              <a:spcAft>
+                <a:spcPts val="0"/>
+              </a:spcAft>
+              <a:buClr>
+                <a:srgbClr val="000000"/>
+              </a:buClr>
               <a:buSzPts val="1400"/>
-              <a:buNone/>
-              <a:defRPr sz="1800"/>
+              <a:buFont typeface="Arial"/>
+              <a:buNone/>
+              <a:defRPr b="0" i="0" sz="1800" u="none" cap="none" strike="noStrike">
+                <a:solidFill>
+                  <a:srgbClr val="000000"/>
+                </a:solidFill>
+                <a:latin typeface="Arial"/>
+                <a:ea typeface="Arial"/>
+                <a:cs typeface="Arial"/>
+                <a:sym typeface="Arial"/>
+              </a:defRPr>
             </a:lvl4pPr>
-            <a:lvl5pPr lvl="4">
-              <a:spcBef>
-                <a:spcPts val="0"/>
-              </a:spcBef>
-              <a:spcAft>
-                <a:spcPts val="0"/>
-              </a:spcAft>
+            <a:lvl5pPr lvl="4" marR="0" rtl="0" algn="l">
+              <a:lnSpc>
+                <a:spcPct val="100000"/>
+              </a:lnSpc>
+              <a:spcBef>
+                <a:spcPts val="0"/>
+              </a:spcBef>
+              <a:spcAft>
+                <a:spcPts val="0"/>
+              </a:spcAft>
+              <a:buClr>
+                <a:srgbClr val="000000"/>
+              </a:buClr>
               <a:buSzPts val="1400"/>
-              <a:buNone/>
-              <a:defRPr sz="1800"/>
+              <a:buFont typeface="Arial"/>
+              <a:buNone/>
+              <a:defRPr b="0" i="0" sz="1800" u="none" cap="none" strike="noStrike">
+                <a:solidFill>
+                  <a:srgbClr val="000000"/>
+                </a:solidFill>
+                <a:latin typeface="Arial"/>
+                <a:ea typeface="Arial"/>
+                <a:cs typeface="Arial"/>
+                <a:sym typeface="Arial"/>
+              </a:defRPr>
             </a:lvl5pPr>
-            <a:lvl6pPr lvl="5">
-              <a:spcBef>
-                <a:spcPts val="0"/>
-              </a:spcBef>
-              <a:spcAft>
-                <a:spcPts val="0"/>
-              </a:spcAft>
+            <a:lvl6pPr lvl="5" marR="0" rtl="0" algn="l">
+              <a:lnSpc>
+                <a:spcPct val="100000"/>
+              </a:lnSpc>
+              <a:spcBef>
+                <a:spcPts val="0"/>
+              </a:spcBef>
+              <a:spcAft>
+                <a:spcPts val="0"/>
+              </a:spcAft>
+              <a:buClr>
+                <a:srgbClr val="000000"/>
+              </a:buClr>
               <a:buSzPts val="1400"/>
-              <a:buNone/>
-              <a:defRPr sz="1800"/>
+              <a:buFont typeface="Arial"/>
+              <a:buNone/>
+              <a:defRPr b="0" i="0" sz="1800" u="none" cap="none" strike="noStrike">
+                <a:solidFill>
+                  <a:srgbClr val="000000"/>
+                </a:solidFill>
+                <a:latin typeface="Arial"/>
+                <a:ea typeface="Arial"/>
+                <a:cs typeface="Arial"/>
+                <a:sym typeface="Arial"/>
+              </a:defRPr>
             </a:lvl6pPr>
-            <a:lvl7pPr lvl="6">
-              <a:spcBef>
-                <a:spcPts val="0"/>
-              </a:spcBef>
-              <a:spcAft>
-                <a:spcPts val="0"/>
-              </a:spcAft>
+            <a:lvl7pPr lvl="6" marR="0" rtl="0" algn="l">
+              <a:lnSpc>
+                <a:spcPct val="100000"/>
+              </a:lnSpc>
+              <a:spcBef>
+                <a:spcPts val="0"/>
+              </a:spcBef>
+              <a:spcAft>
+                <a:spcPts val="0"/>
+              </a:spcAft>
+              <a:buClr>
+                <a:srgbClr val="000000"/>
+              </a:buClr>
               <a:buSzPts val="1400"/>
-              <a:buNone/>
-              <a:defRPr sz="1800"/>
+              <a:buFont typeface="Arial"/>
+              <a:buNone/>
+              <a:defRPr b="0" i="0" sz="1800" u="none" cap="none" strike="noStrike">
+                <a:solidFill>
+                  <a:srgbClr val="000000"/>
+                </a:solidFill>
+                <a:latin typeface="Arial"/>
+                <a:ea typeface="Arial"/>
+                <a:cs typeface="Arial"/>
+                <a:sym typeface="Arial"/>
+              </a:defRPr>
             </a:lvl7pPr>
-            <a:lvl8pPr lvl="7">
-              <a:spcBef>
-                <a:spcPts val="0"/>
-              </a:spcBef>
-              <a:spcAft>
-                <a:spcPts val="0"/>
-              </a:spcAft>
+            <a:lvl8pPr lvl="7" marR="0" rtl="0" algn="l">
+              <a:lnSpc>
+                <a:spcPct val="100000"/>
+              </a:lnSpc>
+              <a:spcBef>
+                <a:spcPts val="0"/>
+              </a:spcBef>
+              <a:spcAft>
+                <a:spcPts val="0"/>
+              </a:spcAft>
+              <a:buClr>
+                <a:srgbClr val="000000"/>
+              </a:buClr>
               <a:buSzPts val="1400"/>
-              <a:buNone/>
-              <a:defRPr sz="1800"/>
+              <a:buFont typeface="Arial"/>
+              <a:buNone/>
+              <a:defRPr b="0" i="0" sz="1800" u="none" cap="none" strike="noStrike">
+                <a:solidFill>
+                  <a:srgbClr val="000000"/>
+                </a:solidFill>
+                <a:latin typeface="Arial"/>
+                <a:ea typeface="Arial"/>
+                <a:cs typeface="Arial"/>
+                <a:sym typeface="Arial"/>
+              </a:defRPr>
             </a:lvl8pPr>
-            <a:lvl9pPr lvl="8">
-              <a:spcBef>
-                <a:spcPts val="0"/>
-              </a:spcBef>
-              <a:spcAft>
-                <a:spcPts val="0"/>
-              </a:spcAft>
+            <a:lvl9pPr lvl="8" marR="0" rtl="0" algn="l">
+              <a:lnSpc>
+                <a:spcPct val="100000"/>
+              </a:lnSpc>
+              <a:spcBef>
+                <a:spcPts val="0"/>
+              </a:spcBef>
+              <a:spcAft>
+                <a:spcPts val="0"/>
+              </a:spcAft>
+              <a:buClr>
+                <a:srgbClr val="000000"/>
+              </a:buClr>
               <a:buSzPts val="1400"/>
-              <a:buNone/>
-              <a:defRPr sz="1800"/>
+              <a:buFont typeface="Arial"/>
+              <a:buNone/>
+              <a:defRPr b="0" i="0" sz="1800" u="none" cap="none" strike="noStrike">
+                <a:solidFill>
+                  <a:srgbClr val="000000"/>
+                </a:solidFill>
+                <a:latin typeface="Arial"/>
+                <a:ea typeface="Arial"/>
+                <a:cs typeface="Arial"/>
+                <a:sym typeface="Arial"/>
+              </a:defRPr>
             </a:lvl9pPr>
           </a:lstStyle>
-          <a:p>
-            <a:endParaRPr/>
-          </a:p>
+          <a:p/>
         </p:txBody>
       </p:sp>
     </p:spTree>
@@ -4818,11 +5996,11 @@
 </file>
 
 <file path=ppt/slideLayouts/slideLayout8.xml><?xml version="1.0" encoding="utf-8"?>
-<p:sldLayout xmlns:a="http://schemas.openxmlformats.org/drawingml/2006/main" xmlns:r="http://schemas.openxmlformats.org/officeDocument/2006/relationships" xmlns:p="http://schemas.openxmlformats.org/presentationml/2006/main" matchingName="Content with Caption" type="objTx">
+<p:sldLayout xmlns:a="http://schemas.openxmlformats.org/drawingml/2006/main" xmlns:r="http://schemas.openxmlformats.org/officeDocument/2006/relationships" xmlns:mc="http://schemas.openxmlformats.org/markup-compatibility/2006" xmlns:mv="urn:schemas-microsoft-com:mac:vml" xmlns:p="http://schemas.openxmlformats.org/presentationml/2006/main" xmlns:c="http://schemas.openxmlformats.org/drawingml/2006/chart" xmlns:dgm="http://schemas.openxmlformats.org/drawingml/2006/diagram" xmlns:o="urn:schemas-microsoft-com:office:office" xmlns:v="urn:schemas-microsoft-com:vml" xmlns:pvml="urn:schemas-microsoft-com:office:powerpoint" xmlns:com="http://schemas.openxmlformats.org/drawingml/2006/compatibility" xmlns:p14="http://schemas.microsoft.com/office/powerpoint/2010/main" xmlns:p15="http://schemas.microsoft.com/office/powerpoint/2012/main" matchingName="Content with Caption" type="objTx">
   <p:cSld name="OBJECT_WITH_CAPTION_TEXT">
     <p:spTree>
       <p:nvGrpSpPr>
-        <p:cNvPr id="1" name="Shape 33"/>
+        <p:cNvPr id="33" name="Shape 33"/>
         <p:cNvGrpSpPr/>
         <p:nvPr/>
       </p:nvGrpSpPr>
@@ -4837,9 +6015,7 @@
       <p:sp>
         <p:nvSpPr>
           <p:cNvPr id="34" name="Shape 34"/>
-          <p:cNvSpPr txBox="1">
-            <a:spLocks noGrp="1"/>
-          </p:cNvSpPr>
+          <p:cNvSpPr txBox="1"/>
           <p:nvPr>
             <p:ph type="title"/>
           </p:nvPr>
@@ -4858,9 +6034,12 @@
           </a:ln>
         </p:spPr>
         <p:txBody>
-          <a:bodyPr spcFirstLastPara="1" wrap="square" lIns="91425" tIns="91425" rIns="91425" bIns="91425" anchor="b" anchorCtr="0"/>
+          <a:bodyPr anchorCtr="0" anchor="b" bIns="91425" lIns="91425" spcFirstLastPara="1" rIns="91425" wrap="square" tIns="91425"/>
           <a:lstStyle>
-            <a:lvl1pPr marR="0" lvl="0" algn="l" rtl="0">
+            <a:lvl1pPr lvl="0" marR="0" rtl="0" algn="l">
+              <a:lnSpc>
+                <a:spcPct val="100000"/>
+              </a:lnSpc>
               <a:spcBef>
                 <a:spcPts val="0"/>
               </a:spcBef>
@@ -4873,7 +6052,7 @@
               <a:buSzPts val="9600"/>
               <a:buFont typeface="Calibri"/>
               <a:buNone/>
-              <a:defRPr sz="9600" b="1" i="0" u="none" strike="noStrike" cap="none">
+              <a:defRPr b="1" i="0" sz="9600" u="none" cap="none" strike="noStrike">
                 <a:solidFill>
                   <a:schemeClr val="dk1"/>
                 </a:solidFill>
@@ -4883,108 +6062,224 @@
                 <a:sym typeface="Calibri"/>
               </a:defRPr>
             </a:lvl1pPr>
-            <a:lvl2pPr lvl="1">
-              <a:spcBef>
-                <a:spcPts val="0"/>
-              </a:spcBef>
-              <a:spcAft>
-                <a:spcPts val="0"/>
-              </a:spcAft>
+            <a:lvl2pPr lvl="1" marR="0" rtl="0" algn="l">
+              <a:lnSpc>
+                <a:spcPct val="100000"/>
+              </a:lnSpc>
+              <a:spcBef>
+                <a:spcPts val="0"/>
+              </a:spcBef>
+              <a:spcAft>
+                <a:spcPts val="0"/>
+              </a:spcAft>
+              <a:buClr>
+                <a:srgbClr val="000000"/>
+              </a:buClr>
               <a:buSzPts val="1400"/>
-              <a:buNone/>
-              <a:defRPr sz="1800"/>
+              <a:buFont typeface="Arial"/>
+              <a:buNone/>
+              <a:defRPr b="0" i="0" sz="1800" u="none" cap="none" strike="noStrike">
+                <a:solidFill>
+                  <a:srgbClr val="000000"/>
+                </a:solidFill>
+                <a:latin typeface="Arial"/>
+                <a:ea typeface="Arial"/>
+                <a:cs typeface="Arial"/>
+                <a:sym typeface="Arial"/>
+              </a:defRPr>
             </a:lvl2pPr>
-            <a:lvl3pPr lvl="2">
-              <a:spcBef>
-                <a:spcPts val="0"/>
-              </a:spcBef>
-              <a:spcAft>
-                <a:spcPts val="0"/>
-              </a:spcAft>
+            <a:lvl3pPr lvl="2" marR="0" rtl="0" algn="l">
+              <a:lnSpc>
+                <a:spcPct val="100000"/>
+              </a:lnSpc>
+              <a:spcBef>
+                <a:spcPts val="0"/>
+              </a:spcBef>
+              <a:spcAft>
+                <a:spcPts val="0"/>
+              </a:spcAft>
+              <a:buClr>
+                <a:srgbClr val="000000"/>
+              </a:buClr>
               <a:buSzPts val="1400"/>
-              <a:buNone/>
-              <a:defRPr sz="1800"/>
+              <a:buFont typeface="Arial"/>
+              <a:buNone/>
+              <a:defRPr b="0" i="0" sz="1800" u="none" cap="none" strike="noStrike">
+                <a:solidFill>
+                  <a:srgbClr val="000000"/>
+                </a:solidFill>
+                <a:latin typeface="Arial"/>
+                <a:ea typeface="Arial"/>
+                <a:cs typeface="Arial"/>
+                <a:sym typeface="Arial"/>
+              </a:defRPr>
             </a:lvl3pPr>
-            <a:lvl4pPr lvl="3">
-              <a:spcBef>
-                <a:spcPts val="0"/>
-              </a:spcBef>
-              <a:spcAft>
-                <a:spcPts val="0"/>
-              </a:spcAft>
+            <a:lvl4pPr lvl="3" marR="0" rtl="0" algn="l">
+              <a:lnSpc>
+                <a:spcPct val="100000"/>
+              </a:lnSpc>
+              <a:spcBef>
+                <a:spcPts val="0"/>
+              </a:spcBef>
+              <a:spcAft>
+                <a:spcPts val="0"/>
+              </a:spcAft>
+              <a:buClr>
+                <a:srgbClr val="000000"/>
+              </a:buClr>
               <a:buSzPts val="1400"/>
-              <a:buNone/>
-              <a:defRPr sz="1800"/>
+              <a:buFont typeface="Arial"/>
+              <a:buNone/>
+              <a:defRPr b="0" i="0" sz="1800" u="none" cap="none" strike="noStrike">
+                <a:solidFill>
+                  <a:srgbClr val="000000"/>
+                </a:solidFill>
+                <a:latin typeface="Arial"/>
+                <a:ea typeface="Arial"/>
+                <a:cs typeface="Arial"/>
+                <a:sym typeface="Arial"/>
+              </a:defRPr>
             </a:lvl4pPr>
-            <a:lvl5pPr lvl="4">
-              <a:spcBef>
-                <a:spcPts val="0"/>
-              </a:spcBef>
-              <a:spcAft>
-                <a:spcPts val="0"/>
-              </a:spcAft>
+            <a:lvl5pPr lvl="4" marR="0" rtl="0" algn="l">
+              <a:lnSpc>
+                <a:spcPct val="100000"/>
+              </a:lnSpc>
+              <a:spcBef>
+                <a:spcPts val="0"/>
+              </a:spcBef>
+              <a:spcAft>
+                <a:spcPts val="0"/>
+              </a:spcAft>
+              <a:buClr>
+                <a:srgbClr val="000000"/>
+              </a:buClr>
               <a:buSzPts val="1400"/>
-              <a:buNone/>
-              <a:defRPr sz="1800"/>
+              <a:buFont typeface="Arial"/>
+              <a:buNone/>
+              <a:defRPr b="0" i="0" sz="1800" u="none" cap="none" strike="noStrike">
+                <a:solidFill>
+                  <a:srgbClr val="000000"/>
+                </a:solidFill>
+                <a:latin typeface="Arial"/>
+                <a:ea typeface="Arial"/>
+                <a:cs typeface="Arial"/>
+                <a:sym typeface="Arial"/>
+              </a:defRPr>
             </a:lvl5pPr>
-            <a:lvl6pPr lvl="5">
-              <a:spcBef>
-                <a:spcPts val="0"/>
-              </a:spcBef>
-              <a:spcAft>
-                <a:spcPts val="0"/>
-              </a:spcAft>
+            <a:lvl6pPr lvl="5" marR="0" rtl="0" algn="l">
+              <a:lnSpc>
+                <a:spcPct val="100000"/>
+              </a:lnSpc>
+              <a:spcBef>
+                <a:spcPts val="0"/>
+              </a:spcBef>
+              <a:spcAft>
+                <a:spcPts val="0"/>
+              </a:spcAft>
+              <a:buClr>
+                <a:srgbClr val="000000"/>
+              </a:buClr>
               <a:buSzPts val="1400"/>
-              <a:buNone/>
-              <a:defRPr sz="1800"/>
+              <a:buFont typeface="Arial"/>
+              <a:buNone/>
+              <a:defRPr b="0" i="0" sz="1800" u="none" cap="none" strike="noStrike">
+                <a:solidFill>
+                  <a:srgbClr val="000000"/>
+                </a:solidFill>
+                <a:latin typeface="Arial"/>
+                <a:ea typeface="Arial"/>
+                <a:cs typeface="Arial"/>
+                <a:sym typeface="Arial"/>
+              </a:defRPr>
             </a:lvl6pPr>
-            <a:lvl7pPr lvl="6">
-              <a:spcBef>
-                <a:spcPts val="0"/>
-              </a:spcBef>
-              <a:spcAft>
-                <a:spcPts val="0"/>
-              </a:spcAft>
+            <a:lvl7pPr lvl="6" marR="0" rtl="0" algn="l">
+              <a:lnSpc>
+                <a:spcPct val="100000"/>
+              </a:lnSpc>
+              <a:spcBef>
+                <a:spcPts val="0"/>
+              </a:spcBef>
+              <a:spcAft>
+                <a:spcPts val="0"/>
+              </a:spcAft>
+              <a:buClr>
+                <a:srgbClr val="000000"/>
+              </a:buClr>
               <a:buSzPts val="1400"/>
-              <a:buNone/>
-              <a:defRPr sz="1800"/>
+              <a:buFont typeface="Arial"/>
+              <a:buNone/>
+              <a:defRPr b="0" i="0" sz="1800" u="none" cap="none" strike="noStrike">
+                <a:solidFill>
+                  <a:srgbClr val="000000"/>
+                </a:solidFill>
+                <a:latin typeface="Arial"/>
+                <a:ea typeface="Arial"/>
+                <a:cs typeface="Arial"/>
+                <a:sym typeface="Arial"/>
+              </a:defRPr>
             </a:lvl7pPr>
-            <a:lvl8pPr lvl="7">
-              <a:spcBef>
-                <a:spcPts val="0"/>
-              </a:spcBef>
-              <a:spcAft>
-                <a:spcPts val="0"/>
-              </a:spcAft>
+            <a:lvl8pPr lvl="7" marR="0" rtl="0" algn="l">
+              <a:lnSpc>
+                <a:spcPct val="100000"/>
+              </a:lnSpc>
+              <a:spcBef>
+                <a:spcPts val="0"/>
+              </a:spcBef>
+              <a:spcAft>
+                <a:spcPts val="0"/>
+              </a:spcAft>
+              <a:buClr>
+                <a:srgbClr val="000000"/>
+              </a:buClr>
               <a:buSzPts val="1400"/>
-              <a:buNone/>
-              <a:defRPr sz="1800"/>
+              <a:buFont typeface="Arial"/>
+              <a:buNone/>
+              <a:defRPr b="0" i="0" sz="1800" u="none" cap="none" strike="noStrike">
+                <a:solidFill>
+                  <a:srgbClr val="000000"/>
+                </a:solidFill>
+                <a:latin typeface="Arial"/>
+                <a:ea typeface="Arial"/>
+                <a:cs typeface="Arial"/>
+                <a:sym typeface="Arial"/>
+              </a:defRPr>
             </a:lvl8pPr>
-            <a:lvl9pPr lvl="8">
-              <a:spcBef>
-                <a:spcPts val="0"/>
-              </a:spcBef>
-              <a:spcAft>
-                <a:spcPts val="0"/>
-              </a:spcAft>
+            <a:lvl9pPr lvl="8" marR="0" rtl="0" algn="l">
+              <a:lnSpc>
+                <a:spcPct val="100000"/>
+              </a:lnSpc>
+              <a:spcBef>
+                <a:spcPts val="0"/>
+              </a:spcBef>
+              <a:spcAft>
+                <a:spcPts val="0"/>
+              </a:spcAft>
+              <a:buClr>
+                <a:srgbClr val="000000"/>
+              </a:buClr>
               <a:buSzPts val="1400"/>
-              <a:buNone/>
-              <a:defRPr sz="1800"/>
+              <a:buFont typeface="Arial"/>
+              <a:buNone/>
+              <a:defRPr b="0" i="0" sz="1800" u="none" cap="none" strike="noStrike">
+                <a:solidFill>
+                  <a:srgbClr val="000000"/>
+                </a:solidFill>
+                <a:latin typeface="Arial"/>
+                <a:ea typeface="Arial"/>
+                <a:cs typeface="Arial"/>
+                <a:sym typeface="Arial"/>
+              </a:defRPr>
             </a:lvl9pPr>
           </a:lstStyle>
-          <a:p>
-            <a:endParaRPr/>
-          </a:p>
+          <a:p/>
         </p:txBody>
       </p:sp>
       <p:sp>
         <p:nvSpPr>
           <p:cNvPr id="35" name="Shape 35"/>
-          <p:cNvSpPr txBox="1">
-            <a:spLocks noGrp="1"/>
-          </p:cNvSpPr>
+          <p:cNvSpPr txBox="1"/>
           <p:nvPr>
-            <p:ph type="body" idx="1"/>
+            <p:ph idx="1" type="body"/>
           </p:nvPr>
         </p:nvSpPr>
         <p:spPr>
@@ -5001,9 +6296,12 @@
           </a:ln>
         </p:spPr>
         <p:txBody>
-          <a:bodyPr spcFirstLastPara="1" wrap="square" lIns="91425" tIns="91425" rIns="91425" bIns="91425" anchor="t" anchorCtr="0"/>
+          <a:bodyPr anchorCtr="0" anchor="t" bIns="91425" lIns="91425" spcFirstLastPara="1" rIns="91425" wrap="square" tIns="91425"/>
           <a:lstStyle>
-            <a:lvl1pPr marL="457200" marR="0" lvl="0" indent="-1203960" algn="l" rtl="0">
+            <a:lvl1pPr indent="-1203960" lvl="0" marL="457200" marR="0" rtl="0" algn="l">
+              <a:lnSpc>
+                <a:spcPct val="100000"/>
+              </a:lnSpc>
               <a:spcBef>
                 <a:spcPts val="3072"/>
               </a:spcBef>
@@ -5016,7 +6314,7 @@
               <a:buSzPts val="15360"/>
               <a:buFont typeface="Arial"/>
               <a:buChar char="•"/>
-              <a:defRPr sz="15360" b="0" i="0" u="none" strike="noStrike" cap="none">
+              <a:defRPr b="0" i="0" sz="15360" u="none" cap="none" strike="noStrike">
                 <a:solidFill>
                   <a:schemeClr val="dk1"/>
                 </a:solidFill>
@@ -5026,7 +6324,10 @@
                 <a:sym typeface="Calibri"/>
               </a:defRPr>
             </a:lvl1pPr>
-            <a:lvl2pPr marL="914400" marR="0" lvl="1" indent="-1082040" algn="l" rtl="0">
+            <a:lvl2pPr indent="-1082040" lvl="1" marL="914400" marR="0" rtl="0" algn="l">
+              <a:lnSpc>
+                <a:spcPct val="100000"/>
+              </a:lnSpc>
               <a:spcBef>
                 <a:spcPts val="2688"/>
               </a:spcBef>
@@ -5039,7 +6340,7 @@
               <a:buSzPts val="13440"/>
               <a:buFont typeface="Arial"/>
               <a:buChar char="–"/>
-              <a:defRPr sz="13439" b="0" i="0" u="none" strike="noStrike" cap="none">
+              <a:defRPr b="0" i="0" sz="13439" u="none" cap="none" strike="noStrike">
                 <a:solidFill>
                   <a:schemeClr val="dk1"/>
                 </a:solidFill>
@@ -5049,7 +6350,10 @@
                 <a:sym typeface="Calibri"/>
               </a:defRPr>
             </a:lvl2pPr>
-            <a:lvl3pPr marL="1371600" marR="0" lvl="2" indent="-960120" algn="l" rtl="0">
+            <a:lvl3pPr indent="-960120" lvl="2" marL="1371600" marR="0" rtl="0" algn="l">
+              <a:lnSpc>
+                <a:spcPct val="100000"/>
+              </a:lnSpc>
               <a:spcBef>
                 <a:spcPts val="2304"/>
               </a:spcBef>
@@ -5062,7 +6366,7 @@
               <a:buSzPts val="11520"/>
               <a:buFont typeface="Arial"/>
               <a:buChar char="•"/>
-              <a:defRPr sz="11520" b="0" i="0" u="none" strike="noStrike" cap="none">
+              <a:defRPr b="0" i="0" sz="11520" u="none" cap="none" strike="noStrike">
                 <a:solidFill>
                   <a:schemeClr val="dk1"/>
                 </a:solidFill>
@@ -5072,7 +6376,10 @@
                 <a:sym typeface="Calibri"/>
               </a:defRPr>
             </a:lvl3pPr>
-            <a:lvl4pPr marL="1828800" marR="0" lvl="3" indent="-838200" algn="l" rtl="0">
+            <a:lvl4pPr indent="-838200" lvl="3" marL="1828800" marR="0" rtl="0" algn="l">
+              <a:lnSpc>
+                <a:spcPct val="100000"/>
+              </a:lnSpc>
               <a:spcBef>
                 <a:spcPts val="1920"/>
               </a:spcBef>
@@ -5085,7 +6392,7 @@
               <a:buSzPts val="9600"/>
               <a:buFont typeface="Arial"/>
               <a:buChar char="–"/>
-              <a:defRPr sz="9600" b="0" i="0" u="none" strike="noStrike" cap="none">
+              <a:defRPr b="0" i="0" sz="9600" u="none" cap="none" strike="noStrike">
                 <a:solidFill>
                   <a:schemeClr val="dk1"/>
                 </a:solidFill>
@@ -5095,7 +6402,10 @@
                 <a:sym typeface="Calibri"/>
               </a:defRPr>
             </a:lvl4pPr>
-            <a:lvl5pPr marL="2286000" marR="0" lvl="4" indent="-838200" algn="l" rtl="0">
+            <a:lvl5pPr indent="-838200" lvl="4" marL="2286000" marR="0" rtl="0" algn="l">
+              <a:lnSpc>
+                <a:spcPct val="100000"/>
+              </a:lnSpc>
               <a:spcBef>
                 <a:spcPts val="1920"/>
               </a:spcBef>
@@ -5108,7 +6418,7 @@
               <a:buSzPts val="9600"/>
               <a:buFont typeface="Arial"/>
               <a:buChar char="»"/>
-              <a:defRPr sz="9600" b="0" i="0" u="none" strike="noStrike" cap="none">
+              <a:defRPr b="0" i="0" sz="9600" u="none" cap="none" strike="noStrike">
                 <a:solidFill>
                   <a:schemeClr val="dk1"/>
                 </a:solidFill>
@@ -5118,7 +6428,10 @@
                 <a:sym typeface="Calibri"/>
               </a:defRPr>
             </a:lvl5pPr>
-            <a:lvl6pPr marL="2743200" marR="0" lvl="5" indent="-838200" algn="l" rtl="0">
+            <a:lvl6pPr indent="-838200" lvl="5" marL="2743200" marR="0" rtl="0" algn="l">
+              <a:lnSpc>
+                <a:spcPct val="100000"/>
+              </a:lnSpc>
               <a:spcBef>
                 <a:spcPts val="1920"/>
               </a:spcBef>
@@ -5131,7 +6444,7 @@
               <a:buSzPts val="9600"/>
               <a:buFont typeface="Arial"/>
               <a:buChar char="•"/>
-              <a:defRPr sz="9600" b="0" i="0" u="none" strike="noStrike" cap="none">
+              <a:defRPr b="0" i="0" sz="9600" u="none" cap="none" strike="noStrike">
                 <a:solidFill>
                   <a:schemeClr val="dk1"/>
                 </a:solidFill>
@@ -5141,7 +6454,10 @@
                 <a:sym typeface="Calibri"/>
               </a:defRPr>
             </a:lvl6pPr>
-            <a:lvl7pPr marL="3200400" marR="0" lvl="6" indent="-838200" algn="l" rtl="0">
+            <a:lvl7pPr indent="-838200" lvl="6" marL="3200400" marR="0" rtl="0" algn="l">
+              <a:lnSpc>
+                <a:spcPct val="100000"/>
+              </a:lnSpc>
               <a:spcBef>
                 <a:spcPts val="1920"/>
               </a:spcBef>
@@ -5154,7 +6470,7 @@
               <a:buSzPts val="9600"/>
               <a:buFont typeface="Arial"/>
               <a:buChar char="•"/>
-              <a:defRPr sz="9600" b="0" i="0" u="none" strike="noStrike" cap="none">
+              <a:defRPr b="0" i="0" sz="9600" u="none" cap="none" strike="noStrike">
                 <a:solidFill>
                   <a:schemeClr val="dk1"/>
                 </a:solidFill>
@@ -5164,7 +6480,10 @@
                 <a:sym typeface="Calibri"/>
               </a:defRPr>
             </a:lvl7pPr>
-            <a:lvl8pPr marL="3657600" marR="0" lvl="7" indent="-838200" algn="l" rtl="0">
+            <a:lvl8pPr indent="-838200" lvl="7" marL="3657600" marR="0" rtl="0" algn="l">
+              <a:lnSpc>
+                <a:spcPct val="100000"/>
+              </a:lnSpc>
               <a:spcBef>
                 <a:spcPts val="1920"/>
               </a:spcBef>
@@ -5177,7 +6496,7 @@
               <a:buSzPts val="9600"/>
               <a:buFont typeface="Arial"/>
               <a:buChar char="•"/>
-              <a:defRPr sz="9600" b="0" i="0" u="none" strike="noStrike" cap="none">
+              <a:defRPr b="0" i="0" sz="9600" u="none" cap="none" strike="noStrike">
                 <a:solidFill>
                   <a:schemeClr val="dk1"/>
                 </a:solidFill>
@@ -5187,7 +6506,10 @@
                 <a:sym typeface="Calibri"/>
               </a:defRPr>
             </a:lvl8pPr>
-            <a:lvl9pPr marL="4114800" marR="0" lvl="8" indent="-838200" algn="l" rtl="0">
+            <a:lvl9pPr indent="-838200" lvl="8" marL="4114800" marR="0" rtl="0" algn="l">
+              <a:lnSpc>
+                <a:spcPct val="100000"/>
+              </a:lnSpc>
               <a:spcBef>
                 <a:spcPts val="1920"/>
               </a:spcBef>
@@ -5200,7 +6522,7 @@
               <a:buSzPts val="9600"/>
               <a:buFont typeface="Arial"/>
               <a:buChar char="•"/>
-              <a:defRPr sz="9600" b="0" i="0" u="none" strike="noStrike" cap="none">
+              <a:defRPr b="0" i="0" sz="9600" u="none" cap="none" strike="noStrike">
                 <a:solidFill>
                   <a:schemeClr val="dk1"/>
                 </a:solidFill>
@@ -5211,19 +6533,15 @@
               </a:defRPr>
             </a:lvl9pPr>
           </a:lstStyle>
-          <a:p>
-            <a:endParaRPr/>
-          </a:p>
+          <a:p/>
         </p:txBody>
       </p:sp>
       <p:sp>
         <p:nvSpPr>
           <p:cNvPr id="36" name="Shape 36"/>
-          <p:cNvSpPr txBox="1">
-            <a:spLocks noGrp="1"/>
-          </p:cNvSpPr>
+          <p:cNvSpPr txBox="1"/>
           <p:nvPr>
-            <p:ph type="body" idx="2"/>
+            <p:ph idx="2" type="body"/>
           </p:nvPr>
         </p:nvSpPr>
         <p:spPr>
@@ -5240,9 +6558,12 @@
           </a:ln>
         </p:spPr>
         <p:txBody>
-          <a:bodyPr spcFirstLastPara="1" wrap="square" lIns="91425" tIns="91425" rIns="91425" bIns="91425" anchor="t" anchorCtr="0"/>
+          <a:bodyPr anchorCtr="0" anchor="t" bIns="91425" lIns="91425" spcFirstLastPara="1" rIns="91425" wrap="square" tIns="91425"/>
           <a:lstStyle>
-            <a:lvl1pPr marL="457200" marR="0" lvl="0" indent="-228600" algn="l" rtl="0">
+            <a:lvl1pPr indent="-228600" lvl="0" marL="457200" marR="0" rtl="0" algn="l">
+              <a:lnSpc>
+                <a:spcPct val="100000"/>
+              </a:lnSpc>
               <a:spcBef>
                 <a:spcPts val="1344"/>
               </a:spcBef>
@@ -5255,7 +6576,7 @@
               <a:buSzPts val="6720"/>
               <a:buFont typeface="Arial"/>
               <a:buNone/>
-              <a:defRPr sz="6719" b="0" i="0" u="none" strike="noStrike" cap="none">
+              <a:defRPr b="0" i="0" sz="6719" u="none" cap="none" strike="noStrike">
                 <a:solidFill>
                   <a:schemeClr val="dk1"/>
                 </a:solidFill>
@@ -5265,7 +6586,10 @@
                 <a:sym typeface="Calibri"/>
               </a:defRPr>
             </a:lvl1pPr>
-            <a:lvl2pPr marL="914400" marR="0" lvl="1" indent="-228600" algn="l" rtl="0">
+            <a:lvl2pPr indent="-228600" lvl="1" marL="914400" marR="0" rtl="0" algn="l">
+              <a:lnSpc>
+                <a:spcPct val="100000"/>
+              </a:lnSpc>
               <a:spcBef>
                 <a:spcPts val="1152"/>
               </a:spcBef>
@@ -5278,7 +6602,7 @@
               <a:buSzPts val="5760"/>
               <a:buFont typeface="Arial"/>
               <a:buNone/>
-              <a:defRPr sz="5760" b="0" i="0" u="none" strike="noStrike" cap="none">
+              <a:defRPr b="0" i="0" sz="5760" u="none" cap="none" strike="noStrike">
                 <a:solidFill>
                   <a:schemeClr val="dk1"/>
                 </a:solidFill>
@@ -5288,7 +6612,10 @@
                 <a:sym typeface="Calibri"/>
               </a:defRPr>
             </a:lvl2pPr>
-            <a:lvl3pPr marL="1371600" marR="0" lvl="2" indent="-228600" algn="l" rtl="0">
+            <a:lvl3pPr indent="-228600" lvl="2" marL="1371600" marR="0" rtl="0" algn="l">
+              <a:lnSpc>
+                <a:spcPct val="100000"/>
+              </a:lnSpc>
               <a:spcBef>
                 <a:spcPts val="960"/>
               </a:spcBef>
@@ -5301,7 +6628,7 @@
               <a:buSzPts val="4800"/>
               <a:buFont typeface="Arial"/>
               <a:buNone/>
-              <a:defRPr sz="4800" b="0" i="0" u="none" strike="noStrike" cap="none">
+              <a:defRPr b="0" i="0" sz="4800" u="none" cap="none" strike="noStrike">
                 <a:solidFill>
                   <a:schemeClr val="dk1"/>
                 </a:solidFill>
@@ -5311,7 +6638,10 @@
                 <a:sym typeface="Calibri"/>
               </a:defRPr>
             </a:lvl3pPr>
-            <a:lvl4pPr marL="1828800" marR="0" lvl="3" indent="-228600" algn="l" rtl="0">
+            <a:lvl4pPr indent="-228600" lvl="3" marL="1828800" marR="0" rtl="0" algn="l">
+              <a:lnSpc>
+                <a:spcPct val="100000"/>
+              </a:lnSpc>
               <a:spcBef>
                 <a:spcPts val="864"/>
               </a:spcBef>
@@ -5324,7 +6654,7 @@
               <a:buSzPts val="4320"/>
               <a:buFont typeface="Arial"/>
               <a:buNone/>
-              <a:defRPr sz="4320" b="0" i="0" u="none" strike="noStrike" cap="none">
+              <a:defRPr b="0" i="0" sz="4320" u="none" cap="none" strike="noStrike">
                 <a:solidFill>
                   <a:schemeClr val="dk1"/>
                 </a:solidFill>
@@ -5334,7 +6664,10 @@
                 <a:sym typeface="Calibri"/>
               </a:defRPr>
             </a:lvl4pPr>
-            <a:lvl5pPr marL="2286000" marR="0" lvl="4" indent="-228600" algn="l" rtl="0">
+            <a:lvl5pPr indent="-228600" lvl="4" marL="2286000" marR="0" rtl="0" algn="l">
+              <a:lnSpc>
+                <a:spcPct val="100000"/>
+              </a:lnSpc>
               <a:spcBef>
                 <a:spcPts val="864"/>
               </a:spcBef>
@@ -5347,7 +6680,7 @@
               <a:buSzPts val="4320"/>
               <a:buFont typeface="Arial"/>
               <a:buNone/>
-              <a:defRPr sz="4320" b="0" i="0" u="none" strike="noStrike" cap="none">
+              <a:defRPr b="0" i="0" sz="4320" u="none" cap="none" strike="noStrike">
                 <a:solidFill>
                   <a:schemeClr val="dk1"/>
                 </a:solidFill>
@@ -5357,7 +6690,10 @@
                 <a:sym typeface="Calibri"/>
               </a:defRPr>
             </a:lvl5pPr>
-            <a:lvl6pPr marL="2743200" marR="0" lvl="5" indent="-228600" algn="l" rtl="0">
+            <a:lvl6pPr indent="-228600" lvl="5" marL="2743200" marR="0" rtl="0" algn="l">
+              <a:lnSpc>
+                <a:spcPct val="100000"/>
+              </a:lnSpc>
               <a:spcBef>
                 <a:spcPts val="864"/>
               </a:spcBef>
@@ -5370,7 +6706,7 @@
               <a:buSzPts val="4320"/>
               <a:buFont typeface="Arial"/>
               <a:buNone/>
-              <a:defRPr sz="4320" b="0" i="0" u="none" strike="noStrike" cap="none">
+              <a:defRPr b="0" i="0" sz="4320" u="none" cap="none" strike="noStrike">
                 <a:solidFill>
                   <a:schemeClr val="dk1"/>
                 </a:solidFill>
@@ -5380,7 +6716,10 @@
                 <a:sym typeface="Calibri"/>
               </a:defRPr>
             </a:lvl6pPr>
-            <a:lvl7pPr marL="3200400" marR="0" lvl="6" indent="-228600" algn="l" rtl="0">
+            <a:lvl7pPr indent="-228600" lvl="6" marL="3200400" marR="0" rtl="0" algn="l">
+              <a:lnSpc>
+                <a:spcPct val="100000"/>
+              </a:lnSpc>
               <a:spcBef>
                 <a:spcPts val="864"/>
               </a:spcBef>
@@ -5393,7 +6732,7 @@
               <a:buSzPts val="4320"/>
               <a:buFont typeface="Arial"/>
               <a:buNone/>
-              <a:defRPr sz="4320" b="0" i="0" u="none" strike="noStrike" cap="none">
+              <a:defRPr b="0" i="0" sz="4320" u="none" cap="none" strike="noStrike">
                 <a:solidFill>
                   <a:schemeClr val="dk1"/>
                 </a:solidFill>
@@ -5403,7 +6742,10 @@
                 <a:sym typeface="Calibri"/>
               </a:defRPr>
             </a:lvl7pPr>
-            <a:lvl8pPr marL="3657600" marR="0" lvl="7" indent="-228600" algn="l" rtl="0">
+            <a:lvl8pPr indent="-228600" lvl="7" marL="3657600" marR="0" rtl="0" algn="l">
+              <a:lnSpc>
+                <a:spcPct val="100000"/>
+              </a:lnSpc>
               <a:spcBef>
                 <a:spcPts val="864"/>
               </a:spcBef>
@@ -5416,7 +6758,7 @@
               <a:buSzPts val="4320"/>
               <a:buFont typeface="Arial"/>
               <a:buNone/>
-              <a:defRPr sz="4320" b="0" i="0" u="none" strike="noStrike" cap="none">
+              <a:defRPr b="0" i="0" sz="4320" u="none" cap="none" strike="noStrike">
                 <a:solidFill>
                   <a:schemeClr val="dk1"/>
                 </a:solidFill>
@@ -5426,7 +6768,10 @@
                 <a:sym typeface="Calibri"/>
               </a:defRPr>
             </a:lvl8pPr>
-            <a:lvl9pPr marL="4114800" marR="0" lvl="8" indent="-228600" algn="l" rtl="0">
+            <a:lvl9pPr indent="-228600" lvl="8" marL="4114800" marR="0" rtl="0" algn="l">
+              <a:lnSpc>
+                <a:spcPct val="100000"/>
+              </a:lnSpc>
               <a:spcBef>
                 <a:spcPts val="864"/>
               </a:spcBef>
@@ -5439,7 +6784,7 @@
               <a:buSzPts val="4320"/>
               <a:buFont typeface="Arial"/>
               <a:buNone/>
-              <a:defRPr sz="4320" b="0" i="0" u="none" strike="noStrike" cap="none">
+              <a:defRPr b="0" i="0" sz="4320" u="none" cap="none" strike="noStrike">
                 <a:solidFill>
                   <a:schemeClr val="dk1"/>
                 </a:solidFill>
@@ -5450,9 +6795,7 @@
               </a:defRPr>
             </a:lvl9pPr>
           </a:lstStyle>
-          <a:p>
-            <a:endParaRPr/>
-          </a:p>
+          <a:p/>
         </p:txBody>
       </p:sp>
     </p:spTree>
@@ -5464,11 +6807,11 @@
 </file>
 
 <file path=ppt/slideLayouts/slideLayout9.xml><?xml version="1.0" encoding="utf-8"?>
-<p:sldLayout xmlns:a="http://schemas.openxmlformats.org/drawingml/2006/main" xmlns:r="http://schemas.openxmlformats.org/officeDocument/2006/relationships" xmlns:p="http://schemas.openxmlformats.org/presentationml/2006/main" matchingName="Picture with Caption" type="picTx">
+<p:sldLayout xmlns:a="http://schemas.openxmlformats.org/drawingml/2006/main" xmlns:r="http://schemas.openxmlformats.org/officeDocument/2006/relationships" xmlns:mc="http://schemas.openxmlformats.org/markup-compatibility/2006" xmlns:mv="urn:schemas-microsoft-com:mac:vml" xmlns:p="http://schemas.openxmlformats.org/presentationml/2006/main" xmlns:c="http://schemas.openxmlformats.org/drawingml/2006/chart" xmlns:dgm="http://schemas.openxmlformats.org/drawingml/2006/diagram" xmlns:o="urn:schemas-microsoft-com:office:office" xmlns:v="urn:schemas-microsoft-com:vml" xmlns:pvml="urn:schemas-microsoft-com:office:powerpoint" xmlns:com="http://schemas.openxmlformats.org/drawingml/2006/compatibility" xmlns:p14="http://schemas.microsoft.com/office/powerpoint/2010/main" xmlns:p15="http://schemas.microsoft.com/office/powerpoint/2012/main" matchingName="Picture with Caption" type="picTx">
   <p:cSld name="PICTURE_WITH_CAPTION_TEXT">
     <p:spTree>
       <p:nvGrpSpPr>
-        <p:cNvPr id="1" name="Shape 37"/>
+        <p:cNvPr id="37" name="Shape 37"/>
         <p:cNvGrpSpPr/>
         <p:nvPr/>
       </p:nvGrpSpPr>
@@ -5483,9 +6826,7 @@
       <p:sp>
         <p:nvSpPr>
           <p:cNvPr id="38" name="Shape 38"/>
-          <p:cNvSpPr txBox="1">
-            <a:spLocks noGrp="1"/>
-          </p:cNvSpPr>
+          <p:cNvSpPr txBox="1"/>
           <p:nvPr>
             <p:ph type="title"/>
           </p:nvPr>
@@ -5504,9 +6845,12 @@
           </a:ln>
         </p:spPr>
         <p:txBody>
-          <a:bodyPr spcFirstLastPara="1" wrap="square" lIns="91425" tIns="91425" rIns="91425" bIns="91425" anchor="b" anchorCtr="0"/>
+          <a:bodyPr anchorCtr="0" anchor="b" bIns="91425" lIns="91425" spcFirstLastPara="1" rIns="91425" wrap="square" tIns="91425"/>
           <a:lstStyle>
-            <a:lvl1pPr marR="0" lvl="0" algn="l" rtl="0">
+            <a:lvl1pPr lvl="0" marR="0" rtl="0" algn="l">
+              <a:lnSpc>
+                <a:spcPct val="100000"/>
+              </a:lnSpc>
               <a:spcBef>
                 <a:spcPts val="0"/>
               </a:spcBef>
@@ -5519,7 +6863,7 @@
               <a:buSzPts val="9600"/>
               <a:buFont typeface="Calibri"/>
               <a:buNone/>
-              <a:defRPr sz="9600" b="1" i="0" u="none" strike="noStrike" cap="none">
+              <a:defRPr b="1" i="0" sz="9600" u="none" cap="none" strike="noStrike">
                 <a:solidFill>
                   <a:schemeClr val="dk1"/>
                 </a:solidFill>
@@ -5529,108 +6873,224 @@
                 <a:sym typeface="Calibri"/>
               </a:defRPr>
             </a:lvl1pPr>
-            <a:lvl2pPr lvl="1">
-              <a:spcBef>
-                <a:spcPts val="0"/>
-              </a:spcBef>
-              <a:spcAft>
-                <a:spcPts val="0"/>
-              </a:spcAft>
+            <a:lvl2pPr lvl="1" marR="0" rtl="0" algn="l">
+              <a:lnSpc>
+                <a:spcPct val="100000"/>
+              </a:lnSpc>
+              <a:spcBef>
+                <a:spcPts val="0"/>
+              </a:spcBef>
+              <a:spcAft>
+                <a:spcPts val="0"/>
+              </a:spcAft>
+              <a:buClr>
+                <a:srgbClr val="000000"/>
+              </a:buClr>
               <a:buSzPts val="1400"/>
-              <a:buNone/>
-              <a:defRPr sz="1800"/>
+              <a:buFont typeface="Arial"/>
+              <a:buNone/>
+              <a:defRPr b="0" i="0" sz="1800" u="none" cap="none" strike="noStrike">
+                <a:solidFill>
+                  <a:srgbClr val="000000"/>
+                </a:solidFill>
+                <a:latin typeface="Arial"/>
+                <a:ea typeface="Arial"/>
+                <a:cs typeface="Arial"/>
+                <a:sym typeface="Arial"/>
+              </a:defRPr>
             </a:lvl2pPr>
-            <a:lvl3pPr lvl="2">
-              <a:spcBef>
-                <a:spcPts val="0"/>
-              </a:spcBef>
-              <a:spcAft>
-                <a:spcPts val="0"/>
-              </a:spcAft>
+            <a:lvl3pPr lvl="2" marR="0" rtl="0" algn="l">
+              <a:lnSpc>
+                <a:spcPct val="100000"/>
+              </a:lnSpc>
+              <a:spcBef>
+                <a:spcPts val="0"/>
+              </a:spcBef>
+              <a:spcAft>
+                <a:spcPts val="0"/>
+              </a:spcAft>
+              <a:buClr>
+                <a:srgbClr val="000000"/>
+              </a:buClr>
               <a:buSzPts val="1400"/>
-              <a:buNone/>
-              <a:defRPr sz="1800"/>
+              <a:buFont typeface="Arial"/>
+              <a:buNone/>
+              <a:defRPr b="0" i="0" sz="1800" u="none" cap="none" strike="noStrike">
+                <a:solidFill>
+                  <a:srgbClr val="000000"/>
+                </a:solidFill>
+                <a:latin typeface="Arial"/>
+                <a:ea typeface="Arial"/>
+                <a:cs typeface="Arial"/>
+                <a:sym typeface="Arial"/>
+              </a:defRPr>
             </a:lvl3pPr>
-            <a:lvl4pPr lvl="3">
-              <a:spcBef>
-                <a:spcPts val="0"/>
-              </a:spcBef>
-              <a:spcAft>
-                <a:spcPts val="0"/>
-              </a:spcAft>
+            <a:lvl4pPr lvl="3" marR="0" rtl="0" algn="l">
+              <a:lnSpc>
+                <a:spcPct val="100000"/>
+              </a:lnSpc>
+              <a:spcBef>
+                <a:spcPts val="0"/>
+              </a:spcBef>
+              <a:spcAft>
+                <a:spcPts val="0"/>
+              </a:spcAft>
+              <a:buClr>
+                <a:srgbClr val="000000"/>
+              </a:buClr>
               <a:buSzPts val="1400"/>
-              <a:buNone/>
-              <a:defRPr sz="1800"/>
+              <a:buFont typeface="Arial"/>
+              <a:buNone/>
+              <a:defRPr b="0" i="0" sz="1800" u="none" cap="none" strike="noStrike">
+                <a:solidFill>
+                  <a:srgbClr val="000000"/>
+                </a:solidFill>
+                <a:latin typeface="Arial"/>
+                <a:ea typeface="Arial"/>
+                <a:cs typeface="Arial"/>
+                <a:sym typeface="Arial"/>
+              </a:defRPr>
             </a:lvl4pPr>
-            <a:lvl5pPr lvl="4">
-              <a:spcBef>
-                <a:spcPts val="0"/>
-              </a:spcBef>
-              <a:spcAft>
-                <a:spcPts val="0"/>
-              </a:spcAft>
+            <a:lvl5pPr lvl="4" marR="0" rtl="0" algn="l">
+              <a:lnSpc>
+                <a:spcPct val="100000"/>
+              </a:lnSpc>
+              <a:spcBef>
+                <a:spcPts val="0"/>
+              </a:spcBef>
+              <a:spcAft>
+                <a:spcPts val="0"/>
+              </a:spcAft>
+              <a:buClr>
+                <a:srgbClr val="000000"/>
+              </a:buClr>
               <a:buSzPts val="1400"/>
-              <a:buNone/>
-              <a:defRPr sz="1800"/>
+              <a:buFont typeface="Arial"/>
+              <a:buNone/>
+              <a:defRPr b="0" i="0" sz="1800" u="none" cap="none" strike="noStrike">
+                <a:solidFill>
+                  <a:srgbClr val="000000"/>
+                </a:solidFill>
+                <a:latin typeface="Arial"/>
+                <a:ea typeface="Arial"/>
+                <a:cs typeface="Arial"/>
+                <a:sym typeface="Arial"/>
+              </a:defRPr>
             </a:lvl5pPr>
-            <a:lvl6pPr lvl="5">
-              <a:spcBef>
-                <a:spcPts val="0"/>
-              </a:spcBef>
-              <a:spcAft>
-                <a:spcPts val="0"/>
-              </a:spcAft>
+            <a:lvl6pPr lvl="5" marR="0" rtl="0" algn="l">
+              <a:lnSpc>
+                <a:spcPct val="100000"/>
+              </a:lnSpc>
+              <a:spcBef>
+                <a:spcPts val="0"/>
+              </a:spcBef>
+              <a:spcAft>
+                <a:spcPts val="0"/>
+              </a:spcAft>
+              <a:buClr>
+                <a:srgbClr val="000000"/>
+              </a:buClr>
               <a:buSzPts val="1400"/>
-              <a:buNone/>
-              <a:defRPr sz="1800"/>
+              <a:buFont typeface="Arial"/>
+              <a:buNone/>
+              <a:defRPr b="0" i="0" sz="1800" u="none" cap="none" strike="noStrike">
+                <a:solidFill>
+                  <a:srgbClr val="000000"/>
+                </a:solidFill>
+                <a:latin typeface="Arial"/>
+                <a:ea typeface="Arial"/>
+                <a:cs typeface="Arial"/>
+                <a:sym typeface="Arial"/>
+              </a:defRPr>
             </a:lvl6pPr>
-            <a:lvl7pPr lvl="6">
-              <a:spcBef>
-                <a:spcPts val="0"/>
-              </a:spcBef>
-              <a:spcAft>
-                <a:spcPts val="0"/>
-              </a:spcAft>
+            <a:lvl7pPr lvl="6" marR="0" rtl="0" algn="l">
+              <a:lnSpc>
+                <a:spcPct val="100000"/>
+              </a:lnSpc>
+              <a:spcBef>
+                <a:spcPts val="0"/>
+              </a:spcBef>
+              <a:spcAft>
+                <a:spcPts val="0"/>
+              </a:spcAft>
+              <a:buClr>
+                <a:srgbClr val="000000"/>
+              </a:buClr>
               <a:buSzPts val="1400"/>
-              <a:buNone/>
-              <a:defRPr sz="1800"/>
+              <a:buFont typeface="Arial"/>
+              <a:buNone/>
+              <a:defRPr b="0" i="0" sz="1800" u="none" cap="none" strike="noStrike">
+                <a:solidFill>
+                  <a:srgbClr val="000000"/>
+                </a:solidFill>
+                <a:latin typeface="Arial"/>
+                <a:ea typeface="Arial"/>
+                <a:cs typeface="Arial"/>
+                <a:sym typeface="Arial"/>
+              </a:defRPr>
             </a:lvl7pPr>
-            <a:lvl8pPr lvl="7">
-              <a:spcBef>
-                <a:spcPts val="0"/>
-              </a:spcBef>
-              <a:spcAft>
-                <a:spcPts val="0"/>
-              </a:spcAft>
+            <a:lvl8pPr lvl="7" marR="0" rtl="0" algn="l">
+              <a:lnSpc>
+                <a:spcPct val="100000"/>
+              </a:lnSpc>
+              <a:spcBef>
+                <a:spcPts val="0"/>
+              </a:spcBef>
+              <a:spcAft>
+                <a:spcPts val="0"/>
+              </a:spcAft>
+              <a:buClr>
+                <a:srgbClr val="000000"/>
+              </a:buClr>
               <a:buSzPts val="1400"/>
-              <a:buNone/>
-              <a:defRPr sz="1800"/>
+              <a:buFont typeface="Arial"/>
+              <a:buNone/>
+              <a:defRPr b="0" i="0" sz="1800" u="none" cap="none" strike="noStrike">
+                <a:solidFill>
+                  <a:srgbClr val="000000"/>
+                </a:solidFill>
+                <a:latin typeface="Arial"/>
+                <a:ea typeface="Arial"/>
+                <a:cs typeface="Arial"/>
+                <a:sym typeface="Arial"/>
+              </a:defRPr>
             </a:lvl8pPr>
-            <a:lvl9pPr lvl="8">
-              <a:spcBef>
-                <a:spcPts val="0"/>
-              </a:spcBef>
-              <a:spcAft>
-                <a:spcPts val="0"/>
-              </a:spcAft>
+            <a:lvl9pPr lvl="8" marR="0" rtl="0" algn="l">
+              <a:lnSpc>
+                <a:spcPct val="100000"/>
+              </a:lnSpc>
+              <a:spcBef>
+                <a:spcPts val="0"/>
+              </a:spcBef>
+              <a:spcAft>
+                <a:spcPts val="0"/>
+              </a:spcAft>
+              <a:buClr>
+                <a:srgbClr val="000000"/>
+              </a:buClr>
               <a:buSzPts val="1400"/>
-              <a:buNone/>
-              <a:defRPr sz="1800"/>
+              <a:buFont typeface="Arial"/>
+              <a:buNone/>
+              <a:defRPr b="0" i="0" sz="1800" u="none" cap="none" strike="noStrike">
+                <a:solidFill>
+                  <a:srgbClr val="000000"/>
+                </a:solidFill>
+                <a:latin typeface="Arial"/>
+                <a:ea typeface="Arial"/>
+                <a:cs typeface="Arial"/>
+                <a:sym typeface="Arial"/>
+              </a:defRPr>
             </a:lvl9pPr>
           </a:lstStyle>
-          <a:p>
-            <a:endParaRPr/>
-          </a:p>
+          <a:p/>
         </p:txBody>
       </p:sp>
       <p:sp>
         <p:nvSpPr>
           <p:cNvPr id="39" name="Shape 39"/>
-          <p:cNvSpPr>
-            <a:spLocks noGrp="1"/>
-          </p:cNvSpPr>
+          <p:cNvSpPr/>
           <p:nvPr>
-            <p:ph type="pic" idx="2"/>
+            <p:ph idx="2" type="pic"/>
           </p:nvPr>
         </p:nvSpPr>
         <p:spPr>
@@ -5647,9 +7107,12 @@
           </a:ln>
         </p:spPr>
         <p:txBody>
-          <a:bodyPr spcFirstLastPara="1" wrap="square" lIns="91425" tIns="91425" rIns="91425" bIns="91425" anchor="t" anchorCtr="0"/>
+          <a:bodyPr anchorCtr="0" anchor="t" bIns="91425" lIns="91425" spcFirstLastPara="1" rIns="91425" wrap="square" tIns="91425"/>
           <a:lstStyle>
-            <a:lvl1pPr marR="0" lvl="0" algn="l" rtl="0">
+            <a:lvl1pPr lvl="0" marR="0" rtl="0" algn="l">
+              <a:lnSpc>
+                <a:spcPct val="100000"/>
+              </a:lnSpc>
               <a:spcBef>
                 <a:spcPts val="3072"/>
               </a:spcBef>
@@ -5662,7 +7125,7 @@
               <a:buSzPts val="15360"/>
               <a:buFont typeface="Arial"/>
               <a:buNone/>
-              <a:defRPr sz="15360" b="0" i="0" u="none" strike="noStrike" cap="none">
+              <a:defRPr b="0" i="0" sz="15360" u="none" cap="none" strike="noStrike">
                 <a:solidFill>
                   <a:schemeClr val="dk1"/>
                 </a:solidFill>
@@ -5672,7 +7135,10 @@
                 <a:sym typeface="Calibri"/>
               </a:defRPr>
             </a:lvl1pPr>
-            <a:lvl2pPr marR="0" lvl="1" algn="l" rtl="0">
+            <a:lvl2pPr lvl="1" marR="0" rtl="0" algn="l">
+              <a:lnSpc>
+                <a:spcPct val="100000"/>
+              </a:lnSpc>
               <a:spcBef>
                 <a:spcPts val="2688"/>
               </a:spcBef>
@@ -5685,7 +7151,7 @@
               <a:buSzPts val="13440"/>
               <a:buFont typeface="Arial"/>
               <a:buNone/>
-              <a:defRPr sz="13439" b="0" i="0" u="none" strike="noStrike" cap="none">
+              <a:defRPr b="0" i="0" sz="13439" u="none" cap="none" strike="noStrike">
                 <a:solidFill>
                   <a:schemeClr val="dk1"/>
                 </a:solidFill>
@@ -5695,7 +7161,10 @@
                 <a:sym typeface="Calibri"/>
               </a:defRPr>
             </a:lvl2pPr>
-            <a:lvl3pPr marR="0" lvl="2" algn="l" rtl="0">
+            <a:lvl3pPr lvl="2" marR="0" rtl="0" algn="l">
+              <a:lnSpc>
+                <a:spcPct val="100000"/>
+              </a:lnSpc>
               <a:spcBef>
                 <a:spcPts val="2304"/>
               </a:spcBef>
@@ -5708,7 +7177,7 @@
               <a:buSzPts val="11520"/>
               <a:buFont typeface="Arial"/>
               <a:buNone/>
-              <a:defRPr sz="11520" b="0" i="0" u="none" strike="noStrike" cap="none">
+              <a:defRPr b="0" i="0" sz="11520" u="none" cap="none" strike="noStrike">
                 <a:solidFill>
                   <a:schemeClr val="dk1"/>
                 </a:solidFill>
@@ -5718,7 +7187,10 @@
                 <a:sym typeface="Calibri"/>
               </a:defRPr>
             </a:lvl3pPr>
-            <a:lvl4pPr marR="0" lvl="3" algn="l" rtl="0">
+            <a:lvl4pPr lvl="3" marR="0" rtl="0" algn="l">
+              <a:lnSpc>
+                <a:spcPct val="100000"/>
+              </a:lnSpc>
               <a:spcBef>
                 <a:spcPts val="1920"/>
               </a:spcBef>
@@ -5731,7 +7203,7 @@
               <a:buSzPts val="9600"/>
               <a:buFont typeface="Arial"/>
               <a:buNone/>
-              <a:defRPr sz="9600" b="0" i="0" u="none" strike="noStrike" cap="none">
+              <a:defRPr b="0" i="0" sz="9600" u="none" cap="none" strike="noStrike">
                 <a:solidFill>
                   <a:schemeClr val="dk1"/>
                 </a:solidFill>
@@ -5741,7 +7213,10 @@
                 <a:sym typeface="Calibri"/>
               </a:defRPr>
             </a:lvl4pPr>
-            <a:lvl5pPr marR="0" lvl="4" algn="l" rtl="0">
+            <a:lvl5pPr lvl="4" marR="0" rtl="0" algn="l">
+              <a:lnSpc>
+                <a:spcPct val="100000"/>
+              </a:lnSpc>
               <a:spcBef>
                 <a:spcPts val="1920"/>
               </a:spcBef>
@@ -5754,7 +7229,7 @@
               <a:buSzPts val="9600"/>
               <a:buFont typeface="Arial"/>
               <a:buNone/>
-              <a:defRPr sz="9600" b="0" i="0" u="none" strike="noStrike" cap="none">
+              <a:defRPr b="0" i="0" sz="9600" u="none" cap="none" strike="noStrike">
                 <a:solidFill>
                   <a:schemeClr val="dk1"/>
                 </a:solidFill>
@@ -5764,7 +7239,10 @@
                 <a:sym typeface="Calibri"/>
               </a:defRPr>
             </a:lvl5pPr>
-            <a:lvl6pPr marR="0" lvl="5" algn="l" rtl="0">
+            <a:lvl6pPr lvl="5" marR="0" rtl="0" algn="l">
+              <a:lnSpc>
+                <a:spcPct val="100000"/>
+              </a:lnSpc>
               <a:spcBef>
                 <a:spcPts val="1920"/>
               </a:spcBef>
@@ -5777,7 +7255,7 @@
               <a:buSzPts val="9600"/>
               <a:buFont typeface="Arial"/>
               <a:buNone/>
-              <a:defRPr sz="9600" b="0" i="0" u="none" strike="noStrike" cap="none">
+              <a:defRPr b="0" i="0" sz="9600" u="none" cap="none" strike="noStrike">
                 <a:solidFill>
                   <a:schemeClr val="dk1"/>
                 </a:solidFill>
@@ -5787,7 +7265,10 @@
                 <a:sym typeface="Calibri"/>
               </a:defRPr>
             </a:lvl6pPr>
-            <a:lvl7pPr marR="0" lvl="6" algn="l" rtl="0">
+            <a:lvl7pPr lvl="6" marR="0" rtl="0" algn="l">
+              <a:lnSpc>
+                <a:spcPct val="100000"/>
+              </a:lnSpc>
               <a:spcBef>
                 <a:spcPts val="1920"/>
               </a:spcBef>
@@ -5800,7 +7281,7 @@
               <a:buSzPts val="9600"/>
               <a:buFont typeface="Arial"/>
               <a:buNone/>
-              <a:defRPr sz="9600" b="0" i="0" u="none" strike="noStrike" cap="none">
+              <a:defRPr b="0" i="0" sz="9600" u="none" cap="none" strike="noStrike">
                 <a:solidFill>
                   <a:schemeClr val="dk1"/>
                 </a:solidFill>
@@ -5810,7 +7291,10 @@
                 <a:sym typeface="Calibri"/>
               </a:defRPr>
             </a:lvl7pPr>
-            <a:lvl8pPr marR="0" lvl="7" algn="l" rtl="0">
+            <a:lvl8pPr lvl="7" marR="0" rtl="0" algn="l">
+              <a:lnSpc>
+                <a:spcPct val="100000"/>
+              </a:lnSpc>
               <a:spcBef>
                 <a:spcPts val="1920"/>
               </a:spcBef>
@@ -5823,7 +7307,7 @@
               <a:buSzPts val="9600"/>
               <a:buFont typeface="Arial"/>
               <a:buNone/>
-              <a:defRPr sz="9600" b="0" i="0" u="none" strike="noStrike" cap="none">
+              <a:defRPr b="0" i="0" sz="9600" u="none" cap="none" strike="noStrike">
                 <a:solidFill>
                   <a:schemeClr val="dk1"/>
                 </a:solidFill>
@@ -5833,7 +7317,10 @@
                 <a:sym typeface="Calibri"/>
               </a:defRPr>
             </a:lvl8pPr>
-            <a:lvl9pPr marR="0" lvl="8" algn="l" rtl="0">
+            <a:lvl9pPr lvl="8" marR="0" rtl="0" algn="l">
+              <a:lnSpc>
+                <a:spcPct val="100000"/>
+              </a:lnSpc>
               <a:spcBef>
                 <a:spcPts val="1920"/>
               </a:spcBef>
@@ -5846,7 +7333,7 @@
               <a:buSzPts val="9600"/>
               <a:buFont typeface="Arial"/>
               <a:buNone/>
-              <a:defRPr sz="9600" b="0" i="0" u="none" strike="noStrike" cap="none">
+              <a:defRPr b="0" i="0" sz="9600" u="none" cap="none" strike="noStrike">
                 <a:solidFill>
                   <a:schemeClr val="dk1"/>
                 </a:solidFill>
@@ -5857,19 +7344,15 @@
               </a:defRPr>
             </a:lvl9pPr>
           </a:lstStyle>
-          <a:p>
-            <a:endParaRPr/>
-          </a:p>
+          <a:p/>
         </p:txBody>
       </p:sp>
       <p:sp>
         <p:nvSpPr>
           <p:cNvPr id="40" name="Shape 40"/>
-          <p:cNvSpPr txBox="1">
-            <a:spLocks noGrp="1"/>
-          </p:cNvSpPr>
+          <p:cNvSpPr txBox="1"/>
           <p:nvPr>
-            <p:ph type="body" idx="1"/>
+            <p:ph idx="1" type="body"/>
           </p:nvPr>
         </p:nvSpPr>
         <p:spPr>
@@ -5886,9 +7369,12 @@
           </a:ln>
         </p:spPr>
         <p:txBody>
-          <a:bodyPr spcFirstLastPara="1" wrap="square" lIns="91425" tIns="91425" rIns="91425" bIns="91425" anchor="t" anchorCtr="0"/>
+          <a:bodyPr anchorCtr="0" anchor="t" bIns="91425" lIns="91425" spcFirstLastPara="1" rIns="91425" wrap="square" tIns="91425"/>
           <a:lstStyle>
-            <a:lvl1pPr marL="457200" marR="0" lvl="0" indent="-228600" algn="l" rtl="0">
+            <a:lvl1pPr indent="-228600" lvl="0" marL="457200" marR="0" rtl="0" algn="l">
+              <a:lnSpc>
+                <a:spcPct val="100000"/>
+              </a:lnSpc>
               <a:spcBef>
                 <a:spcPts val="1344"/>
               </a:spcBef>
@@ -5901,7 +7387,7 @@
               <a:buSzPts val="6720"/>
               <a:buFont typeface="Arial"/>
               <a:buNone/>
-              <a:defRPr sz="6719" b="0" i="0" u="none" strike="noStrike" cap="none">
+              <a:defRPr b="0" i="0" sz="6719" u="none" cap="none" strike="noStrike">
                 <a:solidFill>
                   <a:schemeClr val="dk1"/>
                 </a:solidFill>
@@ -5911,7 +7397,10 @@
                 <a:sym typeface="Calibri"/>
               </a:defRPr>
             </a:lvl1pPr>
-            <a:lvl2pPr marL="914400" marR="0" lvl="1" indent="-228600" algn="l" rtl="0">
+            <a:lvl2pPr indent="-228600" lvl="1" marL="914400" marR="0" rtl="0" algn="l">
+              <a:lnSpc>
+                <a:spcPct val="100000"/>
+              </a:lnSpc>
               <a:spcBef>
                 <a:spcPts val="1152"/>
               </a:spcBef>
@@ -5924,7 +7413,7 @@
               <a:buSzPts val="5760"/>
               <a:buFont typeface="Arial"/>
               <a:buNone/>
-              <a:defRPr sz="5760" b="0" i="0" u="none" strike="noStrike" cap="none">
+              <a:defRPr b="0" i="0" sz="5760" u="none" cap="none" strike="noStrike">
                 <a:solidFill>
                   <a:schemeClr val="dk1"/>
                 </a:solidFill>
@@ -5934,7 +7423,10 @@
                 <a:sym typeface="Calibri"/>
               </a:defRPr>
             </a:lvl2pPr>
-            <a:lvl3pPr marL="1371600" marR="0" lvl="2" indent="-228600" algn="l" rtl="0">
+            <a:lvl3pPr indent="-228600" lvl="2" marL="1371600" marR="0" rtl="0" algn="l">
+              <a:lnSpc>
+                <a:spcPct val="100000"/>
+              </a:lnSpc>
               <a:spcBef>
                 <a:spcPts val="960"/>
               </a:spcBef>
@@ -5947,7 +7439,7 @@
               <a:buSzPts val="4800"/>
               <a:buFont typeface="Arial"/>
               <a:buNone/>
-              <a:defRPr sz="4800" b="0" i="0" u="none" strike="noStrike" cap="none">
+              <a:defRPr b="0" i="0" sz="4800" u="none" cap="none" strike="noStrike">
                 <a:solidFill>
                   <a:schemeClr val="dk1"/>
                 </a:solidFill>
@@ -5957,7 +7449,10 @@
                 <a:sym typeface="Calibri"/>
               </a:defRPr>
             </a:lvl3pPr>
-            <a:lvl4pPr marL="1828800" marR="0" lvl="3" indent="-228600" algn="l" rtl="0">
+            <a:lvl4pPr indent="-228600" lvl="3" marL="1828800" marR="0" rtl="0" algn="l">
+              <a:lnSpc>
+                <a:spcPct val="100000"/>
+              </a:lnSpc>
               <a:spcBef>
                 <a:spcPts val="864"/>
               </a:spcBef>
@@ -5970,7 +7465,7 @@
               <a:buSzPts val="4320"/>
               <a:buFont typeface="Arial"/>
               <a:buNone/>
-              <a:defRPr sz="4320" b="0" i="0" u="none" strike="noStrike" cap="none">
+              <a:defRPr b="0" i="0" sz="4320" u="none" cap="none" strike="noStrike">
                 <a:solidFill>
                   <a:schemeClr val="dk1"/>
                 </a:solidFill>
@@ -5980,7 +7475,10 @@
                 <a:sym typeface="Calibri"/>
               </a:defRPr>
             </a:lvl4pPr>
-            <a:lvl5pPr marL="2286000" marR="0" lvl="4" indent="-228600" algn="l" rtl="0">
+            <a:lvl5pPr indent="-228600" lvl="4" marL="2286000" marR="0" rtl="0" algn="l">
+              <a:lnSpc>
+                <a:spcPct val="100000"/>
+              </a:lnSpc>
               <a:spcBef>
                 <a:spcPts val="864"/>
               </a:spcBef>
@@ -5993,7 +7491,7 @@
               <a:buSzPts val="4320"/>
               <a:buFont typeface="Arial"/>
               <a:buNone/>
-              <a:defRPr sz="4320" b="0" i="0" u="none" strike="noStrike" cap="none">
+              <a:defRPr b="0" i="0" sz="4320" u="none" cap="none" strike="noStrike">
                 <a:solidFill>
                   <a:schemeClr val="dk1"/>
                 </a:solidFill>
@@ -6003,7 +7501,10 @@
                 <a:sym typeface="Calibri"/>
               </a:defRPr>
             </a:lvl5pPr>
-            <a:lvl6pPr marL="2743200" marR="0" lvl="5" indent="-228600" algn="l" rtl="0">
+            <a:lvl6pPr indent="-228600" lvl="5" marL="2743200" marR="0" rtl="0" algn="l">
+              <a:lnSpc>
+                <a:spcPct val="100000"/>
+              </a:lnSpc>
               <a:spcBef>
                 <a:spcPts val="864"/>
               </a:spcBef>
@@ -6016,7 +7517,7 @@
               <a:buSzPts val="4320"/>
               <a:buFont typeface="Arial"/>
               <a:buNone/>
-              <a:defRPr sz="4320" b="0" i="0" u="none" strike="noStrike" cap="none">
+              <a:defRPr b="0" i="0" sz="4320" u="none" cap="none" strike="noStrike">
                 <a:solidFill>
                   <a:schemeClr val="dk1"/>
                 </a:solidFill>
@@ -6026,7 +7527,10 @@
                 <a:sym typeface="Calibri"/>
               </a:defRPr>
             </a:lvl6pPr>
-            <a:lvl7pPr marL="3200400" marR="0" lvl="6" indent="-228600" algn="l" rtl="0">
+            <a:lvl7pPr indent="-228600" lvl="6" marL="3200400" marR="0" rtl="0" algn="l">
+              <a:lnSpc>
+                <a:spcPct val="100000"/>
+              </a:lnSpc>
               <a:spcBef>
                 <a:spcPts val="864"/>
               </a:spcBef>
@@ -6039,7 +7543,7 @@
               <a:buSzPts val="4320"/>
               <a:buFont typeface="Arial"/>
               <a:buNone/>
-              <a:defRPr sz="4320" b="0" i="0" u="none" strike="noStrike" cap="none">
+              <a:defRPr b="0" i="0" sz="4320" u="none" cap="none" strike="noStrike">
                 <a:solidFill>
                   <a:schemeClr val="dk1"/>
                 </a:solidFill>
@@ -6049,7 +7553,10 @@
                 <a:sym typeface="Calibri"/>
               </a:defRPr>
             </a:lvl7pPr>
-            <a:lvl8pPr marL="3657600" marR="0" lvl="7" indent="-228600" algn="l" rtl="0">
+            <a:lvl8pPr indent="-228600" lvl="7" marL="3657600" marR="0" rtl="0" algn="l">
+              <a:lnSpc>
+                <a:spcPct val="100000"/>
+              </a:lnSpc>
               <a:spcBef>
                 <a:spcPts val="864"/>
               </a:spcBef>
@@ -6062,7 +7569,7 @@
               <a:buSzPts val="4320"/>
               <a:buFont typeface="Arial"/>
               <a:buNone/>
-              <a:defRPr sz="4320" b="0" i="0" u="none" strike="noStrike" cap="none">
+              <a:defRPr b="0" i="0" sz="4320" u="none" cap="none" strike="noStrike">
                 <a:solidFill>
                   <a:schemeClr val="dk1"/>
                 </a:solidFill>
@@ -6072,7 +7579,10 @@
                 <a:sym typeface="Calibri"/>
               </a:defRPr>
             </a:lvl8pPr>
-            <a:lvl9pPr marL="4114800" marR="0" lvl="8" indent="-228600" algn="l" rtl="0">
+            <a:lvl9pPr indent="-228600" lvl="8" marL="4114800" marR="0" rtl="0" algn="l">
+              <a:lnSpc>
+                <a:spcPct val="100000"/>
+              </a:lnSpc>
               <a:spcBef>
                 <a:spcPts val="864"/>
               </a:spcBef>
@@ -6085,7 +7595,7 @@
               <a:buSzPts val="4320"/>
               <a:buFont typeface="Arial"/>
               <a:buNone/>
-              <a:defRPr sz="4320" b="0" i="0" u="none" strike="noStrike" cap="none">
+              <a:defRPr b="0" i="0" sz="4320" u="none" cap="none" strike="noStrike">
                 <a:solidFill>
                   <a:schemeClr val="dk1"/>
                 </a:solidFill>
@@ -6096,9 +7606,7 @@
               </a:defRPr>
             </a:lvl9pPr>
           </a:lstStyle>
-          <a:p>
-            <a:endParaRPr/>
-          </a:p>
+          <a:p/>
         </p:txBody>
       </p:sp>
     </p:spTree>
@@ -6110,19 +7618,18 @@
 </file>
 
 <file path=ppt/slideMasters/slideMaster1.xml><?xml version="1.0" encoding="utf-8"?>
-<p:sldMaster xmlns:a="http://schemas.openxmlformats.org/drawingml/2006/main" xmlns:r="http://schemas.openxmlformats.org/officeDocument/2006/relationships" xmlns:p="http://schemas.openxmlformats.org/presentationml/2006/main">
+<p:sldMaster xmlns:a="http://schemas.openxmlformats.org/drawingml/2006/main" xmlns:r="http://schemas.openxmlformats.org/officeDocument/2006/relationships" xmlns:mc="http://schemas.openxmlformats.org/markup-compatibility/2006" xmlns:mv="urn:schemas-microsoft-com:mac:vml" xmlns:p="http://schemas.openxmlformats.org/presentationml/2006/main" xmlns:c="http://schemas.openxmlformats.org/drawingml/2006/chart" xmlns:dgm="http://schemas.openxmlformats.org/drawingml/2006/diagram" xmlns:o="urn:schemas-microsoft-com:office:office" xmlns:v="urn:schemas-microsoft-com:vml" xmlns:pvml="urn:schemas-microsoft-com:office:powerpoint" xmlns:com="http://schemas.openxmlformats.org/drawingml/2006/compatibility" xmlns:p14="http://schemas.microsoft.com/office/powerpoint/2010/main" xmlns:p15="http://schemas.microsoft.com/office/powerpoint/2012/main">
   <p:cSld>
     <p:bg>
       <p:bgPr>
         <a:solidFill>
           <a:schemeClr val="lt1"/>
         </a:solidFill>
-        <a:effectLst/>
       </p:bgPr>
     </p:bg>
     <p:spTree>
       <p:nvGrpSpPr>
-        <p:cNvPr id="1" name="Shape 9"/>
+        <p:cNvPr id="9" name="Shape 9"/>
         <p:cNvGrpSpPr/>
         <p:nvPr/>
       </p:nvGrpSpPr>
@@ -6136,15 +7643,15 @@
       </p:grpSpPr>
       <p:pic>
         <p:nvPicPr>
-          <p:cNvPr id="10" name="Shape 10" descr="top garnet bar.png"/>
+          <p:cNvPr descr="top garnet bar.png" id="10" name="Shape 10"/>
           <p:cNvPicPr preferRelativeResize="0"/>
           <p:nvPr/>
         </p:nvPicPr>
         <p:blipFill rotWithShape="1">
-          <a:blip r:embed="rId11">
+          <a:blip r:embed="rId1">
             <a:alphaModFix/>
           </a:blip>
-          <a:srcRect/>
+          <a:srcRect b="0" l="0" r="0" t="0"/>
           <a:stretch/>
         </p:blipFill>
         <p:spPr>
@@ -6163,22 +7670,22 @@
       </p:pic>
     </p:spTree>
   </p:cSld>
-  <p:clrMap bg1="lt1" tx1="dk1" bg2="dk2" tx2="lt2" accent1="accent1" accent2="accent2" accent3="accent3" accent4="accent4" accent5="accent5" accent6="accent6" hlink="hlink" folHlink="folHlink"/>
+  <p:clrMap accent1="accent1" accent2="accent2" accent3="accent3" accent4="accent4" accent5="accent5" accent6="accent6" bg1="lt1" bg2="dk2" tx1="dk1" tx2="lt2" folHlink="folHlink" hlink="hlink"/>
   <p:sldLayoutIdLst>
-    <p:sldLayoutId id="2147483648" r:id="rId1"/>
-    <p:sldLayoutId id="2147483649" r:id="rId2"/>
-    <p:sldLayoutId id="2147483650" r:id="rId3"/>
-    <p:sldLayoutId id="2147483651" r:id="rId4"/>
-    <p:sldLayoutId id="2147483652" r:id="rId5"/>
-    <p:sldLayoutId id="2147483653" r:id="rId6"/>
-    <p:sldLayoutId id="2147483654" r:id="rId7"/>
-    <p:sldLayoutId id="2147483655" r:id="rId8"/>
-    <p:sldLayoutId id="2147483656" r:id="rId9"/>
+    <p:sldLayoutId id="2147483648" r:id="rId2"/>
+    <p:sldLayoutId id="2147483649" r:id="rId3"/>
+    <p:sldLayoutId id="2147483650" r:id="rId4"/>
+    <p:sldLayoutId id="2147483651" r:id="rId5"/>
+    <p:sldLayoutId id="2147483652" r:id="rId6"/>
+    <p:sldLayoutId id="2147483653" r:id="rId7"/>
+    <p:sldLayoutId id="2147483654" r:id="rId8"/>
+    <p:sldLayoutId id="2147483655" r:id="rId9"/>
+    <p:sldLayoutId id="2147483656" r:id="rId10"/>
   </p:sldLayoutIdLst>
-  <p:hf sldNum="0" hdr="0" ftr="0" dt="0"/>
+  <p:hf dt="0" ftr="0" hdr="0" sldNum="0"/>
   <p:txStyles>
     <p:titleStyle>
-      <a:defPPr marR="0" lvl="0" algn="l" rtl="0">
+      <a:defPPr lvl="0" marR="0" rtl="0" algn="l">
         <a:lnSpc>
           <a:spcPct val="100000"/>
         </a:lnSpc>
@@ -6189,7 +7696,7 @@
           <a:spcPts val="0"/>
         </a:spcAft>
       </a:defPPr>
-      <a:lvl1pPr marR="0" lvl="0" algn="l" rtl="0">
+      <a:lvl1pPr lvl="0" marR="0" rtl="0" algn="l">
         <a:lnSpc>
           <a:spcPct val="100000"/>
         </a:lnSpc>
@@ -6203,7 +7710,7 @@
           <a:srgbClr val="000000"/>
         </a:buClr>
         <a:buFont typeface="Arial"/>
-        <a:defRPr sz="1400" b="0" i="0" u="none" strike="noStrike" cap="none">
+        <a:defRPr b="0" i="0" sz="1400" u="none" cap="none" strike="noStrike">
           <a:solidFill>
             <a:srgbClr val="000000"/>
           </a:solidFill>
@@ -6213,7 +7720,7 @@
           <a:sym typeface="Arial"/>
         </a:defRPr>
       </a:lvl1pPr>
-      <a:lvl2pPr marR="0" lvl="1" algn="l" rtl="0">
+      <a:lvl2pPr lvl="1" marR="0" rtl="0" algn="l">
         <a:lnSpc>
           <a:spcPct val="100000"/>
         </a:lnSpc>
@@ -6227,7 +7734,7 @@
           <a:srgbClr val="000000"/>
         </a:buClr>
         <a:buFont typeface="Arial"/>
-        <a:defRPr sz="1400" b="0" i="0" u="none" strike="noStrike" cap="none">
+        <a:defRPr b="0" i="0" sz="1400" u="none" cap="none" strike="noStrike">
           <a:solidFill>
             <a:srgbClr val="000000"/>
           </a:solidFill>
@@ -6237,7 +7744,7 @@
           <a:sym typeface="Arial"/>
         </a:defRPr>
       </a:lvl2pPr>
-      <a:lvl3pPr marR="0" lvl="2" algn="l" rtl="0">
+      <a:lvl3pPr lvl="2" marR="0" rtl="0" algn="l">
         <a:lnSpc>
           <a:spcPct val="100000"/>
         </a:lnSpc>
@@ -6251,7 +7758,7 @@
           <a:srgbClr val="000000"/>
         </a:buClr>
         <a:buFont typeface="Arial"/>
-        <a:defRPr sz="1400" b="0" i="0" u="none" strike="noStrike" cap="none">
+        <a:defRPr b="0" i="0" sz="1400" u="none" cap="none" strike="noStrike">
           <a:solidFill>
             <a:srgbClr val="000000"/>
           </a:solidFill>
@@ -6261,7 +7768,7 @@
           <a:sym typeface="Arial"/>
         </a:defRPr>
       </a:lvl3pPr>
-      <a:lvl4pPr marR="0" lvl="3" algn="l" rtl="0">
+      <a:lvl4pPr lvl="3" marR="0" rtl="0" algn="l">
         <a:lnSpc>
           <a:spcPct val="100000"/>
         </a:lnSpc>
@@ -6275,7 +7782,7 @@
           <a:srgbClr val="000000"/>
         </a:buClr>
         <a:buFont typeface="Arial"/>
-        <a:defRPr sz="1400" b="0" i="0" u="none" strike="noStrike" cap="none">
+        <a:defRPr b="0" i="0" sz="1400" u="none" cap="none" strike="noStrike">
           <a:solidFill>
             <a:srgbClr val="000000"/>
           </a:solidFill>
@@ -6285,7 +7792,7 @@
           <a:sym typeface="Arial"/>
         </a:defRPr>
       </a:lvl4pPr>
-      <a:lvl5pPr marR="0" lvl="4" algn="l" rtl="0">
+      <a:lvl5pPr lvl="4" marR="0" rtl="0" algn="l">
         <a:lnSpc>
           <a:spcPct val="100000"/>
         </a:lnSpc>
@@ -6299,7 +7806,7 @@
           <a:srgbClr val="000000"/>
         </a:buClr>
         <a:buFont typeface="Arial"/>
-        <a:defRPr sz="1400" b="0" i="0" u="none" strike="noStrike" cap="none">
+        <a:defRPr b="0" i="0" sz="1400" u="none" cap="none" strike="noStrike">
           <a:solidFill>
             <a:srgbClr val="000000"/>
           </a:solidFill>
@@ -6309,7 +7816,7 @@
           <a:sym typeface="Arial"/>
         </a:defRPr>
       </a:lvl5pPr>
-      <a:lvl6pPr marR="0" lvl="5" algn="l" rtl="0">
+      <a:lvl6pPr lvl="5" marR="0" rtl="0" algn="l">
         <a:lnSpc>
           <a:spcPct val="100000"/>
         </a:lnSpc>
@@ -6323,7 +7830,7 @@
           <a:srgbClr val="000000"/>
         </a:buClr>
         <a:buFont typeface="Arial"/>
-        <a:defRPr sz="1400" b="0" i="0" u="none" strike="noStrike" cap="none">
+        <a:defRPr b="0" i="0" sz="1400" u="none" cap="none" strike="noStrike">
           <a:solidFill>
             <a:srgbClr val="000000"/>
           </a:solidFill>
@@ -6333,7 +7840,7 @@
           <a:sym typeface="Arial"/>
         </a:defRPr>
       </a:lvl6pPr>
-      <a:lvl7pPr marR="0" lvl="6" algn="l" rtl="0">
+      <a:lvl7pPr lvl="6" marR="0" rtl="0" algn="l">
         <a:lnSpc>
           <a:spcPct val="100000"/>
         </a:lnSpc>
@@ -6347,7 +7854,7 @@
           <a:srgbClr val="000000"/>
         </a:buClr>
         <a:buFont typeface="Arial"/>
-        <a:defRPr sz="1400" b="0" i="0" u="none" strike="noStrike" cap="none">
+        <a:defRPr b="0" i="0" sz="1400" u="none" cap="none" strike="noStrike">
           <a:solidFill>
             <a:srgbClr val="000000"/>
           </a:solidFill>
@@ -6357,7 +7864,7 @@
           <a:sym typeface="Arial"/>
         </a:defRPr>
       </a:lvl7pPr>
-      <a:lvl8pPr marR="0" lvl="7" algn="l" rtl="0">
+      <a:lvl8pPr lvl="7" marR="0" rtl="0" algn="l">
         <a:lnSpc>
           <a:spcPct val="100000"/>
         </a:lnSpc>
@@ -6371,7 +7878,7 @@
           <a:srgbClr val="000000"/>
         </a:buClr>
         <a:buFont typeface="Arial"/>
-        <a:defRPr sz="1400" b="0" i="0" u="none" strike="noStrike" cap="none">
+        <a:defRPr b="0" i="0" sz="1400" u="none" cap="none" strike="noStrike">
           <a:solidFill>
             <a:srgbClr val="000000"/>
           </a:solidFill>
@@ -6381,7 +7888,7 @@
           <a:sym typeface="Arial"/>
         </a:defRPr>
       </a:lvl8pPr>
-      <a:lvl9pPr marR="0" lvl="8" algn="l" rtl="0">
+      <a:lvl9pPr lvl="8" marR="0" rtl="0" algn="l">
         <a:lnSpc>
           <a:spcPct val="100000"/>
         </a:lnSpc>
@@ -6395,7 +7902,7 @@
           <a:srgbClr val="000000"/>
         </a:buClr>
         <a:buFont typeface="Arial"/>
-        <a:defRPr sz="1400" b="0" i="0" u="none" strike="noStrike" cap="none">
+        <a:defRPr b="0" i="0" sz="1400" u="none" cap="none" strike="noStrike">
           <a:solidFill>
             <a:srgbClr val="000000"/>
           </a:solidFill>
@@ -6407,7 +7914,7 @@
       </a:lvl9pPr>
     </p:titleStyle>
     <p:bodyStyle>
-      <a:defPPr marR="0" lvl="0" algn="l" rtl="0">
+      <a:defPPr lvl="0" marR="0" rtl="0" algn="l">
         <a:lnSpc>
           <a:spcPct val="100000"/>
         </a:lnSpc>
@@ -6418,7 +7925,7 @@
           <a:spcPts val="0"/>
         </a:spcAft>
       </a:defPPr>
-      <a:lvl1pPr marR="0" lvl="0" algn="l" rtl="0">
+      <a:lvl1pPr lvl="0" marR="0" rtl="0" algn="l">
         <a:lnSpc>
           <a:spcPct val="100000"/>
         </a:lnSpc>
@@ -6432,7 +7939,7 @@
           <a:srgbClr val="000000"/>
         </a:buClr>
         <a:buFont typeface="Arial"/>
-        <a:defRPr sz="1400" b="0" i="0" u="none" strike="noStrike" cap="none">
+        <a:defRPr b="0" i="0" sz="1400" u="none" cap="none" strike="noStrike">
           <a:solidFill>
             <a:srgbClr val="000000"/>
           </a:solidFill>
@@ -6442,7 +7949,7 @@
           <a:sym typeface="Arial"/>
         </a:defRPr>
       </a:lvl1pPr>
-      <a:lvl2pPr marR="0" lvl="1" algn="l" rtl="0">
+      <a:lvl2pPr lvl="1" marR="0" rtl="0" algn="l">
         <a:lnSpc>
           <a:spcPct val="100000"/>
         </a:lnSpc>
@@ -6456,7 +7963,7 @@
           <a:srgbClr val="000000"/>
         </a:buClr>
         <a:buFont typeface="Arial"/>
-        <a:defRPr sz="1400" b="0" i="0" u="none" strike="noStrike" cap="none">
+        <a:defRPr b="0" i="0" sz="1400" u="none" cap="none" strike="noStrike">
           <a:solidFill>
             <a:srgbClr val="000000"/>
           </a:solidFill>
@@ -6466,7 +7973,7 @@
           <a:sym typeface="Arial"/>
         </a:defRPr>
       </a:lvl2pPr>
-      <a:lvl3pPr marR="0" lvl="2" algn="l" rtl="0">
+      <a:lvl3pPr lvl="2" marR="0" rtl="0" algn="l">
         <a:lnSpc>
           <a:spcPct val="100000"/>
         </a:lnSpc>
@@ -6480,7 +7987,7 @@
           <a:srgbClr val="000000"/>
         </a:buClr>
         <a:buFont typeface="Arial"/>
-        <a:defRPr sz="1400" b="0" i="0" u="none" strike="noStrike" cap="none">
+        <a:defRPr b="0" i="0" sz="1400" u="none" cap="none" strike="noStrike">
           <a:solidFill>
             <a:srgbClr val="000000"/>
           </a:solidFill>
@@ -6490,7 +7997,7 @@
           <a:sym typeface="Arial"/>
         </a:defRPr>
       </a:lvl3pPr>
-      <a:lvl4pPr marR="0" lvl="3" algn="l" rtl="0">
+      <a:lvl4pPr lvl="3" marR="0" rtl="0" algn="l">
         <a:lnSpc>
           <a:spcPct val="100000"/>
         </a:lnSpc>
@@ -6504,7 +8011,7 @@
           <a:srgbClr val="000000"/>
         </a:buClr>
         <a:buFont typeface="Arial"/>
-        <a:defRPr sz="1400" b="0" i="0" u="none" strike="noStrike" cap="none">
+        <a:defRPr b="0" i="0" sz="1400" u="none" cap="none" strike="noStrike">
           <a:solidFill>
             <a:srgbClr val="000000"/>
           </a:solidFill>
@@ -6514,7 +8021,7 @@
           <a:sym typeface="Arial"/>
         </a:defRPr>
       </a:lvl4pPr>
-      <a:lvl5pPr marR="0" lvl="4" algn="l" rtl="0">
+      <a:lvl5pPr lvl="4" marR="0" rtl="0" algn="l">
         <a:lnSpc>
           <a:spcPct val="100000"/>
         </a:lnSpc>
@@ -6528,7 +8035,7 @@
           <a:srgbClr val="000000"/>
         </a:buClr>
         <a:buFont typeface="Arial"/>
-        <a:defRPr sz="1400" b="0" i="0" u="none" strike="noStrike" cap="none">
+        <a:defRPr b="0" i="0" sz="1400" u="none" cap="none" strike="noStrike">
           <a:solidFill>
             <a:srgbClr val="000000"/>
           </a:solidFill>
@@ -6538,7 +8045,7 @@
           <a:sym typeface="Arial"/>
         </a:defRPr>
       </a:lvl5pPr>
-      <a:lvl6pPr marR="0" lvl="5" algn="l" rtl="0">
+      <a:lvl6pPr lvl="5" marR="0" rtl="0" algn="l">
         <a:lnSpc>
           <a:spcPct val="100000"/>
         </a:lnSpc>
@@ -6552,7 +8059,7 @@
           <a:srgbClr val="000000"/>
         </a:buClr>
         <a:buFont typeface="Arial"/>
-        <a:defRPr sz="1400" b="0" i="0" u="none" strike="noStrike" cap="none">
+        <a:defRPr b="0" i="0" sz="1400" u="none" cap="none" strike="noStrike">
           <a:solidFill>
             <a:srgbClr val="000000"/>
           </a:solidFill>
@@ -6562,7 +8069,7 @@
           <a:sym typeface="Arial"/>
         </a:defRPr>
       </a:lvl6pPr>
-      <a:lvl7pPr marR="0" lvl="6" algn="l" rtl="0">
+      <a:lvl7pPr lvl="6" marR="0" rtl="0" algn="l">
         <a:lnSpc>
           <a:spcPct val="100000"/>
         </a:lnSpc>
@@ -6576,7 +8083,7 @@
           <a:srgbClr val="000000"/>
         </a:buClr>
         <a:buFont typeface="Arial"/>
-        <a:defRPr sz="1400" b="0" i="0" u="none" strike="noStrike" cap="none">
+        <a:defRPr b="0" i="0" sz="1400" u="none" cap="none" strike="noStrike">
           <a:solidFill>
             <a:srgbClr val="000000"/>
           </a:solidFill>
@@ -6586,7 +8093,7 @@
           <a:sym typeface="Arial"/>
         </a:defRPr>
       </a:lvl7pPr>
-      <a:lvl8pPr marR="0" lvl="7" algn="l" rtl="0">
+      <a:lvl8pPr lvl="7" marR="0" rtl="0" algn="l">
         <a:lnSpc>
           <a:spcPct val="100000"/>
         </a:lnSpc>
@@ -6600,7 +8107,7 @@
           <a:srgbClr val="000000"/>
         </a:buClr>
         <a:buFont typeface="Arial"/>
-        <a:defRPr sz="1400" b="0" i="0" u="none" strike="noStrike" cap="none">
+        <a:defRPr b="0" i="0" sz="1400" u="none" cap="none" strike="noStrike">
           <a:solidFill>
             <a:srgbClr val="000000"/>
           </a:solidFill>
@@ -6610,7 +8117,7 @@
           <a:sym typeface="Arial"/>
         </a:defRPr>
       </a:lvl8pPr>
-      <a:lvl9pPr marR="0" lvl="8" algn="l" rtl="0">
+      <a:lvl9pPr lvl="8" marR="0" rtl="0" algn="l">
         <a:lnSpc>
           <a:spcPct val="100000"/>
         </a:lnSpc>
@@ -6624,7 +8131,7 @@
           <a:srgbClr val="000000"/>
         </a:buClr>
         <a:buFont typeface="Arial"/>
-        <a:defRPr sz="1400" b="0" i="0" u="none" strike="noStrike" cap="none">
+        <a:defRPr b="0" i="0" sz="1400" u="none" cap="none" strike="noStrike">
           <a:solidFill>
             <a:srgbClr val="000000"/>
           </a:solidFill>
@@ -6636,7 +8143,7 @@
       </a:lvl9pPr>
     </p:bodyStyle>
     <p:otherStyle>
-      <a:defPPr marR="0" lvl="0" algn="l" rtl="0">
+      <a:defPPr lvl="0" marR="0" rtl="0" algn="l">
         <a:lnSpc>
           <a:spcPct val="100000"/>
         </a:lnSpc>
@@ -6647,7 +8154,7 @@
           <a:spcPts val="0"/>
         </a:spcAft>
       </a:defPPr>
-      <a:lvl1pPr marR="0" lvl="0" algn="l" rtl="0">
+      <a:lvl1pPr lvl="0" marR="0" rtl="0" algn="l">
         <a:lnSpc>
           <a:spcPct val="100000"/>
         </a:lnSpc>
@@ -6661,7 +8168,7 @@
           <a:srgbClr val="000000"/>
         </a:buClr>
         <a:buFont typeface="Arial"/>
-        <a:defRPr sz="1400" b="0" i="0" u="none" strike="noStrike" cap="none">
+        <a:defRPr b="0" i="0" sz="1400" u="none" cap="none" strike="noStrike">
           <a:solidFill>
             <a:srgbClr val="000000"/>
           </a:solidFill>
@@ -6671,7 +8178,7 @@
           <a:sym typeface="Arial"/>
         </a:defRPr>
       </a:lvl1pPr>
-      <a:lvl2pPr marR="0" lvl="1" algn="l" rtl="0">
+      <a:lvl2pPr lvl="1" marR="0" rtl="0" algn="l">
         <a:lnSpc>
           <a:spcPct val="100000"/>
         </a:lnSpc>
@@ -6685,7 +8192,7 @@
           <a:srgbClr val="000000"/>
         </a:buClr>
         <a:buFont typeface="Arial"/>
-        <a:defRPr sz="1400" b="0" i="0" u="none" strike="noStrike" cap="none">
+        <a:defRPr b="0" i="0" sz="1400" u="none" cap="none" strike="noStrike">
           <a:solidFill>
             <a:srgbClr val="000000"/>
           </a:solidFill>
@@ -6695,7 +8202,7 @@
           <a:sym typeface="Arial"/>
         </a:defRPr>
       </a:lvl2pPr>
-      <a:lvl3pPr marR="0" lvl="2" algn="l" rtl="0">
+      <a:lvl3pPr lvl="2" marR="0" rtl="0" algn="l">
         <a:lnSpc>
           <a:spcPct val="100000"/>
         </a:lnSpc>
@@ -6709,7 +8216,7 @@
           <a:srgbClr val="000000"/>
         </a:buClr>
         <a:buFont typeface="Arial"/>
-        <a:defRPr sz="1400" b="0" i="0" u="none" strike="noStrike" cap="none">
+        <a:defRPr b="0" i="0" sz="1400" u="none" cap="none" strike="noStrike">
           <a:solidFill>
             <a:srgbClr val="000000"/>
           </a:solidFill>
@@ -6719,7 +8226,7 @@
           <a:sym typeface="Arial"/>
         </a:defRPr>
       </a:lvl3pPr>
-      <a:lvl4pPr marR="0" lvl="3" algn="l" rtl="0">
+      <a:lvl4pPr lvl="3" marR="0" rtl="0" algn="l">
         <a:lnSpc>
           <a:spcPct val="100000"/>
         </a:lnSpc>
@@ -6733,7 +8240,7 @@
           <a:srgbClr val="000000"/>
         </a:buClr>
         <a:buFont typeface="Arial"/>
-        <a:defRPr sz="1400" b="0" i="0" u="none" strike="noStrike" cap="none">
+        <a:defRPr b="0" i="0" sz="1400" u="none" cap="none" strike="noStrike">
           <a:solidFill>
             <a:srgbClr val="000000"/>
           </a:solidFill>
@@ -6743,7 +8250,7 @@
           <a:sym typeface="Arial"/>
         </a:defRPr>
       </a:lvl4pPr>
-      <a:lvl5pPr marR="0" lvl="4" algn="l" rtl="0">
+      <a:lvl5pPr lvl="4" marR="0" rtl="0" algn="l">
         <a:lnSpc>
           <a:spcPct val="100000"/>
         </a:lnSpc>
@@ -6757,7 +8264,7 @@
           <a:srgbClr val="000000"/>
         </a:buClr>
         <a:buFont typeface="Arial"/>
-        <a:defRPr sz="1400" b="0" i="0" u="none" strike="noStrike" cap="none">
+        <a:defRPr b="0" i="0" sz="1400" u="none" cap="none" strike="noStrike">
           <a:solidFill>
             <a:srgbClr val="000000"/>
           </a:solidFill>
@@ -6767,7 +8274,7 @@
           <a:sym typeface="Arial"/>
         </a:defRPr>
       </a:lvl5pPr>
-      <a:lvl6pPr marR="0" lvl="5" algn="l" rtl="0">
+      <a:lvl6pPr lvl="5" marR="0" rtl="0" algn="l">
         <a:lnSpc>
           <a:spcPct val="100000"/>
         </a:lnSpc>
@@ -6781,7 +8288,7 @@
           <a:srgbClr val="000000"/>
         </a:buClr>
         <a:buFont typeface="Arial"/>
-        <a:defRPr sz="1400" b="0" i="0" u="none" strike="noStrike" cap="none">
+        <a:defRPr b="0" i="0" sz="1400" u="none" cap="none" strike="noStrike">
           <a:solidFill>
             <a:srgbClr val="000000"/>
           </a:solidFill>
@@ -6791,7 +8298,7 @@
           <a:sym typeface="Arial"/>
         </a:defRPr>
       </a:lvl6pPr>
-      <a:lvl7pPr marR="0" lvl="6" algn="l" rtl="0">
+      <a:lvl7pPr lvl="6" marR="0" rtl="0" algn="l">
         <a:lnSpc>
           <a:spcPct val="100000"/>
         </a:lnSpc>
@@ -6805,7 +8312,7 @@
           <a:srgbClr val="000000"/>
         </a:buClr>
         <a:buFont typeface="Arial"/>
-        <a:defRPr sz="1400" b="0" i="0" u="none" strike="noStrike" cap="none">
+        <a:defRPr b="0" i="0" sz="1400" u="none" cap="none" strike="noStrike">
           <a:solidFill>
             <a:srgbClr val="000000"/>
           </a:solidFill>
@@ -6815,7 +8322,7 @@
           <a:sym typeface="Arial"/>
         </a:defRPr>
       </a:lvl7pPr>
-      <a:lvl8pPr marR="0" lvl="7" algn="l" rtl="0">
+      <a:lvl8pPr lvl="7" marR="0" rtl="0" algn="l">
         <a:lnSpc>
           <a:spcPct val="100000"/>
         </a:lnSpc>
@@ -6829,7 +8336,7 @@
           <a:srgbClr val="000000"/>
         </a:buClr>
         <a:buFont typeface="Arial"/>
-        <a:defRPr sz="1400" b="0" i="0" u="none" strike="noStrike" cap="none">
+        <a:defRPr b="0" i="0" sz="1400" u="none" cap="none" strike="noStrike">
           <a:solidFill>
             <a:srgbClr val="000000"/>
           </a:solidFill>
@@ -6839,7 +8346,7 @@
           <a:sym typeface="Arial"/>
         </a:defRPr>
       </a:lvl8pPr>
-      <a:lvl9pPr marR="0" lvl="8" algn="l" rtl="0">
+      <a:lvl9pPr lvl="8" marR="0" rtl="0" algn="l">
         <a:lnSpc>
           <a:spcPct val="100000"/>
         </a:lnSpc>
@@ -6853,7 +8360,7 @@
           <a:srgbClr val="000000"/>
         </a:buClr>
         <a:buFont typeface="Arial"/>
-        <a:defRPr sz="1400" b="0" i="0" u="none" strike="noStrike" cap="none">
+        <a:defRPr b="0" i="0" sz="1400" u="none" cap="none" strike="noStrike">
           <a:solidFill>
             <a:srgbClr val="000000"/>
           </a:solidFill>
@@ -6869,19 +8376,18 @@
 </file>
 
 <file path=ppt/slides/slide1.xml><?xml version="1.0" encoding="utf-8"?>
-<p:sld xmlns:a="http://schemas.openxmlformats.org/drawingml/2006/main" xmlns:r="http://schemas.openxmlformats.org/officeDocument/2006/relationships" xmlns:p="http://schemas.openxmlformats.org/presentationml/2006/main">
+<p:sld xmlns:a="http://schemas.openxmlformats.org/drawingml/2006/main" xmlns:r="http://schemas.openxmlformats.org/officeDocument/2006/relationships" xmlns:mc="http://schemas.openxmlformats.org/markup-compatibility/2006" xmlns:mv="urn:schemas-microsoft-com:mac:vml" xmlns:p="http://schemas.openxmlformats.org/presentationml/2006/main" xmlns:c="http://schemas.openxmlformats.org/drawingml/2006/chart" xmlns:dgm="http://schemas.openxmlformats.org/drawingml/2006/diagram" xmlns:o="urn:schemas-microsoft-com:office:office" xmlns:v="urn:schemas-microsoft-com:vml" xmlns:pvml="urn:schemas-microsoft-com:office:powerpoint" xmlns:com="http://schemas.openxmlformats.org/drawingml/2006/compatibility" xmlns:p14="http://schemas.microsoft.com/office/powerpoint/2010/main" xmlns:p15="http://schemas.microsoft.com/office/powerpoint/2012/main">
   <p:cSld>
     <p:bg>
       <p:bgPr>
         <a:solidFill>
           <a:srgbClr val="D8D8D8"/>
         </a:solidFill>
-        <a:effectLst/>
       </p:bgPr>
     </p:bg>
     <p:spTree>
       <p:nvGrpSpPr>
-        <p:cNvPr id="1" name="Shape 45"/>
+        <p:cNvPr id="45" name="Shape 45"/>
         <p:cNvGrpSpPr/>
         <p:nvPr/>
       </p:nvGrpSpPr>
@@ -6914,30 +8420,38 @@
             <a:noFill/>
           </a:ln>
           <a:effectLst>
-            <a:outerShdw blurRad="40000" dist="23000" dir="5400000" rotWithShape="0">
+            <a:outerShdw blurRad="40000" rotWithShape="0" dir="5400000" dist="23000">
               <a:srgbClr val="000000">
-                <a:alpha val="34901"/>
+                <a:alpha val="34509"/>
               </a:srgbClr>
             </a:outerShdw>
           </a:effectLst>
         </p:spPr>
         <p:txBody>
-          <a:bodyPr spcFirstLastPara="1" wrap="square" lIns="91425" tIns="45700" rIns="91425" bIns="45700" anchor="ctr" anchorCtr="0">
+          <a:bodyPr anchorCtr="0" anchor="ctr" bIns="45700" lIns="91425" spcFirstLastPara="1" rIns="91425" wrap="square" tIns="45700">
             <a:noAutofit/>
           </a:bodyPr>
           <a:lstStyle/>
           <a:p>
-            <a:pPr marL="0" marR="0" lvl="0" indent="0" algn="ctr" rtl="0">
-              <a:spcBef>
-                <a:spcPts val="0"/>
-              </a:spcBef>
-              <a:spcAft>
-                <a:spcPts val="0"/>
-              </a:spcAft>
+            <a:pPr indent="0" lvl="0" marL="0" marR="0" rtl="0" algn="ctr">
+              <a:lnSpc>
+                <a:spcPct val="100000"/>
+              </a:lnSpc>
+              <a:spcBef>
+                <a:spcPts val="0"/>
+              </a:spcBef>
+              <a:spcAft>
+                <a:spcPts val="0"/>
+              </a:spcAft>
+              <a:buClr>
+                <a:srgbClr val="000000"/>
+              </a:buClr>
+              <a:buSzPts val="4000"/>
+              <a:buFont typeface="Arial"/>
               <a:buNone/>
             </a:pPr>
             <a:r>
-              <a:rPr lang="en-US" sz="4000">
+              <a:rPr b="0" i="0" lang="en-US" sz="4000" u="none" cap="none" strike="noStrike">
                 <a:solidFill>
                   <a:schemeClr val="lt1"/>
                 </a:solidFill>
@@ -6948,7 +8462,7 @@
               </a:rPr>
               <a:t>Problem Definition</a:t>
             </a:r>
-            <a:endParaRPr sz="4000" b="0" i="0" u="none" strike="noStrike" cap="none">
+            <a:endParaRPr b="0" i="0" sz="4000" u="none" cap="none" strike="noStrike">
               <a:solidFill>
                 <a:schemeClr val="lt1"/>
               </a:solidFill>
@@ -6968,8 +8482,8 @@
         </p:nvSpPr>
         <p:spPr>
           <a:xfrm>
-            <a:off x="30091469" y="22789516"/>
-            <a:ext cx="13429150" cy="651762"/>
+            <a:off x="1353444" y="17538531"/>
+            <a:ext cx="11305500" cy="708300"/>
           </a:xfrm>
           <a:prstGeom prst="rect">
             <a:avLst/>
@@ -6981,30 +8495,38 @@
             <a:noFill/>
           </a:ln>
           <a:effectLst>
-            <a:outerShdw blurRad="40000" dist="23000" dir="5400000" rotWithShape="0">
+            <a:outerShdw blurRad="40000" rotWithShape="0" dir="5400000" dist="23000">
               <a:srgbClr val="000000">
-                <a:alpha val="34901"/>
+                <a:alpha val="34509"/>
               </a:srgbClr>
             </a:outerShdw>
           </a:effectLst>
         </p:spPr>
         <p:txBody>
-          <a:bodyPr spcFirstLastPara="1" wrap="square" lIns="91425" tIns="45700" rIns="91425" bIns="45700" anchor="ctr" anchorCtr="0">
+          <a:bodyPr anchorCtr="0" anchor="ctr" bIns="45700" lIns="91425" spcFirstLastPara="1" rIns="91425" wrap="square" tIns="45700">
             <a:noAutofit/>
           </a:bodyPr>
           <a:lstStyle/>
           <a:p>
-            <a:pPr marL="0" marR="0" lvl="0" indent="0" algn="ctr" rtl="0">
-              <a:spcBef>
-                <a:spcPts val="0"/>
-              </a:spcBef>
-              <a:spcAft>
-                <a:spcPts val="0"/>
-              </a:spcAft>
+            <a:pPr indent="0" lvl="0" marL="0" marR="0" rtl="0" algn="ctr">
+              <a:lnSpc>
+                <a:spcPct val="100000"/>
+              </a:lnSpc>
+              <a:spcBef>
+                <a:spcPts val="0"/>
+              </a:spcBef>
+              <a:spcAft>
+                <a:spcPts val="0"/>
+              </a:spcAft>
+              <a:buClr>
+                <a:srgbClr val="000000"/>
+              </a:buClr>
+              <a:buSzPts val="4000"/>
+              <a:buFont typeface="Arial"/>
               <a:buNone/>
             </a:pPr>
             <a:r>
-              <a:rPr lang="en-US" sz="4000">
+              <a:rPr b="0" i="0" lang="en-US" sz="4000" u="none" cap="none" strike="noStrike">
                 <a:solidFill>
                   <a:schemeClr val="lt1"/>
                 </a:solidFill>
@@ -7013,9 +8535,9 @@
                 <a:cs typeface="Calibri"/>
                 <a:sym typeface="Calibri"/>
               </a:rPr>
-              <a:t>Refrences</a:t>
+              <a:t>Proposed Solution</a:t>
             </a:r>
-            <a:endParaRPr sz="4000" b="0" i="0" u="none" strike="noStrike" cap="none">
+            <a:endParaRPr b="0" i="0" sz="4000" u="none" cap="none" strike="noStrike">
               <a:solidFill>
                 <a:schemeClr val="lt1"/>
               </a:solidFill>
@@ -7035,8 +8557,8 @@
         </p:nvSpPr>
         <p:spPr>
           <a:xfrm>
-            <a:off x="1329944" y="19451781"/>
-            <a:ext cx="11305402" cy="708242"/>
+            <a:off x="29765838" y="21712375"/>
+            <a:ext cx="13281300" cy="687000"/>
           </a:xfrm>
           <a:prstGeom prst="rect">
             <a:avLst/>
@@ -7048,30 +8570,38 @@
             <a:noFill/>
           </a:ln>
           <a:effectLst>
-            <a:outerShdw blurRad="40000" dist="23000" dir="5400000" rotWithShape="0">
+            <a:outerShdw blurRad="40000" rotWithShape="0" dir="5400000" dist="23000">
               <a:srgbClr val="000000">
-                <a:alpha val="34901"/>
+                <a:alpha val="34509"/>
               </a:srgbClr>
             </a:outerShdw>
           </a:effectLst>
         </p:spPr>
         <p:txBody>
-          <a:bodyPr spcFirstLastPara="1" wrap="square" lIns="91425" tIns="45700" rIns="91425" bIns="45700" anchor="ctr" anchorCtr="0">
+          <a:bodyPr anchorCtr="0" anchor="ctr" bIns="45700" lIns="91425" spcFirstLastPara="1" rIns="91425" wrap="square" tIns="45700">
             <a:noAutofit/>
           </a:bodyPr>
           <a:lstStyle/>
           <a:p>
-            <a:pPr marL="0" marR="0" lvl="0" indent="0" algn="ctr" rtl="0">
-              <a:spcBef>
-                <a:spcPts val="0"/>
-              </a:spcBef>
-              <a:spcAft>
-                <a:spcPts val="0"/>
-              </a:spcAft>
+            <a:pPr indent="0" lvl="0" marL="0" marR="0" rtl="0" algn="ctr">
+              <a:lnSpc>
+                <a:spcPct val="100000"/>
+              </a:lnSpc>
+              <a:spcBef>
+                <a:spcPts val="0"/>
+              </a:spcBef>
+              <a:spcAft>
+                <a:spcPts val="0"/>
+              </a:spcAft>
+              <a:buClr>
+                <a:srgbClr val="000000"/>
+              </a:buClr>
+              <a:buSzPts val="4000"/>
+              <a:buFont typeface="Arial"/>
               <a:buNone/>
             </a:pPr>
             <a:r>
-              <a:rPr lang="en-US" sz="4000">
+              <a:rPr b="0" i="0" lang="en-US" sz="4000" u="none" cap="none" strike="noStrike">
                 <a:solidFill>
                   <a:schemeClr val="lt1"/>
                 </a:solidFill>
@@ -7080,9 +8610,9 @@
                 <a:cs typeface="Calibri"/>
                 <a:sym typeface="Calibri"/>
               </a:rPr>
-              <a:t>Proposed Solution</a:t>
+              <a:t>Future Goals</a:t>
             </a:r>
-            <a:endParaRPr sz="4000" b="0" i="0" u="none" strike="noStrike" cap="none">
+            <a:endParaRPr b="0" i="0" sz="4000" u="none" cap="none" strike="noStrike">
               <a:solidFill>
                 <a:schemeClr val="lt1"/>
               </a:solidFill>
@@ -7102,8 +8632,8 @@
         </p:nvSpPr>
         <p:spPr>
           <a:xfrm>
-            <a:off x="13838691" y="19109423"/>
-            <a:ext cx="15081438" cy="686863"/>
+            <a:off x="29765844" y="5115268"/>
+            <a:ext cx="13281293" cy="660939"/>
           </a:xfrm>
           <a:prstGeom prst="rect">
             <a:avLst/>
@@ -7115,30 +8645,38 @@
             <a:noFill/>
           </a:ln>
           <a:effectLst>
-            <a:outerShdw blurRad="40000" dist="23000" dir="5400000" rotWithShape="0">
+            <a:outerShdw blurRad="40000" rotWithShape="0" dir="5400000" dist="23000">
               <a:srgbClr val="000000">
-                <a:alpha val="34901"/>
+                <a:alpha val="34509"/>
               </a:srgbClr>
             </a:outerShdw>
           </a:effectLst>
         </p:spPr>
         <p:txBody>
-          <a:bodyPr spcFirstLastPara="1" wrap="square" lIns="91425" tIns="45700" rIns="91425" bIns="45700" anchor="ctr" anchorCtr="0">
+          <a:bodyPr anchorCtr="0" anchor="ctr" bIns="45700" lIns="91425" spcFirstLastPara="1" rIns="91425" wrap="square" tIns="45700">
             <a:noAutofit/>
           </a:bodyPr>
           <a:lstStyle/>
           <a:p>
-            <a:pPr marL="0" marR="0" lvl="0" indent="0" algn="ctr" rtl="0">
-              <a:spcBef>
-                <a:spcPts val="0"/>
-              </a:spcBef>
-              <a:spcAft>
-                <a:spcPts val="0"/>
-              </a:spcAft>
+            <a:pPr indent="0" lvl="0" marL="0" marR="0" rtl="0" algn="ctr">
+              <a:lnSpc>
+                <a:spcPct val="100000"/>
+              </a:lnSpc>
+              <a:spcBef>
+                <a:spcPts val="0"/>
+              </a:spcBef>
+              <a:spcAft>
+                <a:spcPts val="0"/>
+              </a:spcAft>
+              <a:buClr>
+                <a:srgbClr val="000000"/>
+              </a:buClr>
+              <a:buSzPts val="4000"/>
+              <a:buFont typeface="Arial"/>
               <a:buNone/>
             </a:pPr>
             <a:r>
-              <a:rPr lang="en-US" sz="4000">
+              <a:rPr b="0" i="0" lang="en-US" sz="4000" u="none" cap="none" strike="noStrike">
                 <a:solidFill>
                   <a:schemeClr val="lt1"/>
                 </a:solidFill>
@@ -7147,9 +8685,9 @@
                 <a:cs typeface="Calibri"/>
                 <a:sym typeface="Calibri"/>
               </a:rPr>
-              <a:t>Future Goals</a:t>
+              <a:t>Current Status</a:t>
             </a:r>
-            <a:endParaRPr sz="4000" b="0" i="0" u="none" strike="noStrike" cap="none">
+            <a:endParaRPr b="0" i="0" sz="4000" u="none" cap="none" strike="noStrike">
               <a:solidFill>
                 <a:schemeClr val="lt1"/>
               </a:solidFill>
@@ -7169,8 +8707,8 @@
         </p:nvSpPr>
         <p:spPr>
           <a:xfrm>
-            <a:off x="1329942" y="29455209"/>
-            <a:ext cx="11429360" cy="522128"/>
+            <a:off x="14021164" y="5149964"/>
+            <a:ext cx="14747267" cy="626243"/>
           </a:xfrm>
           <a:prstGeom prst="rect">
             <a:avLst/>
@@ -7182,30 +8720,38 @@
             <a:noFill/>
           </a:ln>
           <a:effectLst>
-            <a:outerShdw blurRad="40000" dist="23000" dir="5400000" rotWithShape="0">
+            <a:outerShdw blurRad="40000" rotWithShape="0" dir="5400000" dist="23000">
               <a:srgbClr val="000000">
-                <a:alpha val="34901"/>
+                <a:alpha val="34509"/>
               </a:srgbClr>
             </a:outerShdw>
           </a:effectLst>
         </p:spPr>
         <p:txBody>
-          <a:bodyPr spcFirstLastPara="1" wrap="square" lIns="91425" tIns="45700" rIns="91425" bIns="45700" anchor="ctr" anchorCtr="0">
+          <a:bodyPr anchorCtr="0" anchor="ctr" bIns="45700" lIns="91425" spcFirstLastPara="1" rIns="91425" wrap="square" tIns="45700">
             <a:noAutofit/>
           </a:bodyPr>
           <a:lstStyle/>
           <a:p>
-            <a:pPr marL="0" marR="0" lvl="0" indent="0" algn="ctr" rtl="0">
-              <a:spcBef>
-                <a:spcPts val="0"/>
-              </a:spcBef>
-              <a:spcAft>
-                <a:spcPts val="0"/>
-              </a:spcAft>
+            <a:pPr indent="0" lvl="0" marL="0" marR="0" rtl="0" algn="ctr">
+              <a:lnSpc>
+                <a:spcPct val="100000"/>
+              </a:lnSpc>
+              <a:spcBef>
+                <a:spcPts val="0"/>
+              </a:spcBef>
+              <a:spcAft>
+                <a:spcPts val="0"/>
+              </a:spcAft>
+              <a:buClr>
+                <a:srgbClr val="000000"/>
+              </a:buClr>
+              <a:buSzPts val="4000"/>
+              <a:buFont typeface="Arial"/>
               <a:buNone/>
             </a:pPr>
             <a:r>
-              <a:rPr lang="en-US" sz="4000">
+              <a:rPr b="0" i="0" lang="en-US" sz="4000" u="none" cap="none" strike="noStrike">
                 <a:solidFill>
                   <a:schemeClr val="lt1"/>
                 </a:solidFill>
@@ -7214,9 +8760,9 @@
                 <a:cs typeface="Calibri"/>
                 <a:sym typeface="Calibri"/>
               </a:rPr>
-              <a:t>Budget</a:t>
+              <a:t>Methodology</a:t>
             </a:r>
-            <a:endParaRPr sz="4000" b="0" i="0" u="none" strike="noStrike" cap="none">
+            <a:endParaRPr b="0" i="0" sz="4000" u="none" cap="none" strike="noStrike">
               <a:solidFill>
                 <a:schemeClr val="lt1"/>
               </a:solidFill>
@@ -7231,207 +8777,6 @@
       <p:sp>
         <p:nvSpPr>
           <p:cNvPr id="51" name="Shape 51"/>
-          <p:cNvSpPr/>
-          <p:nvPr/>
-        </p:nvSpPr>
-        <p:spPr>
-          <a:xfrm>
-            <a:off x="13266691" y="26657013"/>
-            <a:ext cx="30161702" cy="778144"/>
-          </a:xfrm>
-          <a:prstGeom prst="rect">
-            <a:avLst/>
-          </a:prstGeom>
-          <a:solidFill>
-            <a:srgbClr val="97002E"/>
-          </a:solidFill>
-          <a:ln>
-            <a:noFill/>
-          </a:ln>
-          <a:effectLst>
-            <a:outerShdw blurRad="40000" dist="23000" dir="5400000" rotWithShape="0">
-              <a:srgbClr val="000000">
-                <a:alpha val="34901"/>
-              </a:srgbClr>
-            </a:outerShdw>
-          </a:effectLst>
-        </p:spPr>
-        <p:txBody>
-          <a:bodyPr spcFirstLastPara="1" wrap="square" lIns="91425" tIns="45700" rIns="91425" bIns="45700" anchor="ctr" anchorCtr="0">
-            <a:noAutofit/>
-          </a:bodyPr>
-          <a:lstStyle/>
-          <a:p>
-            <a:pPr marL="0" marR="0" lvl="0" indent="0" algn="ctr" rtl="0">
-              <a:spcBef>
-                <a:spcPts val="0"/>
-              </a:spcBef>
-              <a:spcAft>
-                <a:spcPts val="0"/>
-              </a:spcAft>
-              <a:buNone/>
-            </a:pPr>
-            <a:r>
-              <a:rPr lang="en-US" sz="4000">
-                <a:solidFill>
-                  <a:schemeClr val="lt1"/>
-                </a:solidFill>
-                <a:latin typeface="Calibri"/>
-                <a:ea typeface="Calibri"/>
-                <a:cs typeface="Calibri"/>
-                <a:sym typeface="Calibri"/>
-              </a:rPr>
-              <a:t>Timeline</a:t>
-            </a:r>
-            <a:endParaRPr sz="4000" b="0" i="0" u="none" strike="noStrike" cap="none">
-              <a:solidFill>
-                <a:schemeClr val="lt1"/>
-              </a:solidFill>
-              <a:latin typeface="Calibri"/>
-              <a:ea typeface="Calibri"/>
-              <a:cs typeface="Calibri"/>
-              <a:sym typeface="Calibri"/>
-            </a:endParaRPr>
-          </a:p>
-        </p:txBody>
-      </p:sp>
-      <p:sp>
-        <p:nvSpPr>
-          <p:cNvPr id="52" name="Shape 52"/>
-          <p:cNvSpPr/>
-          <p:nvPr/>
-        </p:nvSpPr>
-        <p:spPr>
-          <a:xfrm>
-            <a:off x="29765844" y="5115268"/>
-            <a:ext cx="13281293" cy="660939"/>
-          </a:xfrm>
-          <a:prstGeom prst="rect">
-            <a:avLst/>
-          </a:prstGeom>
-          <a:solidFill>
-            <a:srgbClr val="97002E"/>
-          </a:solidFill>
-          <a:ln>
-            <a:noFill/>
-          </a:ln>
-          <a:effectLst>
-            <a:outerShdw blurRad="40000" dist="23000" dir="5400000" rotWithShape="0">
-              <a:srgbClr val="000000">
-                <a:alpha val="34901"/>
-              </a:srgbClr>
-            </a:outerShdw>
-          </a:effectLst>
-        </p:spPr>
-        <p:txBody>
-          <a:bodyPr spcFirstLastPara="1" wrap="square" lIns="91425" tIns="45700" rIns="91425" bIns="45700" anchor="ctr" anchorCtr="0">
-            <a:noAutofit/>
-          </a:bodyPr>
-          <a:lstStyle/>
-          <a:p>
-            <a:pPr marL="0" marR="0" lvl="0" indent="0" algn="ctr" rtl="0">
-              <a:spcBef>
-                <a:spcPts val="0"/>
-              </a:spcBef>
-              <a:spcAft>
-                <a:spcPts val="0"/>
-              </a:spcAft>
-              <a:buNone/>
-            </a:pPr>
-            <a:r>
-              <a:rPr lang="en-US" sz="4000">
-                <a:solidFill>
-                  <a:schemeClr val="lt1"/>
-                </a:solidFill>
-                <a:latin typeface="Calibri"/>
-                <a:ea typeface="Calibri"/>
-                <a:cs typeface="Calibri"/>
-                <a:sym typeface="Calibri"/>
-              </a:rPr>
-              <a:t>Current Status</a:t>
-            </a:r>
-            <a:endParaRPr sz="4000" b="0" i="0" u="none" strike="noStrike" cap="none">
-              <a:solidFill>
-                <a:schemeClr val="lt1"/>
-              </a:solidFill>
-              <a:latin typeface="Calibri"/>
-              <a:ea typeface="Calibri"/>
-              <a:cs typeface="Calibri"/>
-              <a:sym typeface="Calibri"/>
-            </a:endParaRPr>
-          </a:p>
-        </p:txBody>
-      </p:sp>
-      <p:sp>
-        <p:nvSpPr>
-          <p:cNvPr id="53" name="Shape 53"/>
-          <p:cNvSpPr/>
-          <p:nvPr/>
-        </p:nvSpPr>
-        <p:spPr>
-          <a:xfrm>
-            <a:off x="14021164" y="5149964"/>
-            <a:ext cx="14747267" cy="626243"/>
-          </a:xfrm>
-          <a:prstGeom prst="rect">
-            <a:avLst/>
-          </a:prstGeom>
-          <a:solidFill>
-            <a:srgbClr val="97002E"/>
-          </a:solidFill>
-          <a:ln>
-            <a:noFill/>
-          </a:ln>
-          <a:effectLst>
-            <a:outerShdw blurRad="40000" dist="23000" dir="5400000" rotWithShape="0">
-              <a:srgbClr val="000000">
-                <a:alpha val="34901"/>
-              </a:srgbClr>
-            </a:outerShdw>
-          </a:effectLst>
-        </p:spPr>
-        <p:txBody>
-          <a:bodyPr spcFirstLastPara="1" wrap="square" lIns="91425" tIns="45700" rIns="91425" bIns="45700" anchor="ctr" anchorCtr="0">
-            <a:noAutofit/>
-          </a:bodyPr>
-          <a:lstStyle/>
-          <a:p>
-            <a:pPr marL="0" marR="0" lvl="0" indent="0" algn="ctr" rtl="0">
-              <a:spcBef>
-                <a:spcPts val="0"/>
-              </a:spcBef>
-              <a:spcAft>
-                <a:spcPts val="0"/>
-              </a:spcAft>
-              <a:buNone/>
-            </a:pPr>
-            <a:r>
-              <a:rPr lang="en-US" sz="4000">
-                <a:solidFill>
-                  <a:schemeClr val="lt1"/>
-                </a:solidFill>
-                <a:latin typeface="Calibri"/>
-                <a:ea typeface="Calibri"/>
-                <a:cs typeface="Calibri"/>
-                <a:sym typeface="Calibri"/>
-              </a:rPr>
-              <a:t>Methodology</a:t>
-            </a:r>
-            <a:endParaRPr sz="4000" b="0" i="0" u="none" strike="noStrike" cap="none">
-              <a:solidFill>
-                <a:schemeClr val="lt1"/>
-              </a:solidFill>
-              <a:latin typeface="Calibri"/>
-              <a:ea typeface="Calibri"/>
-              <a:cs typeface="Calibri"/>
-              <a:sym typeface="Calibri"/>
-            </a:endParaRPr>
-          </a:p>
-        </p:txBody>
-      </p:sp>
-      <p:sp>
-        <p:nvSpPr>
-          <p:cNvPr id="54" name="Shape 54"/>
           <p:cNvSpPr txBox="1"/>
           <p:nvPr/>
         </p:nvSpPr>
@@ -7449,21 +8794,32 @@
           </a:ln>
         </p:spPr>
         <p:txBody>
-          <a:bodyPr spcFirstLastPara="1" wrap="square" lIns="91425" tIns="45700" rIns="91425" bIns="45700" anchor="t" anchorCtr="0">
+          <a:bodyPr anchorCtr="0" anchor="t" bIns="45700" lIns="91425" spcFirstLastPara="1" rIns="91425" wrap="square" tIns="45700">
             <a:noAutofit/>
           </a:bodyPr>
           <a:lstStyle/>
           <a:p>
-            <a:pPr marL="0" marR="0" lvl="0" indent="0" algn="l" rtl="0">
-              <a:spcBef>
-                <a:spcPts val="0"/>
-              </a:spcBef>
-              <a:spcAft>
-                <a:spcPts val="0"/>
-              </a:spcAft>
+            <a:pPr indent="0" lvl="0" marL="0" marR="0" rtl="0" algn="l">
+              <a:lnSpc>
+                <a:spcPct val="100000"/>
+              </a:lnSpc>
+              <a:spcBef>
+                <a:spcPts val="0"/>
+              </a:spcBef>
+              <a:spcAft>
+                <a:spcPts val="0"/>
+              </a:spcAft>
+              <a:buClr>
+                <a:srgbClr val="000000"/>
+              </a:buClr>
+              <a:buSzPts val="1100"/>
+              <a:buFont typeface="Arial"/>
               <a:buNone/>
             </a:pPr>
-            <a:endParaRPr sz="1100">
+            <a:r>
+              <a:t/>
+            </a:r>
+            <a:endParaRPr b="0" i="0" sz="1100" u="none" cap="none" strike="noStrike">
               <a:solidFill>
                 <a:schemeClr val="dk1"/>
               </a:solidFill>
@@ -7471,6 +8827,180 @@
               <a:ea typeface="Calibri"/>
               <a:cs typeface="Calibri"/>
               <a:sym typeface="Calibri"/>
+            </a:endParaRPr>
+          </a:p>
+        </p:txBody>
+      </p:sp>
+      <p:sp>
+        <p:nvSpPr>
+          <p:cNvPr id="52" name="Shape 52"/>
+          <p:cNvSpPr txBox="1"/>
+          <p:nvPr/>
+        </p:nvSpPr>
+        <p:spPr>
+          <a:xfrm>
+            <a:off x="1413600" y="6322750"/>
+            <a:ext cx="11429400" cy="10294800"/>
+          </a:xfrm>
+          <a:prstGeom prst="rect">
+            <a:avLst/>
+          </a:prstGeom>
+          <a:noFill/>
+          <a:ln>
+            <a:noFill/>
+          </a:ln>
+        </p:spPr>
+        <p:txBody>
+          <a:bodyPr anchorCtr="0" anchor="t" bIns="91425" lIns="91425" spcFirstLastPara="1" rIns="91425" wrap="square" tIns="91425">
+            <a:noAutofit/>
+          </a:bodyPr>
+          <a:lstStyle/>
+          <a:p>
+            <a:pPr indent="0" lvl="0" marL="0" marR="0" rtl="0" algn="l">
+              <a:lnSpc>
+                <a:spcPct val="100000"/>
+              </a:lnSpc>
+              <a:spcBef>
+                <a:spcPts val="0"/>
+              </a:spcBef>
+              <a:spcAft>
+                <a:spcPts val="0"/>
+              </a:spcAft>
+              <a:buClr>
+                <a:srgbClr val="000000"/>
+              </a:buClr>
+              <a:buSzPts val="3600"/>
+              <a:buFont typeface="Arial"/>
+              <a:buNone/>
+            </a:pPr>
+            <a:r>
+              <a:rPr lang="en-US" sz="4300"/>
+              <a:t>Boeing is the world’s largest manufacturer of commercial and military aircraft in the world.  They have several suppliers around the globe that manufacture peices of an aircraft.  These pieces get sent to Charleston, SC and Seattle, WA for final assembly.  Sometimes, these parts change and there is not enough time to teach the workers how the parts need to be assembled.   The only thigns that Boeing recieves ahead of time are a 3D model of the parts and pages and pages of technical documentation.  Boeing came to us to redesign their workflow in order to instruct workers on how to assemble parts, in a VR world, in under 30 minutes of time.</a:t>
+            </a:r>
+            <a:endParaRPr b="0" i="0" sz="4300" u="none" cap="none" strike="noStrike">
+              <a:solidFill>
+                <a:srgbClr val="000000"/>
+              </a:solidFill>
+              <a:latin typeface="Arial"/>
+              <a:ea typeface="Arial"/>
+              <a:cs typeface="Arial"/>
+              <a:sym typeface="Arial"/>
+            </a:endParaRPr>
+          </a:p>
+        </p:txBody>
+      </p:sp>
+      <p:sp>
+        <p:nvSpPr>
+          <p:cNvPr id="53" name="Shape 53"/>
+          <p:cNvSpPr txBox="1"/>
+          <p:nvPr/>
+        </p:nvSpPr>
+        <p:spPr>
+          <a:xfrm>
+            <a:off x="1475550" y="19167800"/>
+            <a:ext cx="11183400" cy="6217200"/>
+          </a:xfrm>
+          <a:prstGeom prst="rect">
+            <a:avLst/>
+          </a:prstGeom>
+          <a:noFill/>
+          <a:ln>
+            <a:noFill/>
+          </a:ln>
+        </p:spPr>
+        <p:txBody>
+          <a:bodyPr anchorCtr="0" anchor="t" bIns="91425" lIns="91425" spcFirstLastPara="1" rIns="91425" wrap="square" tIns="91425">
+            <a:noAutofit/>
+          </a:bodyPr>
+          <a:lstStyle/>
+          <a:p>
+            <a:pPr indent="0" lvl="0" marL="0" marR="0" rtl="0" algn="l">
+              <a:lnSpc>
+                <a:spcPct val="100000"/>
+              </a:lnSpc>
+              <a:spcBef>
+                <a:spcPts val="0"/>
+              </a:spcBef>
+              <a:spcAft>
+                <a:spcPts val="0"/>
+              </a:spcAft>
+              <a:buClr>
+                <a:srgbClr val="000000"/>
+              </a:buClr>
+              <a:buSzPts val="3600"/>
+              <a:buFont typeface="Arial"/>
+              <a:buNone/>
+            </a:pPr>
+            <a:r>
+              <a:rPr lang="en-US" sz="3700"/>
+              <a:t>Boeing proposed the idea of using the commercially available HTC Vive VR headset as a way to help solve their assembly training problem. Our proposed solution to this problem is a set of Unity Editor extensions and components that an engineer can use to quickly create their own virtual assembly applications to suit whatever particular need they might encounter. The intention is to allow an engineer to go from a collection of FBX models to a complete interactable VR space within 30 minutes.</a:t>
+            </a:r>
+            <a:endParaRPr b="0" i="0" sz="3700" u="none" cap="none" strike="noStrike">
+              <a:solidFill>
+                <a:srgbClr val="000000"/>
+              </a:solidFill>
+              <a:latin typeface="Arial"/>
+              <a:ea typeface="Arial"/>
+              <a:cs typeface="Arial"/>
+              <a:sym typeface="Arial"/>
+            </a:endParaRPr>
+          </a:p>
+        </p:txBody>
+      </p:sp>
+      <p:sp>
+        <p:nvSpPr>
+          <p:cNvPr id="54" name="Shape 54"/>
+          <p:cNvSpPr txBox="1"/>
+          <p:nvPr/>
+        </p:nvSpPr>
+        <p:spPr>
+          <a:xfrm>
+            <a:off x="13838700" y="6322726"/>
+            <a:ext cx="14747400" cy="15424800"/>
+          </a:xfrm>
+          <a:prstGeom prst="rect">
+            <a:avLst/>
+          </a:prstGeom>
+          <a:noFill/>
+          <a:ln>
+            <a:noFill/>
+          </a:ln>
+        </p:spPr>
+        <p:txBody>
+          <a:bodyPr anchorCtr="0" anchor="t" bIns="91425" lIns="91425" spcFirstLastPara="1" rIns="91425" wrap="square" tIns="91425">
+            <a:noAutofit/>
+          </a:bodyPr>
+          <a:lstStyle/>
+          <a:p>
+            <a:pPr indent="0" lvl="0" marL="0" marR="0" rtl="0" algn="l">
+              <a:lnSpc>
+                <a:spcPct val="100000"/>
+              </a:lnSpc>
+              <a:spcBef>
+                <a:spcPts val="0"/>
+              </a:spcBef>
+              <a:spcAft>
+                <a:spcPts val="0"/>
+              </a:spcAft>
+              <a:buClr>
+                <a:srgbClr val="000000"/>
+              </a:buClr>
+              <a:buSzPts val="3600"/>
+              <a:buFont typeface="Arial"/>
+              <a:buNone/>
+            </a:pPr>
+            <a:r>
+              <a:rPr lang="en-US" sz="4800"/>
+              <a:t>We will be using Unity to create a VR world where workers can interact with the parts.  We will be utilizing an HTC Vive as well as Steam’s VRTK to implement the virtual reality portions.  Users will drag and drop the 3D models into the Unity Editor.  We created a Unity extension so you can quickly and easily add assembly order and other metadata to parts.  From there, users will put on the Vive headset and begin building the assembly.  The parts will fall onto a table and their final position will appear next to the table in a transparent color.  The item that is next to be picked up will be highlighted red.  If multiple items are highlighted, that means that they can be assembled in an  arbitrary order, but both will need to be built before the next ones will highlight.  Finally, after picking up an object, the final position for that individual item will highlight in blue.  We also added a canvas that will read out the additional metadata for objects in your hand.  We also implemented an auto-assembly feature so that the parts will build themselves.</a:t>
+            </a:r>
+            <a:endParaRPr b="0" i="0" sz="4800" u="none" cap="none" strike="noStrike">
+              <a:solidFill>
+                <a:srgbClr val="000000"/>
+              </a:solidFill>
+              <a:latin typeface="Arial"/>
+              <a:ea typeface="Arial"/>
+              <a:cs typeface="Arial"/>
+              <a:sym typeface="Arial"/>
             </a:endParaRPr>
           </a:p>
         </p:txBody>
@@ -7483,8 +9013,8 @@
         </p:nvSpPr>
         <p:spPr>
           <a:xfrm>
-            <a:off x="18022375" y="28780600"/>
-            <a:ext cx="8183700" cy="2115000"/>
+            <a:off x="29765850" y="6322749"/>
+            <a:ext cx="13281300" cy="5755500"/>
           </a:xfrm>
           <a:prstGeom prst="rect">
             <a:avLst/>
@@ -7495,42 +9025,62 @@
           </a:ln>
         </p:spPr>
         <p:txBody>
-          <a:bodyPr spcFirstLastPara="1" wrap="square" lIns="91425" tIns="91425" rIns="91425" bIns="91425" anchor="t" anchorCtr="0">
+          <a:bodyPr anchorCtr="0" anchor="t" bIns="91425" lIns="91425" spcFirstLastPara="1" rIns="91425" wrap="square" tIns="91425">
             <a:noAutofit/>
           </a:bodyPr>
           <a:lstStyle/>
           <a:p>
-            <a:pPr marL="0" lvl="0" indent="0">
-              <a:spcBef>
-                <a:spcPts val="0"/>
-              </a:spcBef>
-              <a:spcAft>
-                <a:spcPts val="0"/>
-              </a:spcAft>
+            <a:pPr indent="0" lvl="0" marL="0" marR="0" rtl="0" algn="l">
+              <a:lnSpc>
+                <a:spcPct val="100000"/>
+              </a:lnSpc>
+              <a:spcBef>
+                <a:spcPts val="0"/>
+              </a:spcBef>
+              <a:spcAft>
+                <a:spcPts val="0"/>
+              </a:spcAft>
+              <a:buClr>
+                <a:srgbClr val="000000"/>
+              </a:buClr>
+              <a:buSzPts val="3600"/>
+              <a:buFont typeface="Arial"/>
               <a:buNone/>
             </a:pPr>
             <a:r>
-              <a:rPr lang="en-US" sz="3600" dirty="0"/>
-              <a:t>Put Gantt Chart of </a:t>
+              <a:rPr lang="en-US" sz="4300"/>
+              <a:t>The project is currently in a working state. A would-be engineer can take an FBX model provided by a vendor, import it into Unity, and attach a single script to “deploy” it in a virtual environment--including making every different part of the model </a:t>
             </a:r>
             <a:r>
-              <a:rPr lang="en-US" sz="3600" dirty="0" smtClean="0"/>
-              <a:t> Milestones here</a:t>
+              <a:rPr lang="en-US" sz="4300"/>
+              <a:t>interactable</a:t>
             </a:r>
-            <a:endParaRPr sz="3600" dirty="0"/>
+            <a:r>
+              <a:rPr lang="en-US" sz="4300"/>
+              <a:t> in the virtual space. In testing, this can be accomplished in well under the thirty minute time mark. A new assembly can be made deployable in a couple of minutes or less.</a:t>
+            </a:r>
+            <a:endParaRPr b="0" i="0" sz="4300" u="none" cap="none" strike="noStrike">
+              <a:solidFill>
+                <a:srgbClr val="000000"/>
+              </a:solidFill>
+              <a:latin typeface="Arial"/>
+              <a:ea typeface="Arial"/>
+              <a:cs typeface="Arial"/>
+              <a:sym typeface="Arial"/>
+            </a:endParaRPr>
           </a:p>
         </p:txBody>
       </p:sp>
       <p:sp>
         <p:nvSpPr>
-          <p:cNvPr id="12" name="Shape 55"/>
+          <p:cNvPr id="56" name="Shape 56"/>
           <p:cNvSpPr txBox="1"/>
           <p:nvPr/>
         </p:nvSpPr>
         <p:spPr>
           <a:xfrm>
-            <a:off x="2890795" y="30803400"/>
-            <a:ext cx="8183700" cy="2115000"/>
+            <a:off x="29827800" y="23032900"/>
+            <a:ext cx="13281300" cy="8158200"/>
           </a:xfrm>
           <a:prstGeom prst="rect">
             <a:avLst/>
@@ -7541,37 +9091,158 @@
           </a:ln>
         </p:spPr>
         <p:txBody>
-          <a:bodyPr spcFirstLastPara="1" wrap="square" lIns="91425" tIns="91425" rIns="91425" bIns="91425" anchor="t" anchorCtr="0">
+          <a:bodyPr anchorCtr="0" anchor="t" bIns="91425" lIns="91425" spcFirstLastPara="1" rIns="91425" wrap="square" tIns="91425">
             <a:noAutofit/>
           </a:bodyPr>
           <a:lstStyle/>
           <a:p>
-            <a:pPr marL="0" lvl="0" indent="0">
-              <a:spcBef>
-                <a:spcPts val="0"/>
-              </a:spcBef>
-              <a:spcAft>
-                <a:spcPts val="0"/>
-              </a:spcAft>
+            <a:pPr indent="0" lvl="0" marL="0" marR="0" rtl="0" algn="l">
+              <a:lnSpc>
+                <a:spcPct val="100000"/>
+              </a:lnSpc>
+              <a:spcBef>
+                <a:spcPts val="0"/>
+              </a:spcBef>
+              <a:spcAft>
+                <a:spcPts val="0"/>
+              </a:spcAft>
+              <a:buClr>
+                <a:srgbClr val="000000"/>
+              </a:buClr>
+              <a:buSzPts val="3600"/>
+              <a:buFont typeface="Arial"/>
               <a:buNone/>
             </a:pPr>
             <a:r>
-              <a:rPr lang="en-US" sz="3600" dirty="0" smtClean="0"/>
-              <a:t>Table of budget</a:t>
+              <a:rPr lang="en-US" sz="4000"/>
+              <a:t>There is a wide variety of functional applications and future tools that this </a:t>
             </a:r>
+            <a:r>
+              <a:rPr lang="en-US" sz="4000"/>
+              <a:t>application</a:t>
+            </a:r>
+            <a:r>
+              <a:rPr lang="en-US" sz="4000"/>
+              <a:t> could be used for. Some of the future goals fo this project could </a:t>
+            </a:r>
+            <a:r>
+              <a:rPr lang="en-US" sz="4000"/>
+              <a:t>include:</a:t>
+            </a:r>
+            <a:endParaRPr sz="4000"/>
+          </a:p>
+          <a:p>
+            <a:pPr indent="-482600" lvl="0" marL="1371600" marR="0" rtl="0" algn="l">
+              <a:lnSpc>
+                <a:spcPct val="100000"/>
+              </a:lnSpc>
+              <a:spcBef>
+                <a:spcPts val="0"/>
+              </a:spcBef>
+              <a:spcAft>
+                <a:spcPts val="0"/>
+              </a:spcAft>
+              <a:buSzPts val="4000"/>
+              <a:buChar char="●"/>
+            </a:pPr>
+            <a:r>
+              <a:rPr lang="en-US" sz="4000"/>
+              <a:t>Use of tools to help engineer associate proper assembly procedure</a:t>
+            </a:r>
+            <a:endParaRPr sz="4000"/>
+          </a:p>
+          <a:p>
+            <a:pPr indent="-482600" lvl="0" marL="1371600" marR="0" rtl="0" algn="l">
+              <a:lnSpc>
+                <a:spcPct val="100000"/>
+              </a:lnSpc>
+              <a:spcBef>
+                <a:spcPts val="0"/>
+              </a:spcBef>
+              <a:spcAft>
+                <a:spcPts val="0"/>
+              </a:spcAft>
+              <a:buSzPts val="4000"/>
+              <a:buChar char="●"/>
+            </a:pPr>
+            <a:r>
+              <a:rPr lang="en-US" sz="4000"/>
+              <a:t>The separation and compression of parts for obtain different perspectives on the item</a:t>
+            </a:r>
+            <a:endParaRPr sz="4000"/>
+          </a:p>
+          <a:p>
+            <a:pPr indent="-482600" lvl="0" marL="1371600" marR="0" rtl="0" algn="l">
+              <a:lnSpc>
+                <a:spcPct val="100000"/>
+              </a:lnSpc>
+              <a:spcBef>
+                <a:spcPts val="0"/>
+              </a:spcBef>
+              <a:spcAft>
+                <a:spcPts val="0"/>
+              </a:spcAft>
+              <a:buSzPts val="4000"/>
+              <a:buChar char="●"/>
+            </a:pPr>
+            <a:r>
+              <a:rPr lang="en-US" sz="4000"/>
+              <a:t>Making some parts only buildable when using a certain tool (i.e. need  a screwdriver for screws)</a:t>
+            </a:r>
+            <a:endParaRPr sz="4000"/>
+          </a:p>
+          <a:p>
+            <a:pPr indent="-482600" lvl="0" marL="1371600" marR="0" rtl="0" algn="l">
+              <a:lnSpc>
+                <a:spcPct val="100000"/>
+              </a:lnSpc>
+              <a:spcBef>
+                <a:spcPts val="0"/>
+              </a:spcBef>
+              <a:spcAft>
+                <a:spcPts val="0"/>
+              </a:spcAft>
+              <a:buSzPts val="4000"/>
+              <a:buChar char="●"/>
+            </a:pPr>
+            <a:r>
+              <a:rPr lang="en-US" sz="4000"/>
+              <a:t>Timing of user assembly for competitive interaction between users</a:t>
+            </a:r>
+            <a:endParaRPr sz="4000"/>
+          </a:p>
+          <a:p>
+            <a:pPr indent="-482600" lvl="0" marL="1371600" marR="0" rtl="0" algn="l">
+              <a:lnSpc>
+                <a:spcPct val="100000"/>
+              </a:lnSpc>
+              <a:spcBef>
+                <a:spcPts val="0"/>
+              </a:spcBef>
+              <a:spcAft>
+                <a:spcPts val="0"/>
+              </a:spcAft>
+              <a:buSzPts val="4000"/>
+              <a:buChar char="●"/>
+            </a:pPr>
+            <a:r>
+              <a:rPr lang="en-US" sz="4000"/>
+              <a:t>Concise UI for entering data and generating order of assembly</a:t>
+            </a:r>
+            <a:endParaRPr sz="4000"/>
           </a:p>
         </p:txBody>
       </p:sp>
       <p:sp>
         <p:nvSpPr>
-          <p:cNvPr id="13" name="Shape 55"/>
+          <p:cNvPr id="57" name="Shape 57"/>
           <p:cNvSpPr txBox="1"/>
           <p:nvPr/>
         </p:nvSpPr>
         <p:spPr>
           <a:xfrm>
-            <a:off x="3299965" y="10184638"/>
-            <a:ext cx="8183700" cy="2115000"/>
+            <a:off x="15300959" y="302039"/>
+            <a:ext cx="27746178" cy="3743575"/>
           </a:xfrm>
           <a:prstGeom prst="rect">
             <a:avLst/>
@@ -7582,435 +9253,281 @@
           </a:ln>
         </p:spPr>
         <p:txBody>
-          <a:bodyPr spcFirstLastPara="1" wrap="square" lIns="91425" tIns="91425" rIns="91425" bIns="91425" anchor="t" anchorCtr="0">
+          <a:bodyPr anchorCtr="0" anchor="t" bIns="91425" lIns="91425" spcFirstLastPara="1" rIns="91425" wrap="square" tIns="91425">
             <a:noAutofit/>
           </a:bodyPr>
           <a:lstStyle/>
           <a:p>
-            <a:pPr marL="0" lvl="0" indent="0">
-              <a:spcBef>
-                <a:spcPts val="0"/>
-              </a:spcBef>
-              <a:spcAft>
-                <a:spcPts val="0"/>
-              </a:spcAft>
+            <a:pPr indent="0" lvl="0" marL="0" marR="0" rtl="0" algn="ctr">
+              <a:lnSpc>
+                <a:spcPct val="100000"/>
+              </a:lnSpc>
+              <a:spcBef>
+                <a:spcPts val="0"/>
+              </a:spcBef>
+              <a:spcAft>
+                <a:spcPts val="0"/>
+              </a:spcAft>
+              <a:buClr>
+                <a:srgbClr val="000000"/>
+              </a:buClr>
+              <a:buSzPts val="6600"/>
+              <a:buFont typeface="Arial"/>
               <a:buNone/>
             </a:pPr>
             <a:r>
-              <a:rPr lang="en-US" sz="3600" dirty="0" smtClean="0"/>
-              <a:t>Something about not getting parts in time yada-yada</a:t>
+              <a:rPr b="1" i="0" lang="en-US" sz="6600" u="none" cap="none" strike="noStrike">
+                <a:solidFill>
+                  <a:schemeClr val="lt1"/>
+                </a:solidFill>
+                <a:latin typeface="Arial"/>
+                <a:ea typeface="Arial"/>
+                <a:cs typeface="Arial"/>
+                <a:sym typeface="Arial"/>
+              </a:rPr>
+              <a:t>Beautiful-Open-Ended-INterior-Graphics</a:t>
             </a:r>
-            <a:endParaRPr sz="3600" dirty="0"/>
+            <a:endParaRPr/>
+          </a:p>
+          <a:p>
+            <a:pPr indent="0" lvl="0" marL="0" marR="0" rtl="0" algn="ctr">
+              <a:lnSpc>
+                <a:spcPct val="100000"/>
+              </a:lnSpc>
+              <a:spcBef>
+                <a:spcPts val="0"/>
+              </a:spcBef>
+              <a:spcAft>
+                <a:spcPts val="0"/>
+              </a:spcAft>
+              <a:buClr>
+                <a:srgbClr val="000000"/>
+              </a:buClr>
+              <a:buSzPts val="4800"/>
+              <a:buFont typeface="Arial"/>
+              <a:buNone/>
+            </a:pPr>
+            <a:r>
+              <a:rPr b="1" i="0" lang="en-US" sz="4800" u="none" cap="none" strike="noStrike">
+                <a:solidFill>
+                  <a:schemeClr val="lt1"/>
+                </a:solidFill>
+                <a:latin typeface="Arial"/>
+                <a:ea typeface="Arial"/>
+                <a:cs typeface="Arial"/>
+                <a:sym typeface="Arial"/>
+              </a:rPr>
+              <a:t>Robert Jones – Christopher Bowling – Ian Finch – Christopher Skeen – Stephen Reaves</a:t>
+            </a:r>
+            <a:endParaRPr/>
+          </a:p>
+          <a:p>
+            <a:pPr indent="0" lvl="0" marL="0" marR="0" rtl="0" algn="ctr">
+              <a:lnSpc>
+                <a:spcPct val="100000"/>
+              </a:lnSpc>
+              <a:spcBef>
+                <a:spcPts val="0"/>
+              </a:spcBef>
+              <a:spcAft>
+                <a:spcPts val="0"/>
+              </a:spcAft>
+              <a:buClr>
+                <a:srgbClr val="000000"/>
+              </a:buClr>
+              <a:buSzPts val="4800"/>
+              <a:buFont typeface="Arial"/>
+              <a:buNone/>
+            </a:pPr>
+            <a:r>
+              <a:rPr b="1" i="0" lang="en-US" sz="4800" u="none" cap="none" strike="noStrike">
+                <a:solidFill>
+                  <a:schemeClr val="lt1"/>
+                </a:solidFill>
+                <a:latin typeface="Arial"/>
+                <a:ea typeface="Arial"/>
+                <a:cs typeface="Arial"/>
+                <a:sym typeface="Arial"/>
+              </a:rPr>
+              <a:t>Project Sponsor: Eric Hatch, Kyle Starck, Joe Clegg, Alex Starnes – Boeing</a:t>
+            </a:r>
+            <a:endParaRPr/>
+          </a:p>
+          <a:p>
+            <a:pPr indent="0" lvl="0" marL="0" marR="0" rtl="0" algn="ctr">
+              <a:lnSpc>
+                <a:spcPct val="100000"/>
+              </a:lnSpc>
+              <a:spcBef>
+                <a:spcPts val="0"/>
+              </a:spcBef>
+              <a:spcAft>
+                <a:spcPts val="0"/>
+              </a:spcAft>
+              <a:buClr>
+                <a:srgbClr val="000000"/>
+              </a:buClr>
+              <a:buSzPts val="4800"/>
+              <a:buFont typeface="Arial"/>
+              <a:buNone/>
+            </a:pPr>
+            <a:r>
+              <a:rPr b="1" i="0" lang="en-US" sz="4800" u="none" cap="none" strike="noStrike">
+                <a:solidFill>
+                  <a:schemeClr val="lt1"/>
+                </a:solidFill>
+                <a:latin typeface="Arial"/>
+                <a:ea typeface="Arial"/>
+                <a:cs typeface="Arial"/>
+                <a:sym typeface="Arial"/>
+              </a:rPr>
+              <a:t>Instructors: Dr. Jose Vidal, Hongkai Yu (TA), Bridget Parsons (TA)</a:t>
+            </a:r>
+            <a:endParaRPr/>
+          </a:p>
+          <a:p>
+            <a:pPr indent="0" lvl="0" marL="0" marR="0" rtl="0" algn="ctr">
+              <a:lnSpc>
+                <a:spcPct val="100000"/>
+              </a:lnSpc>
+              <a:spcBef>
+                <a:spcPts val="0"/>
+              </a:spcBef>
+              <a:spcAft>
+                <a:spcPts val="0"/>
+              </a:spcAft>
+              <a:buClr>
+                <a:srgbClr val="000000"/>
+              </a:buClr>
+              <a:buSzPts val="4800"/>
+              <a:buFont typeface="Arial"/>
+              <a:buNone/>
+            </a:pPr>
+            <a:r>
+              <a:rPr b="1" i="0" lang="en-US" sz="4800" u="none" cap="none" strike="noStrike">
+                <a:solidFill>
+                  <a:schemeClr val="lt1"/>
+                </a:solidFill>
+                <a:latin typeface="Arial"/>
+                <a:ea typeface="Arial"/>
+                <a:cs typeface="Arial"/>
+                <a:sym typeface="Arial"/>
+              </a:rPr>
+              <a:t>Computer Science / Computer Engineering Capstone Project – University of South Carolina</a:t>
+            </a:r>
+            <a:endParaRPr b="1" i="0" sz="4400" u="none" cap="none" strike="noStrike">
+              <a:solidFill>
+                <a:schemeClr val="lt1"/>
+              </a:solidFill>
+              <a:latin typeface="Arial"/>
+              <a:ea typeface="Arial"/>
+              <a:cs typeface="Arial"/>
+              <a:sym typeface="Arial"/>
+            </a:endParaRPr>
           </a:p>
         </p:txBody>
       </p:sp>
-      <p:sp>
-        <p:nvSpPr>
-          <p:cNvPr id="14" name="Shape 55"/>
-          <p:cNvSpPr txBox="1"/>
+      <p:pic>
+        <p:nvPicPr>
+          <p:cNvPr id="58" name="Shape 58"/>
+          <p:cNvPicPr preferRelativeResize="0"/>
           <p:nvPr/>
-        </p:nvSpPr>
+        </p:nvPicPr>
+        <p:blipFill>
+          <a:blip r:embed="rId4">
+            <a:alphaModFix/>
+          </a:blip>
+          <a:stretch>
+            <a:fillRect/>
+          </a:stretch>
+        </p:blipFill>
         <p:spPr>
           <a:xfrm>
-            <a:off x="3299965" y="22658072"/>
-            <a:ext cx="8183700" cy="2115000"/>
+            <a:off x="13838775" y="23032900"/>
+            <a:ext cx="14747253" cy="7230986"/>
           </a:xfrm>
           <a:prstGeom prst="rect">
             <a:avLst/>
           </a:prstGeom>
           <a:noFill/>
-          <a:ln>
-            <a:noFill/>
+          <a:ln cap="flat" cmpd="sng" w="38100">
+            <a:solidFill>
+              <a:schemeClr val="dk2"/>
+            </a:solidFill>
+            <a:prstDash val="solid"/>
+            <a:round/>
+            <a:headEnd len="sm" w="sm" type="none"/>
+            <a:tailEnd len="sm" w="sm" type="none"/>
           </a:ln>
         </p:spPr>
-        <p:txBody>
-          <a:bodyPr spcFirstLastPara="1" wrap="square" lIns="91425" tIns="91425" rIns="91425" bIns="91425" anchor="t" anchorCtr="0">
-            <a:noAutofit/>
-          </a:bodyPr>
-          <a:lstStyle/>
-          <a:p>
-            <a:pPr marL="0" lvl="0" indent="0">
-              <a:spcBef>
-                <a:spcPts val="0"/>
-              </a:spcBef>
-              <a:spcAft>
-                <a:spcPts val="0"/>
-              </a:spcAft>
-              <a:buNone/>
-            </a:pPr>
-            <a:r>
-              <a:rPr lang="en-US" sz="3600" dirty="0" smtClean="0"/>
-              <a:t>Talk </a:t>
-            </a:r>
-            <a:r>
-              <a:rPr lang="en-US" sz="3600" dirty="0" err="1" smtClean="0"/>
-              <a:t>genereically</a:t>
-            </a:r>
-            <a:r>
-              <a:rPr lang="en-US" sz="3600" dirty="0" smtClean="0"/>
-              <a:t> about using VR to solve problem.  Maybe use charts</a:t>
-            </a:r>
-            <a:endParaRPr sz="3600" dirty="0"/>
-          </a:p>
-        </p:txBody>
-      </p:sp>
-      <p:sp>
-        <p:nvSpPr>
-          <p:cNvPr id="15" name="Shape 55"/>
-          <p:cNvSpPr txBox="1"/>
+      </p:pic>
+      <p:pic>
+        <p:nvPicPr>
+          <p:cNvPr id="59" name="Shape 59"/>
+          <p:cNvPicPr preferRelativeResize="0"/>
           <p:nvPr/>
-        </p:nvSpPr>
+        </p:nvPicPr>
+        <p:blipFill>
+          <a:blip r:embed="rId5">
+            <a:alphaModFix/>
+          </a:blip>
+          <a:stretch>
+            <a:fillRect/>
+          </a:stretch>
+        </p:blipFill>
         <p:spPr>
           <a:xfrm>
-            <a:off x="17302947" y="10019256"/>
-            <a:ext cx="8183700" cy="2115000"/>
+            <a:off x="1535137" y="25385000"/>
+            <a:ext cx="10942130" cy="6619099"/>
           </a:xfrm>
           <a:prstGeom prst="rect">
             <a:avLst/>
           </a:prstGeom>
           <a:noFill/>
-          <a:ln>
-            <a:noFill/>
+          <a:ln cap="flat" cmpd="sng" w="76200">
+            <a:solidFill>
+              <a:schemeClr val="dk2"/>
+            </a:solidFill>
+            <a:prstDash val="solid"/>
+            <a:round/>
+            <a:headEnd len="sm" w="sm" type="none"/>
+            <a:tailEnd len="sm" w="sm" type="none"/>
           </a:ln>
         </p:spPr>
-        <p:txBody>
-          <a:bodyPr spcFirstLastPara="1" wrap="square" lIns="91425" tIns="91425" rIns="91425" bIns="91425" anchor="t" anchorCtr="0">
-            <a:noAutofit/>
-          </a:bodyPr>
-          <a:lstStyle/>
-          <a:p>
-            <a:pPr marL="0" lvl="0" indent="0">
-              <a:spcBef>
-                <a:spcPts val="0"/>
-              </a:spcBef>
-              <a:spcAft>
-                <a:spcPts val="0"/>
-              </a:spcAft>
-              <a:buNone/>
-            </a:pPr>
-            <a:r>
-              <a:rPr lang="en-US" sz="3600" dirty="0" smtClean="0"/>
-              <a:t>Specifically what are we implementing</a:t>
-            </a:r>
-            <a:endParaRPr sz="3600" dirty="0"/>
-          </a:p>
-        </p:txBody>
-      </p:sp>
-      <p:sp>
-        <p:nvSpPr>
-          <p:cNvPr id="16" name="Shape 55"/>
-          <p:cNvSpPr txBox="1"/>
+      </p:pic>
+      <p:pic>
+        <p:nvPicPr>
+          <p:cNvPr id="60" name="Shape 60"/>
+          <p:cNvPicPr preferRelativeResize="0"/>
           <p:nvPr/>
-        </p:nvSpPr>
+        </p:nvPicPr>
+        <p:blipFill rotWithShape="1">
+          <a:blip r:embed="rId6">
+            <a:alphaModFix/>
+          </a:blip>
+          <a:srcRect b="0" l="0" r="24419" t="0"/>
+          <a:stretch/>
+        </p:blipFill>
         <p:spPr>
           <a:xfrm>
-            <a:off x="32314640" y="11242138"/>
-            <a:ext cx="8183700" cy="2115000"/>
+            <a:off x="29765850" y="12624800"/>
+            <a:ext cx="13281277" cy="7079426"/>
           </a:xfrm>
           <a:prstGeom prst="rect">
             <a:avLst/>
           </a:prstGeom>
           <a:noFill/>
-          <a:ln>
-            <a:noFill/>
+          <a:ln cap="flat" cmpd="sng" w="76200">
+            <a:solidFill>
+              <a:schemeClr val="dk2"/>
+            </a:solidFill>
+            <a:prstDash val="solid"/>
+            <a:round/>
+            <a:headEnd len="sm" w="sm" type="none"/>
+            <a:tailEnd len="sm" w="sm" type="none"/>
           </a:ln>
         </p:spPr>
-        <p:txBody>
-          <a:bodyPr spcFirstLastPara="1" wrap="square" lIns="91425" tIns="91425" rIns="91425" bIns="91425" anchor="t" anchorCtr="0">
-            <a:noAutofit/>
-          </a:bodyPr>
-          <a:lstStyle/>
-          <a:p>
-            <a:pPr marL="0" lvl="0" indent="0">
-              <a:spcBef>
-                <a:spcPts val="0"/>
-              </a:spcBef>
-              <a:spcAft>
-                <a:spcPts val="0"/>
-              </a:spcAft>
-              <a:buNone/>
-            </a:pPr>
-            <a:r>
-              <a:rPr lang="en-US" sz="3600" dirty="0" smtClean="0"/>
-              <a:t>Recap of Milestone 17</a:t>
-            </a:r>
-          </a:p>
-          <a:p>
-            <a:pPr marL="0" lvl="0" indent="0">
-              <a:spcBef>
-                <a:spcPts val="0"/>
-              </a:spcBef>
-              <a:spcAft>
-                <a:spcPts val="0"/>
-              </a:spcAft>
-              <a:buNone/>
-            </a:pPr>
-            <a:r>
-              <a:rPr lang="en-US" sz="3600" dirty="0" smtClean="0"/>
-              <a:t>Use Screenshots</a:t>
-            </a:r>
-            <a:endParaRPr sz="3600" dirty="0"/>
-          </a:p>
-        </p:txBody>
-      </p:sp>
-      <p:sp>
-        <p:nvSpPr>
-          <p:cNvPr id="17" name="Shape 55"/>
-          <p:cNvSpPr txBox="1"/>
-          <p:nvPr/>
-        </p:nvSpPr>
-        <p:spPr>
-          <a:xfrm>
-            <a:off x="17287560" y="21600572"/>
-            <a:ext cx="8183700" cy="2115000"/>
-          </a:xfrm>
-          <a:prstGeom prst="rect">
-            <a:avLst/>
-          </a:prstGeom>
-          <a:noFill/>
-          <a:ln>
-            <a:noFill/>
-          </a:ln>
-        </p:spPr>
-        <p:txBody>
-          <a:bodyPr spcFirstLastPara="1" wrap="square" lIns="91425" tIns="91425" rIns="91425" bIns="91425" anchor="t" anchorCtr="0">
-            <a:noAutofit/>
-          </a:bodyPr>
-          <a:lstStyle/>
-          <a:p>
-            <a:pPr marL="0" lvl="0" indent="0">
-              <a:spcBef>
-                <a:spcPts val="0"/>
-              </a:spcBef>
-              <a:spcAft>
-                <a:spcPts val="0"/>
-              </a:spcAft>
-              <a:buNone/>
-            </a:pPr>
-            <a:r>
-              <a:rPr lang="en-US" sz="3600" dirty="0" smtClean="0"/>
-              <a:t>Talk about stretch goals</a:t>
-            </a:r>
-            <a:endParaRPr sz="3600" dirty="0"/>
-          </a:p>
-        </p:txBody>
-      </p:sp>
-      <p:sp>
-        <p:nvSpPr>
-          <p:cNvPr id="18" name="Shape 55"/>
-          <p:cNvSpPr txBox="1"/>
-          <p:nvPr/>
-        </p:nvSpPr>
-        <p:spPr>
-          <a:xfrm>
-            <a:off x="32314640" y="24226093"/>
-            <a:ext cx="8183700" cy="2115000"/>
-          </a:xfrm>
-          <a:prstGeom prst="rect">
-            <a:avLst/>
-          </a:prstGeom>
-          <a:noFill/>
-          <a:ln>
-            <a:noFill/>
-          </a:ln>
-        </p:spPr>
-        <p:txBody>
-          <a:bodyPr spcFirstLastPara="1" wrap="square" lIns="91425" tIns="91425" rIns="91425" bIns="91425" anchor="t" anchorCtr="0">
-            <a:noAutofit/>
-          </a:bodyPr>
-          <a:lstStyle/>
-          <a:p>
-            <a:pPr marL="0" lvl="0" indent="0">
-              <a:spcBef>
-                <a:spcPts val="0"/>
-              </a:spcBef>
-              <a:spcAft>
-                <a:spcPts val="0"/>
-              </a:spcAft>
-              <a:buNone/>
-            </a:pPr>
-            <a:r>
-              <a:rPr lang="en-US" sz="3600" dirty="0" smtClean="0"/>
-              <a:t>KYLEEEEEEE</a:t>
-            </a:r>
-            <a:endParaRPr sz="3600" dirty="0"/>
-          </a:p>
-        </p:txBody>
-      </p:sp>
-      <p:sp>
-        <p:nvSpPr>
-          <p:cNvPr id="19" name="Shape 55"/>
-          <p:cNvSpPr txBox="1"/>
-          <p:nvPr/>
-        </p:nvSpPr>
-        <p:spPr>
-          <a:xfrm>
-            <a:off x="15300960" y="302039"/>
-            <a:ext cx="27746177" cy="3743575"/>
-          </a:xfrm>
-          <a:prstGeom prst="rect">
-            <a:avLst/>
-          </a:prstGeom>
-          <a:noFill/>
-          <a:ln>
-            <a:noFill/>
-          </a:ln>
-        </p:spPr>
-        <p:txBody>
-          <a:bodyPr spcFirstLastPara="1" wrap="square" lIns="91425" tIns="91425" rIns="91425" bIns="91425" anchor="t" anchorCtr="0">
-            <a:noAutofit/>
-          </a:bodyPr>
-          <a:lstStyle/>
-          <a:p>
-            <a:pPr marL="0" lvl="0" indent="0" algn="ctr">
-              <a:spcBef>
-                <a:spcPts val="0"/>
-              </a:spcBef>
-              <a:spcAft>
-                <a:spcPts val="0"/>
-              </a:spcAft>
-              <a:buNone/>
-            </a:pPr>
-            <a:r>
-              <a:rPr lang="en-US" sz="6600" b="1" dirty="0" smtClean="0">
-                <a:solidFill>
-                  <a:schemeClr val="bg1"/>
-                </a:solidFill>
-              </a:rPr>
-              <a:t>Beautiful-Open-Ended-</a:t>
-            </a:r>
-            <a:r>
-              <a:rPr lang="en-US" sz="6600" b="1" dirty="0" err="1" smtClean="0">
-                <a:solidFill>
-                  <a:schemeClr val="bg1"/>
-                </a:solidFill>
-              </a:rPr>
-              <a:t>INterior</a:t>
-            </a:r>
-            <a:r>
-              <a:rPr lang="en-US" sz="6600" b="1" dirty="0" smtClean="0">
-                <a:solidFill>
-                  <a:schemeClr val="bg1"/>
-                </a:solidFill>
-              </a:rPr>
-              <a:t>-Graphics</a:t>
-            </a:r>
-          </a:p>
-          <a:p>
-            <a:pPr marL="0" lvl="0" indent="0" algn="ctr">
-              <a:spcBef>
-                <a:spcPts val="0"/>
-              </a:spcBef>
-              <a:spcAft>
-                <a:spcPts val="0"/>
-              </a:spcAft>
-              <a:buNone/>
-            </a:pPr>
-            <a:r>
-              <a:rPr lang="en-US" sz="4800" b="1" dirty="0" smtClean="0">
-                <a:solidFill>
-                  <a:schemeClr val="bg1"/>
-                </a:solidFill>
-              </a:rPr>
-              <a:t>Robert Jones – Christopher Bowling – Ian Finch – Christopher Skeen – Stephen Reaves</a:t>
-            </a:r>
-          </a:p>
-          <a:p>
-            <a:pPr marL="0" lvl="0" indent="0" algn="ctr">
-              <a:spcBef>
-                <a:spcPts val="0"/>
-              </a:spcBef>
-              <a:spcAft>
-                <a:spcPts val="0"/>
-              </a:spcAft>
-              <a:buNone/>
-            </a:pPr>
-            <a:r>
-              <a:rPr lang="en-US" sz="4800" b="1" dirty="0" smtClean="0">
-                <a:solidFill>
-                  <a:schemeClr val="bg1"/>
-                </a:solidFill>
-              </a:rPr>
-              <a:t>Project Sponsor: Eric Hatch, Kyle </a:t>
-            </a:r>
-            <a:r>
-              <a:rPr lang="en-US" sz="4800" b="1" dirty="0" err="1" smtClean="0">
-                <a:solidFill>
-                  <a:schemeClr val="bg1"/>
-                </a:solidFill>
-              </a:rPr>
-              <a:t>Starck</a:t>
-            </a:r>
-            <a:r>
-              <a:rPr lang="en-US" sz="4800" b="1" dirty="0" smtClean="0">
-                <a:solidFill>
-                  <a:schemeClr val="bg1"/>
-                </a:solidFill>
-              </a:rPr>
-              <a:t>, Joe Clegg, Alex Starnes – Boeing</a:t>
-            </a:r>
-          </a:p>
-          <a:p>
-            <a:pPr marL="0" lvl="0" indent="0" algn="ctr">
-              <a:spcBef>
-                <a:spcPts val="0"/>
-              </a:spcBef>
-              <a:spcAft>
-                <a:spcPts val="0"/>
-              </a:spcAft>
-              <a:buNone/>
-            </a:pPr>
-            <a:r>
-              <a:rPr lang="en-US" sz="4800" b="1" dirty="0" smtClean="0">
-                <a:solidFill>
-                  <a:schemeClr val="bg1"/>
-                </a:solidFill>
-              </a:rPr>
-              <a:t>Instructors: Dr. Jose Vidal, </a:t>
-            </a:r>
-            <a:r>
-              <a:rPr lang="en-US" sz="4800" b="1" dirty="0" err="1" smtClean="0">
-                <a:solidFill>
-                  <a:schemeClr val="bg1"/>
-                </a:solidFill>
-              </a:rPr>
-              <a:t>Hongkai</a:t>
-            </a:r>
-            <a:r>
-              <a:rPr lang="en-US" sz="4800" b="1" dirty="0" smtClean="0">
-                <a:solidFill>
-                  <a:schemeClr val="bg1"/>
-                </a:solidFill>
-              </a:rPr>
-              <a:t> Yu (TA), Bridget Parsons (TA)</a:t>
-            </a:r>
-          </a:p>
-          <a:p>
-            <a:pPr marL="0" lvl="0" indent="0" algn="ctr">
-              <a:spcBef>
-                <a:spcPts val="0"/>
-              </a:spcBef>
-              <a:spcAft>
-                <a:spcPts val="0"/>
-              </a:spcAft>
-              <a:buNone/>
-            </a:pPr>
-            <a:r>
-              <a:rPr lang="en-US" sz="4800" b="1" dirty="0" smtClean="0">
-                <a:solidFill>
-                  <a:schemeClr val="bg1"/>
-                </a:solidFill>
-              </a:rPr>
-              <a:t>Computer Science / Computer Engineering Capstone Project – University of South Carolina</a:t>
-            </a:r>
-            <a:endParaRPr sz="4400" b="1" dirty="0">
-              <a:solidFill>
-                <a:schemeClr val="bg1"/>
-              </a:solidFill>
-            </a:endParaRPr>
-          </a:p>
-        </p:txBody>
-      </p:sp>
+      </p:pic>
     </p:spTree>
   </p:cSld>
   <p:clrMapOvr>
@@ -8020,7 +9537,7 @@
 </file>
 
 <file path=ppt/theme/theme1.xml><?xml version="1.0" encoding="utf-8"?>
-<a:theme xmlns:a="http://schemas.openxmlformats.org/drawingml/2006/main" name="PP_Template_Style2_Header">
+<a:theme xmlns:a="http://schemas.openxmlformats.org/drawingml/2006/main" xmlns:r="http://schemas.openxmlformats.org/officeDocument/2006/relationships" name="Office Theme">
   <a:themeElements>
     <a:clrScheme name="Office">
       <a:dk1>
@@ -8295,13 +9812,11 @@
       </a:bgFillStyleLst>
     </a:fmtScheme>
   </a:themeElements>
-  <a:objectDefaults/>
-  <a:extraClrSchemeLst/>
 </a:theme>
 </file>
 
 <file path=ppt/theme/theme2.xml><?xml version="1.0" encoding="utf-8"?>
-<a:theme xmlns:a="http://schemas.openxmlformats.org/drawingml/2006/main" name="Office Theme">
+<a:theme xmlns:a="http://schemas.openxmlformats.org/drawingml/2006/main" xmlns:r="http://schemas.openxmlformats.org/officeDocument/2006/relationships" name="PP_Template_Style2_Header">
   <a:themeElements>
     <a:clrScheme name="Office">
       <a:dk1>
@@ -8576,7 +10091,5 @@
       </a:bgFillStyleLst>
     </a:fmtScheme>
   </a:themeElements>
-  <a:objectDefaults/>
-  <a:extraClrSchemeLst/>
 </a:theme>
 </file>